--- a/Dan’s Certification Journey - Part 1.pptx
+++ b/Dan’s Certification Journey - Part 1.pptx
@@ -22,15 +22,15 @@
     <p:sldId id="262" r:id="rId13"/>
     <p:sldId id="260" r:id="rId14"/>
     <p:sldId id="266" r:id="rId15"/>
-    <p:sldId id="276" r:id="rId16"/>
+    <p:sldId id="279" r:id="rId16"/>
     <p:sldId id="277" r:id="rId17"/>
     <p:sldId id="267" r:id="rId18"/>
     <p:sldId id="278" r:id="rId19"/>
-    <p:sldId id="271" r:id="rId20"/>
-    <p:sldId id="272" r:id="rId21"/>
-    <p:sldId id="273" r:id="rId22"/>
-    <p:sldId id="275" r:id="rId23"/>
-    <p:sldId id="274" r:id="rId24"/>
+    <p:sldId id="273" r:id="rId20"/>
+    <p:sldId id="275" r:id="rId21"/>
+    <p:sldId id="274" r:id="rId22"/>
+    <p:sldId id="272" r:id="rId23"/>
+    <p:sldId id="280" r:id="rId24"/>
   </p:sldIdLst>
   <p:sldSz cx="12192000" cy="6858000"/>
   <p:notesSz cx="6858000" cy="9144000"/>
@@ -733,7 +733,7 @@
           <a:p>
             <a:fld id="{08EC57A4-9AF6-43F7-9579-88F447FBCD62}" type="datetimeFigureOut">
               <a:rPr lang="en-AU" smtClean="0"/>
-              <a:t>22/02/2025</a:t>
+              <a:t>5/04/2025</a:t>
             </a:fld>
             <a:endParaRPr lang="en-AU"/>
           </a:p>
@@ -1150,7 +1150,7 @@
           <a:p>
             <a:fld id="{F61FA952-71CC-4F8C-8A1E-D4CDECACA730}" type="datetime1">
               <a:rPr lang="en-AU" smtClean="0"/>
-              <a:t>22/02/2025</a:t>
+              <a:t>5/04/2025</a:t>
             </a:fld>
             <a:endParaRPr lang="en-AU"/>
           </a:p>
@@ -1350,7 +1350,7 @@
           <a:p>
             <a:fld id="{242EEBCA-13EB-4CC9-BF31-5BBEE91A65A2}" type="datetime1">
               <a:rPr lang="en-AU" smtClean="0"/>
-              <a:t>22/02/2025</a:t>
+              <a:t>5/04/2025</a:t>
             </a:fld>
             <a:endParaRPr lang="en-AU"/>
           </a:p>
@@ -1560,7 +1560,7 @@
           <a:p>
             <a:fld id="{E2A14B94-1E1E-499B-8DC1-B522AC845A40}" type="datetime1">
               <a:rPr lang="en-AU" smtClean="0"/>
-              <a:t>22/02/2025</a:t>
+              <a:t>5/04/2025</a:t>
             </a:fld>
             <a:endParaRPr lang="en-AU"/>
           </a:p>
@@ -1760,7 +1760,7 @@
           <a:p>
             <a:fld id="{D3F2032B-9E5E-4028-85E2-E19ED219B8C7}" type="datetime1">
               <a:rPr lang="en-AU" smtClean="0"/>
-              <a:t>22/02/2025</a:t>
+              <a:t>5/04/2025</a:t>
             </a:fld>
             <a:endParaRPr lang="en-AU"/>
           </a:p>
@@ -2036,7 +2036,7 @@
           <a:p>
             <a:fld id="{F957D672-AD8C-496C-88BB-66AF0BB5A5A2}" type="datetime1">
               <a:rPr lang="en-AU" smtClean="0"/>
-              <a:t>22/02/2025</a:t>
+              <a:t>5/04/2025</a:t>
             </a:fld>
             <a:endParaRPr lang="en-AU"/>
           </a:p>
@@ -2304,7 +2304,7 @@
           <a:p>
             <a:fld id="{DFA246D6-F78F-41E9-B45C-64B05B800AF7}" type="datetime1">
               <a:rPr lang="en-AU" smtClean="0"/>
-              <a:t>22/02/2025</a:t>
+              <a:t>5/04/2025</a:t>
             </a:fld>
             <a:endParaRPr lang="en-AU"/>
           </a:p>
@@ -2719,7 +2719,7 @@
           <a:p>
             <a:fld id="{D8DE361D-9D8C-490B-85C4-C491D5C52750}" type="datetime1">
               <a:rPr lang="en-AU" smtClean="0"/>
-              <a:t>22/02/2025</a:t>
+              <a:t>5/04/2025</a:t>
             </a:fld>
             <a:endParaRPr lang="en-AU"/>
           </a:p>
@@ -2861,7 +2861,7 @@
           <a:p>
             <a:fld id="{183FA24E-6196-4827-B83B-41203FF9867B}" type="datetime1">
               <a:rPr lang="en-AU" smtClean="0"/>
-              <a:t>22/02/2025</a:t>
+              <a:t>5/04/2025</a:t>
             </a:fld>
             <a:endParaRPr lang="en-AU"/>
           </a:p>
@@ -2974,7 +2974,7 @@
           <a:p>
             <a:fld id="{A7CD42FF-942E-416B-A9C7-2E5A13BA46C1}" type="datetime1">
               <a:rPr lang="en-AU" smtClean="0"/>
-              <a:t>22/02/2025</a:t>
+              <a:t>5/04/2025</a:t>
             </a:fld>
             <a:endParaRPr lang="en-AU"/>
           </a:p>
@@ -3287,7 +3287,7 @@
           <a:p>
             <a:fld id="{5FCF106C-DF8A-4EEE-8486-F3670FDF5D64}" type="datetime1">
               <a:rPr lang="en-AU" smtClean="0"/>
-              <a:t>22/02/2025</a:t>
+              <a:t>5/04/2025</a:t>
             </a:fld>
             <a:endParaRPr lang="en-AU"/>
           </a:p>
@@ -3576,7 +3576,7 @@
           <a:p>
             <a:fld id="{939046B5-93F3-4F0C-BAC5-3FB9BF9650EA}" type="datetime1">
               <a:rPr lang="en-AU" smtClean="0"/>
-              <a:t>22/02/2025</a:t>
+              <a:t>5/04/2025</a:t>
             </a:fld>
             <a:endParaRPr lang="en-AU"/>
           </a:p>
@@ -3819,7 +3819,7 @@
           <a:p>
             <a:fld id="{713AD98A-663D-4EB2-997C-19BA3BC8B086}" type="datetime1">
               <a:rPr lang="en-AU" smtClean="0"/>
-              <a:t>22/02/2025</a:t>
+              <a:t>5/04/2025</a:t>
             </a:fld>
             <a:endParaRPr lang="en-AU"/>
           </a:p>
@@ -4560,7 +4560,7 @@
           <a:p>
             <a:r>
               <a:rPr lang="en-GB" dirty="0"/>
-              <a:t>Encoding: Getting Information Into Memory</a:t>
+              <a:t>Encoding: Getting information into memory</a:t>
             </a:r>
             <a:endParaRPr lang="en-AU" dirty="0"/>
           </a:p>
@@ -4602,7 +4602,7 @@
             </a:r>
             <a:r>
               <a:rPr lang="en-GB" dirty="0"/>
-              <a:t> involves focusing awareness on a narrowed range of stimuli or events  </a:t>
+              <a:t> involves focusing awareness on a narrowed range of stimuli or events</a:t>
             </a:r>
           </a:p>
           <a:p>
@@ -5003,7 +5003,7 @@
         <p:spPr/>
         <p:txBody>
           <a:bodyPr>
-            <a:normAutofit lnSpcReduction="10000"/>
+            <a:normAutofit/>
           </a:bodyPr>
           <a:lstStyle/>
           <a:p>
@@ -5035,16 +5035,8 @@
           <a:p>
             <a:r>
               <a:rPr lang="en-GB" dirty="0"/>
-              <a:t>Debate: are short-term memory and long-term memory really different? </a:t>
-            </a:r>
-          </a:p>
-          <a:p>
-            <a:pPr lvl="1"/>
-            <a:r>
-              <a:rPr lang="en-GB" dirty="0"/>
-              <a:t>Some researchers argue that there may only be one “generic” memory store or that short-term memory is a specialized form of long-term memory occurring in a heightened state of activation </a:t>
-            </a:r>
-            <a:endParaRPr lang="en-AU" dirty="0"/>
+              <a:t>Are short-term memory and long-term memory really different? </a:t>
+            </a:r>
           </a:p>
         </p:txBody>
       </p:sp>
@@ -5288,10 +5280,193 @@
       </p:grpSpPr>
       <p:sp>
         <p:nvSpPr>
+          <p:cNvPr id="2" name="Title 1">
+            <a:extLst>
+              <a:ext uri="{FF2B5EF4-FFF2-40B4-BE49-F238E27FC236}">
+                <a16:creationId xmlns:a16="http://schemas.microsoft.com/office/drawing/2014/main" id="{477F0730-B54B-3F40-DB4C-B94F81B735D5}"/>
+              </a:ext>
+            </a:extLst>
+          </p:cNvPr>
+          <p:cNvSpPr>
+            <a:spLocks noGrp="1"/>
+          </p:cNvSpPr>
+          <p:nvPr>
+            <p:ph type="title"/>
+          </p:nvPr>
+        </p:nvSpPr>
+        <p:spPr/>
+        <p:txBody>
+          <a:bodyPr/>
+          <a:lstStyle/>
+          <a:p>
+            <a:r>
+              <a:rPr lang="en-AU" dirty="0"/>
+              <a:t>Study tips</a:t>
+            </a:r>
+          </a:p>
+        </p:txBody>
+      </p:sp>
+      <p:sp>
+        <p:nvSpPr>
+          <p:cNvPr id="3" name="Content Placeholder 2">
+            <a:extLst>
+              <a:ext uri="{FF2B5EF4-FFF2-40B4-BE49-F238E27FC236}">
+                <a16:creationId xmlns:a16="http://schemas.microsoft.com/office/drawing/2014/main" id="{0637C4DA-C604-4BC5-DB58-E489C410FF07}"/>
+              </a:ext>
+            </a:extLst>
+          </p:cNvPr>
+          <p:cNvSpPr>
+            <a:spLocks noGrp="1"/>
+          </p:cNvSpPr>
+          <p:nvPr>
+            <p:ph idx="1"/>
+          </p:nvPr>
+        </p:nvSpPr>
+        <p:spPr/>
+        <p:txBody>
+          <a:bodyPr>
+            <a:normAutofit lnSpcReduction="10000"/>
+          </a:bodyPr>
+          <a:lstStyle/>
+          <a:p>
+            <a:r>
+              <a:rPr lang="en-AU" b="1" dirty="0"/>
+              <a:t>1. Study Resources – use multiple!</a:t>
+            </a:r>
+            <a:endParaRPr lang="en-AU" dirty="0"/>
+          </a:p>
+          <a:p>
+            <a:pPr marL="742950" lvl="1" indent="-285750">
+              <a:buFont typeface="Arial" panose="020B0604020202020204" pitchFamily="34" charset="0"/>
+              <a:buChar char="•"/>
+            </a:pPr>
+            <a:r>
+              <a:rPr lang="en-AU" dirty="0"/>
+              <a:t>Official learning paths cover most content, however it’s text-heavy;</a:t>
+            </a:r>
+          </a:p>
+          <a:p>
+            <a:pPr marL="742950" lvl="1" indent="-285750">
+              <a:buFont typeface="Arial" panose="020B0604020202020204" pitchFamily="34" charset="0"/>
+              <a:buChar char="•"/>
+            </a:pPr>
+            <a:r>
+              <a:rPr lang="en-AU" dirty="0"/>
+              <a:t>Use free resources and free trials, including 3</a:t>
+            </a:r>
+            <a:r>
+              <a:rPr lang="en-AU" baseline="30000" dirty="0"/>
+              <a:t>rd</a:t>
+            </a:r>
+            <a:r>
+              <a:rPr lang="en-AU" dirty="0"/>
+              <a:t> party video platforms</a:t>
+            </a:r>
+          </a:p>
+          <a:p>
+            <a:pPr marL="742950" lvl="1" indent="-285750">
+              <a:buFont typeface="Arial" panose="020B0604020202020204" pitchFamily="34" charset="0"/>
+              <a:buChar char="•"/>
+            </a:pPr>
+            <a:r>
+              <a:rPr lang="en-AU" dirty="0"/>
+              <a:t>Check out the study guide so you cover all of the topics on the exam – (sometimes new stuff is added and old stuff is removed from exams!)</a:t>
+            </a:r>
+          </a:p>
+          <a:p>
+            <a:pPr marL="457200" lvl="1" indent="0">
+              <a:buNone/>
+            </a:pPr>
+            <a:endParaRPr lang="en-AU" dirty="0"/>
+          </a:p>
+          <a:p>
+            <a:r>
+              <a:rPr lang="en-AU" b="1" dirty="0"/>
+              <a:t> 2. Hands-On Practice</a:t>
+            </a:r>
+          </a:p>
+          <a:p>
+            <a:pPr lvl="1"/>
+            <a:r>
+              <a:rPr lang="en-AU" dirty="0"/>
+              <a:t>Do practice exams to validate your learning and build your confidence.</a:t>
+            </a:r>
+          </a:p>
+          <a:p>
+            <a:pPr lvl="1"/>
+            <a:r>
+              <a:rPr lang="en-GB" dirty="0"/>
+              <a:t>Follow along with tutorials,</a:t>
+            </a:r>
+          </a:p>
+          <a:p>
+            <a:pPr lvl="1"/>
+            <a:r>
+              <a:rPr lang="en-GB" dirty="0"/>
+              <a:t>Experiment with sample code, clone projects, learn by doing</a:t>
+            </a:r>
+          </a:p>
+          <a:p>
+            <a:pPr lvl="1"/>
+            <a:r>
+              <a:rPr lang="en-GB" i="1" dirty="0"/>
+              <a:t>“If I have seen further, it is by standing on the shoulders of giants.”</a:t>
+            </a:r>
+            <a:br>
+              <a:rPr lang="en-GB" i="1" dirty="0"/>
+            </a:br>
+            <a:r>
+              <a:rPr lang="en-GB" i="1" dirty="0"/>
+              <a:t>-Isaac Newton</a:t>
+            </a:r>
+          </a:p>
+          <a:p>
+            <a:pPr lvl="1"/>
+            <a:endParaRPr lang="en-AU" dirty="0"/>
+          </a:p>
+          <a:p>
+            <a:pPr lvl="1"/>
+            <a:endParaRPr lang="en-GB" dirty="0"/>
+          </a:p>
+          <a:p>
+            <a:pPr marL="457200" lvl="1" indent="0">
+              <a:buNone/>
+            </a:pPr>
+            <a:endParaRPr lang="en-GB" sz="1600" dirty="0"/>
+          </a:p>
+          <a:p>
+            <a:pPr marL="457200" lvl="1" indent="0">
+              <a:buNone/>
+            </a:pPr>
+            <a:endParaRPr lang="en-GB" sz="1600" dirty="0"/>
+          </a:p>
+          <a:p>
+            <a:pPr marL="457200" lvl="1" indent="0">
+              <a:buNone/>
+            </a:pPr>
+            <a:endParaRPr lang="en-AU" sz="2000" dirty="0"/>
+          </a:p>
+          <a:p>
+            <a:pPr lvl="1"/>
+            <a:endParaRPr lang="en-AU" sz="2000" dirty="0"/>
+          </a:p>
+          <a:p>
+            <a:endParaRPr lang="en-AU" sz="2400" b="1" dirty="0"/>
+          </a:p>
+          <a:p>
+            <a:endParaRPr lang="en-AU" b="1" dirty="0"/>
+          </a:p>
+          <a:p>
+            <a:endParaRPr lang="en-AU" b="1" dirty="0"/>
+          </a:p>
+        </p:txBody>
+      </p:sp>
+      <p:sp>
+        <p:nvSpPr>
           <p:cNvPr id="4" name="Slide Number Placeholder 3">
             <a:extLst>
               <a:ext uri="{FF2B5EF4-FFF2-40B4-BE49-F238E27FC236}">
-                <a16:creationId xmlns:a16="http://schemas.microsoft.com/office/drawing/2014/main" id="{A61FB2BC-61E9-227F-21B3-F5E7DE547078}"/>
+                <a16:creationId xmlns:a16="http://schemas.microsoft.com/office/drawing/2014/main" id="{F546ED46-2F7E-EE20-8CEA-B06C8D2CD769}"/>
               </a:ext>
             </a:extLst>
           </p:cNvPr>
@@ -5315,39 +5490,10 @@
           </a:p>
         </p:txBody>
       </p:sp>
-      <p:pic>
-        <p:nvPicPr>
-          <p:cNvPr id="10" name="Content Placeholder 9">
-            <a:extLst>
-              <a:ext uri="{FF2B5EF4-FFF2-40B4-BE49-F238E27FC236}">
-                <a16:creationId xmlns:a16="http://schemas.microsoft.com/office/drawing/2014/main" id="{37A226E9-E48F-9E99-EF72-0723C7031C33}"/>
-              </a:ext>
-            </a:extLst>
-          </p:cNvPr>
-          <p:cNvPicPr>
-            <a:picLocks noGrp="1" noChangeAspect="1"/>
-          </p:cNvPicPr>
-          <p:nvPr>
-            <p:ph idx="1"/>
-          </p:nvPr>
-        </p:nvPicPr>
-        <p:blipFill>
-          <a:blip r:embed="rId2"/>
-          <a:stretch>
-            <a:fillRect/>
-          </a:stretch>
-        </p:blipFill>
-        <p:spPr>
-          <a:xfrm>
-            <a:off x="1918110" y="-8671"/>
-            <a:ext cx="8075896" cy="6866671"/>
-          </a:xfrm>
-        </p:spPr>
-      </p:pic>
     </p:spTree>
     <p:extLst>
       <p:ext uri="{BB962C8B-B14F-4D97-AF65-F5344CB8AC3E}">
-        <p14:creationId xmlns:p14="http://schemas.microsoft.com/office/powerpoint/2010/main" val="1970344856"/>
+        <p14:creationId xmlns:p14="http://schemas.microsoft.com/office/powerpoint/2010/main" val="280629650"/>
       </p:ext>
     </p:extLst>
   </p:cSld>
@@ -6115,7 +6261,7 @@
           <p:cNvPr id="2" name="Title 1">
             <a:extLst>
               <a:ext uri="{FF2B5EF4-FFF2-40B4-BE49-F238E27FC236}">
-                <a16:creationId xmlns:a16="http://schemas.microsoft.com/office/drawing/2014/main" id="{29530A8E-712D-90A2-4B57-0155CFE17460}"/>
+                <a16:creationId xmlns:a16="http://schemas.microsoft.com/office/drawing/2014/main" id="{346F3512-FEDB-6461-8B37-9A28F7A0121C}"/>
               </a:ext>
             </a:extLst>
           </p:cNvPr>
@@ -6133,80 +6279,8 @@
           <a:p>
             <a:r>
               <a:rPr lang="en-AU" dirty="0"/>
-              <a:t>GitHub Student Developer Pack</a:t>
-            </a:r>
-          </a:p>
-        </p:txBody>
-      </p:sp>
-      <p:sp>
-        <p:nvSpPr>
-          <p:cNvPr id="3" name="Content Placeholder 2">
-            <a:extLst>
-              <a:ext uri="{FF2B5EF4-FFF2-40B4-BE49-F238E27FC236}">
-                <a16:creationId xmlns:a16="http://schemas.microsoft.com/office/drawing/2014/main" id="{4D4895F5-CBF3-91C2-2601-6D21F137C597}"/>
-              </a:ext>
-            </a:extLst>
-          </p:cNvPr>
-          <p:cNvSpPr>
-            <a:spLocks noGrp="1"/>
-          </p:cNvSpPr>
-          <p:nvPr>
-            <p:ph idx="1"/>
-          </p:nvPr>
-        </p:nvSpPr>
-        <p:spPr>
-          <a:xfrm>
-            <a:off x="599941" y="5112622"/>
-            <a:ext cx="10515600" cy="1426290"/>
-          </a:xfrm>
-        </p:spPr>
-        <p:txBody>
-          <a:bodyPr/>
-          <a:lstStyle/>
-          <a:p>
-            <a:pPr marL="0" indent="0">
-              <a:buNone/>
-            </a:pPr>
-            <a:r>
-              <a:rPr lang="en-AU" dirty="0">
-                <a:hlinkClick r:id="rId2"/>
-              </a:rPr>
-              <a:t>https://education.github.com/pack</a:t>
-            </a:r>
-            <a:endParaRPr lang="en-AU" dirty="0"/>
-          </a:p>
-          <a:p>
-            <a:pPr marL="0" indent="0">
-              <a:buNone/>
-            </a:pPr>
-            <a:r>
-              <a:rPr lang="en-GB" b="0" i="0" dirty="0">
-                <a:solidFill>
-                  <a:srgbClr val="333333"/>
-                </a:solidFill>
-                <a:effectLst/>
-                <a:latin typeface="Segoe UI" panose="020B0502040204020203" pitchFamily="34" charset="0"/>
-              </a:rPr>
-              <a:t>Free tools like GitHub Pro, JetBrains IDEs, Microsoft Azure credits, and much more.</a:t>
-            </a:r>
-          </a:p>
-          <a:p>
-            <a:pPr marL="0" indent="0">
-              <a:buNone/>
-            </a:pPr>
-            <a:endParaRPr lang="en-GB" b="0" i="0" dirty="0">
-              <a:solidFill>
-                <a:srgbClr val="333333"/>
-              </a:solidFill>
-              <a:effectLst/>
-              <a:latin typeface="Segoe UI" panose="020B0502040204020203" pitchFamily="34" charset="0"/>
-            </a:endParaRPr>
-          </a:p>
-          <a:p>
-            <a:pPr marL="0" indent="0">
-              <a:buNone/>
-            </a:pPr>
-            <a:endParaRPr lang="en-AU" dirty="0"/>
+              <a:t>Exam tip [0]</a:t>
+            </a:r>
           </a:p>
         </p:txBody>
       </p:sp>
@@ -6215,7 +6289,7 @@
           <p:cNvPr id="4" name="Slide Number Placeholder 3">
             <a:extLst>
               <a:ext uri="{FF2B5EF4-FFF2-40B4-BE49-F238E27FC236}">
-                <a16:creationId xmlns:a16="http://schemas.microsoft.com/office/drawing/2014/main" id="{6C78F2EB-EB80-1144-E890-818B7B17D525}"/>
+                <a16:creationId xmlns:a16="http://schemas.microsoft.com/office/drawing/2014/main" id="{0EBCACDE-C165-44BD-5C05-9CF2E690A14E}"/>
               </a:ext>
             </a:extLst>
           </p:cNvPr>
@@ -6241,10 +6315,10 @@
       </p:sp>
       <p:pic>
         <p:nvPicPr>
-          <p:cNvPr id="1028" name="Picture 4">
-            <a:extLst>
-              <a:ext uri="{FF2B5EF4-FFF2-40B4-BE49-F238E27FC236}">
-                <a16:creationId xmlns:a16="http://schemas.microsoft.com/office/drawing/2014/main" id="{F4C8E356-E5CC-70B4-8BC4-DC4C128683D4}"/>
+          <p:cNvPr id="2050" name="Picture 2" descr="Don't Panic. Copyright: BBC">
+            <a:extLst>
+              <a:ext uri="{FF2B5EF4-FFF2-40B4-BE49-F238E27FC236}">
+                <a16:creationId xmlns:a16="http://schemas.microsoft.com/office/drawing/2014/main" id="{DEC1C31C-F87E-92B4-7E13-602968A6F87D}"/>
               </a:ext>
             </a:extLst>
           </p:cNvPr>
@@ -6254,7 +6328,7 @@
           <p:nvPr/>
         </p:nvPicPr>
         <p:blipFill>
-          <a:blip r:embed="rId3">
+          <a:blip r:embed="rId2">
             <a:extLst>
               <a:ext uri="{28A0092B-C50C-407E-A947-70E740481C1C}">
                 <a14:useLocalDpi xmlns:a14="http://schemas.microsoft.com/office/drawing/2010/main" val="0"/>
@@ -6268,8 +6342,8 @@
         </p:blipFill>
         <p:spPr bwMode="auto">
           <a:xfrm>
-            <a:off x="539839" y="509322"/>
-            <a:ext cx="10813961" cy="4080581"/>
+            <a:off x="1711778" y="1552575"/>
+            <a:ext cx="8572500" cy="4286250"/>
           </a:xfrm>
           <a:prstGeom prst="rect">
             <a:avLst/>
@@ -6289,7 +6363,7 @@
     </p:spTree>
     <p:extLst>
       <p:ext uri="{BB962C8B-B14F-4D97-AF65-F5344CB8AC3E}">
-        <p14:creationId xmlns:p14="http://schemas.microsoft.com/office/powerpoint/2010/main" val="1611177424"/>
+        <p14:creationId xmlns:p14="http://schemas.microsoft.com/office/powerpoint/2010/main" val="1496635079"/>
       </p:ext>
     </p:extLst>
   </p:cSld>
@@ -6457,7 +6531,7 @@
           <p:cNvPr id="2" name="Title 1">
             <a:extLst>
               <a:ext uri="{FF2B5EF4-FFF2-40B4-BE49-F238E27FC236}">
-                <a16:creationId xmlns:a16="http://schemas.microsoft.com/office/drawing/2014/main" id="{5F579F3A-D1C1-EAA6-BE43-0041AE3B3E48}"/>
+                <a16:creationId xmlns:a16="http://schemas.microsoft.com/office/drawing/2014/main" id="{346F3512-FEDB-6461-8B37-9A28F7A0121C}"/>
               </a:ext>
             </a:extLst>
           </p:cNvPr>
@@ -6475,7 +6549,7 @@
           <a:p>
             <a:r>
               <a:rPr lang="en-AU" dirty="0"/>
-              <a:t>John Savill’s Technical Training</a:t>
+              <a:t>Exam tip [1-2]</a:t>
             </a:r>
           </a:p>
         </p:txBody>
@@ -6485,7 +6559,7 @@
           <p:cNvPr id="3" name="Content Placeholder 2">
             <a:extLst>
               <a:ext uri="{FF2B5EF4-FFF2-40B4-BE49-F238E27FC236}">
-                <a16:creationId xmlns:a16="http://schemas.microsoft.com/office/drawing/2014/main" id="{6B20F930-1EC8-9085-CC8B-02723DC2E380}"/>
+                <a16:creationId xmlns:a16="http://schemas.microsoft.com/office/drawing/2014/main" id="{C77DF50E-28D7-4493-2722-5E3E00C616D0}"/>
               </a:ext>
             </a:extLst>
           </p:cNvPr>
@@ -6496,116 +6570,362 @@
             <p:ph idx="1"/>
           </p:nvPr>
         </p:nvSpPr>
-        <p:spPr/>
+        <p:spPr>
+          <a:xfrm>
+            <a:off x="592428" y="1416676"/>
+            <a:ext cx="10761372" cy="5000453"/>
+          </a:xfrm>
+        </p:spPr>
         <p:txBody>
           <a:bodyPr>
-            <a:normAutofit fontScale="92500" lnSpcReduction="10000"/>
+            <a:normAutofit fontScale="85000" lnSpcReduction="20000"/>
           </a:bodyPr>
           <a:lstStyle/>
           <a:p>
-            <a:pPr marL="0" indent="0">
+            <a:pPr algn="l">
+              <a:buFont typeface="+mj-lt"/>
+              <a:buAutoNum type="arabicPeriod"/>
+            </a:pPr>
+            <a:r>
+              <a:rPr lang="en-GB" b="1" i="0" dirty="0">
+                <a:solidFill>
+                  <a:srgbClr val="333333"/>
+                </a:solidFill>
+                <a:effectLst/>
+                <a:latin typeface="Segoe UI" panose="020B0502040204020203" pitchFamily="34" charset="0"/>
+              </a:rPr>
+              <a:t> Prepare </a:t>
+            </a:r>
+          </a:p>
+          <a:p>
+            <a:pPr lvl="1">
+              <a:buFontTx/>
+              <a:buChar char="-"/>
+            </a:pPr>
+            <a:r>
+              <a:rPr lang="en-GB" dirty="0">
+                <a:solidFill>
+                  <a:srgbClr val="333333"/>
+                </a:solidFill>
+                <a:latin typeface="Segoe UI" panose="020B0502040204020203" pitchFamily="34" charset="0"/>
+              </a:rPr>
+              <a:t>Complete the Microsoft Learn modules, including the </a:t>
+            </a:r>
+            <a:r>
+              <a:rPr lang="en-GB" i="0" dirty="0">
+                <a:solidFill>
+                  <a:srgbClr val="333333"/>
+                </a:solidFill>
+                <a:effectLst/>
+                <a:latin typeface="Segoe UI" panose="020B0502040204020203" pitchFamily="34" charset="0"/>
+              </a:rPr>
+              <a:t>Hands-On Labs.</a:t>
+            </a:r>
+          </a:p>
+          <a:p>
+            <a:pPr lvl="1">
+              <a:buFontTx/>
+              <a:buChar char="-"/>
+            </a:pPr>
+            <a:r>
+              <a:rPr lang="en-GB" dirty="0">
+                <a:solidFill>
+                  <a:srgbClr val="333333"/>
+                </a:solidFill>
+                <a:latin typeface="Segoe UI" panose="020B0502040204020203" pitchFamily="34" charset="0"/>
+              </a:rPr>
+              <a:t>I recommend John Savill’s Technical Training (YouTube, free)</a:t>
+            </a:r>
+          </a:p>
+          <a:p>
+            <a:pPr lvl="1">
+              <a:buFontTx/>
+              <a:buChar char="-"/>
+            </a:pPr>
+            <a:r>
+              <a:rPr lang="en-GB" i="0" dirty="0">
+                <a:solidFill>
+                  <a:srgbClr val="333333"/>
+                </a:solidFill>
+                <a:effectLst/>
+                <a:latin typeface="Segoe UI" panose="020B0502040204020203" pitchFamily="34" charset="0"/>
+              </a:rPr>
+              <a:t>Practice makes progress. Practice tests are a MUST: </a:t>
+            </a:r>
+            <a:r>
+              <a:rPr lang="en-GB" i="0" dirty="0">
+                <a:solidFill>
+                  <a:srgbClr val="333333"/>
+                </a:solidFill>
+                <a:effectLst/>
+                <a:latin typeface="Segoe UI" panose="020B0502040204020203" pitchFamily="34" charset="0"/>
+                <a:hlinkClick r:id="rId2"/>
+              </a:rPr>
+              <a:t>https://ghcertified.com/practice_tests/foundations/</a:t>
+            </a:r>
+            <a:endParaRPr lang="en-GB" i="0" dirty="0">
+              <a:solidFill>
+                <a:srgbClr val="333333"/>
+              </a:solidFill>
+              <a:effectLst/>
+              <a:latin typeface="Segoe UI" panose="020B0502040204020203" pitchFamily="34" charset="0"/>
+            </a:endParaRPr>
+          </a:p>
+          <a:p>
+            <a:pPr marL="457200" lvl="1" indent="0">
               <a:buNone/>
             </a:pPr>
-            <a:r>
-              <a:rPr lang="en-AU" dirty="0"/>
-              <a:t>John Savill @ntfaqguy works at Microsoft. </a:t>
-            </a:r>
-          </a:p>
-          <a:p>
-            <a:pPr marL="0" indent="0">
+            <a:endParaRPr lang="en-GB" b="1" i="0" dirty="0">
+              <a:solidFill>
+                <a:srgbClr val="333333"/>
+              </a:solidFill>
+              <a:effectLst/>
+              <a:latin typeface="Segoe UI" panose="020B0502040204020203" pitchFamily="34" charset="0"/>
+            </a:endParaRPr>
+          </a:p>
+          <a:p>
+            <a:pPr algn="l">
+              <a:buFont typeface="+mj-lt"/>
+              <a:buAutoNum type="arabicPeriod"/>
+            </a:pPr>
+            <a:r>
+              <a:rPr lang="en-GB" b="1" i="0" dirty="0">
+                <a:solidFill>
+                  <a:srgbClr val="333333"/>
+                </a:solidFill>
+                <a:effectLst/>
+                <a:latin typeface="Segoe UI" panose="020B0502040204020203" pitchFamily="34" charset="0"/>
+              </a:rPr>
+              <a:t> Keep calm and carry on</a:t>
+            </a:r>
+            <a:endParaRPr lang="en-GB" dirty="0">
+              <a:solidFill>
+                <a:srgbClr val="333333"/>
+              </a:solidFill>
+              <a:latin typeface="Segoe UI" panose="020B0502040204020203" pitchFamily="34" charset="0"/>
+            </a:endParaRPr>
+          </a:p>
+          <a:p>
+            <a:pPr marL="457200" lvl="1" indent="0">
               <a:buNone/>
             </a:pPr>
             <a:r>
-              <a:rPr lang="en-AU" dirty="0"/>
-              <a:t>He makes the time outside his day job to </a:t>
-            </a:r>
-            <a:br>
-              <a:rPr lang="en-AU" dirty="0"/>
-            </a:br>
-            <a:r>
-              <a:rPr lang="en-AU" dirty="0"/>
-              <a:t>freely give back to the community:</a:t>
-            </a:r>
-          </a:p>
-          <a:p>
-            <a:r>
-              <a:rPr lang="en-AU" dirty="0"/>
-              <a:t>DevOps Master Class</a:t>
-            </a:r>
-            <a:br>
-              <a:rPr lang="en-AU" dirty="0"/>
-            </a:br>
-            <a:r>
-              <a:rPr lang="en-AU" dirty="0">
-                <a:hlinkClick r:id="rId2"/>
+              <a:rPr lang="en-GB" i="0" dirty="0">
+                <a:solidFill>
+                  <a:srgbClr val="333333"/>
+                </a:solidFill>
+                <a:effectLst/>
+                <a:latin typeface="Segoe UI" panose="020B0502040204020203" pitchFamily="34" charset="0"/>
               </a:rPr>
-              <a:t>https://www.youtube.com/watch?v=YMdtaWfU_QE</a:t>
-            </a:r>
+              <a:t>- 120 minutes to answer 75 questions</a:t>
+            </a:r>
+            <a:r>
+              <a:rPr lang="en-GB" dirty="0">
+                <a:solidFill>
+                  <a:srgbClr val="333333"/>
+                </a:solidFill>
+                <a:latin typeface="Segoe UI" panose="020B0502040204020203" pitchFamily="34" charset="0"/>
+              </a:rPr>
+              <a:t>.</a:t>
+            </a:r>
+          </a:p>
+          <a:p>
+            <a:pPr marL="457200" lvl="1" indent="0">
+              <a:buNone/>
+            </a:pPr>
+            <a:r>
+              <a:rPr lang="en-GB" b="0" i="0" dirty="0">
+                <a:solidFill>
+                  <a:srgbClr val="333333"/>
+                </a:solidFill>
+                <a:effectLst/>
+                <a:latin typeface="Segoe UI" panose="020B0502040204020203" pitchFamily="34" charset="0"/>
+              </a:rPr>
+              <a:t>- Carefully read through each question</a:t>
+            </a:r>
+            <a:r>
+              <a:rPr lang="en-GB" dirty="0">
+                <a:solidFill>
+                  <a:srgbClr val="333333"/>
+                </a:solidFill>
+                <a:latin typeface="Segoe UI" panose="020B0502040204020203" pitchFamily="34" charset="0"/>
+              </a:rPr>
+              <a:t>. </a:t>
+            </a:r>
+            <a:r>
+              <a:rPr lang="en-GB" b="0" i="0" dirty="0">
+                <a:solidFill>
+                  <a:srgbClr val="333333"/>
+                </a:solidFill>
+                <a:effectLst/>
+                <a:latin typeface="Segoe UI" panose="020B0502040204020203" pitchFamily="34" charset="0"/>
+              </a:rPr>
+              <a:t>Weigh up all of the options.</a:t>
+            </a:r>
+          </a:p>
+          <a:p>
+            <a:pPr marL="457200" lvl="1" indent="0">
+              <a:buNone/>
+            </a:pPr>
+            <a:r>
+              <a:rPr lang="en-GB" b="0" i="0" dirty="0">
+                <a:solidFill>
+                  <a:srgbClr val="333333"/>
+                </a:solidFill>
+                <a:effectLst/>
+                <a:latin typeface="Segoe UI" panose="020B0502040204020203" pitchFamily="34" charset="0"/>
+              </a:rPr>
+              <a:t>- Eliminate wrong answers. </a:t>
+            </a:r>
+          </a:p>
+          <a:p>
+            <a:pPr marL="457200" lvl="1" indent="0">
+              <a:buNone/>
+            </a:pPr>
+            <a:r>
+              <a:rPr lang="en-GB" dirty="0">
+                <a:solidFill>
+                  <a:srgbClr val="333333"/>
+                </a:solidFill>
+                <a:latin typeface="Segoe UI" panose="020B0502040204020203" pitchFamily="34" charset="0"/>
+              </a:rPr>
+              <a:t>- Choose the best available answer. </a:t>
+            </a:r>
+          </a:p>
+          <a:p>
+            <a:pPr marL="457200" lvl="1" indent="0">
+              <a:buNone/>
+            </a:pPr>
+            <a:r>
+              <a:rPr lang="en-GB" b="0" i="0" dirty="0">
+                <a:solidFill>
+                  <a:srgbClr val="333333"/>
+                </a:solidFill>
+                <a:effectLst/>
+                <a:latin typeface="Segoe UI" panose="020B0502040204020203" pitchFamily="34" charset="0"/>
+              </a:rPr>
+              <a:t>- If in doubt, </a:t>
+            </a:r>
+            <a:r>
+              <a:rPr lang="en-GB" dirty="0">
+                <a:solidFill>
+                  <a:srgbClr val="333333"/>
+                </a:solidFill>
+                <a:latin typeface="Segoe UI" panose="020B0502040204020203" pitchFamily="34" charset="0"/>
+              </a:rPr>
+              <a:t>t</a:t>
+            </a:r>
+            <a:r>
+              <a:rPr lang="en-GB" b="0" i="0" dirty="0">
+                <a:solidFill>
+                  <a:srgbClr val="333333"/>
+                </a:solidFill>
+                <a:effectLst/>
+                <a:latin typeface="Segoe UI" panose="020B0502040204020203" pitchFamily="34" charset="0"/>
+              </a:rPr>
+              <a:t>rust your gut / professional experience</a:t>
+            </a:r>
+            <a:r>
+              <a:rPr lang="en-GB" dirty="0">
+                <a:solidFill>
+                  <a:srgbClr val="333333"/>
+                </a:solidFill>
+                <a:latin typeface="Segoe UI" panose="020B0502040204020203" pitchFamily="34" charset="0"/>
+              </a:rPr>
+              <a:t> and give your best guess.</a:t>
+            </a:r>
+          </a:p>
+          <a:p>
+            <a:pPr marL="457200" lvl="1" indent="0">
+              <a:buNone/>
+            </a:pPr>
+            <a:r>
+              <a:rPr lang="en-GB" b="0" i="0" dirty="0">
+                <a:solidFill>
+                  <a:srgbClr val="333333"/>
+                </a:solidFill>
+                <a:effectLst/>
+                <a:latin typeface="Segoe UI" panose="020B0502040204020203" pitchFamily="34" charset="0"/>
+              </a:rPr>
+              <a:t>- Answer every question.</a:t>
+            </a:r>
+          </a:p>
+          <a:p>
+            <a:pPr marL="457200" lvl="1" indent="0">
+              <a:buNone/>
+            </a:pPr>
+            <a:r>
+              <a:rPr lang="en-GB" b="0" i="0" dirty="0">
+                <a:solidFill>
+                  <a:srgbClr val="333333"/>
+                </a:solidFill>
+                <a:effectLst/>
+                <a:latin typeface="Segoe UI" panose="020B0502040204020203" pitchFamily="34" charset="0"/>
+              </a:rPr>
+              <a:t>- Mark any questions if unsure, you can review later if there is time left at the end.</a:t>
+            </a:r>
+          </a:p>
+          <a:p>
+            <a:pPr marL="457200" lvl="1" indent="0">
+              <a:buNone/>
+            </a:pPr>
+            <a:r>
+              <a:rPr lang="en-GB" dirty="0">
+                <a:solidFill>
+                  <a:srgbClr val="333333"/>
+                </a:solidFill>
+                <a:latin typeface="Segoe UI" panose="020B0502040204020203" pitchFamily="34" charset="0"/>
+              </a:rPr>
+              <a:t>- Try not to</a:t>
+            </a:r>
+            <a:r>
+              <a:rPr lang="en-GB" b="0" i="0" dirty="0">
+                <a:solidFill>
+                  <a:srgbClr val="333333"/>
+                </a:solidFill>
+                <a:effectLst/>
+                <a:latin typeface="Segoe UI" panose="020B0502040204020203" pitchFamily="34" charset="0"/>
+              </a:rPr>
+              <a:t> second guess yourself. Only change your answer if confident you misread or misunderstood the question first </a:t>
+            </a:r>
+            <a:r>
+              <a:rPr lang="en-GB" dirty="0">
+                <a:solidFill>
+                  <a:srgbClr val="333333"/>
+                </a:solidFill>
+                <a:latin typeface="Segoe UI" panose="020B0502040204020203" pitchFamily="34" charset="0"/>
+              </a:rPr>
+              <a:t>time round</a:t>
+            </a:r>
+            <a:r>
+              <a:rPr lang="en-GB" b="0" i="0" dirty="0">
+                <a:solidFill>
+                  <a:srgbClr val="333333"/>
+                </a:solidFill>
+                <a:effectLst/>
+                <a:latin typeface="Segoe UI" panose="020B0502040204020203" pitchFamily="34" charset="0"/>
+              </a:rPr>
+              <a:t>.</a:t>
+            </a:r>
+          </a:p>
+          <a:p>
+            <a:pPr marL="457200" lvl="1" indent="0">
+              <a:buNone/>
+            </a:pPr>
+            <a:r>
+              <a:rPr lang="en-GB" b="0" i="0" dirty="0">
+                <a:solidFill>
+                  <a:srgbClr val="333333"/>
+                </a:solidFill>
+                <a:effectLst/>
+                <a:latin typeface="Segoe UI" panose="020B0502040204020203" pitchFamily="34" charset="0"/>
+              </a:rPr>
+              <a:t>- Stay calm and focused — there’s no need to rush. </a:t>
+            </a:r>
+          </a:p>
+          <a:p>
             <a:endParaRPr lang="en-AU" dirty="0"/>
           </a:p>
-          <a:p>
-            <a:r>
-              <a:rPr lang="en-AU" dirty="0"/>
-              <a:t>Azure Master Class v3</a:t>
-            </a:r>
-            <a:br>
-              <a:rPr lang="en-AU" dirty="0"/>
-            </a:br>
-            <a:r>
-              <a:rPr lang="en-AU" dirty="0">
-                <a:hlinkClick r:id="rId3"/>
-              </a:rPr>
-              <a:t>https://www.youtube.com/watch?v=afzzawldfFk</a:t>
-            </a:r>
-            <a:endParaRPr lang="en-AU" dirty="0"/>
-          </a:p>
-          <a:p>
-            <a:r>
-              <a:rPr lang="en-AU" dirty="0"/>
-              <a:t>Azure Weekly update</a:t>
-            </a:r>
-            <a:br>
-              <a:rPr lang="en-AU" dirty="0"/>
-            </a:br>
-            <a:r>
-              <a:rPr lang="en-AU" dirty="0">
-                <a:hlinkClick r:id="rId4"/>
-              </a:rPr>
-              <a:t>https://www.youtube.com/watch?v=IYShpL69FJQ</a:t>
-            </a:r>
-            <a:endParaRPr lang="en-AU" dirty="0"/>
-          </a:p>
-          <a:p>
-            <a:r>
-              <a:rPr lang="en-AU" dirty="0"/>
-              <a:t>Keynote – Arnold’s 5 rules</a:t>
-            </a:r>
-            <a:br>
-              <a:rPr lang="en-AU" dirty="0"/>
-            </a:br>
-            <a:r>
-              <a:rPr lang="en-AU" dirty="0">
-                <a:hlinkClick r:id="rId5"/>
-              </a:rPr>
-              <a:t>https://www.youtube.com/watch?v=5KhdPCfddZY</a:t>
-            </a:r>
-            <a:endParaRPr lang="en-AU" dirty="0"/>
-          </a:p>
-          <a:p>
-            <a:endParaRPr lang="en-AU" dirty="0"/>
-          </a:p>
-          <a:p>
-            <a:endParaRPr lang="en-AU" dirty="0"/>
-          </a:p>
-          <a:p>
-            <a:endParaRPr lang="en-AU" dirty="0"/>
-          </a:p>
-          <a:p>
-            <a:endParaRPr lang="en-AU" dirty="0"/>
-          </a:p>
-          <a:p>
-            <a:endParaRPr lang="en-AU" dirty="0"/>
-          </a:p>
         </p:txBody>
       </p:sp>
       <p:sp>
@@ -6613,7 +6933,7 @@
           <p:cNvPr id="4" name="Slide Number Placeholder 3">
             <a:extLst>
               <a:ext uri="{FF2B5EF4-FFF2-40B4-BE49-F238E27FC236}">
-                <a16:creationId xmlns:a16="http://schemas.microsoft.com/office/drawing/2014/main" id="{81B831C0-1E74-A1D4-2F0B-5AA84C1B2BB0}"/>
+                <a16:creationId xmlns:a16="http://schemas.microsoft.com/office/drawing/2014/main" id="{0EBCACDE-C165-44BD-5C05-9CF2E690A14E}"/>
               </a:ext>
             </a:extLst>
           </p:cNvPr>
@@ -6637,40 +6957,10 @@
           </a:p>
         </p:txBody>
       </p:sp>
-      <p:pic>
-        <p:nvPicPr>
-          <p:cNvPr id="6" name="Picture 5">
-            <a:extLst>
-              <a:ext uri="{FF2B5EF4-FFF2-40B4-BE49-F238E27FC236}">
-                <a16:creationId xmlns:a16="http://schemas.microsoft.com/office/drawing/2014/main" id="{41A713EA-ABCF-F79D-6B84-7F525F36DD2E}"/>
-              </a:ext>
-            </a:extLst>
-          </p:cNvPr>
-          <p:cNvPicPr>
-            <a:picLocks noChangeAspect="1"/>
-          </p:cNvPicPr>
-          <p:nvPr/>
-        </p:nvPicPr>
-        <p:blipFill>
-          <a:blip r:embed="rId6"/>
-          <a:stretch>
-            <a:fillRect/>
-          </a:stretch>
-        </p:blipFill>
-        <p:spPr>
-          <a:xfrm>
-            <a:off x="8105745" y="-4775"/>
-            <a:ext cx="4086255" cy="3390925"/>
-          </a:xfrm>
-          <a:prstGeom prst="rect">
-            <a:avLst/>
-          </a:prstGeom>
-        </p:spPr>
-      </p:pic>
     </p:spTree>
     <p:extLst>
       <p:ext uri="{BB962C8B-B14F-4D97-AF65-F5344CB8AC3E}">
-        <p14:creationId xmlns:p14="http://schemas.microsoft.com/office/powerpoint/2010/main" val="1033962435"/>
+        <p14:creationId xmlns:p14="http://schemas.microsoft.com/office/powerpoint/2010/main" val="1890162970"/>
       </p:ext>
     </p:extLst>
   </p:cSld>
@@ -6702,601 +6992,6 @@
           <p:cNvPr id="2" name="Title 1">
             <a:extLst>
               <a:ext uri="{FF2B5EF4-FFF2-40B4-BE49-F238E27FC236}">
-                <a16:creationId xmlns:a16="http://schemas.microsoft.com/office/drawing/2014/main" id="{346F3512-FEDB-6461-8B37-9A28F7A0121C}"/>
-              </a:ext>
-            </a:extLst>
-          </p:cNvPr>
-          <p:cNvSpPr>
-            <a:spLocks noGrp="1"/>
-          </p:cNvSpPr>
-          <p:nvPr>
-            <p:ph type="title"/>
-          </p:nvPr>
-        </p:nvSpPr>
-        <p:spPr/>
-        <p:txBody>
-          <a:bodyPr/>
-          <a:lstStyle/>
-          <a:p>
-            <a:r>
-              <a:rPr lang="en-AU" dirty="0"/>
-              <a:t>Exam tip [0]</a:t>
-            </a:r>
-          </a:p>
-        </p:txBody>
-      </p:sp>
-      <p:sp>
-        <p:nvSpPr>
-          <p:cNvPr id="4" name="Slide Number Placeholder 3">
-            <a:extLst>
-              <a:ext uri="{FF2B5EF4-FFF2-40B4-BE49-F238E27FC236}">
-                <a16:creationId xmlns:a16="http://schemas.microsoft.com/office/drawing/2014/main" id="{0EBCACDE-C165-44BD-5C05-9CF2E690A14E}"/>
-              </a:ext>
-            </a:extLst>
-          </p:cNvPr>
-          <p:cNvSpPr>
-            <a:spLocks noGrp="1"/>
-          </p:cNvSpPr>
-          <p:nvPr>
-            <p:ph type="sldNum" sz="quarter" idx="12"/>
-          </p:nvPr>
-        </p:nvSpPr>
-        <p:spPr/>
-        <p:txBody>
-          <a:bodyPr/>
-          <a:lstStyle/>
-          <a:p>
-            <a:fld id="{239CC275-0F17-4CFE-B2FE-5727017C3401}" type="slidenum">
-              <a:rPr lang="en-AU" smtClean="0"/>
-              <a:t>21</a:t>
-            </a:fld>
-            <a:endParaRPr lang="en-AU"/>
-          </a:p>
-        </p:txBody>
-      </p:sp>
-      <p:pic>
-        <p:nvPicPr>
-          <p:cNvPr id="2050" name="Picture 2" descr="Don't Panic. Copyright: BBC">
-            <a:extLst>
-              <a:ext uri="{FF2B5EF4-FFF2-40B4-BE49-F238E27FC236}">
-                <a16:creationId xmlns:a16="http://schemas.microsoft.com/office/drawing/2014/main" id="{DEC1C31C-F87E-92B4-7E13-602968A6F87D}"/>
-              </a:ext>
-            </a:extLst>
-          </p:cNvPr>
-          <p:cNvPicPr>
-            <a:picLocks noChangeAspect="1" noChangeArrowheads="1"/>
-          </p:cNvPicPr>
-          <p:nvPr/>
-        </p:nvPicPr>
-        <p:blipFill>
-          <a:blip r:embed="rId2">
-            <a:extLst>
-              <a:ext uri="{28A0092B-C50C-407E-A947-70E740481C1C}">
-                <a14:useLocalDpi xmlns:a14="http://schemas.microsoft.com/office/drawing/2010/main" val="0"/>
-              </a:ext>
-            </a:extLst>
-          </a:blip>
-          <a:srcRect/>
-          <a:stretch>
-            <a:fillRect/>
-          </a:stretch>
-        </p:blipFill>
-        <p:spPr bwMode="auto">
-          <a:xfrm>
-            <a:off x="1711778" y="1552575"/>
-            <a:ext cx="8572500" cy="4286250"/>
-          </a:xfrm>
-          <a:prstGeom prst="rect">
-            <a:avLst/>
-          </a:prstGeom>
-          <a:noFill/>
-          <a:extLst>
-            <a:ext uri="{909E8E84-426E-40DD-AFC4-6F175D3DCCD1}">
-              <a14:hiddenFill xmlns:a14="http://schemas.microsoft.com/office/drawing/2010/main">
-                <a:solidFill>
-                  <a:srgbClr val="FFFFFF"/>
-                </a:solidFill>
-              </a14:hiddenFill>
-            </a:ext>
-          </a:extLst>
-        </p:spPr>
-      </p:pic>
-    </p:spTree>
-    <p:extLst>
-      <p:ext uri="{BB962C8B-B14F-4D97-AF65-F5344CB8AC3E}">
-        <p14:creationId xmlns:p14="http://schemas.microsoft.com/office/powerpoint/2010/main" val="1496635079"/>
-      </p:ext>
-    </p:extLst>
-  </p:cSld>
-  <p:clrMapOvr>
-    <a:masterClrMapping/>
-  </p:clrMapOvr>
-</p:sld>
-</file>
-
-<file path=ppt/slides/slide22.xml><?xml version="1.0" encoding="utf-8"?>
-<p:sld xmlns:a="http://schemas.openxmlformats.org/drawingml/2006/main" xmlns:r="http://schemas.openxmlformats.org/officeDocument/2006/relationships" xmlns:p="http://schemas.openxmlformats.org/presentationml/2006/main">
-  <p:cSld>
-    <p:spTree>
-      <p:nvGrpSpPr>
-        <p:cNvPr id="1" name=""/>
-        <p:cNvGrpSpPr/>
-        <p:nvPr/>
-      </p:nvGrpSpPr>
-      <p:grpSpPr>
-        <a:xfrm>
-          <a:off x="0" y="0"/>
-          <a:ext cx="0" cy="0"/>
-          <a:chOff x="0" y="0"/>
-          <a:chExt cx="0" cy="0"/>
-        </a:xfrm>
-      </p:grpSpPr>
-      <p:sp>
-        <p:nvSpPr>
-          <p:cNvPr id="2" name="Title 1">
-            <a:extLst>
-              <a:ext uri="{FF2B5EF4-FFF2-40B4-BE49-F238E27FC236}">
-                <a16:creationId xmlns:a16="http://schemas.microsoft.com/office/drawing/2014/main" id="{346F3512-FEDB-6461-8B37-9A28F7A0121C}"/>
-              </a:ext>
-            </a:extLst>
-          </p:cNvPr>
-          <p:cNvSpPr>
-            <a:spLocks noGrp="1"/>
-          </p:cNvSpPr>
-          <p:nvPr>
-            <p:ph type="title"/>
-          </p:nvPr>
-        </p:nvSpPr>
-        <p:spPr/>
-        <p:txBody>
-          <a:bodyPr/>
-          <a:lstStyle/>
-          <a:p>
-            <a:r>
-              <a:rPr lang="en-AU" dirty="0"/>
-              <a:t>Exam tip [1-2]</a:t>
-            </a:r>
-          </a:p>
-        </p:txBody>
-      </p:sp>
-      <p:sp>
-        <p:nvSpPr>
-          <p:cNvPr id="3" name="Content Placeholder 2">
-            <a:extLst>
-              <a:ext uri="{FF2B5EF4-FFF2-40B4-BE49-F238E27FC236}">
-                <a16:creationId xmlns:a16="http://schemas.microsoft.com/office/drawing/2014/main" id="{C77DF50E-28D7-4493-2722-5E3E00C616D0}"/>
-              </a:ext>
-            </a:extLst>
-          </p:cNvPr>
-          <p:cNvSpPr>
-            <a:spLocks noGrp="1"/>
-          </p:cNvSpPr>
-          <p:nvPr>
-            <p:ph idx="1"/>
-          </p:nvPr>
-        </p:nvSpPr>
-        <p:spPr>
-          <a:xfrm>
-            <a:off x="592428" y="1416676"/>
-            <a:ext cx="10761372" cy="5000453"/>
-          </a:xfrm>
-        </p:spPr>
-        <p:txBody>
-          <a:bodyPr>
-            <a:normAutofit fontScale="85000" lnSpcReduction="20000"/>
-          </a:bodyPr>
-          <a:lstStyle/>
-          <a:p>
-            <a:pPr algn="l">
-              <a:buFont typeface="+mj-lt"/>
-              <a:buAutoNum type="arabicPeriod"/>
-            </a:pPr>
-            <a:r>
-              <a:rPr lang="en-GB" b="1" i="0" dirty="0">
-                <a:solidFill>
-                  <a:srgbClr val="333333"/>
-                </a:solidFill>
-                <a:effectLst/>
-                <a:latin typeface="Segoe UI" panose="020B0502040204020203" pitchFamily="34" charset="0"/>
-              </a:rPr>
-              <a:t> Prepare </a:t>
-            </a:r>
-          </a:p>
-          <a:p>
-            <a:pPr lvl="1">
-              <a:buFontTx/>
-              <a:buChar char="-"/>
-            </a:pPr>
-            <a:r>
-              <a:rPr lang="en-GB" dirty="0">
-                <a:solidFill>
-                  <a:srgbClr val="333333"/>
-                </a:solidFill>
-                <a:latin typeface="Segoe UI" panose="020B0502040204020203" pitchFamily="34" charset="0"/>
-              </a:rPr>
-              <a:t>Complete the Microsoft Learn modules, including the </a:t>
-            </a:r>
-            <a:r>
-              <a:rPr lang="en-GB" i="0" dirty="0">
-                <a:solidFill>
-                  <a:srgbClr val="333333"/>
-                </a:solidFill>
-                <a:effectLst/>
-                <a:latin typeface="Segoe UI" panose="020B0502040204020203" pitchFamily="34" charset="0"/>
-              </a:rPr>
-              <a:t>Hands-On Labs.</a:t>
-            </a:r>
-          </a:p>
-          <a:p>
-            <a:pPr lvl="1">
-              <a:buFontTx/>
-              <a:buChar char="-"/>
-            </a:pPr>
-            <a:r>
-              <a:rPr lang="en-GB" dirty="0">
-                <a:solidFill>
-                  <a:srgbClr val="333333"/>
-                </a:solidFill>
-                <a:latin typeface="Segoe UI" panose="020B0502040204020203" pitchFamily="34" charset="0"/>
-              </a:rPr>
-              <a:t>I recommend John Savill’s Technical Training (YouTube, free)</a:t>
-            </a:r>
-          </a:p>
-          <a:p>
-            <a:pPr lvl="1">
-              <a:buFontTx/>
-              <a:buChar char="-"/>
-            </a:pPr>
-            <a:r>
-              <a:rPr lang="en-GB" i="0" dirty="0">
-                <a:solidFill>
-                  <a:srgbClr val="333333"/>
-                </a:solidFill>
-                <a:effectLst/>
-                <a:latin typeface="Segoe UI" panose="020B0502040204020203" pitchFamily="34" charset="0"/>
-              </a:rPr>
-              <a:t>Practice makes progress. Practice tests are a MUST: </a:t>
-            </a:r>
-            <a:r>
-              <a:rPr lang="en-GB" i="0" dirty="0">
-                <a:solidFill>
-                  <a:srgbClr val="333333"/>
-                </a:solidFill>
-                <a:effectLst/>
-                <a:latin typeface="Segoe UI" panose="020B0502040204020203" pitchFamily="34" charset="0"/>
-                <a:hlinkClick r:id="rId2"/>
-              </a:rPr>
-              <a:t>https://ghcertified.com/practice_tests/foundations/</a:t>
-            </a:r>
-            <a:endParaRPr lang="en-GB" i="0" dirty="0">
-              <a:solidFill>
-                <a:srgbClr val="333333"/>
-              </a:solidFill>
-              <a:effectLst/>
-              <a:latin typeface="Segoe UI" panose="020B0502040204020203" pitchFamily="34" charset="0"/>
-            </a:endParaRPr>
-          </a:p>
-          <a:p>
-            <a:pPr marL="457200" lvl="1" indent="0">
-              <a:buNone/>
-            </a:pPr>
-            <a:endParaRPr lang="en-GB" b="1" i="0" dirty="0">
-              <a:solidFill>
-                <a:srgbClr val="333333"/>
-              </a:solidFill>
-              <a:effectLst/>
-              <a:latin typeface="Segoe UI" panose="020B0502040204020203" pitchFamily="34" charset="0"/>
-            </a:endParaRPr>
-          </a:p>
-          <a:p>
-            <a:pPr algn="l">
-              <a:buFont typeface="+mj-lt"/>
-              <a:buAutoNum type="arabicPeriod"/>
-            </a:pPr>
-            <a:r>
-              <a:rPr lang="en-GB" b="1" i="0" dirty="0">
-                <a:solidFill>
-                  <a:srgbClr val="333333"/>
-                </a:solidFill>
-                <a:effectLst/>
-                <a:latin typeface="Segoe UI" panose="020B0502040204020203" pitchFamily="34" charset="0"/>
-              </a:rPr>
-              <a:t> Keep calm and carry on</a:t>
-            </a:r>
-            <a:endParaRPr lang="en-GB" dirty="0">
-              <a:solidFill>
-                <a:srgbClr val="333333"/>
-              </a:solidFill>
-              <a:latin typeface="Segoe UI" panose="020B0502040204020203" pitchFamily="34" charset="0"/>
-            </a:endParaRPr>
-          </a:p>
-          <a:p>
-            <a:pPr marL="457200" lvl="1" indent="0">
-              <a:buNone/>
-            </a:pPr>
-            <a:r>
-              <a:rPr lang="en-GB" i="0" dirty="0">
-                <a:solidFill>
-                  <a:srgbClr val="333333"/>
-                </a:solidFill>
-                <a:effectLst/>
-                <a:latin typeface="Segoe UI" panose="020B0502040204020203" pitchFamily="34" charset="0"/>
-              </a:rPr>
-              <a:t>- 120 minutes to answer 75 questions</a:t>
-            </a:r>
-            <a:r>
-              <a:rPr lang="en-GB" dirty="0">
-                <a:solidFill>
-                  <a:srgbClr val="333333"/>
-                </a:solidFill>
-                <a:latin typeface="Segoe UI" panose="020B0502040204020203" pitchFamily="34" charset="0"/>
-              </a:rPr>
-              <a:t>.</a:t>
-            </a:r>
-          </a:p>
-          <a:p>
-            <a:pPr marL="457200" lvl="1" indent="0">
-              <a:buNone/>
-            </a:pPr>
-            <a:r>
-              <a:rPr lang="en-GB" b="0" i="0" dirty="0">
-                <a:solidFill>
-                  <a:srgbClr val="333333"/>
-                </a:solidFill>
-                <a:effectLst/>
-                <a:latin typeface="Segoe UI" panose="020B0502040204020203" pitchFamily="34" charset="0"/>
-              </a:rPr>
-              <a:t>- Carefully read through each question</a:t>
-            </a:r>
-            <a:r>
-              <a:rPr lang="en-GB" dirty="0">
-                <a:solidFill>
-                  <a:srgbClr val="333333"/>
-                </a:solidFill>
-                <a:latin typeface="Segoe UI" panose="020B0502040204020203" pitchFamily="34" charset="0"/>
-              </a:rPr>
-              <a:t>. </a:t>
-            </a:r>
-            <a:r>
-              <a:rPr lang="en-GB" b="0" i="0" dirty="0">
-                <a:solidFill>
-                  <a:srgbClr val="333333"/>
-                </a:solidFill>
-                <a:effectLst/>
-                <a:latin typeface="Segoe UI" panose="020B0502040204020203" pitchFamily="34" charset="0"/>
-              </a:rPr>
-              <a:t>Weigh up all of the options.</a:t>
-            </a:r>
-          </a:p>
-          <a:p>
-            <a:pPr marL="457200" lvl="1" indent="0">
-              <a:buNone/>
-            </a:pPr>
-            <a:r>
-              <a:rPr lang="en-GB" b="0" i="0" dirty="0">
-                <a:solidFill>
-                  <a:srgbClr val="333333"/>
-                </a:solidFill>
-                <a:effectLst/>
-                <a:latin typeface="Segoe UI" panose="020B0502040204020203" pitchFamily="34" charset="0"/>
-              </a:rPr>
-              <a:t>- Eliminate wrong answers. </a:t>
-            </a:r>
-          </a:p>
-          <a:p>
-            <a:pPr marL="457200" lvl="1" indent="0">
-              <a:buNone/>
-            </a:pPr>
-            <a:r>
-              <a:rPr lang="en-GB" dirty="0">
-                <a:solidFill>
-                  <a:srgbClr val="333333"/>
-                </a:solidFill>
-                <a:latin typeface="Segoe UI" panose="020B0502040204020203" pitchFamily="34" charset="0"/>
-              </a:rPr>
-              <a:t>- Choose the best available answer. </a:t>
-            </a:r>
-          </a:p>
-          <a:p>
-            <a:pPr marL="457200" lvl="1" indent="0">
-              <a:buNone/>
-            </a:pPr>
-            <a:r>
-              <a:rPr lang="en-GB" b="0" i="0" dirty="0">
-                <a:solidFill>
-                  <a:srgbClr val="333333"/>
-                </a:solidFill>
-                <a:effectLst/>
-                <a:latin typeface="Segoe UI" panose="020B0502040204020203" pitchFamily="34" charset="0"/>
-              </a:rPr>
-              <a:t>- If in doubt, </a:t>
-            </a:r>
-            <a:r>
-              <a:rPr lang="en-GB" dirty="0">
-                <a:solidFill>
-                  <a:srgbClr val="333333"/>
-                </a:solidFill>
-                <a:latin typeface="Segoe UI" panose="020B0502040204020203" pitchFamily="34" charset="0"/>
-              </a:rPr>
-              <a:t>t</a:t>
-            </a:r>
-            <a:r>
-              <a:rPr lang="en-GB" b="0" i="0" dirty="0">
-                <a:solidFill>
-                  <a:srgbClr val="333333"/>
-                </a:solidFill>
-                <a:effectLst/>
-                <a:latin typeface="Segoe UI" panose="020B0502040204020203" pitchFamily="34" charset="0"/>
-              </a:rPr>
-              <a:t>rust your gut / professional experience</a:t>
-            </a:r>
-            <a:r>
-              <a:rPr lang="en-GB" dirty="0">
-                <a:solidFill>
-                  <a:srgbClr val="333333"/>
-                </a:solidFill>
-                <a:latin typeface="Segoe UI" panose="020B0502040204020203" pitchFamily="34" charset="0"/>
-              </a:rPr>
-              <a:t> and give your best guess.</a:t>
-            </a:r>
-          </a:p>
-          <a:p>
-            <a:pPr marL="457200" lvl="1" indent="0">
-              <a:buNone/>
-            </a:pPr>
-            <a:r>
-              <a:rPr lang="en-GB" b="0" i="0" dirty="0">
-                <a:solidFill>
-                  <a:srgbClr val="333333"/>
-                </a:solidFill>
-                <a:effectLst/>
-                <a:latin typeface="Segoe UI" panose="020B0502040204020203" pitchFamily="34" charset="0"/>
-              </a:rPr>
-              <a:t>- Answer every question.</a:t>
-            </a:r>
-          </a:p>
-          <a:p>
-            <a:pPr marL="457200" lvl="1" indent="0">
-              <a:buNone/>
-            </a:pPr>
-            <a:r>
-              <a:rPr lang="en-GB" b="0" i="0" dirty="0">
-                <a:solidFill>
-                  <a:srgbClr val="333333"/>
-                </a:solidFill>
-                <a:effectLst/>
-                <a:latin typeface="Segoe UI" panose="020B0502040204020203" pitchFamily="34" charset="0"/>
-              </a:rPr>
-              <a:t>- Mark any questions if unsure, you can review later if there is time left at the end.</a:t>
-            </a:r>
-          </a:p>
-          <a:p>
-            <a:pPr marL="457200" lvl="1" indent="0">
-              <a:buNone/>
-            </a:pPr>
-            <a:r>
-              <a:rPr lang="en-GB" dirty="0">
-                <a:solidFill>
-                  <a:srgbClr val="333333"/>
-                </a:solidFill>
-                <a:latin typeface="Segoe UI" panose="020B0502040204020203" pitchFamily="34" charset="0"/>
-              </a:rPr>
-              <a:t>- Try not to</a:t>
-            </a:r>
-            <a:r>
-              <a:rPr lang="en-GB" b="0" i="0" dirty="0">
-                <a:solidFill>
-                  <a:srgbClr val="333333"/>
-                </a:solidFill>
-                <a:effectLst/>
-                <a:latin typeface="Segoe UI" panose="020B0502040204020203" pitchFamily="34" charset="0"/>
-              </a:rPr>
-              <a:t> second guess yourself. Only change your answer if confident you misread or misunderstood the question first </a:t>
-            </a:r>
-            <a:r>
-              <a:rPr lang="en-GB" dirty="0">
-                <a:solidFill>
-                  <a:srgbClr val="333333"/>
-                </a:solidFill>
-                <a:latin typeface="Segoe UI" panose="020B0502040204020203" pitchFamily="34" charset="0"/>
-              </a:rPr>
-              <a:t>time round</a:t>
-            </a:r>
-            <a:r>
-              <a:rPr lang="en-GB" b="0" i="0" dirty="0">
-                <a:solidFill>
-                  <a:srgbClr val="333333"/>
-                </a:solidFill>
-                <a:effectLst/>
-                <a:latin typeface="Segoe UI" panose="020B0502040204020203" pitchFamily="34" charset="0"/>
-              </a:rPr>
-              <a:t>.</a:t>
-            </a:r>
-          </a:p>
-          <a:p>
-            <a:pPr marL="457200" lvl="1" indent="0">
-              <a:buNone/>
-            </a:pPr>
-            <a:r>
-              <a:rPr lang="en-GB" b="0" i="0" dirty="0">
-                <a:solidFill>
-                  <a:srgbClr val="333333"/>
-                </a:solidFill>
-                <a:effectLst/>
-                <a:latin typeface="Segoe UI" panose="020B0502040204020203" pitchFamily="34" charset="0"/>
-              </a:rPr>
-              <a:t>- Stay calm and focused — there’s no need to rush. </a:t>
-            </a:r>
-          </a:p>
-          <a:p>
-            <a:endParaRPr lang="en-AU" dirty="0"/>
-          </a:p>
-        </p:txBody>
-      </p:sp>
-      <p:sp>
-        <p:nvSpPr>
-          <p:cNvPr id="4" name="Slide Number Placeholder 3">
-            <a:extLst>
-              <a:ext uri="{FF2B5EF4-FFF2-40B4-BE49-F238E27FC236}">
-                <a16:creationId xmlns:a16="http://schemas.microsoft.com/office/drawing/2014/main" id="{0EBCACDE-C165-44BD-5C05-9CF2E690A14E}"/>
-              </a:ext>
-            </a:extLst>
-          </p:cNvPr>
-          <p:cNvSpPr>
-            <a:spLocks noGrp="1"/>
-          </p:cNvSpPr>
-          <p:nvPr>
-            <p:ph type="sldNum" sz="quarter" idx="12"/>
-          </p:nvPr>
-        </p:nvSpPr>
-        <p:spPr/>
-        <p:txBody>
-          <a:bodyPr/>
-          <a:lstStyle/>
-          <a:p>
-            <a:fld id="{239CC275-0F17-4CFE-B2FE-5727017C3401}" type="slidenum">
-              <a:rPr lang="en-AU" smtClean="0"/>
-              <a:t>22</a:t>
-            </a:fld>
-            <a:endParaRPr lang="en-AU"/>
-          </a:p>
-        </p:txBody>
-      </p:sp>
-    </p:spTree>
-    <p:extLst>
-      <p:ext uri="{BB962C8B-B14F-4D97-AF65-F5344CB8AC3E}">
-        <p14:creationId xmlns:p14="http://schemas.microsoft.com/office/powerpoint/2010/main" val="1890162970"/>
-      </p:ext>
-    </p:extLst>
-  </p:cSld>
-  <p:clrMapOvr>
-    <a:masterClrMapping/>
-  </p:clrMapOvr>
-</p:sld>
-</file>
-
-<file path=ppt/slides/slide23.xml><?xml version="1.0" encoding="utf-8"?>
-<p:sld xmlns:a="http://schemas.openxmlformats.org/drawingml/2006/main" xmlns:r="http://schemas.openxmlformats.org/officeDocument/2006/relationships" xmlns:p="http://schemas.openxmlformats.org/presentationml/2006/main">
-  <p:cSld>
-    <p:spTree>
-      <p:nvGrpSpPr>
-        <p:cNvPr id="1" name=""/>
-        <p:cNvGrpSpPr/>
-        <p:nvPr/>
-      </p:nvGrpSpPr>
-      <p:grpSpPr>
-        <a:xfrm>
-          <a:off x="0" y="0"/>
-          <a:ext cx="0" cy="0"/>
-          <a:chOff x="0" y="0"/>
-          <a:chExt cx="0" cy="0"/>
-        </a:xfrm>
-      </p:grpSpPr>
-      <p:sp>
-        <p:nvSpPr>
-          <p:cNvPr id="2" name="Title 1">
-            <a:extLst>
-              <a:ext uri="{FF2B5EF4-FFF2-40B4-BE49-F238E27FC236}">
                 <a16:creationId xmlns:a16="http://schemas.microsoft.com/office/drawing/2014/main" id="{82232B9F-F829-E6B4-C6C6-56AFF63E606E}"/>
               </a:ext>
             </a:extLst>
@@ -7463,7 +7158,7 @@
           <a:p>
             <a:fld id="{239CC275-0F17-4CFE-B2FE-5727017C3401}" type="slidenum">
               <a:rPr lang="en-AU" smtClean="0"/>
-              <a:t>23</a:t>
+              <a:t>21</a:t>
             </a:fld>
             <a:endParaRPr lang="en-AU"/>
           </a:p>
@@ -7520,6 +7215,343 @@
     <p:extLst>
       <p:ext uri="{BB962C8B-B14F-4D97-AF65-F5344CB8AC3E}">
         <p14:creationId xmlns:p14="http://schemas.microsoft.com/office/powerpoint/2010/main" val="2394969536"/>
+      </p:ext>
+    </p:extLst>
+  </p:cSld>
+  <p:clrMapOvr>
+    <a:masterClrMapping/>
+  </p:clrMapOvr>
+</p:sld>
+</file>
+
+<file path=ppt/slides/slide22.xml><?xml version="1.0" encoding="utf-8"?>
+<p:sld xmlns:a="http://schemas.openxmlformats.org/drawingml/2006/main" xmlns:r="http://schemas.openxmlformats.org/officeDocument/2006/relationships" xmlns:p="http://schemas.openxmlformats.org/presentationml/2006/main">
+  <p:cSld>
+    <p:spTree>
+      <p:nvGrpSpPr>
+        <p:cNvPr id="1" name=""/>
+        <p:cNvGrpSpPr/>
+        <p:nvPr/>
+      </p:nvGrpSpPr>
+      <p:grpSpPr>
+        <a:xfrm>
+          <a:off x="0" y="0"/>
+          <a:ext cx="0" cy="0"/>
+          <a:chOff x="0" y="0"/>
+          <a:chExt cx="0" cy="0"/>
+        </a:xfrm>
+      </p:grpSpPr>
+      <p:sp>
+        <p:nvSpPr>
+          <p:cNvPr id="2" name="Title 1">
+            <a:extLst>
+              <a:ext uri="{FF2B5EF4-FFF2-40B4-BE49-F238E27FC236}">
+                <a16:creationId xmlns:a16="http://schemas.microsoft.com/office/drawing/2014/main" id="{5F579F3A-D1C1-EAA6-BE43-0041AE3B3E48}"/>
+              </a:ext>
+            </a:extLst>
+          </p:cNvPr>
+          <p:cNvSpPr>
+            <a:spLocks noGrp="1"/>
+          </p:cNvSpPr>
+          <p:nvPr>
+            <p:ph type="title"/>
+          </p:nvPr>
+        </p:nvSpPr>
+        <p:spPr/>
+        <p:txBody>
+          <a:bodyPr/>
+          <a:lstStyle/>
+          <a:p>
+            <a:r>
+              <a:rPr lang="en-AU" dirty="0"/>
+              <a:t>John Savill’s Technical Training</a:t>
+            </a:r>
+          </a:p>
+        </p:txBody>
+      </p:sp>
+      <p:sp>
+        <p:nvSpPr>
+          <p:cNvPr id="3" name="Content Placeholder 2">
+            <a:extLst>
+              <a:ext uri="{FF2B5EF4-FFF2-40B4-BE49-F238E27FC236}">
+                <a16:creationId xmlns:a16="http://schemas.microsoft.com/office/drawing/2014/main" id="{6B20F930-1EC8-9085-CC8B-02723DC2E380}"/>
+              </a:ext>
+            </a:extLst>
+          </p:cNvPr>
+          <p:cNvSpPr>
+            <a:spLocks noGrp="1"/>
+          </p:cNvSpPr>
+          <p:nvPr>
+            <p:ph idx="1"/>
+          </p:nvPr>
+        </p:nvSpPr>
+        <p:spPr/>
+        <p:txBody>
+          <a:bodyPr>
+            <a:normAutofit/>
+          </a:bodyPr>
+          <a:lstStyle/>
+          <a:p>
+            <a:pPr marL="0" indent="0">
+              <a:buNone/>
+            </a:pPr>
+            <a:r>
+              <a:rPr lang="en-AU" dirty="0"/>
+              <a:t>John Savill gives back to the community:</a:t>
+            </a:r>
+          </a:p>
+          <a:p>
+            <a:r>
+              <a:rPr lang="en-AU" dirty="0"/>
+              <a:t>DevOps Master Class</a:t>
+            </a:r>
+            <a:br>
+              <a:rPr lang="en-AU" dirty="0"/>
+            </a:br>
+            <a:r>
+              <a:rPr lang="en-AU" sz="2400" dirty="0">
+                <a:hlinkClick r:id="rId2"/>
+              </a:rPr>
+              <a:t>https://www.youtube.com/watch?v=YMdtaWfU_QE</a:t>
+            </a:r>
+            <a:endParaRPr lang="en-AU" sz="2400" dirty="0"/>
+          </a:p>
+          <a:p>
+            <a:r>
+              <a:rPr lang="en-AU" dirty="0"/>
+              <a:t>Azure Master Class v3</a:t>
+            </a:r>
+            <a:br>
+              <a:rPr lang="en-AU" dirty="0"/>
+            </a:br>
+            <a:r>
+              <a:rPr lang="en-AU" sz="2400" dirty="0">
+                <a:hlinkClick r:id="rId3"/>
+              </a:rPr>
+              <a:t>https://www.youtube.com/watch?v=afzzawldfFk</a:t>
+            </a:r>
+            <a:endParaRPr lang="en-AU" sz="2400" dirty="0"/>
+          </a:p>
+          <a:p>
+            <a:r>
+              <a:rPr lang="en-AU" dirty="0"/>
+              <a:t>Azure Weekly update</a:t>
+            </a:r>
+            <a:br>
+              <a:rPr lang="en-AU" dirty="0"/>
+            </a:br>
+            <a:r>
+              <a:rPr lang="en-AU" sz="2400" dirty="0">
+                <a:hlinkClick r:id="rId4"/>
+              </a:rPr>
+              <a:t>https://www.youtube.com/watch?v=IYShpL69FJQ</a:t>
+            </a:r>
+            <a:endParaRPr lang="en-AU" sz="2400" dirty="0"/>
+          </a:p>
+          <a:p>
+            <a:r>
+              <a:rPr lang="en-AU" dirty="0"/>
+              <a:t>Keynote – Arnold’s 5 rules</a:t>
+            </a:r>
+            <a:br>
+              <a:rPr lang="en-AU" dirty="0"/>
+            </a:br>
+            <a:r>
+              <a:rPr lang="en-AU" sz="2400" dirty="0">
+                <a:hlinkClick r:id="rId5"/>
+              </a:rPr>
+              <a:t>https://www.youtube.com/watch?v=5KhdPCfddZY</a:t>
+            </a:r>
+            <a:endParaRPr lang="en-AU" sz="2400" dirty="0"/>
+          </a:p>
+          <a:p>
+            <a:endParaRPr lang="en-AU" dirty="0"/>
+          </a:p>
+          <a:p>
+            <a:endParaRPr lang="en-AU" dirty="0"/>
+          </a:p>
+          <a:p>
+            <a:endParaRPr lang="en-AU" dirty="0"/>
+          </a:p>
+          <a:p>
+            <a:endParaRPr lang="en-AU" dirty="0"/>
+          </a:p>
+          <a:p>
+            <a:endParaRPr lang="en-AU" dirty="0"/>
+          </a:p>
+        </p:txBody>
+      </p:sp>
+      <p:sp>
+        <p:nvSpPr>
+          <p:cNvPr id="4" name="Slide Number Placeholder 3">
+            <a:extLst>
+              <a:ext uri="{FF2B5EF4-FFF2-40B4-BE49-F238E27FC236}">
+                <a16:creationId xmlns:a16="http://schemas.microsoft.com/office/drawing/2014/main" id="{81B831C0-1E74-A1D4-2F0B-5AA84C1B2BB0}"/>
+              </a:ext>
+            </a:extLst>
+          </p:cNvPr>
+          <p:cNvSpPr>
+            <a:spLocks noGrp="1"/>
+          </p:cNvSpPr>
+          <p:nvPr>
+            <p:ph type="sldNum" sz="quarter" idx="12"/>
+          </p:nvPr>
+        </p:nvSpPr>
+        <p:spPr/>
+        <p:txBody>
+          <a:bodyPr/>
+          <a:lstStyle/>
+          <a:p>
+            <a:fld id="{239CC275-0F17-4CFE-B2FE-5727017C3401}" type="slidenum">
+              <a:rPr lang="en-AU" smtClean="0"/>
+              <a:t>22</a:t>
+            </a:fld>
+            <a:endParaRPr lang="en-AU"/>
+          </a:p>
+        </p:txBody>
+      </p:sp>
+      <p:pic>
+        <p:nvPicPr>
+          <p:cNvPr id="6" name="Picture 5">
+            <a:extLst>
+              <a:ext uri="{FF2B5EF4-FFF2-40B4-BE49-F238E27FC236}">
+                <a16:creationId xmlns:a16="http://schemas.microsoft.com/office/drawing/2014/main" id="{41A713EA-ABCF-F79D-6B84-7F525F36DD2E}"/>
+              </a:ext>
+            </a:extLst>
+          </p:cNvPr>
+          <p:cNvPicPr>
+            <a:picLocks noChangeAspect="1"/>
+          </p:cNvPicPr>
+          <p:nvPr/>
+        </p:nvPicPr>
+        <p:blipFill>
+          <a:blip r:embed="rId6"/>
+          <a:stretch>
+            <a:fillRect/>
+          </a:stretch>
+        </p:blipFill>
+        <p:spPr>
+          <a:xfrm>
+            <a:off x="7995077" y="-4775"/>
+            <a:ext cx="4196923" cy="3482761"/>
+          </a:xfrm>
+          <a:prstGeom prst="rect">
+            <a:avLst/>
+          </a:prstGeom>
+        </p:spPr>
+      </p:pic>
+    </p:spTree>
+    <p:extLst>
+      <p:ext uri="{BB962C8B-B14F-4D97-AF65-F5344CB8AC3E}">
+        <p14:creationId xmlns:p14="http://schemas.microsoft.com/office/powerpoint/2010/main" val="1033962435"/>
+      </p:ext>
+    </p:extLst>
+  </p:cSld>
+  <p:clrMapOvr>
+    <a:masterClrMapping/>
+  </p:clrMapOvr>
+</p:sld>
+</file>
+
+<file path=ppt/slides/slide23.xml><?xml version="1.0" encoding="utf-8"?>
+<p:sld xmlns:a="http://schemas.openxmlformats.org/drawingml/2006/main" xmlns:r="http://schemas.openxmlformats.org/officeDocument/2006/relationships" xmlns:p="http://schemas.openxmlformats.org/presentationml/2006/main">
+  <p:cSld>
+    <p:spTree>
+      <p:nvGrpSpPr>
+        <p:cNvPr id="1" name=""/>
+        <p:cNvGrpSpPr/>
+        <p:nvPr/>
+      </p:nvGrpSpPr>
+      <p:grpSpPr>
+        <a:xfrm>
+          <a:off x="0" y="0"/>
+          <a:ext cx="0" cy="0"/>
+          <a:chOff x="0" y="0"/>
+          <a:chExt cx="0" cy="0"/>
+        </a:xfrm>
+      </p:grpSpPr>
+      <p:sp>
+        <p:nvSpPr>
+          <p:cNvPr id="4" name="Slide Number Placeholder 3">
+            <a:extLst>
+              <a:ext uri="{FF2B5EF4-FFF2-40B4-BE49-F238E27FC236}">
+                <a16:creationId xmlns:a16="http://schemas.microsoft.com/office/drawing/2014/main" id="{C37A0015-6DC4-9F60-A806-E261CF64A1B5}"/>
+              </a:ext>
+            </a:extLst>
+          </p:cNvPr>
+          <p:cNvSpPr>
+            <a:spLocks noGrp="1"/>
+          </p:cNvSpPr>
+          <p:nvPr>
+            <p:ph type="sldNum" sz="quarter" idx="12"/>
+          </p:nvPr>
+        </p:nvSpPr>
+        <p:spPr/>
+        <p:txBody>
+          <a:bodyPr/>
+          <a:lstStyle/>
+          <a:p>
+            <a:fld id="{239CC275-0F17-4CFE-B2FE-5727017C3401}" type="slidenum">
+              <a:rPr lang="en-AU" smtClean="0"/>
+              <a:t>23</a:t>
+            </a:fld>
+            <a:endParaRPr lang="en-AU"/>
+          </a:p>
+        </p:txBody>
+      </p:sp>
+      <p:pic>
+        <p:nvPicPr>
+          <p:cNvPr id="3074" name="Picture 2" descr="THANK YOU Message (thanks the end conclusion presentation slide) Stock ...">
+            <a:extLst>
+              <a:ext uri="{FF2B5EF4-FFF2-40B4-BE49-F238E27FC236}">
+                <a16:creationId xmlns:a16="http://schemas.microsoft.com/office/drawing/2014/main" id="{D343BE3D-77BF-EE58-6A46-6D4460698A3A}"/>
+              </a:ext>
+            </a:extLst>
+          </p:cNvPr>
+          <p:cNvPicPr>
+            <a:picLocks noGrp="1" noChangeAspect="1" noChangeArrowheads="1"/>
+          </p:cNvPicPr>
+          <p:nvPr>
+            <p:ph idx="1"/>
+          </p:nvPr>
+        </p:nvPicPr>
+        <p:blipFill>
+          <a:blip r:embed="rId2">
+            <a:extLst>
+              <a:ext uri="{28A0092B-C50C-407E-A947-70E740481C1C}">
+                <a14:useLocalDpi xmlns:a14="http://schemas.microsoft.com/office/drawing/2010/main" val="0"/>
+              </a:ext>
+            </a:extLst>
+          </a:blip>
+          <a:srcRect/>
+          <a:stretch>
+            <a:fillRect/>
+          </a:stretch>
+        </p:blipFill>
+        <p:spPr bwMode="auto">
+          <a:xfrm>
+            <a:off x="1996225" y="412124"/>
+            <a:ext cx="8307625" cy="6230719"/>
+          </a:xfrm>
+          <a:prstGeom prst="rect">
+            <a:avLst/>
+          </a:prstGeom>
+          <a:noFill/>
+          <a:extLst>
+            <a:ext uri="{909E8E84-426E-40DD-AFC4-6F175D3DCCD1}">
+              <a14:hiddenFill xmlns:a14="http://schemas.microsoft.com/office/drawing/2010/main">
+                <a:solidFill>
+                  <a:srgbClr val="FFFFFF"/>
+                </a:solidFill>
+              </a14:hiddenFill>
+            </a:ext>
+          </a:extLst>
+        </p:spPr>
+      </p:pic>
+    </p:spTree>
+    <p:extLst>
+      <p:ext uri="{BB962C8B-B14F-4D97-AF65-F5344CB8AC3E}">
+        <p14:creationId xmlns:p14="http://schemas.microsoft.com/office/powerpoint/2010/main" val="2110573625"/>
       </p:ext>
     </p:extLst>
   </p:cSld>

--- a/Dan’s Certification Journey - Part 1.pptx
+++ b/Dan’s Certification Journey - Part 1.pptx
@@ -5,32 +5,36 @@
     <p:sldMasterId id="2147483672" r:id="rId1"/>
   </p:sldMasterIdLst>
   <p:notesMasterIdLst>
-    <p:notesMasterId r:id="rId25"/>
+    <p:notesMasterId r:id="rId29"/>
   </p:notesMasterIdLst>
   <p:sldIdLst>
     <p:sldId id="256" r:id="rId2"/>
     <p:sldId id="268" r:id="rId3"/>
     <p:sldId id="270" r:id="rId4"/>
-    <p:sldId id="258" r:id="rId5"/>
-    <p:sldId id="257" r:id="rId6"/>
-    <p:sldId id="259" r:id="rId7"/>
-    <p:sldId id="265" r:id="rId8"/>
-    <p:sldId id="263" r:id="rId9"/>
-    <p:sldId id="261" r:id="rId10"/>
-    <p:sldId id="269" r:id="rId11"/>
-    <p:sldId id="264" r:id="rId12"/>
-    <p:sldId id="262" r:id="rId13"/>
-    <p:sldId id="260" r:id="rId14"/>
-    <p:sldId id="266" r:id="rId15"/>
-    <p:sldId id="279" r:id="rId16"/>
-    <p:sldId id="277" r:id="rId17"/>
-    <p:sldId id="267" r:id="rId18"/>
-    <p:sldId id="278" r:id="rId19"/>
-    <p:sldId id="273" r:id="rId20"/>
-    <p:sldId id="275" r:id="rId21"/>
-    <p:sldId id="274" r:id="rId22"/>
-    <p:sldId id="272" r:id="rId23"/>
-    <p:sldId id="280" r:id="rId24"/>
+    <p:sldId id="281" r:id="rId5"/>
+    <p:sldId id="258" r:id="rId6"/>
+    <p:sldId id="257" r:id="rId7"/>
+    <p:sldId id="259" r:id="rId8"/>
+    <p:sldId id="265" r:id="rId9"/>
+    <p:sldId id="263" r:id="rId10"/>
+    <p:sldId id="261" r:id="rId11"/>
+    <p:sldId id="269" r:id="rId12"/>
+    <p:sldId id="282" r:id="rId13"/>
+    <p:sldId id="264" r:id="rId14"/>
+    <p:sldId id="262" r:id="rId15"/>
+    <p:sldId id="283" r:id="rId16"/>
+    <p:sldId id="260" r:id="rId17"/>
+    <p:sldId id="284" r:id="rId18"/>
+    <p:sldId id="266" r:id="rId19"/>
+    <p:sldId id="279" r:id="rId20"/>
+    <p:sldId id="277" r:id="rId21"/>
+    <p:sldId id="267" r:id="rId22"/>
+    <p:sldId id="278" r:id="rId23"/>
+    <p:sldId id="273" r:id="rId24"/>
+    <p:sldId id="275" r:id="rId25"/>
+    <p:sldId id="274" r:id="rId26"/>
+    <p:sldId id="272" r:id="rId27"/>
+    <p:sldId id="280" r:id="rId28"/>
   </p:sldIdLst>
   <p:sldSz cx="12192000" cy="6858000"/>
   <p:notesSz cx="6858000" cy="9144000"/>
@@ -733,7 +737,7 @@
           <a:p>
             <a:fld id="{08EC57A4-9AF6-43F7-9579-88F447FBCD62}" type="datetimeFigureOut">
               <a:rPr lang="en-AU" smtClean="0"/>
-              <a:t>5/04/2025</a:t>
+              <a:t>8/04/2025</a:t>
             </a:fld>
             <a:endParaRPr lang="en-AU"/>
           </a:p>
@@ -1150,7 +1154,7 @@
           <a:p>
             <a:fld id="{F61FA952-71CC-4F8C-8A1E-D4CDECACA730}" type="datetime1">
               <a:rPr lang="en-AU" smtClean="0"/>
-              <a:t>5/04/2025</a:t>
+              <a:t>8/04/2025</a:t>
             </a:fld>
             <a:endParaRPr lang="en-AU"/>
           </a:p>
@@ -1350,7 +1354,7 @@
           <a:p>
             <a:fld id="{242EEBCA-13EB-4CC9-BF31-5BBEE91A65A2}" type="datetime1">
               <a:rPr lang="en-AU" smtClean="0"/>
-              <a:t>5/04/2025</a:t>
+              <a:t>8/04/2025</a:t>
             </a:fld>
             <a:endParaRPr lang="en-AU"/>
           </a:p>
@@ -1560,7 +1564,7 @@
           <a:p>
             <a:fld id="{E2A14B94-1E1E-499B-8DC1-B522AC845A40}" type="datetime1">
               <a:rPr lang="en-AU" smtClean="0"/>
-              <a:t>5/04/2025</a:t>
+              <a:t>8/04/2025</a:t>
             </a:fld>
             <a:endParaRPr lang="en-AU"/>
           </a:p>
@@ -1760,7 +1764,7 @@
           <a:p>
             <a:fld id="{D3F2032B-9E5E-4028-85E2-E19ED219B8C7}" type="datetime1">
               <a:rPr lang="en-AU" smtClean="0"/>
-              <a:t>5/04/2025</a:t>
+              <a:t>8/04/2025</a:t>
             </a:fld>
             <a:endParaRPr lang="en-AU"/>
           </a:p>
@@ -2036,7 +2040,7 @@
           <a:p>
             <a:fld id="{F957D672-AD8C-496C-88BB-66AF0BB5A5A2}" type="datetime1">
               <a:rPr lang="en-AU" smtClean="0"/>
-              <a:t>5/04/2025</a:t>
+              <a:t>8/04/2025</a:t>
             </a:fld>
             <a:endParaRPr lang="en-AU"/>
           </a:p>
@@ -2304,7 +2308,7 @@
           <a:p>
             <a:fld id="{DFA246D6-F78F-41E9-B45C-64B05B800AF7}" type="datetime1">
               <a:rPr lang="en-AU" smtClean="0"/>
-              <a:t>5/04/2025</a:t>
+              <a:t>8/04/2025</a:t>
             </a:fld>
             <a:endParaRPr lang="en-AU"/>
           </a:p>
@@ -2719,7 +2723,7 @@
           <a:p>
             <a:fld id="{D8DE361D-9D8C-490B-85C4-C491D5C52750}" type="datetime1">
               <a:rPr lang="en-AU" smtClean="0"/>
-              <a:t>5/04/2025</a:t>
+              <a:t>8/04/2025</a:t>
             </a:fld>
             <a:endParaRPr lang="en-AU"/>
           </a:p>
@@ -2861,7 +2865,7 @@
           <a:p>
             <a:fld id="{183FA24E-6196-4827-B83B-41203FF9867B}" type="datetime1">
               <a:rPr lang="en-AU" smtClean="0"/>
-              <a:t>5/04/2025</a:t>
+              <a:t>8/04/2025</a:t>
             </a:fld>
             <a:endParaRPr lang="en-AU"/>
           </a:p>
@@ -2974,7 +2978,7 @@
           <a:p>
             <a:fld id="{A7CD42FF-942E-416B-A9C7-2E5A13BA46C1}" type="datetime1">
               <a:rPr lang="en-AU" smtClean="0"/>
-              <a:t>5/04/2025</a:t>
+              <a:t>8/04/2025</a:t>
             </a:fld>
             <a:endParaRPr lang="en-AU"/>
           </a:p>
@@ -3287,7 +3291,7 @@
           <a:p>
             <a:fld id="{5FCF106C-DF8A-4EEE-8486-F3670FDF5D64}" type="datetime1">
               <a:rPr lang="en-AU" smtClean="0"/>
-              <a:t>5/04/2025</a:t>
+              <a:t>8/04/2025</a:t>
             </a:fld>
             <a:endParaRPr lang="en-AU"/>
           </a:p>
@@ -3576,7 +3580,7 @@
           <a:p>
             <a:fld id="{939046B5-93F3-4F0C-BAC5-3FB9BF9650EA}" type="datetime1">
               <a:rPr lang="en-AU" smtClean="0"/>
-              <a:t>5/04/2025</a:t>
+              <a:t>8/04/2025</a:t>
             </a:fld>
             <a:endParaRPr lang="en-AU"/>
           </a:p>
@@ -3819,7 +3823,7 @@
           <a:p>
             <a:fld id="{713AD98A-663D-4EB2-997C-19BA3BC8B086}" type="datetime1">
               <a:rPr lang="en-AU" smtClean="0"/>
-              <a:t>5/04/2025</a:t>
+              <a:t>8/04/2025</a:t>
             </a:fld>
             <a:endParaRPr lang="en-AU"/>
           </a:p>
@@ -4333,6 +4337,16 @@
 <file path=ppt/slides/slide10.xml><?xml version="1.0" encoding="utf-8"?>
 <p:sld xmlns:a="http://schemas.openxmlformats.org/drawingml/2006/main" xmlns:r="http://schemas.openxmlformats.org/officeDocument/2006/relationships" xmlns:p="http://schemas.openxmlformats.org/presentationml/2006/main">
   <p:cSld>
+    <p:bg>
+      <p:bgPr>
+        <a:solidFill>
+          <a:schemeClr val="bg1">
+            <a:alpha val="0"/>
+          </a:schemeClr>
+        </a:solidFill>
+        <a:effectLst/>
+      </p:bgPr>
+    </p:bg>
     <p:spTree>
       <p:nvGrpSpPr>
         <p:cNvPr id="1" name=""/>
@@ -4352,7 +4366,7 @@
           <p:cNvPr id="2" name="Title 1">
             <a:extLst>
               <a:ext uri="{FF2B5EF4-FFF2-40B4-BE49-F238E27FC236}">
-                <a16:creationId xmlns:a16="http://schemas.microsoft.com/office/drawing/2014/main" id="{B04C79FE-B47E-6414-CA40-4AB4E6B6683B}"/>
+                <a16:creationId xmlns:a16="http://schemas.microsoft.com/office/drawing/2014/main" id="{0453AB76-A2A7-B9A3-ECA6-9A1FEB7EE26A}"/>
               </a:ext>
             </a:extLst>
           </p:cNvPr>
@@ -4363,35 +4377,12 @@
             <p:ph type="title"/>
           </p:nvPr>
         </p:nvSpPr>
-        <p:spPr/>
-        <p:txBody>
-          <a:bodyPr/>
-          <a:lstStyle/>
-          <a:p>
-            <a:r>
-              <a:rPr lang="en-AU" dirty="0"/>
-              <a:t>Sensory memory</a:t>
-            </a:r>
-          </a:p>
-        </p:txBody>
-      </p:sp>
-      <p:sp>
-        <p:nvSpPr>
-          <p:cNvPr id="3" name="Content Placeholder 2">
-            <a:extLst>
-              <a:ext uri="{FF2B5EF4-FFF2-40B4-BE49-F238E27FC236}">
-                <a16:creationId xmlns:a16="http://schemas.microsoft.com/office/drawing/2014/main" id="{D9EBFAA3-1515-B92D-E692-867DBBECF825}"/>
-              </a:ext>
-            </a:extLst>
-          </p:cNvPr>
-          <p:cNvSpPr>
-            <a:spLocks noGrp="1"/>
-          </p:cNvSpPr>
-          <p:nvPr>
-            <p:ph idx="1"/>
-          </p:nvPr>
-        </p:nvSpPr>
-        <p:spPr/>
+        <p:spPr>
+          <a:xfrm>
+            <a:off x="831760" y="365125"/>
+            <a:ext cx="10918371" cy="1325563"/>
+          </a:xfrm>
+        </p:spPr>
         <p:txBody>
           <a:bodyPr>
             <a:normAutofit/>
@@ -4399,49 +4390,70 @@
           <a:lstStyle/>
           <a:p>
             <a:r>
-              <a:rPr lang="en-GB" dirty="0"/>
-              <a:t>Sensory memory preserves information in its original sensory form for a brief time, usually only a fraction of a second </a:t>
-            </a:r>
-          </a:p>
-          <a:p>
-            <a:r>
-              <a:rPr lang="en-GB" dirty="0"/>
-              <a:t>Example: the afterimage created when you move a sparkler very quickly </a:t>
-            </a:r>
-          </a:p>
-          <a:p>
-            <a:r>
-              <a:rPr lang="en-GB" dirty="0"/>
-              <a:t>Some researchers argue that sensory memory is more of an “echo” than a “memory”  </a:t>
-            </a:r>
-          </a:p>
-          <a:p>
-            <a:r>
-              <a:rPr lang="en-GB" dirty="0"/>
-              <a:t>Auditory sensory memory (echoic) lasts 2-4 seconds  </a:t>
-            </a:r>
-          </a:p>
-          <a:p>
-            <a:r>
-              <a:rPr lang="en-GB" dirty="0"/>
-              <a:t>Visual sensory memory (iconic) lasts approximately ¼ second</a:t>
-            </a:r>
-          </a:p>
-          <a:p>
-            <a:r>
-              <a:rPr lang="en-GB" dirty="0"/>
-              <a:t>George Sperling (1960) experiment on visual sensory store</a:t>
+              <a:rPr lang="en-GB" dirty="0">
+                <a:hlinkClick r:id="rId2"/>
+              </a:rPr>
+              <a:t>Introduction to Memory and Cognition –Open Educational Resources - PSYC341</a:t>
             </a:r>
             <a:endParaRPr lang="en-AU" dirty="0"/>
           </a:p>
         </p:txBody>
       </p:sp>
-      <p:sp>
-        <p:nvSpPr>
-          <p:cNvPr id="4" name="Slide Number Placeholder 3">
-            <a:extLst>
-              <a:ext uri="{FF2B5EF4-FFF2-40B4-BE49-F238E27FC236}">
-                <a16:creationId xmlns:a16="http://schemas.microsoft.com/office/drawing/2014/main" id="{0F42791D-EFC1-5F3E-3B34-258C5895231C}"/>
+      <p:pic>
+        <p:nvPicPr>
+          <p:cNvPr id="5122" name="Picture 2">
+            <a:extLst>
+              <a:ext uri="{FF2B5EF4-FFF2-40B4-BE49-F238E27FC236}">
+                <a16:creationId xmlns:a16="http://schemas.microsoft.com/office/drawing/2014/main" id="{8ABDAADD-D9CD-D041-8FF3-DE428C3E1116}"/>
+              </a:ext>
+            </a:extLst>
+          </p:cNvPr>
+          <p:cNvPicPr>
+            <a:picLocks noGrp="1" noChangeAspect="1" noChangeArrowheads="1"/>
+          </p:cNvPicPr>
+          <p:nvPr>
+            <p:ph idx="1"/>
+          </p:nvPr>
+        </p:nvPicPr>
+        <p:blipFill>
+          <a:blip r:embed="rId3">
+            <a:extLst>
+              <a:ext uri="{28A0092B-C50C-407E-A947-70E740481C1C}">
+                <a14:useLocalDpi xmlns:a14="http://schemas.microsoft.com/office/drawing/2010/main" val="0"/>
+              </a:ext>
+            </a:extLst>
+          </a:blip>
+          <a:stretch>
+            <a:fillRect/>
+          </a:stretch>
+        </p:blipFill>
+        <p:spPr bwMode="auto">
+          <a:xfrm>
+            <a:off x="1651418" y="2007605"/>
+            <a:ext cx="8889163" cy="3987377"/>
+          </a:xfrm>
+          <a:prstGeom prst="rect">
+            <a:avLst/>
+          </a:prstGeom>
+          <a:noFill/>
+          <a:effectLst/>
+          <a:extLst>
+            <a:ext uri="{909E8E84-426E-40DD-AFC4-6F175D3DCCD1}">
+              <a14:hiddenFill xmlns:a14="http://schemas.microsoft.com/office/drawing/2010/main">
+                <a:solidFill>
+                  <a:srgbClr val="FFFFFF"/>
+                </a:solidFill>
+              </a14:hiddenFill>
+            </a:ext>
+          </a:extLst>
+        </p:spPr>
+      </p:pic>
+      <p:sp>
+        <p:nvSpPr>
+          <p:cNvPr id="6" name="Slide Number Placeholder 5">
+            <a:extLst>
+              <a:ext uri="{FF2B5EF4-FFF2-40B4-BE49-F238E27FC236}">
+                <a16:creationId xmlns:a16="http://schemas.microsoft.com/office/drawing/2014/main" id="{223D8D2D-5396-BCD5-9F0C-981040CED9E9}"/>
               </a:ext>
             </a:extLst>
           </p:cNvPr>
@@ -4467,10 +4479,10 @@
       </p:sp>
       <p:sp>
         <p:nvSpPr>
-          <p:cNvPr id="6" name="TextBox 5">
-            <a:extLst>
-              <a:ext uri="{FF2B5EF4-FFF2-40B4-BE49-F238E27FC236}">
-                <a16:creationId xmlns:a16="http://schemas.microsoft.com/office/drawing/2014/main" id="{E37D6EB4-341D-47DE-12ED-A1C4BF3B17FD}"/>
+          <p:cNvPr id="5" name="TextBox 4">
+            <a:extLst>
+              <a:ext uri="{FF2B5EF4-FFF2-40B4-BE49-F238E27FC236}">
+                <a16:creationId xmlns:a16="http://schemas.microsoft.com/office/drawing/2014/main" id="{7844C926-EB05-8C76-E329-1F291C53E858}"/>
               </a:ext>
             </a:extLst>
           </p:cNvPr>
@@ -4479,7 +4491,7 @@
         </p:nvSpPr>
         <p:spPr>
           <a:xfrm>
-            <a:off x="-174172" y="6176963"/>
+            <a:off x="903514" y="6123543"/>
             <a:ext cx="6096000" cy="369332"/>
           </a:xfrm>
           <a:prstGeom prst="rect">
@@ -4493,16 +4505,9 @@
           </a:bodyPr>
           <a:lstStyle/>
           <a:p>
-            <a:pPr algn="ctr"/>
-            <a:r>
-              <a:rPr lang="en-GB" i="0" dirty="0">
-                <a:solidFill>
-                  <a:srgbClr val="000000"/>
-                </a:solidFill>
-                <a:effectLst/>
-                <a:latin typeface="Avenir"/>
-              </a:rPr>
-              <a:t>PSY 1000 - Introduction to Psychology (Zeigler-Hill)</a:t>
+            <a:r>
+              <a:rPr lang="en-AU" u="sng" dirty="0"/>
+              <a:t>https://bobsthinktank.github.io/PSYC341OER/</a:t>
             </a:r>
           </a:p>
         </p:txBody>
@@ -4510,7 +4515,7 @@
     </p:spTree>
     <p:extLst>
       <p:ext uri="{BB962C8B-B14F-4D97-AF65-F5344CB8AC3E}">
-        <p14:creationId xmlns:p14="http://schemas.microsoft.com/office/powerpoint/2010/main" val="3552264496"/>
+        <p14:creationId xmlns:p14="http://schemas.microsoft.com/office/powerpoint/2010/main" val="2460096125"/>
       </p:ext>
     </p:extLst>
   </p:cSld>
@@ -4542,7 +4547,7 @@
           <p:cNvPr id="2" name="Title 1">
             <a:extLst>
               <a:ext uri="{FF2B5EF4-FFF2-40B4-BE49-F238E27FC236}">
-                <a16:creationId xmlns:a16="http://schemas.microsoft.com/office/drawing/2014/main" id="{A44AFE74-1522-7B49-688C-2C9655C76CE1}"/>
+                <a16:creationId xmlns:a16="http://schemas.microsoft.com/office/drawing/2014/main" id="{B04C79FE-B47E-6414-CA40-4AB4E6B6683B}"/>
               </a:ext>
             </a:extLst>
           </p:cNvPr>
@@ -4559,10 +4564,9 @@
           <a:lstStyle/>
           <a:p>
             <a:r>
-              <a:rPr lang="en-GB" dirty="0"/>
-              <a:t>Encoding: Getting information into memory</a:t>
-            </a:r>
-            <a:endParaRPr lang="en-AU" dirty="0"/>
+              <a:rPr lang="en-AU" dirty="0"/>
+              <a:t>Sensory memory</a:t>
+            </a:r>
           </a:p>
         </p:txBody>
       </p:sp>
@@ -4571,7 +4575,7 @@
           <p:cNvPr id="3" name="Content Placeholder 2">
             <a:extLst>
               <a:ext uri="{FF2B5EF4-FFF2-40B4-BE49-F238E27FC236}">
-                <a16:creationId xmlns:a16="http://schemas.microsoft.com/office/drawing/2014/main" id="{3D616C81-DB25-ACA2-98C2-7C2F9914DBB9}"/>
+                <a16:creationId xmlns:a16="http://schemas.microsoft.com/office/drawing/2014/main" id="{D9EBFAA3-1515-B92D-E692-867DBBECF825}"/>
               </a:ext>
             </a:extLst>
           </p:cNvPr>
@@ -4591,51 +4595,37 @@
           <a:p>
             <a:r>
               <a:rPr lang="en-GB" dirty="0"/>
-              <a:t>In general, you need to pay attention to information if you intend to remember it.</a:t>
-            </a:r>
-          </a:p>
-          <a:p>
-            <a:pPr lvl="1"/>
-            <a:r>
-              <a:rPr lang="en-GB" b="1" u="sng" dirty="0"/>
-              <a:t>Attention</a:t>
-            </a:r>
+              <a:t>Sensory memory preserves information in its original sensory form for a brief time, usually only a fraction of a second </a:t>
+            </a:r>
+          </a:p>
+          <a:p>
             <a:r>
               <a:rPr lang="en-GB" dirty="0"/>
-              <a:t> involves focusing awareness on a narrowed range of stimuli or events</a:t>
+              <a:t>Example: the afterimage created when you move a sparkler very quickly </a:t>
             </a:r>
           </a:p>
           <a:p>
             <a:r>
               <a:rPr lang="en-GB" dirty="0"/>
-              <a:t>Selective attention is critical to everyday functioning </a:t>
-            </a:r>
-          </a:p>
-          <a:p>
-            <a:pPr lvl="1"/>
+              <a:t>Some researchers argue that sensory memory is more of an “echo” than a “memory”  </a:t>
+            </a:r>
+          </a:p>
+          <a:p>
             <a:r>
               <a:rPr lang="en-GB" dirty="0"/>
-              <a:t>Just imagine how poorly you would function if everything in your environment demanded equal attention  </a:t>
+              <a:t>Auditory sensory memory (echoic) lasts 2-4 seconds  </a:t>
             </a:r>
           </a:p>
           <a:p>
             <a:r>
               <a:rPr lang="en-GB" dirty="0"/>
-              <a:t>Attention acts like a filter that screens out most stimuli </a:t>
-            </a:r>
-          </a:p>
-          <a:p>
-            <a:pPr lvl="1"/>
+              <a:t>Visual sensory memory (iconic) lasts approximately ¼ second</a:t>
+            </a:r>
+          </a:p>
+          <a:p>
             <a:r>
               <a:rPr lang="en-GB" dirty="0"/>
-              <a:t>Cocktail party phenomenon</a:t>
-            </a:r>
-          </a:p>
-          <a:p>
-            <a:pPr lvl="1"/>
-            <a:r>
-              <a:rPr lang="en-GB" dirty="0"/>
-              <a:t>Divided attention impairs performance</a:t>
+              <a:t>George Sperling (1960) experiment on visual sensory store</a:t>
             </a:r>
             <a:endParaRPr lang="en-AU" dirty="0"/>
           </a:p>
@@ -4643,10 +4633,10 @@
       </p:sp>
       <p:sp>
         <p:nvSpPr>
-          <p:cNvPr id="6" name="Slide Number Placeholder 5">
-            <a:extLst>
-              <a:ext uri="{FF2B5EF4-FFF2-40B4-BE49-F238E27FC236}">
-                <a16:creationId xmlns:a16="http://schemas.microsoft.com/office/drawing/2014/main" id="{D5734B82-DC9C-5C9C-3EC4-8E570B25E6A2}"/>
+          <p:cNvPr id="4" name="Slide Number Placeholder 3">
+            <a:extLst>
+              <a:ext uri="{FF2B5EF4-FFF2-40B4-BE49-F238E27FC236}">
+                <a16:creationId xmlns:a16="http://schemas.microsoft.com/office/drawing/2014/main" id="{0F42791D-EFC1-5F3E-3B34-258C5895231C}"/>
               </a:ext>
             </a:extLst>
           </p:cNvPr>
@@ -4672,10 +4662,10 @@
       </p:sp>
       <p:sp>
         <p:nvSpPr>
-          <p:cNvPr id="5" name="TextBox 4">
-            <a:extLst>
-              <a:ext uri="{FF2B5EF4-FFF2-40B4-BE49-F238E27FC236}">
-                <a16:creationId xmlns:a16="http://schemas.microsoft.com/office/drawing/2014/main" id="{0D1EB2AF-51E7-3D76-3C66-B56AA96D9D3B}"/>
+          <p:cNvPr id="6" name="TextBox 5">
+            <a:extLst>
+              <a:ext uri="{FF2B5EF4-FFF2-40B4-BE49-F238E27FC236}">
+                <a16:creationId xmlns:a16="http://schemas.microsoft.com/office/drawing/2014/main" id="{E37D6EB4-341D-47DE-12ED-A1C4BF3B17FD}"/>
               </a:ext>
             </a:extLst>
           </p:cNvPr>
@@ -4684,15 +4674,13 @@
         </p:nvSpPr>
         <p:spPr>
           <a:xfrm>
-            <a:off x="0" y="6213249"/>
+            <a:off x="-174172" y="6176963"/>
             <a:ext cx="6096000" cy="369332"/>
           </a:xfrm>
           <a:prstGeom prst="rect">
             <a:avLst/>
           </a:prstGeom>
-          <a:solidFill>
-            <a:schemeClr val="bg1"/>
-          </a:solidFill>
+          <a:noFill/>
         </p:spPr>
         <p:txBody>
           <a:bodyPr wrap="square">
@@ -4717,7 +4705,7 @@
     </p:spTree>
     <p:extLst>
       <p:ext uri="{BB962C8B-B14F-4D97-AF65-F5344CB8AC3E}">
-        <p14:creationId xmlns:p14="http://schemas.microsoft.com/office/powerpoint/2010/main" val="1708301829"/>
+        <p14:creationId xmlns:p14="http://schemas.microsoft.com/office/powerpoint/2010/main" val="3552264496"/>
       </p:ext>
     </p:extLst>
   </p:cSld>
@@ -4749,7 +4737,7 @@
           <p:cNvPr id="2" name="Title 1">
             <a:extLst>
               <a:ext uri="{FF2B5EF4-FFF2-40B4-BE49-F238E27FC236}">
-                <a16:creationId xmlns:a16="http://schemas.microsoft.com/office/drawing/2014/main" id="{9AB2ED34-07C0-E59C-4921-30ADA267F23B}"/>
+                <a16:creationId xmlns:a16="http://schemas.microsoft.com/office/drawing/2014/main" id="{587DF113-8996-9A91-4868-A4ABC72180A2}"/>
               </a:ext>
             </a:extLst>
           </p:cNvPr>
@@ -4765,92 +4753,6 @@
           <a:bodyPr/>
           <a:lstStyle/>
           <a:p>
-            <a:r>
-              <a:rPr lang="en-AU" dirty="0"/>
-              <a:t>Short-term memory</a:t>
-            </a:r>
-          </a:p>
-        </p:txBody>
-      </p:sp>
-      <p:sp>
-        <p:nvSpPr>
-          <p:cNvPr id="3" name="Content Placeholder 2">
-            <a:extLst>
-              <a:ext uri="{FF2B5EF4-FFF2-40B4-BE49-F238E27FC236}">
-                <a16:creationId xmlns:a16="http://schemas.microsoft.com/office/drawing/2014/main" id="{FFCF8D26-4129-62B6-6617-263211EF42D2}"/>
-              </a:ext>
-            </a:extLst>
-          </p:cNvPr>
-          <p:cNvSpPr>
-            <a:spLocks noGrp="1"/>
-          </p:cNvSpPr>
-          <p:nvPr>
-            <p:ph idx="1"/>
-          </p:nvPr>
-        </p:nvSpPr>
-        <p:spPr/>
-        <p:txBody>
-          <a:bodyPr/>
-          <a:lstStyle/>
-          <a:p>
-            <a:r>
-              <a:rPr lang="en-GB" dirty="0"/>
-              <a:t>Short-term memory is a limited capacity store that can maintain unrehearsed information for up to about 20 seconds </a:t>
-            </a:r>
-          </a:p>
-          <a:p>
-            <a:r>
-              <a:rPr lang="en-GB" dirty="0"/>
-              <a:t>Selective </a:t>
-            </a:r>
-            <a:r>
-              <a:rPr lang="en-GB" b="1" dirty="0"/>
-              <a:t>attention</a:t>
-            </a:r>
-            <a:r>
-              <a:rPr lang="en-GB" dirty="0"/>
-              <a:t> is important for moving information from sensory memory to short-term memory </a:t>
-            </a:r>
-          </a:p>
-          <a:p>
-            <a:r>
-              <a:rPr lang="en-GB" b="1" u="sng" dirty="0"/>
-              <a:t>Limited capacity</a:t>
-            </a:r>
-            <a:r>
-              <a:rPr lang="en-GB" dirty="0"/>
-              <a:t>: magical number 7 plus or minus 2 </a:t>
-            </a:r>
-          </a:p>
-          <a:p>
-            <a:r>
-              <a:rPr lang="en-GB" b="1" u="sng" dirty="0"/>
-              <a:t>Chunking</a:t>
-            </a:r>
-            <a:r>
-              <a:rPr lang="en-GB" dirty="0"/>
-              <a:t>: grouping related stimuli for storage as a single unit</a:t>
-            </a:r>
-          </a:p>
-          <a:p>
-            <a:r>
-              <a:rPr lang="en-GB" b="1" u="sng" dirty="0"/>
-              <a:t>Limited duration</a:t>
-            </a:r>
-            <a:r>
-              <a:rPr lang="en-GB" dirty="0"/>
-              <a:t>: about 10-20 seconds without rehearsal</a:t>
-            </a:r>
-          </a:p>
-          <a:p>
-            <a:r>
-              <a:rPr lang="en-GB" b="1" dirty="0"/>
-              <a:t>Rehearsal</a:t>
-            </a:r>
-            <a:r>
-              <a:rPr lang="en-GB" dirty="0"/>
-              <a:t>: the process of repetitively verbalizing or thinking about the information </a:t>
-            </a:r>
             <a:endParaRPr lang="en-AU" dirty="0"/>
           </a:p>
         </p:txBody>
@@ -4860,7 +4762,7 @@
           <p:cNvPr id="4" name="Slide Number Placeholder 3">
             <a:extLst>
               <a:ext uri="{FF2B5EF4-FFF2-40B4-BE49-F238E27FC236}">
-                <a16:creationId xmlns:a16="http://schemas.microsoft.com/office/drawing/2014/main" id="{7D28DBCF-BA7D-04D1-C3E2-BEF13E6B4494}"/>
+                <a16:creationId xmlns:a16="http://schemas.microsoft.com/office/drawing/2014/main" id="{F655D5A1-92ED-7375-639A-760AE5C7752F}"/>
               </a:ext>
             </a:extLst>
           </p:cNvPr>
@@ -4884,52 +4786,57 @@
           </a:p>
         </p:txBody>
       </p:sp>
-      <p:sp>
-        <p:nvSpPr>
-          <p:cNvPr id="6" name="TextBox 5">
-            <a:extLst>
-              <a:ext uri="{FF2B5EF4-FFF2-40B4-BE49-F238E27FC236}">
-                <a16:creationId xmlns:a16="http://schemas.microsoft.com/office/drawing/2014/main" id="{13E89E16-E5E5-4615-1B3B-235EE0F2F8B3}"/>
-              </a:ext>
-            </a:extLst>
-          </p:cNvPr>
-          <p:cNvSpPr txBox="1"/>
+      <p:pic>
+        <p:nvPicPr>
+          <p:cNvPr id="3074" name="Picture 2" descr="What Does Your Favorite Pizza Say about You? – The Lion's Roar">
+            <a:extLst>
+              <a:ext uri="{FF2B5EF4-FFF2-40B4-BE49-F238E27FC236}">
+                <a16:creationId xmlns:a16="http://schemas.microsoft.com/office/drawing/2014/main" id="{CE28DCE5-A279-EC6D-7F72-71B9CFF01FC3}"/>
+              </a:ext>
+            </a:extLst>
+          </p:cNvPr>
+          <p:cNvPicPr>
+            <a:picLocks noChangeAspect="1" noChangeArrowheads="1"/>
+          </p:cNvPicPr>
           <p:nvPr/>
-        </p:nvSpPr>
-        <p:spPr>
+        </p:nvPicPr>
+        <p:blipFill>
+          <a:blip r:embed="rId2">
+            <a:extLst>
+              <a:ext uri="{28A0092B-C50C-407E-A947-70E740481C1C}">
+                <a14:useLocalDpi xmlns:a14="http://schemas.microsoft.com/office/drawing/2010/main" val="0"/>
+              </a:ext>
+            </a:extLst>
+          </a:blip>
+          <a:srcRect/>
+          <a:stretch>
+            <a:fillRect/>
+          </a:stretch>
+        </p:blipFill>
+        <p:spPr bwMode="auto">
           <a:xfrm>
-            <a:off x="-56344" y="6308209"/>
-            <a:ext cx="6094926" cy="369332"/>
+            <a:off x="952500" y="0"/>
+            <a:ext cx="10287000" cy="6858000"/>
           </a:xfrm>
           <a:prstGeom prst="rect">
             <a:avLst/>
           </a:prstGeom>
           <a:noFill/>
+          <a:extLst>
+            <a:ext uri="{909E8E84-426E-40DD-AFC4-6F175D3DCCD1}">
+              <a14:hiddenFill xmlns:a14="http://schemas.microsoft.com/office/drawing/2010/main">
+                <a:solidFill>
+                  <a:srgbClr val="FFFFFF"/>
+                </a:solidFill>
+              </a14:hiddenFill>
+            </a:ext>
+          </a:extLst>
         </p:spPr>
-        <p:txBody>
-          <a:bodyPr wrap="square">
-            <a:spAutoFit/>
-          </a:bodyPr>
-          <a:lstStyle/>
-          <a:p>
-            <a:pPr algn="ctr"/>
-            <a:r>
-              <a:rPr lang="en-GB" i="0" dirty="0">
-                <a:solidFill>
-                  <a:srgbClr val="000000"/>
-                </a:solidFill>
-                <a:effectLst/>
-                <a:latin typeface="Avenir"/>
-              </a:rPr>
-              <a:t>PSY 1000 - Introduction to Psychology (Zeigler-Hill)</a:t>
-            </a:r>
-          </a:p>
-        </p:txBody>
-      </p:sp>
+      </p:pic>
     </p:spTree>
     <p:extLst>
       <p:ext uri="{BB962C8B-B14F-4D97-AF65-F5344CB8AC3E}">
-        <p14:creationId xmlns:p14="http://schemas.microsoft.com/office/powerpoint/2010/main" val="2223825477"/>
+        <p14:creationId xmlns:p14="http://schemas.microsoft.com/office/powerpoint/2010/main" val="3715923538"/>
       </p:ext>
     </p:extLst>
   </p:cSld>
@@ -4958,10 +4865,10 @@
       </p:grpSpPr>
       <p:sp>
         <p:nvSpPr>
-          <p:cNvPr id="6" name="Title 1">
-            <a:extLst>
-              <a:ext uri="{FF2B5EF4-FFF2-40B4-BE49-F238E27FC236}">
-                <a16:creationId xmlns:a16="http://schemas.microsoft.com/office/drawing/2014/main" id="{690EB9DC-4707-583C-AAB0-685BD033BE80}"/>
+          <p:cNvPr id="2" name="Title 1">
+            <a:extLst>
+              <a:ext uri="{FF2B5EF4-FFF2-40B4-BE49-F238E27FC236}">
+                <a16:creationId xmlns:a16="http://schemas.microsoft.com/office/drawing/2014/main" id="{A44AFE74-1522-7B49-688C-2C9655C76CE1}"/>
               </a:ext>
             </a:extLst>
           </p:cNvPr>
@@ -4978,18 +4885,19 @@
           <a:lstStyle/>
           <a:p>
             <a:r>
-              <a:rPr lang="en-AU" dirty="0"/>
-              <a:t>Long-term memory: Unlimited Capacity</a:t>
-            </a:r>
-          </a:p>
-        </p:txBody>
-      </p:sp>
-      <p:sp>
-        <p:nvSpPr>
-          <p:cNvPr id="4" name="Content Placeholder 3">
-            <a:extLst>
-              <a:ext uri="{FF2B5EF4-FFF2-40B4-BE49-F238E27FC236}">
-                <a16:creationId xmlns:a16="http://schemas.microsoft.com/office/drawing/2014/main" id="{C00A8174-E210-0A1A-2F4F-5FD8964EA964}"/>
+              <a:rPr lang="en-GB" dirty="0"/>
+              <a:t>Encoding: Getting information into memory</a:t>
+            </a:r>
+            <a:endParaRPr lang="en-AU" dirty="0"/>
+          </a:p>
+        </p:txBody>
+      </p:sp>
+      <p:sp>
+        <p:nvSpPr>
+          <p:cNvPr id="3" name="Content Placeholder 2">
+            <a:extLst>
+              <a:ext uri="{FF2B5EF4-FFF2-40B4-BE49-F238E27FC236}">
+                <a16:creationId xmlns:a16="http://schemas.microsoft.com/office/drawing/2014/main" id="{3D616C81-DB25-ACA2-98C2-7C2F9914DBB9}"/>
               </a:ext>
             </a:extLst>
           </p:cNvPr>
@@ -5009,43 +4917,62 @@
           <a:p>
             <a:r>
               <a:rPr lang="en-GB" dirty="0"/>
-              <a:t>Long-term memory is an unlimited capacity store that can hold information over lengthy periods of time  </a:t>
-            </a:r>
-          </a:p>
-          <a:p>
+              <a:t>In general, you need to pay attention to information if you intend to remember it.</a:t>
+            </a:r>
+          </a:p>
+          <a:p>
+            <a:pPr lvl="1"/>
+            <a:r>
+              <a:rPr lang="en-GB" b="1" u="sng" dirty="0"/>
+              <a:t>Attention</a:t>
+            </a:r>
             <a:r>
               <a:rPr lang="en-GB" dirty="0"/>
-              <a:t>Permanent storage? </a:t>
+              <a:t> involves focusing awareness on a narrowed range of stimuli or events</a:t>
+            </a:r>
+          </a:p>
+          <a:p>
+            <a:r>
+              <a:rPr lang="en-GB" dirty="0"/>
+              <a:t>Selective attention is critical to everyday functioning </a:t>
             </a:r>
           </a:p>
           <a:p>
             <a:pPr lvl="1"/>
             <a:r>
               <a:rPr lang="en-GB" dirty="0"/>
-              <a:t>Flashbulb memories: unusually vivid and detailed recollections of momentous events </a:t>
+              <a:t>Just imagine how poorly you would function if everything in your environment demanded equal attention  </a:t>
+            </a:r>
+          </a:p>
+          <a:p>
+            <a:r>
+              <a:rPr lang="en-GB" dirty="0"/>
+              <a:t>Attention acts like a filter that screens out most stimuli </a:t>
             </a:r>
           </a:p>
           <a:p>
             <a:pPr lvl="1"/>
             <a:r>
               <a:rPr lang="en-GB" dirty="0"/>
-              <a:t>Memory is more malleable and less accurate than generally appreciated </a:t>
-            </a:r>
-          </a:p>
-          <a:p>
+              <a:t>Cocktail party phenomenon</a:t>
+            </a:r>
+          </a:p>
+          <a:p>
+            <a:pPr lvl="1"/>
             <a:r>
               <a:rPr lang="en-GB" dirty="0"/>
-              <a:t>Are short-term memory and long-term memory really different? </a:t>
-            </a:r>
-          </a:p>
-        </p:txBody>
-      </p:sp>
-      <p:sp>
-        <p:nvSpPr>
-          <p:cNvPr id="7" name="Slide Number Placeholder 6">
-            <a:extLst>
-              <a:ext uri="{FF2B5EF4-FFF2-40B4-BE49-F238E27FC236}">
-                <a16:creationId xmlns:a16="http://schemas.microsoft.com/office/drawing/2014/main" id="{CFEB820B-56BF-035E-01C0-0462E1DAE2EE}"/>
+              <a:t>Divided attention impairs performance</a:t>
+            </a:r>
+            <a:endParaRPr lang="en-AU" dirty="0"/>
+          </a:p>
+        </p:txBody>
+      </p:sp>
+      <p:sp>
+        <p:nvSpPr>
+          <p:cNvPr id="6" name="Slide Number Placeholder 5">
+            <a:extLst>
+              <a:ext uri="{FF2B5EF4-FFF2-40B4-BE49-F238E27FC236}">
+                <a16:creationId xmlns:a16="http://schemas.microsoft.com/office/drawing/2014/main" id="{D5734B82-DC9C-5C9C-3EC4-8E570B25E6A2}"/>
               </a:ext>
             </a:extLst>
           </p:cNvPr>
@@ -5071,10 +4998,10 @@
       </p:sp>
       <p:sp>
         <p:nvSpPr>
-          <p:cNvPr id="9" name="TextBox 8">
-            <a:extLst>
-              <a:ext uri="{FF2B5EF4-FFF2-40B4-BE49-F238E27FC236}">
-                <a16:creationId xmlns:a16="http://schemas.microsoft.com/office/drawing/2014/main" id="{D91E07B3-71C4-C8AD-ABFB-2945671803CA}"/>
+          <p:cNvPr id="5" name="TextBox 4">
+            <a:extLst>
+              <a:ext uri="{FF2B5EF4-FFF2-40B4-BE49-F238E27FC236}">
+                <a16:creationId xmlns:a16="http://schemas.microsoft.com/office/drawing/2014/main" id="{0D1EB2AF-51E7-3D76-3C66-B56AA96D9D3B}"/>
               </a:ext>
             </a:extLst>
           </p:cNvPr>
@@ -5083,13 +5010,15 @@
         </p:nvSpPr>
         <p:spPr>
           <a:xfrm>
-            <a:off x="-228600" y="6123543"/>
+            <a:off x="0" y="6213249"/>
             <a:ext cx="6096000" cy="369332"/>
           </a:xfrm>
           <a:prstGeom prst="rect">
             <a:avLst/>
           </a:prstGeom>
-          <a:noFill/>
+          <a:solidFill>
+            <a:schemeClr val="bg1"/>
+          </a:solidFill>
         </p:spPr>
         <p:txBody>
           <a:bodyPr wrap="square">
@@ -5114,7 +5043,7 @@
     </p:spTree>
     <p:extLst>
       <p:ext uri="{BB962C8B-B14F-4D97-AF65-F5344CB8AC3E}">
-        <p14:creationId xmlns:p14="http://schemas.microsoft.com/office/powerpoint/2010/main" val="2169452334"/>
+        <p14:creationId xmlns:p14="http://schemas.microsoft.com/office/powerpoint/2010/main" val="1708301829"/>
       </p:ext>
     </p:extLst>
   </p:cSld>
@@ -5143,10 +5072,10 @@
       </p:grpSpPr>
       <p:sp>
         <p:nvSpPr>
-          <p:cNvPr id="6" name="Title 1">
-            <a:extLst>
-              <a:ext uri="{FF2B5EF4-FFF2-40B4-BE49-F238E27FC236}">
-                <a16:creationId xmlns:a16="http://schemas.microsoft.com/office/drawing/2014/main" id="{690EB9DC-4707-583C-AAB0-685BD033BE80}"/>
+          <p:cNvPr id="2" name="Title 1">
+            <a:extLst>
+              <a:ext uri="{FF2B5EF4-FFF2-40B4-BE49-F238E27FC236}">
+                <a16:creationId xmlns:a16="http://schemas.microsoft.com/office/drawing/2014/main" id="{9AB2ED34-07C0-E59C-4921-30ADA267F23B}"/>
               </a:ext>
             </a:extLst>
           </p:cNvPr>
@@ -5163,8 +5092,90 @@
           <a:lstStyle/>
           <a:p>
             <a:r>
+              <a:rPr lang="en-AU" dirty="0"/>
+              <a:t>Short-term memory</a:t>
+            </a:r>
+          </a:p>
+        </p:txBody>
+      </p:sp>
+      <p:sp>
+        <p:nvSpPr>
+          <p:cNvPr id="3" name="Content Placeholder 2">
+            <a:extLst>
+              <a:ext uri="{FF2B5EF4-FFF2-40B4-BE49-F238E27FC236}">
+                <a16:creationId xmlns:a16="http://schemas.microsoft.com/office/drawing/2014/main" id="{FFCF8D26-4129-62B6-6617-263211EF42D2}"/>
+              </a:ext>
+            </a:extLst>
+          </p:cNvPr>
+          <p:cNvSpPr>
+            <a:spLocks noGrp="1"/>
+          </p:cNvSpPr>
+          <p:nvPr>
+            <p:ph idx="1"/>
+          </p:nvPr>
+        </p:nvSpPr>
+        <p:spPr/>
+        <p:txBody>
+          <a:bodyPr/>
+          <a:lstStyle/>
+          <a:p>
+            <a:r>
               <a:rPr lang="en-GB" dirty="0"/>
-              <a:t>Forgetting Curve</a:t>
+              <a:t>Short-term memory is a limited capacity store that can maintain unrehearsed information for up to about 20 seconds </a:t>
+            </a:r>
+          </a:p>
+          <a:p>
+            <a:r>
+              <a:rPr lang="en-GB" dirty="0"/>
+              <a:t>Selective </a:t>
+            </a:r>
+            <a:r>
+              <a:rPr lang="en-GB" b="1" dirty="0"/>
+              <a:t>attention</a:t>
+            </a:r>
+            <a:r>
+              <a:rPr lang="en-GB" dirty="0"/>
+              <a:t> is important for moving information from sensory memory to short-term memory </a:t>
+            </a:r>
+          </a:p>
+          <a:p>
+            <a:r>
+              <a:rPr lang="en-GB" b="1" u="sng" dirty="0"/>
+              <a:t>Limited capacity</a:t>
+            </a:r>
+            <a:r>
+              <a:rPr lang="en-GB" dirty="0"/>
+              <a:t>: magical number 7 plus or minus 2 </a:t>
+            </a:r>
+          </a:p>
+          <a:p>
+            <a:r>
+              <a:rPr lang="en-GB" b="1" u="sng" dirty="0"/>
+              <a:t>Chunking</a:t>
+            </a:r>
+            <a:r>
+              <a:rPr lang="en-GB" dirty="0"/>
+              <a:t>: grouping related stimuli for storage as a single unit</a:t>
+            </a:r>
+          </a:p>
+          <a:p>
+            <a:r>
+              <a:rPr lang="en-GB" b="1" u="sng" dirty="0"/>
+              <a:t>Limited duration</a:t>
+            </a:r>
+            <a:r>
+              <a:rPr lang="en-GB" dirty="0"/>
+              <a:t>: about 10-20 seconds without rehearsal</a:t>
+            </a:r>
+          </a:p>
+          <a:p>
+            <a:r>
+              <a:rPr lang="en-GB" b="1" dirty="0"/>
+              <a:t>Rehearsal</a:t>
+            </a:r>
+            <a:r>
+              <a:rPr lang="en-GB" dirty="0"/>
+              <a:t>: the process of repetitively verbalizing or thinking about the information </a:t>
             </a:r>
             <a:endParaRPr lang="en-AU" dirty="0"/>
           </a:p>
@@ -5172,10 +5183,10 @@
       </p:sp>
       <p:sp>
         <p:nvSpPr>
-          <p:cNvPr id="7" name="Slide Number Placeholder 6">
-            <a:extLst>
-              <a:ext uri="{FF2B5EF4-FFF2-40B4-BE49-F238E27FC236}">
-                <a16:creationId xmlns:a16="http://schemas.microsoft.com/office/drawing/2014/main" id="{CFEB820B-56BF-035E-01C0-0462E1DAE2EE}"/>
+          <p:cNvPr id="4" name="Slide Number Placeholder 3">
+            <a:extLst>
+              <a:ext uri="{FF2B5EF4-FFF2-40B4-BE49-F238E27FC236}">
+                <a16:creationId xmlns:a16="http://schemas.microsoft.com/office/drawing/2014/main" id="{7D28DBCF-BA7D-04D1-C3E2-BEF13E6B4494}"/>
               </a:ext>
             </a:extLst>
           </p:cNvPr>
@@ -5194,6 +5205,1357 @@
             <a:fld id="{239CC275-0F17-4CFE-B2FE-5727017C3401}" type="slidenum">
               <a:rPr lang="en-AU" smtClean="0"/>
               <a:t>14</a:t>
+            </a:fld>
+            <a:endParaRPr lang="en-AU"/>
+          </a:p>
+        </p:txBody>
+      </p:sp>
+      <p:sp>
+        <p:nvSpPr>
+          <p:cNvPr id="6" name="TextBox 5">
+            <a:extLst>
+              <a:ext uri="{FF2B5EF4-FFF2-40B4-BE49-F238E27FC236}">
+                <a16:creationId xmlns:a16="http://schemas.microsoft.com/office/drawing/2014/main" id="{13E89E16-E5E5-4615-1B3B-235EE0F2F8B3}"/>
+              </a:ext>
+            </a:extLst>
+          </p:cNvPr>
+          <p:cNvSpPr txBox="1"/>
+          <p:nvPr/>
+        </p:nvSpPr>
+        <p:spPr>
+          <a:xfrm>
+            <a:off x="-56344" y="6308209"/>
+            <a:ext cx="6094926" cy="369332"/>
+          </a:xfrm>
+          <a:prstGeom prst="rect">
+            <a:avLst/>
+          </a:prstGeom>
+          <a:noFill/>
+        </p:spPr>
+        <p:txBody>
+          <a:bodyPr wrap="square">
+            <a:spAutoFit/>
+          </a:bodyPr>
+          <a:lstStyle/>
+          <a:p>
+            <a:pPr algn="ctr"/>
+            <a:r>
+              <a:rPr lang="en-GB" i="0" dirty="0">
+                <a:solidFill>
+                  <a:srgbClr val="000000"/>
+                </a:solidFill>
+                <a:effectLst/>
+                <a:latin typeface="Avenir"/>
+              </a:rPr>
+              <a:t>PSY 1000 - Introduction to Psychology (Zeigler-Hill)</a:t>
+            </a:r>
+          </a:p>
+        </p:txBody>
+      </p:sp>
+    </p:spTree>
+    <p:extLst>
+      <p:ext uri="{BB962C8B-B14F-4D97-AF65-F5344CB8AC3E}">
+        <p14:creationId xmlns:p14="http://schemas.microsoft.com/office/powerpoint/2010/main" val="2223825477"/>
+      </p:ext>
+    </p:extLst>
+  </p:cSld>
+  <p:clrMapOvr>
+    <a:masterClrMapping/>
+  </p:clrMapOvr>
+</p:sld>
+</file>
+
+<file path=ppt/slides/slide15.xml><?xml version="1.0" encoding="utf-8"?>
+<p:sld xmlns:a="http://schemas.openxmlformats.org/drawingml/2006/main" xmlns:r="http://schemas.openxmlformats.org/officeDocument/2006/relationships" xmlns:p="http://schemas.openxmlformats.org/presentationml/2006/main">
+  <p:cSld>
+    <p:spTree>
+      <p:nvGrpSpPr>
+        <p:cNvPr id="1" name=""/>
+        <p:cNvGrpSpPr/>
+        <p:nvPr/>
+      </p:nvGrpSpPr>
+      <p:grpSpPr>
+        <a:xfrm>
+          <a:off x="0" y="0"/>
+          <a:ext cx="0" cy="0"/>
+          <a:chOff x="0" y="0"/>
+          <a:chExt cx="0" cy="0"/>
+        </a:xfrm>
+      </p:grpSpPr>
+      <p:sp>
+        <p:nvSpPr>
+          <p:cNvPr id="2" name="Title 1">
+            <a:extLst>
+              <a:ext uri="{FF2B5EF4-FFF2-40B4-BE49-F238E27FC236}">
+                <a16:creationId xmlns:a16="http://schemas.microsoft.com/office/drawing/2014/main" id="{9BA34238-EFF0-4598-9BBC-869CC05B1E0E}"/>
+              </a:ext>
+            </a:extLst>
+          </p:cNvPr>
+          <p:cNvSpPr>
+            <a:spLocks noGrp="1"/>
+          </p:cNvSpPr>
+          <p:nvPr>
+            <p:ph type="title"/>
+          </p:nvPr>
+        </p:nvSpPr>
+        <p:spPr/>
+        <p:txBody>
+          <a:bodyPr/>
+          <a:lstStyle/>
+          <a:p>
+            <a:r>
+              <a:rPr lang="en-AU" dirty="0"/>
+              <a:t>CISSP Exam Tip </a:t>
+            </a:r>
+          </a:p>
+        </p:txBody>
+      </p:sp>
+      <p:graphicFrame>
+        <p:nvGraphicFramePr>
+          <p:cNvPr id="5" name="Content Placeholder 4">
+            <a:extLst>
+              <a:ext uri="{FF2B5EF4-FFF2-40B4-BE49-F238E27FC236}">
+                <a16:creationId xmlns:a16="http://schemas.microsoft.com/office/drawing/2014/main" id="{5F6753E0-DD06-ECDB-2FF1-9D103CE39D7D}"/>
+              </a:ext>
+            </a:extLst>
+          </p:cNvPr>
+          <p:cNvGraphicFramePr>
+            <a:graphicFrameLocks noGrp="1"/>
+          </p:cNvGraphicFramePr>
+          <p:nvPr>
+            <p:ph idx="1"/>
+            <p:extLst>
+              <p:ext uri="{D42A27DB-BD31-4B8C-83A1-F6EECF244321}">
+                <p14:modId xmlns:p14="http://schemas.microsoft.com/office/powerpoint/2010/main" val="2944055569"/>
+              </p:ext>
+            </p:extLst>
+          </p:nvPr>
+        </p:nvGraphicFramePr>
+        <p:xfrm>
+          <a:off x="838200" y="2079625"/>
+          <a:ext cx="8338458" cy="3657600"/>
+        </p:xfrm>
+        <a:graphic>
+          <a:graphicData uri="http://schemas.openxmlformats.org/drawingml/2006/table">
+            <a:tbl>
+              <a:tblPr firstRow="1" bandRow="1">
+                <a:tableStyleId>{5C22544A-7EE6-4342-B048-85BDC9FD1C3A}</a:tableStyleId>
+              </a:tblPr>
+              <a:tblGrid>
+                <a:gridCol w="4169229">
+                  <a:extLst>
+                    <a:ext uri="{9D8B030D-6E8A-4147-A177-3AD203B41FA5}">
+                      <a16:colId xmlns:a16="http://schemas.microsoft.com/office/drawing/2014/main" val="3165004508"/>
+                    </a:ext>
+                  </a:extLst>
+                </a:gridCol>
+                <a:gridCol w="4169229">
+                  <a:extLst>
+                    <a:ext uri="{9D8B030D-6E8A-4147-A177-3AD203B41FA5}">
+                      <a16:colId xmlns:a16="http://schemas.microsoft.com/office/drawing/2014/main" val="3510973083"/>
+                    </a:ext>
+                  </a:extLst>
+                </a:gridCol>
+              </a:tblGrid>
+              <a:tr h="0">
+                <a:tc>
+                  <a:txBody>
+                    <a:bodyPr/>
+                    <a:lstStyle/>
+                    <a:p>
+                      <a:r>
+                        <a:rPr lang="en-AU" sz="2400" dirty="0"/>
+                        <a:t>Mnemonic </a:t>
+                      </a:r>
+                    </a:p>
+                  </a:txBody>
+                  <a:tcPr/>
+                </a:tc>
+                <a:tc>
+                  <a:txBody>
+                    <a:bodyPr/>
+                    <a:lstStyle/>
+                    <a:p>
+                      <a:r>
+                        <a:rPr lang="en-AU" sz="2400" dirty="0"/>
+                        <a:t>OSI Layer</a:t>
+                      </a:r>
+                    </a:p>
+                  </a:txBody>
+                  <a:tcPr/>
+                </a:tc>
+                <a:extLst>
+                  <a:ext uri="{0D108BD9-81ED-4DB2-BD59-A6C34878D82A}">
+                    <a16:rowId xmlns:a16="http://schemas.microsoft.com/office/drawing/2014/main" val="2056086171"/>
+                  </a:ext>
+                </a:extLst>
+              </a:tr>
+              <a:tr h="370840">
+                <a:tc>
+                  <a:txBody>
+                    <a:bodyPr/>
+                    <a:lstStyle/>
+                    <a:p>
+                      <a:r>
+                        <a:rPr lang="en-AU" sz="2400" dirty="0"/>
+                        <a:t>Away</a:t>
+                      </a:r>
+                    </a:p>
+                  </a:txBody>
+                  <a:tcPr/>
+                </a:tc>
+                <a:tc>
+                  <a:txBody>
+                    <a:bodyPr/>
+                    <a:lstStyle/>
+                    <a:p>
+                      <a:r>
+                        <a:rPr lang="en-AU" sz="2400" dirty="0"/>
+                        <a:t>Application</a:t>
+                      </a:r>
+                    </a:p>
+                  </a:txBody>
+                  <a:tcPr/>
+                </a:tc>
+                <a:extLst>
+                  <a:ext uri="{0D108BD9-81ED-4DB2-BD59-A6C34878D82A}">
+                    <a16:rowId xmlns:a16="http://schemas.microsoft.com/office/drawing/2014/main" val="3406765451"/>
+                  </a:ext>
+                </a:extLst>
+              </a:tr>
+              <a:tr h="370840">
+                <a:tc>
+                  <a:txBody>
+                    <a:bodyPr/>
+                    <a:lstStyle/>
+                    <a:p>
+                      <a:r>
+                        <a:rPr lang="en-AU" sz="2400" dirty="0"/>
+                        <a:t>Pizza</a:t>
+                      </a:r>
+                    </a:p>
+                  </a:txBody>
+                  <a:tcPr/>
+                </a:tc>
+                <a:tc>
+                  <a:txBody>
+                    <a:bodyPr/>
+                    <a:lstStyle/>
+                    <a:p>
+                      <a:r>
+                        <a:rPr lang="en-AU" sz="2400" dirty="0"/>
+                        <a:t>Presentation</a:t>
+                      </a:r>
+                    </a:p>
+                  </a:txBody>
+                  <a:tcPr/>
+                </a:tc>
+                <a:extLst>
+                  <a:ext uri="{0D108BD9-81ED-4DB2-BD59-A6C34878D82A}">
+                    <a16:rowId xmlns:a16="http://schemas.microsoft.com/office/drawing/2014/main" val="160940709"/>
+                  </a:ext>
+                </a:extLst>
+              </a:tr>
+              <a:tr h="370840">
+                <a:tc>
+                  <a:txBody>
+                    <a:bodyPr/>
+                    <a:lstStyle/>
+                    <a:p>
+                      <a:r>
+                        <a:rPr lang="en-AU" sz="2400" dirty="0"/>
+                        <a:t>Sausage</a:t>
+                      </a:r>
+                    </a:p>
+                  </a:txBody>
+                  <a:tcPr/>
+                </a:tc>
+                <a:tc>
+                  <a:txBody>
+                    <a:bodyPr/>
+                    <a:lstStyle/>
+                    <a:p>
+                      <a:r>
+                        <a:rPr lang="en-AU" sz="2400" dirty="0"/>
+                        <a:t>Session</a:t>
+                      </a:r>
+                    </a:p>
+                  </a:txBody>
+                  <a:tcPr/>
+                </a:tc>
+                <a:extLst>
+                  <a:ext uri="{0D108BD9-81ED-4DB2-BD59-A6C34878D82A}">
+                    <a16:rowId xmlns:a16="http://schemas.microsoft.com/office/drawing/2014/main" val="2618938321"/>
+                  </a:ext>
+                </a:extLst>
+              </a:tr>
+              <a:tr h="370840">
+                <a:tc>
+                  <a:txBody>
+                    <a:bodyPr/>
+                    <a:lstStyle/>
+                    <a:p>
+                      <a:r>
+                        <a:rPr lang="en-AU" sz="2400" dirty="0"/>
+                        <a:t>Throw</a:t>
+                      </a:r>
+                    </a:p>
+                  </a:txBody>
+                  <a:tcPr/>
+                </a:tc>
+                <a:tc>
+                  <a:txBody>
+                    <a:bodyPr/>
+                    <a:lstStyle/>
+                    <a:p>
+                      <a:r>
+                        <a:rPr lang="en-AU" sz="2400" dirty="0"/>
+                        <a:t>Transport</a:t>
+                      </a:r>
+                    </a:p>
+                  </a:txBody>
+                  <a:tcPr/>
+                </a:tc>
+                <a:extLst>
+                  <a:ext uri="{0D108BD9-81ED-4DB2-BD59-A6C34878D82A}">
+                    <a16:rowId xmlns:a16="http://schemas.microsoft.com/office/drawing/2014/main" val="8911979"/>
+                  </a:ext>
+                </a:extLst>
+              </a:tr>
+              <a:tr h="370840">
+                <a:tc>
+                  <a:txBody>
+                    <a:bodyPr/>
+                    <a:lstStyle/>
+                    <a:p>
+                      <a:r>
+                        <a:rPr lang="en-AU" sz="2400" dirty="0"/>
+                        <a:t>No</a:t>
+                      </a:r>
+                    </a:p>
+                  </a:txBody>
+                  <a:tcPr/>
+                </a:tc>
+                <a:tc>
+                  <a:txBody>
+                    <a:bodyPr/>
+                    <a:lstStyle/>
+                    <a:p>
+                      <a:r>
+                        <a:rPr lang="en-AU" sz="2400" dirty="0"/>
+                        <a:t>Network</a:t>
+                      </a:r>
+                    </a:p>
+                  </a:txBody>
+                  <a:tcPr/>
+                </a:tc>
+                <a:extLst>
+                  <a:ext uri="{0D108BD9-81ED-4DB2-BD59-A6C34878D82A}">
+                    <a16:rowId xmlns:a16="http://schemas.microsoft.com/office/drawing/2014/main" val="760109751"/>
+                  </a:ext>
+                </a:extLst>
+              </a:tr>
+              <a:tr h="370840">
+                <a:tc>
+                  <a:txBody>
+                    <a:bodyPr/>
+                    <a:lstStyle/>
+                    <a:p>
+                      <a:r>
+                        <a:rPr lang="en-AU" sz="2400" dirty="0"/>
+                        <a:t>Do</a:t>
+                      </a:r>
+                    </a:p>
+                  </a:txBody>
+                  <a:tcPr/>
+                </a:tc>
+                <a:tc>
+                  <a:txBody>
+                    <a:bodyPr/>
+                    <a:lstStyle/>
+                    <a:p>
+                      <a:r>
+                        <a:rPr lang="en-AU" sz="2400" dirty="0"/>
+                        <a:t>Data Link</a:t>
+                      </a:r>
+                    </a:p>
+                  </a:txBody>
+                  <a:tcPr/>
+                </a:tc>
+                <a:extLst>
+                  <a:ext uri="{0D108BD9-81ED-4DB2-BD59-A6C34878D82A}">
+                    <a16:rowId xmlns:a16="http://schemas.microsoft.com/office/drawing/2014/main" val="1382858004"/>
+                  </a:ext>
+                </a:extLst>
+              </a:tr>
+              <a:tr h="370840">
+                <a:tc>
+                  <a:txBody>
+                    <a:bodyPr/>
+                    <a:lstStyle/>
+                    <a:p>
+                      <a:r>
+                        <a:rPr lang="en-AU" sz="2400" dirty="0"/>
+                        <a:t>Please</a:t>
+                      </a:r>
+                    </a:p>
+                  </a:txBody>
+                  <a:tcPr/>
+                </a:tc>
+                <a:tc>
+                  <a:txBody>
+                    <a:bodyPr/>
+                    <a:lstStyle/>
+                    <a:p>
+                      <a:r>
+                        <a:rPr lang="en-AU" sz="2400" dirty="0"/>
+                        <a:t>Physical</a:t>
+                      </a:r>
+                    </a:p>
+                  </a:txBody>
+                  <a:tcPr/>
+                </a:tc>
+                <a:extLst>
+                  <a:ext uri="{0D108BD9-81ED-4DB2-BD59-A6C34878D82A}">
+                    <a16:rowId xmlns:a16="http://schemas.microsoft.com/office/drawing/2014/main" val="155725922"/>
+                  </a:ext>
+                </a:extLst>
+              </a:tr>
+            </a:tbl>
+          </a:graphicData>
+        </a:graphic>
+      </p:graphicFrame>
+      <p:sp>
+        <p:nvSpPr>
+          <p:cNvPr id="4" name="Slide Number Placeholder 3">
+            <a:extLst>
+              <a:ext uri="{FF2B5EF4-FFF2-40B4-BE49-F238E27FC236}">
+                <a16:creationId xmlns:a16="http://schemas.microsoft.com/office/drawing/2014/main" id="{F2530B64-B054-AB90-E838-D2A736B4ED04}"/>
+              </a:ext>
+            </a:extLst>
+          </p:cNvPr>
+          <p:cNvSpPr>
+            <a:spLocks noGrp="1"/>
+          </p:cNvSpPr>
+          <p:nvPr>
+            <p:ph type="sldNum" sz="quarter" idx="12"/>
+          </p:nvPr>
+        </p:nvSpPr>
+        <p:spPr/>
+        <p:txBody>
+          <a:bodyPr/>
+          <a:lstStyle/>
+          <a:p>
+            <a:fld id="{239CC275-0F17-4CFE-B2FE-5727017C3401}" type="slidenum">
+              <a:rPr lang="en-AU" smtClean="0"/>
+              <a:t>15</a:t>
+            </a:fld>
+            <a:endParaRPr lang="en-AU"/>
+          </a:p>
+        </p:txBody>
+      </p:sp>
+      <p:pic>
+        <p:nvPicPr>
+          <p:cNvPr id="4098" name="Picture 2" descr="169,700+ Pizza Slice Stock Photos, Pictures &amp; Royalty-Free ...">
+            <a:extLst>
+              <a:ext uri="{FF2B5EF4-FFF2-40B4-BE49-F238E27FC236}">
+                <a16:creationId xmlns:a16="http://schemas.microsoft.com/office/drawing/2014/main" id="{62A1AE8A-61BE-2268-E179-BEF938476455}"/>
+              </a:ext>
+            </a:extLst>
+          </p:cNvPr>
+          <p:cNvPicPr>
+            <a:picLocks noChangeAspect="1" noChangeArrowheads="1"/>
+          </p:cNvPicPr>
+          <p:nvPr/>
+        </p:nvPicPr>
+        <p:blipFill>
+          <a:blip r:embed="rId2">
+            <a:extLst>
+              <a:ext uri="{28A0092B-C50C-407E-A947-70E740481C1C}">
+                <a14:useLocalDpi xmlns:a14="http://schemas.microsoft.com/office/drawing/2010/main" val="0"/>
+              </a:ext>
+            </a:extLst>
+          </a:blip>
+          <a:srcRect/>
+          <a:stretch>
+            <a:fillRect/>
+          </a:stretch>
+        </p:blipFill>
+        <p:spPr bwMode="auto">
+          <a:xfrm>
+            <a:off x="9214757" y="62326"/>
+            <a:ext cx="2868386" cy="2085673"/>
+          </a:xfrm>
+          <a:prstGeom prst="rect">
+            <a:avLst/>
+          </a:prstGeom>
+          <a:noFill/>
+          <a:extLst>
+            <a:ext uri="{909E8E84-426E-40DD-AFC4-6F175D3DCCD1}">
+              <a14:hiddenFill xmlns:a14="http://schemas.microsoft.com/office/drawing/2010/main">
+                <a:solidFill>
+                  <a:srgbClr val="FFFFFF"/>
+                </a:solidFill>
+              </a14:hiddenFill>
+            </a:ext>
+          </a:extLst>
+        </p:spPr>
+      </p:pic>
+    </p:spTree>
+    <p:extLst>
+      <p:ext uri="{BB962C8B-B14F-4D97-AF65-F5344CB8AC3E}">
+        <p14:creationId xmlns:p14="http://schemas.microsoft.com/office/powerpoint/2010/main" val="2851913005"/>
+      </p:ext>
+    </p:extLst>
+  </p:cSld>
+  <p:clrMapOvr>
+    <a:masterClrMapping/>
+  </p:clrMapOvr>
+</p:sld>
+</file>
+
+<file path=ppt/slides/slide16.xml><?xml version="1.0" encoding="utf-8"?>
+<p:sld xmlns:a="http://schemas.openxmlformats.org/drawingml/2006/main" xmlns:r="http://schemas.openxmlformats.org/officeDocument/2006/relationships" xmlns:p="http://schemas.openxmlformats.org/presentationml/2006/main">
+  <p:cSld>
+    <p:spTree>
+      <p:nvGrpSpPr>
+        <p:cNvPr id="1" name=""/>
+        <p:cNvGrpSpPr/>
+        <p:nvPr/>
+      </p:nvGrpSpPr>
+      <p:grpSpPr>
+        <a:xfrm>
+          <a:off x="0" y="0"/>
+          <a:ext cx="0" cy="0"/>
+          <a:chOff x="0" y="0"/>
+          <a:chExt cx="0" cy="0"/>
+        </a:xfrm>
+      </p:grpSpPr>
+      <p:sp>
+        <p:nvSpPr>
+          <p:cNvPr id="6" name="Title 1">
+            <a:extLst>
+              <a:ext uri="{FF2B5EF4-FFF2-40B4-BE49-F238E27FC236}">
+                <a16:creationId xmlns:a16="http://schemas.microsoft.com/office/drawing/2014/main" id="{690EB9DC-4707-583C-AAB0-685BD033BE80}"/>
+              </a:ext>
+            </a:extLst>
+          </p:cNvPr>
+          <p:cNvSpPr>
+            <a:spLocks noGrp="1"/>
+          </p:cNvSpPr>
+          <p:nvPr>
+            <p:ph type="title"/>
+          </p:nvPr>
+        </p:nvSpPr>
+        <p:spPr/>
+        <p:txBody>
+          <a:bodyPr/>
+          <a:lstStyle/>
+          <a:p>
+            <a:r>
+              <a:rPr lang="en-AU" dirty="0"/>
+              <a:t>Long-term memory: Unlimited Capacity</a:t>
+            </a:r>
+          </a:p>
+        </p:txBody>
+      </p:sp>
+      <p:sp>
+        <p:nvSpPr>
+          <p:cNvPr id="4" name="Content Placeholder 3">
+            <a:extLst>
+              <a:ext uri="{FF2B5EF4-FFF2-40B4-BE49-F238E27FC236}">
+                <a16:creationId xmlns:a16="http://schemas.microsoft.com/office/drawing/2014/main" id="{C00A8174-E210-0A1A-2F4F-5FD8964EA964}"/>
+              </a:ext>
+            </a:extLst>
+          </p:cNvPr>
+          <p:cNvSpPr>
+            <a:spLocks noGrp="1"/>
+          </p:cNvSpPr>
+          <p:nvPr>
+            <p:ph idx="1"/>
+          </p:nvPr>
+        </p:nvSpPr>
+        <p:spPr/>
+        <p:txBody>
+          <a:bodyPr>
+            <a:normAutofit/>
+          </a:bodyPr>
+          <a:lstStyle/>
+          <a:p>
+            <a:r>
+              <a:rPr lang="en-GB" dirty="0"/>
+              <a:t>Long-term memory is an unlimited capacity store that can hold information over lengthy periods of time  </a:t>
+            </a:r>
+          </a:p>
+          <a:p>
+            <a:r>
+              <a:rPr lang="en-GB" dirty="0"/>
+              <a:t>Permanent storage? </a:t>
+            </a:r>
+          </a:p>
+          <a:p>
+            <a:pPr lvl="1"/>
+            <a:r>
+              <a:rPr lang="en-GB" dirty="0"/>
+              <a:t>Flashbulb memories: unusually vivid and detailed recollections of momentous events </a:t>
+            </a:r>
+          </a:p>
+          <a:p>
+            <a:pPr lvl="1"/>
+            <a:r>
+              <a:rPr lang="en-GB" dirty="0"/>
+              <a:t>Memory is more malleable and less accurate than generally appreciated </a:t>
+            </a:r>
+          </a:p>
+          <a:p>
+            <a:r>
+              <a:rPr lang="en-GB" dirty="0"/>
+              <a:t>Are short-term memory and long-term memory really different? </a:t>
+            </a:r>
+          </a:p>
+        </p:txBody>
+      </p:sp>
+      <p:sp>
+        <p:nvSpPr>
+          <p:cNvPr id="7" name="Slide Number Placeholder 6">
+            <a:extLst>
+              <a:ext uri="{FF2B5EF4-FFF2-40B4-BE49-F238E27FC236}">
+                <a16:creationId xmlns:a16="http://schemas.microsoft.com/office/drawing/2014/main" id="{CFEB820B-56BF-035E-01C0-0462E1DAE2EE}"/>
+              </a:ext>
+            </a:extLst>
+          </p:cNvPr>
+          <p:cNvSpPr>
+            <a:spLocks noGrp="1"/>
+          </p:cNvSpPr>
+          <p:nvPr>
+            <p:ph type="sldNum" sz="quarter" idx="12"/>
+          </p:nvPr>
+        </p:nvSpPr>
+        <p:spPr/>
+        <p:txBody>
+          <a:bodyPr/>
+          <a:lstStyle/>
+          <a:p>
+            <a:fld id="{239CC275-0F17-4CFE-B2FE-5727017C3401}" type="slidenum">
+              <a:rPr lang="en-AU" smtClean="0"/>
+              <a:t>16</a:t>
+            </a:fld>
+            <a:endParaRPr lang="en-AU"/>
+          </a:p>
+        </p:txBody>
+      </p:sp>
+      <p:sp>
+        <p:nvSpPr>
+          <p:cNvPr id="9" name="TextBox 8">
+            <a:extLst>
+              <a:ext uri="{FF2B5EF4-FFF2-40B4-BE49-F238E27FC236}">
+                <a16:creationId xmlns:a16="http://schemas.microsoft.com/office/drawing/2014/main" id="{D91E07B3-71C4-C8AD-ABFB-2945671803CA}"/>
+              </a:ext>
+            </a:extLst>
+          </p:cNvPr>
+          <p:cNvSpPr txBox="1"/>
+          <p:nvPr/>
+        </p:nvSpPr>
+        <p:spPr>
+          <a:xfrm>
+            <a:off x="-228600" y="6123543"/>
+            <a:ext cx="6096000" cy="369332"/>
+          </a:xfrm>
+          <a:prstGeom prst="rect">
+            <a:avLst/>
+          </a:prstGeom>
+          <a:noFill/>
+        </p:spPr>
+        <p:txBody>
+          <a:bodyPr wrap="square">
+            <a:spAutoFit/>
+          </a:bodyPr>
+          <a:lstStyle/>
+          <a:p>
+            <a:pPr algn="ctr"/>
+            <a:r>
+              <a:rPr lang="en-GB" i="0" dirty="0">
+                <a:solidFill>
+                  <a:srgbClr val="000000"/>
+                </a:solidFill>
+                <a:effectLst/>
+                <a:latin typeface="Avenir"/>
+              </a:rPr>
+              <a:t>PSY 1000 - Introduction to Psychology (Zeigler-Hill)</a:t>
+            </a:r>
+          </a:p>
+        </p:txBody>
+      </p:sp>
+    </p:spTree>
+    <p:extLst>
+      <p:ext uri="{BB962C8B-B14F-4D97-AF65-F5344CB8AC3E}">
+        <p14:creationId xmlns:p14="http://schemas.microsoft.com/office/powerpoint/2010/main" val="2169452334"/>
+      </p:ext>
+    </p:extLst>
+  </p:cSld>
+  <p:clrMapOvr>
+    <a:masterClrMapping/>
+  </p:clrMapOvr>
+</p:sld>
+</file>
+
+<file path=ppt/slides/slide17.xml><?xml version="1.0" encoding="utf-8"?>
+<p:sld xmlns:a="http://schemas.openxmlformats.org/drawingml/2006/main" xmlns:r="http://schemas.openxmlformats.org/officeDocument/2006/relationships" xmlns:p="http://schemas.openxmlformats.org/presentationml/2006/main">
+  <p:cSld>
+    <p:spTree>
+      <p:nvGrpSpPr>
+        <p:cNvPr id="1" name=""/>
+        <p:cNvGrpSpPr/>
+        <p:nvPr/>
+      </p:nvGrpSpPr>
+      <p:grpSpPr>
+        <a:xfrm>
+          <a:off x="0" y="0"/>
+          <a:ext cx="0" cy="0"/>
+          <a:chOff x="0" y="0"/>
+          <a:chExt cx="0" cy="0"/>
+        </a:xfrm>
+      </p:grpSpPr>
+      <p:sp>
+        <p:nvSpPr>
+          <p:cNvPr id="2" name="Title 1">
+            <a:extLst>
+              <a:ext uri="{FF2B5EF4-FFF2-40B4-BE49-F238E27FC236}">
+                <a16:creationId xmlns:a16="http://schemas.microsoft.com/office/drawing/2014/main" id="{B414CC20-8CAB-B3D8-29BE-AB969E4F4A1B}"/>
+              </a:ext>
+            </a:extLst>
+          </p:cNvPr>
+          <p:cNvSpPr>
+            <a:spLocks noGrp="1"/>
+          </p:cNvSpPr>
+          <p:nvPr>
+            <p:ph type="title"/>
+          </p:nvPr>
+        </p:nvSpPr>
+        <p:spPr/>
+        <p:txBody>
+          <a:bodyPr/>
+          <a:lstStyle/>
+          <a:p>
+            <a:r>
+              <a:rPr lang="en-AU" dirty="0"/>
+              <a:t>Why CISSP? *unpaid ad / copilot generated*</a:t>
+            </a:r>
+          </a:p>
+        </p:txBody>
+      </p:sp>
+      <p:sp>
+        <p:nvSpPr>
+          <p:cNvPr id="4" name="Slide Number Placeholder 3">
+            <a:extLst>
+              <a:ext uri="{FF2B5EF4-FFF2-40B4-BE49-F238E27FC236}">
+                <a16:creationId xmlns:a16="http://schemas.microsoft.com/office/drawing/2014/main" id="{E0DFAF95-4675-193D-8B2D-D9B60C7084BD}"/>
+              </a:ext>
+            </a:extLst>
+          </p:cNvPr>
+          <p:cNvSpPr>
+            <a:spLocks noGrp="1"/>
+          </p:cNvSpPr>
+          <p:nvPr>
+            <p:ph type="sldNum" sz="quarter" idx="12"/>
+          </p:nvPr>
+        </p:nvSpPr>
+        <p:spPr/>
+        <p:txBody>
+          <a:bodyPr/>
+          <a:lstStyle/>
+          <a:p>
+            <a:fld id="{239CC275-0F17-4CFE-B2FE-5727017C3401}" type="slidenum">
+              <a:rPr lang="en-AU" smtClean="0"/>
+              <a:t>17</a:t>
+            </a:fld>
+            <a:endParaRPr lang="en-AU"/>
+          </a:p>
+        </p:txBody>
+      </p:sp>
+      <p:sp>
+        <p:nvSpPr>
+          <p:cNvPr id="6" name="Rectangle 2">
+            <a:extLst>
+              <a:ext uri="{FF2B5EF4-FFF2-40B4-BE49-F238E27FC236}">
+                <a16:creationId xmlns:a16="http://schemas.microsoft.com/office/drawing/2014/main" id="{5AAC3E3A-6458-1F57-4E50-13E393F8E573}"/>
+              </a:ext>
+            </a:extLst>
+          </p:cNvPr>
+          <p:cNvSpPr>
+            <a:spLocks noGrp="1" noChangeArrowheads="1"/>
+          </p:cNvSpPr>
+          <p:nvPr>
+            <p:ph idx="1"/>
+          </p:nvPr>
+        </p:nvSpPr>
+        <p:spPr bwMode="auto">
+          <a:xfrm>
+            <a:off x="315686" y="1722469"/>
+            <a:ext cx="12281502" cy="4524315"/>
+          </a:xfrm>
+          <a:prstGeom prst="rect">
+            <a:avLst/>
+          </a:prstGeom>
+          <a:noFill/>
+          <a:ln>
+            <a:noFill/>
+          </a:ln>
+          <a:effectLst/>
+          <a:extLst>
+            <a:ext uri="{909E8E84-426E-40DD-AFC4-6F175D3DCCD1}">
+              <a14:hiddenFill xmlns:a14="http://schemas.microsoft.com/office/drawing/2010/main">
+                <a:solidFill>
+                  <a:schemeClr val="accent1"/>
+                </a:solidFill>
+              </a14:hiddenFill>
+            </a:ext>
+            <a:ext uri="{91240B29-F687-4F45-9708-019B960494DF}">
+              <a14:hiddenLine xmlns:a14="http://schemas.microsoft.com/office/drawing/2010/main" w="9525">
+                <a:solidFill>
+                  <a:schemeClr val="tx1"/>
+                </a:solidFill>
+                <a:miter lim="800000"/>
+                <a:headEnd/>
+                <a:tailEnd/>
+              </a14:hiddenLine>
+            </a:ext>
+            <a:ext uri="{AF507438-7753-43E0-B8FC-AC1667EBCBE1}">
+              <a14:hiddenEffects xmlns:a14="http://schemas.microsoft.com/office/drawing/2010/main">
+                <a:effectLst>
+                  <a:outerShdw dist="35921" dir="2700000" algn="ctr" rotWithShape="0">
+                    <a:schemeClr val="bg2"/>
+                  </a:outerShdw>
+                </a:effectLst>
+              </a14:hiddenEffects>
+            </a:ext>
+          </a:extLst>
+        </p:spPr>
+        <p:txBody>
+          <a:bodyPr vert="horz" wrap="square" lIns="91440" tIns="45720" rIns="91440" bIns="45720" numCol="1" anchor="ctr" anchorCtr="0" compatLnSpc="1">
+            <a:prstTxWarp prst="textNoShape">
+              <a:avLst/>
+            </a:prstTxWarp>
+            <a:spAutoFit/>
+          </a:bodyPr>
+          <a:lstStyle/>
+          <a:p>
+            <a:pPr marL="0" marR="0" lvl="0" indent="0" algn="l" defTabSz="914400" rtl="0" eaLnBrk="0" fontAlgn="base" latinLnBrk="0" hangingPunct="0">
+              <a:lnSpc>
+                <a:spcPct val="100000"/>
+              </a:lnSpc>
+              <a:spcBef>
+                <a:spcPct val="0"/>
+              </a:spcBef>
+              <a:spcAft>
+                <a:spcPct val="0"/>
+              </a:spcAft>
+              <a:buClrTx/>
+              <a:buSzTx/>
+              <a:buFontTx/>
+              <a:buChar char="•"/>
+              <a:tabLst/>
+            </a:pPr>
+            <a:r>
+              <a:rPr kumimoji="0" lang="en-US" altLang="en-US" sz="2400" b="1" i="0" u="none" strike="noStrike" cap="none" normalizeH="0" baseline="0" dirty="0">
+                <a:ln>
+                  <a:noFill/>
+                </a:ln>
+                <a:solidFill>
+                  <a:schemeClr val="tx1"/>
+                </a:solidFill>
+                <a:effectLst/>
+                <a:latin typeface="Arial" panose="020B0604020202020204" pitchFamily="34" charset="0"/>
+              </a:rPr>
+              <a:t>Professional Credibility</a:t>
+            </a:r>
+            <a:r>
+              <a:rPr kumimoji="0" lang="en-US" altLang="en-US" sz="2400" b="0" i="0" u="none" strike="noStrike" cap="none" normalizeH="0" baseline="0" dirty="0">
+                <a:ln>
+                  <a:noFill/>
+                </a:ln>
+                <a:solidFill>
+                  <a:schemeClr val="tx1"/>
+                </a:solidFill>
+                <a:effectLst/>
+                <a:latin typeface="Arial" panose="020B0604020202020204" pitchFamily="34" charset="0"/>
+              </a:rPr>
+              <a:t>: </a:t>
+            </a:r>
+          </a:p>
+          <a:p>
+            <a:pPr marL="457200" lvl="1" indent="0" eaLnBrk="0" fontAlgn="base" hangingPunct="0">
+              <a:lnSpc>
+                <a:spcPct val="100000"/>
+              </a:lnSpc>
+              <a:spcBef>
+                <a:spcPct val="0"/>
+              </a:spcBef>
+              <a:spcAft>
+                <a:spcPct val="0"/>
+              </a:spcAft>
+              <a:buFontTx/>
+              <a:buChar char="•"/>
+            </a:pPr>
+            <a:r>
+              <a:rPr kumimoji="0" lang="en-US" altLang="en-US" b="0" i="0" u="none" strike="noStrike" cap="none" normalizeH="0" baseline="0" dirty="0">
+                <a:ln>
+                  <a:noFill/>
+                </a:ln>
+                <a:solidFill>
+                  <a:schemeClr val="tx1"/>
+                </a:solidFill>
+                <a:effectLst/>
+                <a:latin typeface="Arial" panose="020B0604020202020204" pitchFamily="34" charset="0"/>
+              </a:rPr>
+              <a:t>Recognized globally as “gold standard” in cybersecurity certifications.</a:t>
+            </a:r>
+          </a:p>
+          <a:p>
+            <a:pPr marL="0" marR="0" lvl="0" indent="0" algn="l" defTabSz="914400" rtl="0" eaLnBrk="0" fontAlgn="base" latinLnBrk="0" hangingPunct="0">
+              <a:lnSpc>
+                <a:spcPct val="100000"/>
+              </a:lnSpc>
+              <a:spcBef>
+                <a:spcPct val="0"/>
+              </a:spcBef>
+              <a:spcAft>
+                <a:spcPct val="0"/>
+              </a:spcAft>
+              <a:buClrTx/>
+              <a:buSzTx/>
+              <a:buFontTx/>
+              <a:buChar char="•"/>
+              <a:tabLst/>
+            </a:pPr>
+            <a:r>
+              <a:rPr kumimoji="0" lang="en-US" altLang="en-US" sz="2400" b="1" i="0" u="none" strike="noStrike" cap="none" normalizeH="0" baseline="0" dirty="0">
+                <a:ln>
+                  <a:noFill/>
+                </a:ln>
+                <a:solidFill>
+                  <a:schemeClr val="tx1"/>
+                </a:solidFill>
+                <a:effectLst/>
+                <a:latin typeface="Arial" panose="020B0604020202020204" pitchFamily="34" charset="0"/>
+              </a:rPr>
+              <a:t>Career Advancement</a:t>
+            </a:r>
+            <a:r>
+              <a:rPr kumimoji="0" lang="en-US" altLang="en-US" sz="2400" b="0" i="0" u="none" strike="noStrike" cap="none" normalizeH="0" baseline="0" dirty="0">
+                <a:ln>
+                  <a:noFill/>
+                </a:ln>
+                <a:solidFill>
+                  <a:schemeClr val="tx1"/>
+                </a:solidFill>
+                <a:effectLst/>
+                <a:latin typeface="Arial" panose="020B0604020202020204" pitchFamily="34" charset="0"/>
+              </a:rPr>
+              <a:t>: </a:t>
+            </a:r>
+          </a:p>
+          <a:p>
+            <a:pPr marL="457200" lvl="1" indent="0" eaLnBrk="0" fontAlgn="base" hangingPunct="0">
+              <a:lnSpc>
+                <a:spcPct val="100000"/>
+              </a:lnSpc>
+              <a:spcBef>
+                <a:spcPct val="0"/>
+              </a:spcBef>
+              <a:spcAft>
+                <a:spcPct val="0"/>
+              </a:spcAft>
+              <a:buFontTx/>
+              <a:buChar char="•"/>
+            </a:pPr>
+            <a:r>
+              <a:rPr kumimoji="0" lang="en-US" altLang="en-US" b="0" i="0" u="none" strike="noStrike" cap="none" normalizeH="0" baseline="0" dirty="0">
+                <a:ln>
+                  <a:noFill/>
+                </a:ln>
+                <a:solidFill>
+                  <a:schemeClr val="tx1"/>
+                </a:solidFill>
+                <a:effectLst/>
+                <a:latin typeface="Arial" panose="020B0604020202020204" pitchFamily="34" charset="0"/>
+              </a:rPr>
+              <a:t>Opens doors to high-level roles such as security manager, consultant, or analyst.</a:t>
+            </a:r>
+          </a:p>
+          <a:p>
+            <a:pPr marL="0" marR="0" lvl="0" indent="0" algn="l" defTabSz="914400" rtl="0" eaLnBrk="0" fontAlgn="base" latinLnBrk="0" hangingPunct="0">
+              <a:lnSpc>
+                <a:spcPct val="100000"/>
+              </a:lnSpc>
+              <a:spcBef>
+                <a:spcPct val="0"/>
+              </a:spcBef>
+              <a:spcAft>
+                <a:spcPct val="0"/>
+              </a:spcAft>
+              <a:buClrTx/>
+              <a:buSzTx/>
+              <a:buFontTx/>
+              <a:buChar char="•"/>
+              <a:tabLst/>
+            </a:pPr>
+            <a:r>
+              <a:rPr kumimoji="0" lang="en-US" altLang="en-US" sz="2400" b="1" i="0" u="none" strike="noStrike" cap="none" normalizeH="0" baseline="0" dirty="0">
+                <a:ln>
+                  <a:noFill/>
+                </a:ln>
+                <a:solidFill>
+                  <a:schemeClr val="tx1"/>
+                </a:solidFill>
+                <a:effectLst/>
+                <a:latin typeface="Arial" panose="020B0604020202020204" pitchFamily="34" charset="0"/>
+              </a:rPr>
+              <a:t>Higher Salary Potential</a:t>
+            </a:r>
+            <a:r>
+              <a:rPr kumimoji="0" lang="en-US" altLang="en-US" sz="2400" b="0" i="0" u="none" strike="noStrike" cap="none" normalizeH="0" baseline="0" dirty="0">
+                <a:ln>
+                  <a:noFill/>
+                </a:ln>
+                <a:solidFill>
+                  <a:schemeClr val="tx1"/>
+                </a:solidFill>
+                <a:effectLst/>
+                <a:latin typeface="Arial" panose="020B0604020202020204" pitchFamily="34" charset="0"/>
+              </a:rPr>
+              <a:t>: </a:t>
+            </a:r>
+          </a:p>
+          <a:p>
+            <a:pPr marL="457200" lvl="1" indent="0" eaLnBrk="0" fontAlgn="base" hangingPunct="0">
+              <a:lnSpc>
+                <a:spcPct val="100000"/>
+              </a:lnSpc>
+              <a:spcBef>
+                <a:spcPct val="0"/>
+              </a:spcBef>
+              <a:spcAft>
+                <a:spcPct val="0"/>
+              </a:spcAft>
+              <a:buFontTx/>
+              <a:buChar char="•"/>
+            </a:pPr>
+            <a:r>
+              <a:rPr kumimoji="0" lang="en-US" altLang="en-US" b="0" i="0" u="none" strike="noStrike" cap="none" normalizeH="0" baseline="0" dirty="0">
+                <a:ln>
+                  <a:noFill/>
+                </a:ln>
+                <a:solidFill>
+                  <a:schemeClr val="tx1"/>
+                </a:solidFill>
+                <a:effectLst/>
+                <a:latin typeface="Arial" panose="020B0604020202020204" pitchFamily="34" charset="0"/>
+              </a:rPr>
+              <a:t>CISSP-certified professionals often earn higher wages.</a:t>
+            </a:r>
+          </a:p>
+          <a:p>
+            <a:pPr marL="0" marR="0" lvl="0" indent="0" algn="l" defTabSz="914400" rtl="0" eaLnBrk="0" fontAlgn="base" latinLnBrk="0" hangingPunct="0">
+              <a:lnSpc>
+                <a:spcPct val="100000"/>
+              </a:lnSpc>
+              <a:spcBef>
+                <a:spcPct val="0"/>
+              </a:spcBef>
+              <a:spcAft>
+                <a:spcPct val="0"/>
+              </a:spcAft>
+              <a:buClrTx/>
+              <a:buSzTx/>
+              <a:buFontTx/>
+              <a:buChar char="•"/>
+              <a:tabLst/>
+            </a:pPr>
+            <a:r>
+              <a:rPr kumimoji="0" lang="en-US" altLang="en-US" sz="2400" b="1" i="0" u="none" strike="noStrike" cap="none" normalizeH="0" baseline="0" dirty="0">
+                <a:ln>
+                  <a:noFill/>
+                </a:ln>
+                <a:solidFill>
+                  <a:schemeClr val="tx1"/>
+                </a:solidFill>
+                <a:effectLst/>
+                <a:latin typeface="Arial" panose="020B0604020202020204" pitchFamily="34" charset="0"/>
+              </a:rPr>
+              <a:t>Broad Knowledge</a:t>
+            </a:r>
+            <a:r>
+              <a:rPr kumimoji="0" lang="en-US" altLang="en-US" sz="2400" b="0" i="0" u="none" strike="noStrike" cap="none" normalizeH="0" baseline="0" dirty="0">
+                <a:ln>
+                  <a:noFill/>
+                </a:ln>
+                <a:solidFill>
+                  <a:schemeClr val="tx1"/>
+                </a:solidFill>
+                <a:effectLst/>
+                <a:latin typeface="Arial" panose="020B0604020202020204" pitchFamily="34" charset="0"/>
+              </a:rPr>
+              <a:t>: </a:t>
+            </a:r>
+          </a:p>
+          <a:p>
+            <a:pPr marL="457200" lvl="1" indent="0" eaLnBrk="0" fontAlgn="base" hangingPunct="0">
+              <a:lnSpc>
+                <a:spcPct val="100000"/>
+              </a:lnSpc>
+              <a:spcBef>
+                <a:spcPct val="0"/>
+              </a:spcBef>
+              <a:spcAft>
+                <a:spcPct val="0"/>
+              </a:spcAft>
+              <a:buFontTx/>
+              <a:buChar char="•"/>
+            </a:pPr>
+            <a:r>
+              <a:rPr kumimoji="0" lang="en-US" altLang="en-US" b="0" i="0" u="none" strike="noStrike" cap="none" normalizeH="0" baseline="0" dirty="0">
+                <a:ln>
+                  <a:noFill/>
+                </a:ln>
+                <a:solidFill>
+                  <a:schemeClr val="tx1"/>
+                </a:solidFill>
+                <a:effectLst/>
+                <a:latin typeface="Arial" panose="020B0604020202020204" pitchFamily="34" charset="0"/>
+              </a:rPr>
+              <a:t>Covers diverse security concepts, making you well-rounded in the field.</a:t>
+            </a:r>
+          </a:p>
+          <a:p>
+            <a:pPr marL="0" marR="0" lvl="0" indent="0" algn="l" defTabSz="914400" rtl="0" eaLnBrk="0" fontAlgn="base" latinLnBrk="0" hangingPunct="0">
+              <a:lnSpc>
+                <a:spcPct val="100000"/>
+              </a:lnSpc>
+              <a:spcBef>
+                <a:spcPct val="0"/>
+              </a:spcBef>
+              <a:spcAft>
+                <a:spcPct val="0"/>
+              </a:spcAft>
+              <a:buClrTx/>
+              <a:buSzTx/>
+              <a:buFontTx/>
+              <a:buChar char="•"/>
+              <a:tabLst/>
+            </a:pPr>
+            <a:r>
+              <a:rPr kumimoji="0" lang="en-US" altLang="en-US" sz="2400" b="1" i="0" u="none" strike="noStrike" cap="none" normalizeH="0" baseline="0" dirty="0">
+                <a:ln>
+                  <a:noFill/>
+                </a:ln>
+                <a:solidFill>
+                  <a:schemeClr val="tx1"/>
+                </a:solidFill>
+                <a:effectLst/>
+                <a:latin typeface="Arial" panose="020B0604020202020204" pitchFamily="34" charset="0"/>
+              </a:rPr>
+              <a:t>Networking Opportunities</a:t>
+            </a:r>
+            <a:r>
+              <a:rPr kumimoji="0" lang="en-US" altLang="en-US" sz="2400" b="0" i="0" u="none" strike="noStrike" cap="none" normalizeH="0" baseline="0" dirty="0">
+                <a:ln>
+                  <a:noFill/>
+                </a:ln>
+                <a:solidFill>
+                  <a:schemeClr val="tx1"/>
+                </a:solidFill>
+                <a:effectLst/>
+                <a:latin typeface="Arial" panose="020B0604020202020204" pitchFamily="34" charset="0"/>
+              </a:rPr>
+              <a:t>: </a:t>
+            </a:r>
+          </a:p>
+          <a:p>
+            <a:pPr marL="457200" lvl="1" indent="0" eaLnBrk="0" fontAlgn="base" hangingPunct="0">
+              <a:lnSpc>
+                <a:spcPct val="100000"/>
+              </a:lnSpc>
+              <a:spcBef>
+                <a:spcPct val="0"/>
+              </a:spcBef>
+              <a:spcAft>
+                <a:spcPct val="0"/>
+              </a:spcAft>
+              <a:buFontTx/>
+              <a:buChar char="•"/>
+            </a:pPr>
+            <a:r>
+              <a:rPr kumimoji="0" lang="en-US" altLang="en-US" b="0" i="0" u="none" strike="noStrike" cap="none" normalizeH="0" baseline="0" dirty="0">
+                <a:ln>
+                  <a:noFill/>
+                </a:ln>
+                <a:solidFill>
+                  <a:schemeClr val="tx1"/>
+                </a:solidFill>
+                <a:effectLst/>
+                <a:latin typeface="Arial" panose="020B0604020202020204" pitchFamily="34" charset="0"/>
+              </a:rPr>
+              <a:t>Connects you with a global community of cybersecurity experts.</a:t>
+            </a:r>
+          </a:p>
+          <a:p>
+            <a:pPr marL="0" marR="0" lvl="0" indent="0" algn="l" defTabSz="914400" rtl="0" eaLnBrk="0" fontAlgn="base" latinLnBrk="0" hangingPunct="0">
+              <a:lnSpc>
+                <a:spcPct val="100000"/>
+              </a:lnSpc>
+              <a:spcBef>
+                <a:spcPct val="0"/>
+              </a:spcBef>
+              <a:spcAft>
+                <a:spcPct val="0"/>
+              </a:spcAft>
+              <a:buClrTx/>
+              <a:buSzTx/>
+              <a:buFontTx/>
+              <a:buChar char="•"/>
+              <a:tabLst/>
+            </a:pPr>
+            <a:r>
+              <a:rPr kumimoji="0" lang="en-US" altLang="en-US" sz="2400" b="1" i="0" u="none" strike="noStrike" cap="none" normalizeH="0" baseline="0" dirty="0">
+                <a:ln>
+                  <a:noFill/>
+                </a:ln>
+                <a:solidFill>
+                  <a:schemeClr val="tx1"/>
+                </a:solidFill>
+                <a:effectLst/>
+                <a:latin typeface="Arial" panose="020B0604020202020204" pitchFamily="34" charset="0"/>
+              </a:rPr>
+              <a:t>Employer Preference</a:t>
+            </a:r>
+            <a:r>
+              <a:rPr kumimoji="0" lang="en-US" altLang="en-US" sz="2400" b="0" i="0" u="none" strike="noStrike" cap="none" normalizeH="0" baseline="0" dirty="0">
+                <a:ln>
+                  <a:noFill/>
+                </a:ln>
+                <a:solidFill>
+                  <a:schemeClr val="tx1"/>
+                </a:solidFill>
+                <a:effectLst/>
+                <a:latin typeface="Arial" panose="020B0604020202020204" pitchFamily="34" charset="0"/>
+              </a:rPr>
+              <a:t>: </a:t>
+            </a:r>
+          </a:p>
+          <a:p>
+            <a:pPr marL="457200" lvl="1" indent="0" eaLnBrk="0" fontAlgn="base" hangingPunct="0">
+              <a:lnSpc>
+                <a:spcPct val="100000"/>
+              </a:lnSpc>
+              <a:spcBef>
+                <a:spcPct val="0"/>
+              </a:spcBef>
+              <a:spcAft>
+                <a:spcPct val="0"/>
+              </a:spcAft>
+              <a:buFontTx/>
+              <a:buChar char="•"/>
+            </a:pPr>
+            <a:r>
+              <a:rPr kumimoji="0" lang="en-US" altLang="en-US" b="0" i="0" u="none" strike="noStrike" cap="none" normalizeH="0" baseline="0" dirty="0">
+                <a:ln>
+                  <a:noFill/>
+                </a:ln>
+                <a:solidFill>
+                  <a:schemeClr val="tx1"/>
+                </a:solidFill>
+                <a:effectLst/>
+                <a:latin typeface="Arial" panose="020B0604020202020204" pitchFamily="34" charset="0"/>
+              </a:rPr>
+              <a:t>Many companies prioritize CISSP-certified candidates for critical roles.</a:t>
+            </a:r>
+          </a:p>
+        </p:txBody>
+      </p:sp>
+    </p:spTree>
+    <p:extLst>
+      <p:ext uri="{BB962C8B-B14F-4D97-AF65-F5344CB8AC3E}">
+        <p14:creationId xmlns:p14="http://schemas.microsoft.com/office/powerpoint/2010/main" val="2134071977"/>
+      </p:ext>
+    </p:extLst>
+  </p:cSld>
+  <p:clrMapOvr>
+    <a:masterClrMapping/>
+  </p:clrMapOvr>
+</p:sld>
+</file>
+
+<file path=ppt/slides/slide18.xml><?xml version="1.0" encoding="utf-8"?>
+<p:sld xmlns:a="http://schemas.openxmlformats.org/drawingml/2006/main" xmlns:r="http://schemas.openxmlformats.org/officeDocument/2006/relationships" xmlns:p="http://schemas.openxmlformats.org/presentationml/2006/main">
+  <p:cSld>
+    <p:spTree>
+      <p:nvGrpSpPr>
+        <p:cNvPr id="1" name=""/>
+        <p:cNvGrpSpPr/>
+        <p:nvPr/>
+      </p:nvGrpSpPr>
+      <p:grpSpPr>
+        <a:xfrm>
+          <a:off x="0" y="0"/>
+          <a:ext cx="0" cy="0"/>
+          <a:chOff x="0" y="0"/>
+          <a:chExt cx="0" cy="0"/>
+        </a:xfrm>
+      </p:grpSpPr>
+      <p:sp>
+        <p:nvSpPr>
+          <p:cNvPr id="6" name="Title 1">
+            <a:extLst>
+              <a:ext uri="{FF2B5EF4-FFF2-40B4-BE49-F238E27FC236}">
+                <a16:creationId xmlns:a16="http://schemas.microsoft.com/office/drawing/2014/main" id="{690EB9DC-4707-583C-AAB0-685BD033BE80}"/>
+              </a:ext>
+            </a:extLst>
+          </p:cNvPr>
+          <p:cNvSpPr>
+            <a:spLocks noGrp="1"/>
+          </p:cNvSpPr>
+          <p:nvPr>
+            <p:ph type="title"/>
+          </p:nvPr>
+        </p:nvSpPr>
+        <p:spPr/>
+        <p:txBody>
+          <a:bodyPr/>
+          <a:lstStyle/>
+          <a:p>
+            <a:r>
+              <a:rPr lang="en-GB" dirty="0"/>
+              <a:t>Forgetting Curve</a:t>
+            </a:r>
+            <a:endParaRPr lang="en-AU" dirty="0"/>
+          </a:p>
+        </p:txBody>
+      </p:sp>
+      <p:sp>
+        <p:nvSpPr>
+          <p:cNvPr id="7" name="Slide Number Placeholder 6">
+            <a:extLst>
+              <a:ext uri="{FF2B5EF4-FFF2-40B4-BE49-F238E27FC236}">
+                <a16:creationId xmlns:a16="http://schemas.microsoft.com/office/drawing/2014/main" id="{CFEB820B-56BF-035E-01C0-0462E1DAE2EE}"/>
+              </a:ext>
+            </a:extLst>
+          </p:cNvPr>
+          <p:cNvSpPr>
+            <a:spLocks noGrp="1"/>
+          </p:cNvSpPr>
+          <p:nvPr>
+            <p:ph type="sldNum" sz="quarter" idx="12"/>
+          </p:nvPr>
+        </p:nvSpPr>
+        <p:spPr/>
+        <p:txBody>
+          <a:bodyPr/>
+          <a:lstStyle/>
+          <a:p>
+            <a:fld id="{239CC275-0F17-4CFE-B2FE-5727017C3401}" type="slidenum">
+              <a:rPr lang="en-AU" smtClean="0"/>
+              <a:t>18</a:t>
             </a:fld>
             <a:endParaRPr lang="en-AU"/>
           </a:p>
@@ -5261,984 +6623,6 @@
 </p:sld>
 </file>
 
-<file path=ppt/slides/slide15.xml><?xml version="1.0" encoding="utf-8"?>
-<p:sld xmlns:a="http://schemas.openxmlformats.org/drawingml/2006/main" xmlns:r="http://schemas.openxmlformats.org/officeDocument/2006/relationships" xmlns:p="http://schemas.openxmlformats.org/presentationml/2006/main">
-  <p:cSld>
-    <p:spTree>
-      <p:nvGrpSpPr>
-        <p:cNvPr id="1" name=""/>
-        <p:cNvGrpSpPr/>
-        <p:nvPr/>
-      </p:nvGrpSpPr>
-      <p:grpSpPr>
-        <a:xfrm>
-          <a:off x="0" y="0"/>
-          <a:ext cx="0" cy="0"/>
-          <a:chOff x="0" y="0"/>
-          <a:chExt cx="0" cy="0"/>
-        </a:xfrm>
-      </p:grpSpPr>
-      <p:sp>
-        <p:nvSpPr>
-          <p:cNvPr id="2" name="Title 1">
-            <a:extLst>
-              <a:ext uri="{FF2B5EF4-FFF2-40B4-BE49-F238E27FC236}">
-                <a16:creationId xmlns:a16="http://schemas.microsoft.com/office/drawing/2014/main" id="{477F0730-B54B-3F40-DB4C-B94F81B735D5}"/>
-              </a:ext>
-            </a:extLst>
-          </p:cNvPr>
-          <p:cNvSpPr>
-            <a:spLocks noGrp="1"/>
-          </p:cNvSpPr>
-          <p:nvPr>
-            <p:ph type="title"/>
-          </p:nvPr>
-        </p:nvSpPr>
-        <p:spPr/>
-        <p:txBody>
-          <a:bodyPr/>
-          <a:lstStyle/>
-          <a:p>
-            <a:r>
-              <a:rPr lang="en-AU" dirty="0"/>
-              <a:t>Study tips</a:t>
-            </a:r>
-          </a:p>
-        </p:txBody>
-      </p:sp>
-      <p:sp>
-        <p:nvSpPr>
-          <p:cNvPr id="3" name="Content Placeholder 2">
-            <a:extLst>
-              <a:ext uri="{FF2B5EF4-FFF2-40B4-BE49-F238E27FC236}">
-                <a16:creationId xmlns:a16="http://schemas.microsoft.com/office/drawing/2014/main" id="{0637C4DA-C604-4BC5-DB58-E489C410FF07}"/>
-              </a:ext>
-            </a:extLst>
-          </p:cNvPr>
-          <p:cNvSpPr>
-            <a:spLocks noGrp="1"/>
-          </p:cNvSpPr>
-          <p:nvPr>
-            <p:ph idx="1"/>
-          </p:nvPr>
-        </p:nvSpPr>
-        <p:spPr/>
-        <p:txBody>
-          <a:bodyPr>
-            <a:normAutofit lnSpcReduction="10000"/>
-          </a:bodyPr>
-          <a:lstStyle/>
-          <a:p>
-            <a:r>
-              <a:rPr lang="en-AU" b="1" dirty="0"/>
-              <a:t>1. Study Resources – use multiple!</a:t>
-            </a:r>
-            <a:endParaRPr lang="en-AU" dirty="0"/>
-          </a:p>
-          <a:p>
-            <a:pPr marL="742950" lvl="1" indent="-285750">
-              <a:buFont typeface="Arial" panose="020B0604020202020204" pitchFamily="34" charset="0"/>
-              <a:buChar char="•"/>
-            </a:pPr>
-            <a:r>
-              <a:rPr lang="en-AU" dirty="0"/>
-              <a:t>Official learning paths cover most content, however it’s text-heavy;</a:t>
-            </a:r>
-          </a:p>
-          <a:p>
-            <a:pPr marL="742950" lvl="1" indent="-285750">
-              <a:buFont typeface="Arial" panose="020B0604020202020204" pitchFamily="34" charset="0"/>
-              <a:buChar char="•"/>
-            </a:pPr>
-            <a:r>
-              <a:rPr lang="en-AU" dirty="0"/>
-              <a:t>Use free resources and free trials, including 3</a:t>
-            </a:r>
-            <a:r>
-              <a:rPr lang="en-AU" baseline="30000" dirty="0"/>
-              <a:t>rd</a:t>
-            </a:r>
-            <a:r>
-              <a:rPr lang="en-AU" dirty="0"/>
-              <a:t> party video platforms</a:t>
-            </a:r>
-          </a:p>
-          <a:p>
-            <a:pPr marL="742950" lvl="1" indent="-285750">
-              <a:buFont typeface="Arial" panose="020B0604020202020204" pitchFamily="34" charset="0"/>
-              <a:buChar char="•"/>
-            </a:pPr>
-            <a:r>
-              <a:rPr lang="en-AU" dirty="0"/>
-              <a:t>Check out the study guide so you cover all of the topics on the exam – (sometimes new stuff is added and old stuff is removed from exams!)</a:t>
-            </a:r>
-          </a:p>
-          <a:p>
-            <a:pPr marL="457200" lvl="1" indent="0">
-              <a:buNone/>
-            </a:pPr>
-            <a:endParaRPr lang="en-AU" dirty="0"/>
-          </a:p>
-          <a:p>
-            <a:r>
-              <a:rPr lang="en-AU" b="1" dirty="0"/>
-              <a:t> 2. Hands-On Practice</a:t>
-            </a:r>
-          </a:p>
-          <a:p>
-            <a:pPr lvl="1"/>
-            <a:r>
-              <a:rPr lang="en-AU" dirty="0"/>
-              <a:t>Do practice exams to validate your learning and build your confidence.</a:t>
-            </a:r>
-          </a:p>
-          <a:p>
-            <a:pPr lvl="1"/>
-            <a:r>
-              <a:rPr lang="en-GB" dirty="0"/>
-              <a:t>Follow along with tutorials,</a:t>
-            </a:r>
-          </a:p>
-          <a:p>
-            <a:pPr lvl="1"/>
-            <a:r>
-              <a:rPr lang="en-GB" dirty="0"/>
-              <a:t>Experiment with sample code, clone projects, learn by doing</a:t>
-            </a:r>
-          </a:p>
-          <a:p>
-            <a:pPr lvl="1"/>
-            <a:r>
-              <a:rPr lang="en-GB" i="1" dirty="0"/>
-              <a:t>“If I have seen further, it is by standing on the shoulders of giants.”</a:t>
-            </a:r>
-            <a:br>
-              <a:rPr lang="en-GB" i="1" dirty="0"/>
-            </a:br>
-            <a:r>
-              <a:rPr lang="en-GB" i="1" dirty="0"/>
-              <a:t>-Isaac Newton</a:t>
-            </a:r>
-          </a:p>
-          <a:p>
-            <a:pPr lvl="1"/>
-            <a:endParaRPr lang="en-AU" dirty="0"/>
-          </a:p>
-          <a:p>
-            <a:pPr lvl="1"/>
-            <a:endParaRPr lang="en-GB" dirty="0"/>
-          </a:p>
-          <a:p>
-            <a:pPr marL="457200" lvl="1" indent="0">
-              <a:buNone/>
-            </a:pPr>
-            <a:endParaRPr lang="en-GB" sz="1600" dirty="0"/>
-          </a:p>
-          <a:p>
-            <a:pPr marL="457200" lvl="1" indent="0">
-              <a:buNone/>
-            </a:pPr>
-            <a:endParaRPr lang="en-GB" sz="1600" dirty="0"/>
-          </a:p>
-          <a:p>
-            <a:pPr marL="457200" lvl="1" indent="0">
-              <a:buNone/>
-            </a:pPr>
-            <a:endParaRPr lang="en-AU" sz="2000" dirty="0"/>
-          </a:p>
-          <a:p>
-            <a:pPr lvl="1"/>
-            <a:endParaRPr lang="en-AU" sz="2000" dirty="0"/>
-          </a:p>
-          <a:p>
-            <a:endParaRPr lang="en-AU" sz="2400" b="1" dirty="0"/>
-          </a:p>
-          <a:p>
-            <a:endParaRPr lang="en-AU" b="1" dirty="0"/>
-          </a:p>
-          <a:p>
-            <a:endParaRPr lang="en-AU" b="1" dirty="0"/>
-          </a:p>
-        </p:txBody>
-      </p:sp>
-      <p:sp>
-        <p:nvSpPr>
-          <p:cNvPr id="4" name="Slide Number Placeholder 3">
-            <a:extLst>
-              <a:ext uri="{FF2B5EF4-FFF2-40B4-BE49-F238E27FC236}">
-                <a16:creationId xmlns:a16="http://schemas.microsoft.com/office/drawing/2014/main" id="{F546ED46-2F7E-EE20-8CEA-B06C8D2CD769}"/>
-              </a:ext>
-            </a:extLst>
-          </p:cNvPr>
-          <p:cNvSpPr>
-            <a:spLocks noGrp="1"/>
-          </p:cNvSpPr>
-          <p:nvPr>
-            <p:ph type="sldNum" sz="quarter" idx="12"/>
-          </p:nvPr>
-        </p:nvSpPr>
-        <p:spPr/>
-        <p:txBody>
-          <a:bodyPr/>
-          <a:lstStyle/>
-          <a:p>
-            <a:fld id="{239CC275-0F17-4CFE-B2FE-5727017C3401}" type="slidenum">
-              <a:rPr lang="en-AU" smtClean="0"/>
-              <a:t>15</a:t>
-            </a:fld>
-            <a:endParaRPr lang="en-AU"/>
-          </a:p>
-        </p:txBody>
-      </p:sp>
-    </p:spTree>
-    <p:extLst>
-      <p:ext uri="{BB962C8B-B14F-4D97-AF65-F5344CB8AC3E}">
-        <p14:creationId xmlns:p14="http://schemas.microsoft.com/office/powerpoint/2010/main" val="280629650"/>
-      </p:ext>
-    </p:extLst>
-  </p:cSld>
-  <p:clrMapOvr>
-    <a:masterClrMapping/>
-  </p:clrMapOvr>
-</p:sld>
-</file>
-
-<file path=ppt/slides/slide16.xml><?xml version="1.0" encoding="utf-8"?>
-<p:sld xmlns:a="http://schemas.openxmlformats.org/drawingml/2006/main" xmlns:r="http://schemas.openxmlformats.org/officeDocument/2006/relationships" xmlns:p="http://schemas.openxmlformats.org/presentationml/2006/main">
-  <p:cSld>
-    <p:spTree>
-      <p:nvGrpSpPr>
-        <p:cNvPr id="1" name=""/>
-        <p:cNvGrpSpPr/>
-        <p:nvPr/>
-      </p:nvGrpSpPr>
-      <p:grpSpPr>
-        <a:xfrm>
-          <a:off x="0" y="0"/>
-          <a:ext cx="0" cy="0"/>
-          <a:chOff x="0" y="0"/>
-          <a:chExt cx="0" cy="0"/>
-        </a:xfrm>
-      </p:grpSpPr>
-      <p:sp>
-        <p:nvSpPr>
-          <p:cNvPr id="4" name="Slide Number Placeholder 3">
-            <a:extLst>
-              <a:ext uri="{FF2B5EF4-FFF2-40B4-BE49-F238E27FC236}">
-                <a16:creationId xmlns:a16="http://schemas.microsoft.com/office/drawing/2014/main" id="{65ECD9B2-A47B-0DBD-EE3F-CCC00C042B83}"/>
-              </a:ext>
-            </a:extLst>
-          </p:cNvPr>
-          <p:cNvSpPr>
-            <a:spLocks noGrp="1"/>
-          </p:cNvSpPr>
-          <p:nvPr>
-            <p:ph type="sldNum" sz="quarter" idx="12"/>
-          </p:nvPr>
-        </p:nvSpPr>
-        <p:spPr/>
-        <p:txBody>
-          <a:bodyPr/>
-          <a:lstStyle/>
-          <a:p>
-            <a:fld id="{239CC275-0F17-4CFE-B2FE-5727017C3401}" type="slidenum">
-              <a:rPr lang="en-AU" smtClean="0"/>
-              <a:t>16</a:t>
-            </a:fld>
-            <a:endParaRPr lang="en-AU"/>
-          </a:p>
-        </p:txBody>
-      </p:sp>
-      <p:pic>
-        <p:nvPicPr>
-          <p:cNvPr id="6" name="Picture 5">
-            <a:extLst>
-              <a:ext uri="{FF2B5EF4-FFF2-40B4-BE49-F238E27FC236}">
-                <a16:creationId xmlns:a16="http://schemas.microsoft.com/office/drawing/2014/main" id="{E1723C68-EF7E-FED3-CB2D-1E8F61436EE8}"/>
-              </a:ext>
-            </a:extLst>
-          </p:cNvPr>
-          <p:cNvPicPr>
-            <a:picLocks noChangeAspect="1"/>
-          </p:cNvPicPr>
-          <p:nvPr/>
-        </p:nvPicPr>
-        <p:blipFill>
-          <a:blip r:embed="rId2"/>
-          <a:stretch>
-            <a:fillRect/>
-          </a:stretch>
-        </p:blipFill>
-        <p:spPr>
-          <a:xfrm>
-            <a:off x="1599098" y="0"/>
-            <a:ext cx="8993803" cy="6858000"/>
-          </a:xfrm>
-          <a:prstGeom prst="rect">
-            <a:avLst/>
-          </a:prstGeom>
-        </p:spPr>
-      </p:pic>
-      <p:sp>
-        <p:nvSpPr>
-          <p:cNvPr id="8" name="TextBox 7">
-            <a:extLst>
-              <a:ext uri="{FF2B5EF4-FFF2-40B4-BE49-F238E27FC236}">
-                <a16:creationId xmlns:a16="http://schemas.microsoft.com/office/drawing/2014/main" id="{17E498BE-3E0E-6B53-D9E0-7AD206BEF431}"/>
-              </a:ext>
-            </a:extLst>
-          </p:cNvPr>
-          <p:cNvSpPr txBox="1"/>
-          <p:nvPr/>
-        </p:nvSpPr>
-        <p:spPr>
-          <a:xfrm>
-            <a:off x="146421" y="6439292"/>
-            <a:ext cx="6094926" cy="369332"/>
-          </a:xfrm>
-          <a:prstGeom prst="rect">
-            <a:avLst/>
-          </a:prstGeom>
-          <a:noFill/>
-        </p:spPr>
-        <p:txBody>
-          <a:bodyPr wrap="square">
-            <a:spAutoFit/>
-          </a:bodyPr>
-          <a:lstStyle/>
-          <a:p>
-            <a:r>
-              <a:rPr lang="en-AU" dirty="0"/>
-              <a:t>https://ghcertified.com/practice_tests/foundations/</a:t>
-            </a:r>
-          </a:p>
-        </p:txBody>
-      </p:sp>
-    </p:spTree>
-    <p:extLst>
-      <p:ext uri="{BB962C8B-B14F-4D97-AF65-F5344CB8AC3E}">
-        <p14:creationId xmlns:p14="http://schemas.microsoft.com/office/powerpoint/2010/main" val="3320392442"/>
-      </p:ext>
-    </p:extLst>
-  </p:cSld>
-  <p:clrMapOvr>
-    <a:masterClrMapping/>
-  </p:clrMapOvr>
-</p:sld>
-</file>
-
-<file path=ppt/slides/slide17.xml><?xml version="1.0" encoding="utf-8"?>
-<p:sld xmlns:a="http://schemas.openxmlformats.org/drawingml/2006/main" xmlns:r="http://schemas.openxmlformats.org/officeDocument/2006/relationships" xmlns:p="http://schemas.openxmlformats.org/presentationml/2006/main">
-  <p:cSld>
-    <p:spTree>
-      <p:nvGrpSpPr>
-        <p:cNvPr id="1" name=""/>
-        <p:cNvGrpSpPr/>
-        <p:nvPr/>
-      </p:nvGrpSpPr>
-      <p:grpSpPr>
-        <a:xfrm>
-          <a:off x="0" y="0"/>
-          <a:ext cx="0" cy="0"/>
-          <a:chOff x="0" y="0"/>
-          <a:chExt cx="0" cy="0"/>
-        </a:xfrm>
-      </p:grpSpPr>
-      <p:sp>
-        <p:nvSpPr>
-          <p:cNvPr id="2" name="Title 1">
-            <a:extLst>
-              <a:ext uri="{FF2B5EF4-FFF2-40B4-BE49-F238E27FC236}">
-                <a16:creationId xmlns:a16="http://schemas.microsoft.com/office/drawing/2014/main" id="{F04FEA51-F17A-ABB8-5455-72A5019E4650}"/>
-              </a:ext>
-            </a:extLst>
-          </p:cNvPr>
-          <p:cNvSpPr>
-            <a:spLocks noGrp="1"/>
-          </p:cNvSpPr>
-          <p:nvPr>
-            <p:ph type="title"/>
-          </p:nvPr>
-        </p:nvSpPr>
-        <p:spPr/>
-        <p:txBody>
-          <a:bodyPr/>
-          <a:lstStyle/>
-          <a:p>
-            <a:r>
-              <a:rPr lang="en-AU" dirty="0"/>
-              <a:t>Microsoft / GitHub exam prep resources</a:t>
-            </a:r>
-          </a:p>
-        </p:txBody>
-      </p:sp>
-      <p:sp>
-        <p:nvSpPr>
-          <p:cNvPr id="3" name="Content Placeholder 2">
-            <a:extLst>
-              <a:ext uri="{FF2B5EF4-FFF2-40B4-BE49-F238E27FC236}">
-                <a16:creationId xmlns:a16="http://schemas.microsoft.com/office/drawing/2014/main" id="{3E8D3311-650C-4737-78A6-86801538553C}"/>
-              </a:ext>
-            </a:extLst>
-          </p:cNvPr>
-          <p:cNvSpPr>
-            <a:spLocks noGrp="1"/>
-          </p:cNvSpPr>
-          <p:nvPr>
-            <p:ph idx="1"/>
-          </p:nvPr>
-        </p:nvSpPr>
-        <p:spPr>
-          <a:xfrm>
-            <a:off x="838199" y="1825625"/>
-            <a:ext cx="10971727" cy="4955102"/>
-          </a:xfrm>
-        </p:spPr>
-        <p:txBody>
-          <a:bodyPr>
-            <a:normAutofit fontScale="70000" lnSpcReduction="20000"/>
-          </a:bodyPr>
-          <a:lstStyle/>
-          <a:p>
-            <a:r>
-              <a:rPr lang="en-AU" u="sng" dirty="0"/>
-              <a:t>Microsoft Learn for GitHub</a:t>
-            </a:r>
-            <a:br>
-              <a:rPr lang="en-AU" u="sng" dirty="0"/>
-            </a:br>
-            <a:r>
-              <a:rPr lang="en-AU" dirty="0">
-                <a:hlinkClick r:id="rId2"/>
-              </a:rPr>
-              <a:t>https://learn.microsoft.com/en-us/training/github/</a:t>
-            </a:r>
-            <a:br>
-              <a:rPr lang="en-AU" dirty="0"/>
-            </a:br>
-            <a:r>
-              <a:rPr lang="en-AU" i="1" dirty="0"/>
-              <a:t>Scroll to bottom, click ‘Register today’ to register (or not, even MS struggle with broken links) </a:t>
-            </a:r>
-            <a:endParaRPr lang="en-GB" b="0" i="1" dirty="0">
-              <a:effectLst/>
-              <a:latin typeface="Segoe UI" panose="020B0502040204020203" pitchFamily="34" charset="0"/>
-            </a:endParaRPr>
-          </a:p>
-          <a:p>
-            <a:r>
-              <a:rPr lang="en-GB" b="0" i="0" dirty="0">
-                <a:solidFill>
-                  <a:srgbClr val="333333"/>
-                </a:solidFill>
-                <a:effectLst/>
-                <a:latin typeface="Segoe UI" panose="020B0502040204020203" pitchFamily="34" charset="0"/>
-              </a:rPr>
-              <a:t>Microsoft’s Exam Readiness Zone</a:t>
-            </a:r>
-            <a:br>
-              <a:rPr lang="en-GB" b="0" i="0" dirty="0">
-                <a:solidFill>
-                  <a:srgbClr val="333333"/>
-                </a:solidFill>
-                <a:effectLst/>
-                <a:latin typeface="Segoe UI" panose="020B0502040204020203" pitchFamily="34" charset="0"/>
-              </a:rPr>
-            </a:br>
-            <a:r>
-              <a:rPr lang="en-GB" dirty="0">
-                <a:solidFill>
-                  <a:srgbClr val="333333"/>
-                </a:solidFill>
-                <a:latin typeface="Segoe UI" panose="020B0502040204020203" pitchFamily="34" charset="0"/>
-                <a:hlinkClick r:id="rId3"/>
-              </a:rPr>
-              <a:t>https://learn.microsoft.com/en-us/shows/exam-readiness-zone</a:t>
-            </a:r>
-            <a:r>
-              <a:rPr lang="en-GB" dirty="0">
-                <a:solidFill>
-                  <a:srgbClr val="333333"/>
-                </a:solidFill>
-                <a:latin typeface="Segoe UI" panose="020B0502040204020203" pitchFamily="34" charset="0"/>
-              </a:rPr>
-              <a:t> </a:t>
-            </a:r>
-            <a:r>
-              <a:rPr lang="en-GB" b="0" i="1" dirty="0">
-                <a:solidFill>
-                  <a:srgbClr val="333333"/>
-                </a:solidFill>
-                <a:effectLst/>
-                <a:latin typeface="Segoe UI" panose="020B0502040204020203" pitchFamily="34" charset="0"/>
-              </a:rPr>
-              <a:t>(MCT x GitHub</a:t>
-            </a:r>
-            <a:r>
-              <a:rPr lang="en-GB" i="1" dirty="0">
-                <a:solidFill>
-                  <a:srgbClr val="333333"/>
-                </a:solidFill>
-                <a:latin typeface="Segoe UI" panose="020B0502040204020203" pitchFamily="34" charset="0"/>
-              </a:rPr>
-              <a:t>?</a:t>
-            </a:r>
-            <a:r>
-              <a:rPr lang="en-GB" b="0" i="1" dirty="0">
-                <a:solidFill>
-                  <a:srgbClr val="333333"/>
-                </a:solidFill>
-                <a:effectLst/>
-                <a:latin typeface="Segoe UI" panose="020B0502040204020203" pitchFamily="34" charset="0"/>
-              </a:rPr>
-              <a:t>)</a:t>
-            </a:r>
-          </a:p>
-          <a:p>
-            <a:r>
-              <a:rPr lang="en-GB" b="0" i="0" dirty="0">
-                <a:solidFill>
-                  <a:srgbClr val="333333"/>
-                </a:solidFill>
-                <a:effectLst/>
-                <a:latin typeface="Segoe UI" panose="020B0502040204020203" pitchFamily="34" charset="0"/>
-              </a:rPr>
-              <a:t>GitHub Education</a:t>
-            </a:r>
-            <a:br>
-              <a:rPr lang="en-GB" b="0" i="0" dirty="0">
-                <a:solidFill>
-                  <a:srgbClr val="333333"/>
-                </a:solidFill>
-                <a:effectLst/>
-                <a:latin typeface="Segoe UI" panose="020B0502040204020203" pitchFamily="34" charset="0"/>
-              </a:rPr>
-            </a:br>
-            <a:r>
-              <a:rPr lang="en-GB" b="0" i="0" dirty="0">
-                <a:solidFill>
-                  <a:srgbClr val="333333"/>
-                </a:solidFill>
-                <a:effectLst/>
-                <a:latin typeface="Segoe UI" panose="020B0502040204020203" pitchFamily="34" charset="0"/>
-                <a:hlinkClick r:id="rId4"/>
-              </a:rPr>
-              <a:t>https://education.github.com/experiences/foundations_certificate</a:t>
-            </a:r>
-            <a:endParaRPr lang="en-GB" b="0" i="0" dirty="0">
-              <a:solidFill>
-                <a:srgbClr val="333333"/>
-              </a:solidFill>
-              <a:effectLst/>
-              <a:latin typeface="Segoe UI" panose="020B0502040204020203" pitchFamily="34" charset="0"/>
-            </a:endParaRPr>
-          </a:p>
-          <a:p>
-            <a:r>
-              <a:rPr lang="en-GB" dirty="0">
-                <a:hlinkClick r:id="rId5"/>
-              </a:rPr>
-              <a:t>https://github.com/LadyKerr/github-certification-guide/blob/main/study-guides/gh-foundations.md</a:t>
-            </a:r>
-            <a:endParaRPr lang="en-GB" i="1" dirty="0"/>
-          </a:p>
-          <a:p>
-            <a:pPr lvl="1"/>
-            <a:r>
-              <a:rPr lang="en-GB" b="0" i="1" dirty="0" err="1">
-                <a:solidFill>
-                  <a:srgbClr val="333333"/>
-                </a:solidFill>
-                <a:effectLst/>
-                <a:latin typeface="Segoe UI" panose="020B0502040204020203" pitchFamily="34" charset="0"/>
-              </a:rPr>
-              <a:t>Datacamp</a:t>
-            </a:r>
-            <a:r>
-              <a:rPr lang="en-GB" b="0" i="1" dirty="0">
-                <a:solidFill>
-                  <a:srgbClr val="333333"/>
-                </a:solidFill>
-                <a:effectLst/>
-                <a:latin typeface="Segoe UI" panose="020B0502040204020203" pitchFamily="34" charset="0"/>
-              </a:rPr>
-              <a:t> (free sign-up)</a:t>
-            </a:r>
-          </a:p>
-          <a:p>
-            <a:pPr lvl="1"/>
-            <a:r>
-              <a:rPr lang="en-GB" b="0" i="1" dirty="0">
-                <a:solidFill>
-                  <a:srgbClr val="333333"/>
-                </a:solidFill>
-                <a:effectLst/>
-                <a:latin typeface="Segoe UI" panose="020B0502040204020203" pitchFamily="34" charset="0"/>
-              </a:rPr>
-              <a:t>LinkedIn Learning (good if your employer pays)</a:t>
-            </a:r>
-          </a:p>
-          <a:p>
-            <a:pPr lvl="1"/>
-            <a:r>
-              <a:rPr lang="en-GB" i="1" dirty="0">
-                <a:solidFill>
-                  <a:srgbClr val="333333"/>
-                </a:solidFill>
-                <a:latin typeface="Segoe UI" panose="020B0502040204020203" pitchFamily="34" charset="0"/>
-              </a:rPr>
-              <a:t>GitHub Education (if you have a .</a:t>
-            </a:r>
-            <a:r>
-              <a:rPr lang="en-GB" i="1" dirty="0" err="1">
-                <a:solidFill>
-                  <a:srgbClr val="333333"/>
-                </a:solidFill>
-                <a:latin typeface="Segoe UI" panose="020B0502040204020203" pitchFamily="34" charset="0"/>
-              </a:rPr>
-              <a:t>edu</a:t>
-            </a:r>
-            <a:r>
-              <a:rPr lang="en-GB" i="1" dirty="0">
-                <a:solidFill>
-                  <a:srgbClr val="333333"/>
-                </a:solidFill>
-                <a:latin typeface="Segoe UI" panose="020B0502040204020203" pitchFamily="34" charset="0"/>
-              </a:rPr>
-              <a:t> email address</a:t>
-            </a:r>
-            <a:r>
-              <a:rPr lang="en-GB" i="1">
-                <a:solidFill>
-                  <a:srgbClr val="333333"/>
-                </a:solidFill>
-                <a:latin typeface="Segoe UI" panose="020B0502040204020203" pitchFamily="34" charset="0"/>
-              </a:rPr>
-              <a:t>, unlocks bonus </a:t>
-            </a:r>
-            <a:r>
-              <a:rPr lang="en-GB" i="1" dirty="0">
-                <a:solidFill>
-                  <a:srgbClr val="333333"/>
-                </a:solidFill>
-                <a:latin typeface="Segoe UI" panose="020B0502040204020203" pitchFamily="34" charset="0"/>
-              </a:rPr>
-              <a:t>content on the GitHub Education site)</a:t>
-            </a:r>
-          </a:p>
-          <a:p>
-            <a:r>
-              <a:rPr lang="en-GB" i="1" dirty="0">
-                <a:solidFill>
-                  <a:srgbClr val="333333"/>
-                </a:solidFill>
-                <a:latin typeface="Segoe UI" panose="020B0502040204020203" pitchFamily="34" charset="0"/>
-              </a:rPr>
-              <a:t>3</a:t>
-            </a:r>
-            <a:r>
-              <a:rPr lang="en-GB" i="1" baseline="30000" dirty="0">
-                <a:solidFill>
-                  <a:srgbClr val="333333"/>
-                </a:solidFill>
-                <a:latin typeface="Segoe UI" panose="020B0502040204020203" pitchFamily="34" charset="0"/>
-              </a:rPr>
-              <a:t>rd</a:t>
-            </a:r>
-            <a:r>
-              <a:rPr lang="en-GB" i="1" dirty="0">
-                <a:solidFill>
-                  <a:srgbClr val="333333"/>
-                </a:solidFill>
-                <a:latin typeface="Segoe UI" panose="020B0502040204020203" pitchFamily="34" charset="0"/>
-              </a:rPr>
-              <a:t> party resources e.g.: </a:t>
-            </a:r>
-            <a:r>
-              <a:rPr lang="en-GB" b="0" i="1" dirty="0">
-                <a:solidFill>
-                  <a:srgbClr val="333333"/>
-                </a:solidFill>
-                <a:effectLst/>
-                <a:latin typeface="Segoe UI" panose="020B0502040204020203" pitchFamily="34" charset="0"/>
-              </a:rPr>
-              <a:t>https://github.com/btkrausen/github_certification</a:t>
-            </a:r>
-          </a:p>
-          <a:p>
-            <a:r>
-              <a:rPr lang="en-GB" b="0" i="0" dirty="0">
-                <a:solidFill>
-                  <a:srgbClr val="333333"/>
-                </a:solidFill>
-                <a:effectLst/>
-                <a:latin typeface="Segoe UI" panose="020B0502040204020203" pitchFamily="34" charset="0"/>
-              </a:rPr>
-              <a:t>Candidate Handbook (logistics)</a:t>
-            </a:r>
-            <a:br>
-              <a:rPr lang="en-GB" b="0" i="0" dirty="0">
-                <a:solidFill>
-                  <a:srgbClr val="333333"/>
-                </a:solidFill>
-                <a:effectLst/>
-                <a:latin typeface="Segoe UI" panose="020B0502040204020203" pitchFamily="34" charset="0"/>
-              </a:rPr>
-            </a:br>
-            <a:r>
-              <a:rPr lang="en-GB" b="0" i="0" dirty="0">
-                <a:solidFill>
-                  <a:srgbClr val="333333"/>
-                </a:solidFill>
-                <a:effectLst/>
-                <a:latin typeface="Segoe UI" panose="020B0502040204020203" pitchFamily="34" charset="0"/>
-                <a:hlinkClick r:id="rId6"/>
-              </a:rPr>
-              <a:t>https://examregistration.github.com/handbook</a:t>
-            </a:r>
-            <a:endParaRPr lang="en-GB" b="0" i="0" dirty="0">
-              <a:solidFill>
-                <a:srgbClr val="333333"/>
-              </a:solidFill>
-              <a:effectLst/>
-              <a:latin typeface="Segoe UI" panose="020B0502040204020203" pitchFamily="34" charset="0"/>
-            </a:endParaRPr>
-          </a:p>
-          <a:p>
-            <a:r>
-              <a:rPr lang="en-GB" dirty="0">
-                <a:solidFill>
-                  <a:srgbClr val="333333"/>
-                </a:solidFill>
-                <a:latin typeface="Segoe UI" panose="020B0502040204020203" pitchFamily="34" charset="0"/>
-              </a:rPr>
-              <a:t>GitHub Docs</a:t>
-            </a:r>
-            <a:br>
-              <a:rPr lang="en-GB" dirty="0">
-                <a:solidFill>
-                  <a:srgbClr val="333333"/>
-                </a:solidFill>
-                <a:latin typeface="Segoe UI" panose="020B0502040204020203" pitchFamily="34" charset="0"/>
-              </a:rPr>
-            </a:br>
-            <a:r>
-              <a:rPr lang="en-GB" b="0" i="0" dirty="0">
-                <a:solidFill>
-                  <a:srgbClr val="333333"/>
-                </a:solidFill>
-                <a:effectLst/>
-                <a:latin typeface="Segoe UI" panose="020B0502040204020203" pitchFamily="34" charset="0"/>
-                <a:hlinkClick r:id="rId7"/>
-              </a:rPr>
-              <a:t>https://docs.github.com/en</a:t>
-            </a:r>
-            <a:endParaRPr lang="en-GB" b="0" i="0" dirty="0">
-              <a:solidFill>
-                <a:srgbClr val="333333"/>
-              </a:solidFill>
-              <a:effectLst/>
-              <a:latin typeface="Segoe UI" panose="020B0502040204020203" pitchFamily="34" charset="0"/>
-            </a:endParaRPr>
-          </a:p>
-        </p:txBody>
-      </p:sp>
-      <p:sp>
-        <p:nvSpPr>
-          <p:cNvPr id="4" name="Slide Number Placeholder 3">
-            <a:extLst>
-              <a:ext uri="{FF2B5EF4-FFF2-40B4-BE49-F238E27FC236}">
-                <a16:creationId xmlns:a16="http://schemas.microsoft.com/office/drawing/2014/main" id="{5D13E95C-6DCC-79CD-C7CE-6288EF4D2FFE}"/>
-              </a:ext>
-            </a:extLst>
-          </p:cNvPr>
-          <p:cNvSpPr>
-            <a:spLocks noGrp="1"/>
-          </p:cNvSpPr>
-          <p:nvPr>
-            <p:ph type="sldNum" sz="quarter" idx="12"/>
-          </p:nvPr>
-        </p:nvSpPr>
-        <p:spPr/>
-        <p:txBody>
-          <a:bodyPr/>
-          <a:lstStyle/>
-          <a:p>
-            <a:fld id="{239CC275-0F17-4CFE-B2FE-5727017C3401}" type="slidenum">
-              <a:rPr lang="en-AU" smtClean="0"/>
-              <a:t>17</a:t>
-            </a:fld>
-            <a:endParaRPr lang="en-AU"/>
-          </a:p>
-        </p:txBody>
-      </p:sp>
-    </p:spTree>
-    <p:extLst>
-      <p:ext uri="{BB962C8B-B14F-4D97-AF65-F5344CB8AC3E}">
-        <p14:creationId xmlns:p14="http://schemas.microsoft.com/office/powerpoint/2010/main" val="2440630559"/>
-      </p:ext>
-    </p:extLst>
-  </p:cSld>
-  <p:clrMapOvr>
-    <a:masterClrMapping/>
-  </p:clrMapOvr>
-</p:sld>
-</file>
-
-<file path=ppt/slides/slide18.xml><?xml version="1.0" encoding="utf-8"?>
-<p:sld xmlns:a="http://schemas.openxmlformats.org/drawingml/2006/main" xmlns:r="http://schemas.openxmlformats.org/officeDocument/2006/relationships" xmlns:p="http://schemas.openxmlformats.org/presentationml/2006/main">
-  <p:cSld>
-    <p:spTree>
-      <p:nvGrpSpPr>
-        <p:cNvPr id="1" name=""/>
-        <p:cNvGrpSpPr/>
-        <p:nvPr/>
-      </p:nvGrpSpPr>
-      <p:grpSpPr>
-        <a:xfrm>
-          <a:off x="0" y="0"/>
-          <a:ext cx="0" cy="0"/>
-          <a:chOff x="0" y="0"/>
-          <a:chExt cx="0" cy="0"/>
-        </a:xfrm>
-      </p:grpSpPr>
-      <p:sp>
-        <p:nvSpPr>
-          <p:cNvPr id="4" name="Slide Number Placeholder 3">
-            <a:extLst>
-              <a:ext uri="{FF2B5EF4-FFF2-40B4-BE49-F238E27FC236}">
-                <a16:creationId xmlns:a16="http://schemas.microsoft.com/office/drawing/2014/main" id="{99C52F18-EA09-C7D4-9253-A507A4B41C22}"/>
-              </a:ext>
-            </a:extLst>
-          </p:cNvPr>
-          <p:cNvSpPr>
-            <a:spLocks noGrp="1"/>
-          </p:cNvSpPr>
-          <p:nvPr>
-            <p:ph type="sldNum" sz="quarter" idx="12"/>
-          </p:nvPr>
-        </p:nvSpPr>
-        <p:spPr/>
-        <p:txBody>
-          <a:bodyPr/>
-          <a:lstStyle/>
-          <a:p>
-            <a:fld id="{239CC275-0F17-4CFE-B2FE-5727017C3401}" type="slidenum">
-              <a:rPr lang="en-AU" smtClean="0"/>
-              <a:t>18</a:t>
-            </a:fld>
-            <a:endParaRPr lang="en-AU"/>
-          </a:p>
-        </p:txBody>
-      </p:sp>
-      <p:pic>
-        <p:nvPicPr>
-          <p:cNvPr id="10" name="Picture 9">
-            <a:extLst>
-              <a:ext uri="{FF2B5EF4-FFF2-40B4-BE49-F238E27FC236}">
-                <a16:creationId xmlns:a16="http://schemas.microsoft.com/office/drawing/2014/main" id="{1D513081-6630-49F7-B986-1971297FB838}"/>
-              </a:ext>
-            </a:extLst>
-          </p:cNvPr>
-          <p:cNvPicPr>
-            <a:picLocks noChangeAspect="1"/>
-          </p:cNvPicPr>
-          <p:nvPr/>
-        </p:nvPicPr>
-        <p:blipFill>
-          <a:blip r:embed="rId2"/>
-          <a:stretch>
-            <a:fillRect/>
-          </a:stretch>
-        </p:blipFill>
-        <p:spPr>
-          <a:xfrm>
-            <a:off x="0" y="0"/>
-            <a:ext cx="7705781" cy="5495965"/>
-          </a:xfrm>
-          <a:prstGeom prst="rect">
-            <a:avLst/>
-          </a:prstGeom>
-        </p:spPr>
-      </p:pic>
-      <p:pic>
-        <p:nvPicPr>
-          <p:cNvPr id="12" name="Picture 11">
-            <a:extLst>
-              <a:ext uri="{FF2B5EF4-FFF2-40B4-BE49-F238E27FC236}">
-                <a16:creationId xmlns:a16="http://schemas.microsoft.com/office/drawing/2014/main" id="{F773BAD5-0FF3-C6AA-EF78-693501141199}"/>
-              </a:ext>
-            </a:extLst>
-          </p:cNvPr>
-          <p:cNvPicPr>
-            <a:picLocks noChangeAspect="1"/>
-          </p:cNvPicPr>
-          <p:nvPr/>
-        </p:nvPicPr>
-        <p:blipFill>
-          <a:blip r:embed="rId3"/>
-          <a:stretch>
-            <a:fillRect/>
-          </a:stretch>
-        </p:blipFill>
-        <p:spPr>
-          <a:xfrm>
-            <a:off x="108110" y="2622557"/>
-            <a:ext cx="12009051" cy="3932883"/>
-          </a:xfrm>
-          <a:prstGeom prst="rect">
-            <a:avLst/>
-          </a:prstGeom>
-        </p:spPr>
-      </p:pic>
-      <p:sp>
-        <p:nvSpPr>
-          <p:cNvPr id="14" name="TextBox 13">
-            <a:extLst>
-              <a:ext uri="{FF2B5EF4-FFF2-40B4-BE49-F238E27FC236}">
-                <a16:creationId xmlns:a16="http://schemas.microsoft.com/office/drawing/2014/main" id="{740E16C8-EF49-A69B-4AC1-10ED4865364F}"/>
-              </a:ext>
-            </a:extLst>
-          </p:cNvPr>
-          <p:cNvSpPr txBox="1"/>
-          <p:nvPr/>
-        </p:nvSpPr>
-        <p:spPr>
-          <a:xfrm>
-            <a:off x="0" y="6482023"/>
-            <a:ext cx="11634475" cy="369332"/>
-          </a:xfrm>
-          <a:prstGeom prst="rect">
-            <a:avLst/>
-          </a:prstGeom>
-          <a:noFill/>
-        </p:spPr>
-        <p:txBody>
-          <a:bodyPr wrap="square">
-            <a:spAutoFit/>
-          </a:bodyPr>
-          <a:lstStyle/>
-          <a:p>
-            <a:r>
-              <a:rPr lang="en-AU" dirty="0"/>
-              <a:t>https://github.com/LadyKerr/github-certification-guide/blob/main/study-guides/gh-foundations.md</a:t>
-            </a:r>
-          </a:p>
-        </p:txBody>
-      </p:sp>
-    </p:spTree>
-    <p:extLst>
-      <p:ext uri="{BB962C8B-B14F-4D97-AF65-F5344CB8AC3E}">
-        <p14:creationId xmlns:p14="http://schemas.microsoft.com/office/powerpoint/2010/main" val="1123149148"/>
-      </p:ext>
-    </p:extLst>
-  </p:cSld>
-  <p:clrMapOvr>
-    <a:masterClrMapping/>
-  </p:clrMapOvr>
-</p:sld>
-</file>
-
 <file path=ppt/slides/slide19.xml><?xml version="1.0" encoding="utf-8"?>
 <p:sld xmlns:a="http://schemas.openxmlformats.org/drawingml/2006/main" xmlns:r="http://schemas.openxmlformats.org/officeDocument/2006/relationships" xmlns:p="http://schemas.openxmlformats.org/presentationml/2006/main">
   <p:cSld>
@@ -6261,7 +6645,7 @@
           <p:cNvPr id="2" name="Title 1">
             <a:extLst>
               <a:ext uri="{FF2B5EF4-FFF2-40B4-BE49-F238E27FC236}">
-                <a16:creationId xmlns:a16="http://schemas.microsoft.com/office/drawing/2014/main" id="{346F3512-FEDB-6461-8B37-9A28F7A0121C}"/>
+                <a16:creationId xmlns:a16="http://schemas.microsoft.com/office/drawing/2014/main" id="{477F0730-B54B-3F40-DB4C-B94F81B735D5}"/>
               </a:ext>
             </a:extLst>
           </p:cNvPr>
@@ -6279,8 +6663,163 @@
           <a:p>
             <a:r>
               <a:rPr lang="en-AU" dirty="0"/>
-              <a:t>Exam tip [0]</a:t>
-            </a:r>
+              <a:t>Study tips</a:t>
+            </a:r>
+          </a:p>
+        </p:txBody>
+      </p:sp>
+      <p:sp>
+        <p:nvSpPr>
+          <p:cNvPr id="3" name="Content Placeholder 2">
+            <a:extLst>
+              <a:ext uri="{FF2B5EF4-FFF2-40B4-BE49-F238E27FC236}">
+                <a16:creationId xmlns:a16="http://schemas.microsoft.com/office/drawing/2014/main" id="{0637C4DA-C604-4BC5-DB58-E489C410FF07}"/>
+              </a:ext>
+            </a:extLst>
+          </p:cNvPr>
+          <p:cNvSpPr>
+            <a:spLocks noGrp="1"/>
+          </p:cNvSpPr>
+          <p:nvPr>
+            <p:ph idx="1"/>
+          </p:nvPr>
+        </p:nvSpPr>
+        <p:spPr/>
+        <p:txBody>
+          <a:bodyPr>
+            <a:normAutofit lnSpcReduction="10000"/>
+          </a:bodyPr>
+          <a:lstStyle/>
+          <a:p>
+            <a:r>
+              <a:rPr lang="en-AU" b="1" dirty="0"/>
+              <a:t>1. Study Resources – use multiple!</a:t>
+            </a:r>
+            <a:endParaRPr lang="en-AU" dirty="0"/>
+          </a:p>
+          <a:p>
+            <a:pPr marL="742950" lvl="1" indent="-285750">
+              <a:buFont typeface="Arial" panose="020B0604020202020204" pitchFamily="34" charset="0"/>
+              <a:buChar char="•"/>
+            </a:pPr>
+            <a:r>
+              <a:rPr lang="en-AU" dirty="0"/>
+              <a:t>Official learning paths cover most content, however it’s text-heavy;</a:t>
+            </a:r>
+          </a:p>
+          <a:p>
+            <a:pPr marL="742950" lvl="1" indent="-285750">
+              <a:buFont typeface="Arial" panose="020B0604020202020204" pitchFamily="34" charset="0"/>
+              <a:buChar char="•"/>
+            </a:pPr>
+            <a:r>
+              <a:rPr lang="en-AU" dirty="0"/>
+              <a:t>Use free resources and free trials, including 3</a:t>
+            </a:r>
+            <a:r>
+              <a:rPr lang="en-AU" baseline="30000" dirty="0"/>
+              <a:t>rd</a:t>
+            </a:r>
+            <a:r>
+              <a:rPr lang="en-AU" dirty="0"/>
+              <a:t> party video platforms</a:t>
+            </a:r>
+          </a:p>
+          <a:p>
+            <a:pPr marL="742950" lvl="1" indent="-285750">
+              <a:buFont typeface="Arial" panose="020B0604020202020204" pitchFamily="34" charset="0"/>
+              <a:buChar char="•"/>
+            </a:pPr>
+            <a:r>
+              <a:rPr lang="en-AU" dirty="0"/>
+              <a:t>Check out the study guide so you cover all of the topics on the exam – (sometimes new stuff is added and old stuff is removed from exams!)</a:t>
+            </a:r>
+          </a:p>
+          <a:p>
+            <a:pPr marL="457200" lvl="1" indent="0">
+              <a:buNone/>
+            </a:pPr>
+            <a:endParaRPr lang="en-AU" dirty="0"/>
+          </a:p>
+          <a:p>
+            <a:r>
+              <a:rPr lang="en-AU" b="1" dirty="0"/>
+              <a:t> 2. Hands-On Practice</a:t>
+            </a:r>
+          </a:p>
+          <a:p>
+            <a:pPr lvl="1"/>
+            <a:r>
+              <a:rPr lang="en-AU" dirty="0"/>
+              <a:t>Do practice exams to validate your learning and build your confidence.</a:t>
+            </a:r>
+          </a:p>
+          <a:p>
+            <a:pPr lvl="1"/>
+            <a:r>
+              <a:rPr lang="en-GB" dirty="0"/>
+              <a:t>Follow along with tutorials,</a:t>
+            </a:r>
+          </a:p>
+          <a:p>
+            <a:pPr lvl="1"/>
+            <a:r>
+              <a:rPr lang="en-GB" dirty="0"/>
+              <a:t>Experiment with sample code, clone projects, learn by doing</a:t>
+            </a:r>
+          </a:p>
+          <a:p>
+            <a:pPr lvl="1"/>
+            <a:r>
+              <a:rPr lang="en-GB" i="1" dirty="0"/>
+              <a:t>“If I have seen further, it is by standing on the shoulders of giants.”</a:t>
+            </a:r>
+            <a:br>
+              <a:rPr lang="en-GB" i="1" dirty="0"/>
+            </a:br>
+            <a:r>
+              <a:rPr lang="en-GB" i="1" dirty="0"/>
+              <a:t>-Isaac Newton</a:t>
+            </a:r>
+          </a:p>
+          <a:p>
+            <a:pPr lvl="1"/>
+            <a:endParaRPr lang="en-AU" dirty="0"/>
+          </a:p>
+          <a:p>
+            <a:pPr lvl="1"/>
+            <a:endParaRPr lang="en-GB" dirty="0"/>
+          </a:p>
+          <a:p>
+            <a:pPr marL="457200" lvl="1" indent="0">
+              <a:buNone/>
+            </a:pPr>
+            <a:endParaRPr lang="en-GB" sz="1600" dirty="0"/>
+          </a:p>
+          <a:p>
+            <a:pPr marL="457200" lvl="1" indent="0">
+              <a:buNone/>
+            </a:pPr>
+            <a:endParaRPr lang="en-GB" sz="1600" dirty="0"/>
+          </a:p>
+          <a:p>
+            <a:pPr marL="457200" lvl="1" indent="0">
+              <a:buNone/>
+            </a:pPr>
+            <a:endParaRPr lang="en-AU" sz="2000" dirty="0"/>
+          </a:p>
+          <a:p>
+            <a:pPr lvl="1"/>
+            <a:endParaRPr lang="en-AU" sz="2000" dirty="0"/>
+          </a:p>
+          <a:p>
+            <a:endParaRPr lang="en-AU" sz="2400" b="1" dirty="0"/>
+          </a:p>
+          <a:p>
+            <a:endParaRPr lang="en-AU" b="1" dirty="0"/>
+          </a:p>
+          <a:p>
+            <a:endParaRPr lang="en-AU" b="1" dirty="0"/>
           </a:p>
         </p:txBody>
       </p:sp>
@@ -6289,7 +6828,7 @@
           <p:cNvPr id="4" name="Slide Number Placeholder 3">
             <a:extLst>
               <a:ext uri="{FF2B5EF4-FFF2-40B4-BE49-F238E27FC236}">
-                <a16:creationId xmlns:a16="http://schemas.microsoft.com/office/drawing/2014/main" id="{0EBCACDE-C165-44BD-5C05-9CF2E690A14E}"/>
+                <a16:creationId xmlns:a16="http://schemas.microsoft.com/office/drawing/2014/main" id="{F546ED46-2F7E-EE20-8CEA-B06C8D2CD769}"/>
               </a:ext>
             </a:extLst>
           </p:cNvPr>
@@ -6313,57 +6852,10 @@
           </a:p>
         </p:txBody>
       </p:sp>
-      <p:pic>
-        <p:nvPicPr>
-          <p:cNvPr id="2050" name="Picture 2" descr="Don't Panic. Copyright: BBC">
-            <a:extLst>
-              <a:ext uri="{FF2B5EF4-FFF2-40B4-BE49-F238E27FC236}">
-                <a16:creationId xmlns:a16="http://schemas.microsoft.com/office/drawing/2014/main" id="{DEC1C31C-F87E-92B4-7E13-602968A6F87D}"/>
-              </a:ext>
-            </a:extLst>
-          </p:cNvPr>
-          <p:cNvPicPr>
-            <a:picLocks noChangeAspect="1" noChangeArrowheads="1"/>
-          </p:cNvPicPr>
-          <p:nvPr/>
-        </p:nvPicPr>
-        <p:blipFill>
-          <a:blip r:embed="rId2">
-            <a:extLst>
-              <a:ext uri="{28A0092B-C50C-407E-A947-70E740481C1C}">
-                <a14:useLocalDpi xmlns:a14="http://schemas.microsoft.com/office/drawing/2010/main" val="0"/>
-              </a:ext>
-            </a:extLst>
-          </a:blip>
-          <a:srcRect/>
-          <a:stretch>
-            <a:fillRect/>
-          </a:stretch>
-        </p:blipFill>
-        <p:spPr bwMode="auto">
-          <a:xfrm>
-            <a:off x="1711778" y="1552575"/>
-            <a:ext cx="8572500" cy="4286250"/>
-          </a:xfrm>
-          <a:prstGeom prst="rect">
-            <a:avLst/>
-          </a:prstGeom>
-          <a:noFill/>
-          <a:extLst>
-            <a:ext uri="{909E8E84-426E-40DD-AFC4-6F175D3DCCD1}">
-              <a14:hiddenFill xmlns:a14="http://schemas.microsoft.com/office/drawing/2010/main">
-                <a:solidFill>
-                  <a:srgbClr val="FFFFFF"/>
-                </a:solidFill>
-              </a14:hiddenFill>
-            </a:ext>
-          </a:extLst>
-        </p:spPr>
-      </p:pic>
     </p:spTree>
     <p:extLst>
       <p:ext uri="{BB962C8B-B14F-4D97-AF65-F5344CB8AC3E}">
-        <p14:creationId xmlns:p14="http://schemas.microsoft.com/office/powerpoint/2010/main" val="1496635079"/>
+        <p14:creationId xmlns:p14="http://schemas.microsoft.com/office/powerpoint/2010/main" val="280629650"/>
       </p:ext>
     </p:extLst>
   </p:cSld>
@@ -6528,412 +7020,10 @@
       </p:grpSpPr>
       <p:sp>
         <p:nvSpPr>
-          <p:cNvPr id="2" name="Title 1">
-            <a:extLst>
-              <a:ext uri="{FF2B5EF4-FFF2-40B4-BE49-F238E27FC236}">
-                <a16:creationId xmlns:a16="http://schemas.microsoft.com/office/drawing/2014/main" id="{346F3512-FEDB-6461-8B37-9A28F7A0121C}"/>
-              </a:ext>
-            </a:extLst>
-          </p:cNvPr>
-          <p:cNvSpPr>
-            <a:spLocks noGrp="1"/>
-          </p:cNvSpPr>
-          <p:nvPr>
-            <p:ph type="title"/>
-          </p:nvPr>
-        </p:nvSpPr>
-        <p:spPr/>
-        <p:txBody>
-          <a:bodyPr/>
-          <a:lstStyle/>
-          <a:p>
-            <a:r>
-              <a:rPr lang="en-AU" dirty="0"/>
-              <a:t>Exam tip [1-2]</a:t>
-            </a:r>
-          </a:p>
-        </p:txBody>
-      </p:sp>
-      <p:sp>
-        <p:nvSpPr>
-          <p:cNvPr id="3" name="Content Placeholder 2">
-            <a:extLst>
-              <a:ext uri="{FF2B5EF4-FFF2-40B4-BE49-F238E27FC236}">
-                <a16:creationId xmlns:a16="http://schemas.microsoft.com/office/drawing/2014/main" id="{C77DF50E-28D7-4493-2722-5E3E00C616D0}"/>
-              </a:ext>
-            </a:extLst>
-          </p:cNvPr>
-          <p:cNvSpPr>
-            <a:spLocks noGrp="1"/>
-          </p:cNvSpPr>
-          <p:nvPr>
-            <p:ph idx="1"/>
-          </p:nvPr>
-        </p:nvSpPr>
-        <p:spPr>
-          <a:xfrm>
-            <a:off x="592428" y="1416676"/>
-            <a:ext cx="10761372" cy="5000453"/>
-          </a:xfrm>
-        </p:spPr>
-        <p:txBody>
-          <a:bodyPr>
-            <a:normAutofit fontScale="85000" lnSpcReduction="20000"/>
-          </a:bodyPr>
-          <a:lstStyle/>
-          <a:p>
-            <a:pPr algn="l">
-              <a:buFont typeface="+mj-lt"/>
-              <a:buAutoNum type="arabicPeriod"/>
-            </a:pPr>
-            <a:r>
-              <a:rPr lang="en-GB" b="1" i="0" dirty="0">
-                <a:solidFill>
-                  <a:srgbClr val="333333"/>
-                </a:solidFill>
-                <a:effectLst/>
-                <a:latin typeface="Segoe UI" panose="020B0502040204020203" pitchFamily="34" charset="0"/>
-              </a:rPr>
-              <a:t> Prepare </a:t>
-            </a:r>
-          </a:p>
-          <a:p>
-            <a:pPr lvl="1">
-              <a:buFontTx/>
-              <a:buChar char="-"/>
-            </a:pPr>
-            <a:r>
-              <a:rPr lang="en-GB" dirty="0">
-                <a:solidFill>
-                  <a:srgbClr val="333333"/>
-                </a:solidFill>
-                <a:latin typeface="Segoe UI" panose="020B0502040204020203" pitchFamily="34" charset="0"/>
-              </a:rPr>
-              <a:t>Complete the Microsoft Learn modules, including the </a:t>
-            </a:r>
-            <a:r>
-              <a:rPr lang="en-GB" i="0" dirty="0">
-                <a:solidFill>
-                  <a:srgbClr val="333333"/>
-                </a:solidFill>
-                <a:effectLst/>
-                <a:latin typeface="Segoe UI" panose="020B0502040204020203" pitchFamily="34" charset="0"/>
-              </a:rPr>
-              <a:t>Hands-On Labs.</a:t>
-            </a:r>
-          </a:p>
-          <a:p>
-            <a:pPr lvl="1">
-              <a:buFontTx/>
-              <a:buChar char="-"/>
-            </a:pPr>
-            <a:r>
-              <a:rPr lang="en-GB" dirty="0">
-                <a:solidFill>
-                  <a:srgbClr val="333333"/>
-                </a:solidFill>
-                <a:latin typeface="Segoe UI" panose="020B0502040204020203" pitchFamily="34" charset="0"/>
-              </a:rPr>
-              <a:t>I recommend John Savill’s Technical Training (YouTube, free)</a:t>
-            </a:r>
-          </a:p>
-          <a:p>
-            <a:pPr lvl="1">
-              <a:buFontTx/>
-              <a:buChar char="-"/>
-            </a:pPr>
-            <a:r>
-              <a:rPr lang="en-GB" i="0" dirty="0">
-                <a:solidFill>
-                  <a:srgbClr val="333333"/>
-                </a:solidFill>
-                <a:effectLst/>
-                <a:latin typeface="Segoe UI" panose="020B0502040204020203" pitchFamily="34" charset="0"/>
-              </a:rPr>
-              <a:t>Practice makes progress. Practice tests are a MUST: </a:t>
-            </a:r>
-            <a:r>
-              <a:rPr lang="en-GB" i="0" dirty="0">
-                <a:solidFill>
-                  <a:srgbClr val="333333"/>
-                </a:solidFill>
-                <a:effectLst/>
-                <a:latin typeface="Segoe UI" panose="020B0502040204020203" pitchFamily="34" charset="0"/>
-                <a:hlinkClick r:id="rId2"/>
-              </a:rPr>
-              <a:t>https://ghcertified.com/practice_tests/foundations/</a:t>
-            </a:r>
-            <a:endParaRPr lang="en-GB" i="0" dirty="0">
-              <a:solidFill>
-                <a:srgbClr val="333333"/>
-              </a:solidFill>
-              <a:effectLst/>
-              <a:latin typeface="Segoe UI" panose="020B0502040204020203" pitchFamily="34" charset="0"/>
-            </a:endParaRPr>
-          </a:p>
-          <a:p>
-            <a:pPr marL="457200" lvl="1" indent="0">
-              <a:buNone/>
-            </a:pPr>
-            <a:endParaRPr lang="en-GB" b="1" i="0" dirty="0">
-              <a:solidFill>
-                <a:srgbClr val="333333"/>
-              </a:solidFill>
-              <a:effectLst/>
-              <a:latin typeface="Segoe UI" panose="020B0502040204020203" pitchFamily="34" charset="0"/>
-            </a:endParaRPr>
-          </a:p>
-          <a:p>
-            <a:pPr algn="l">
-              <a:buFont typeface="+mj-lt"/>
-              <a:buAutoNum type="arabicPeriod"/>
-            </a:pPr>
-            <a:r>
-              <a:rPr lang="en-GB" b="1" i="0" dirty="0">
-                <a:solidFill>
-                  <a:srgbClr val="333333"/>
-                </a:solidFill>
-                <a:effectLst/>
-                <a:latin typeface="Segoe UI" panose="020B0502040204020203" pitchFamily="34" charset="0"/>
-              </a:rPr>
-              <a:t> Keep calm and carry on</a:t>
-            </a:r>
-            <a:endParaRPr lang="en-GB" dirty="0">
-              <a:solidFill>
-                <a:srgbClr val="333333"/>
-              </a:solidFill>
-              <a:latin typeface="Segoe UI" panose="020B0502040204020203" pitchFamily="34" charset="0"/>
-            </a:endParaRPr>
-          </a:p>
-          <a:p>
-            <a:pPr marL="457200" lvl="1" indent="0">
-              <a:buNone/>
-            </a:pPr>
-            <a:r>
-              <a:rPr lang="en-GB" i="0" dirty="0">
-                <a:solidFill>
-                  <a:srgbClr val="333333"/>
-                </a:solidFill>
-                <a:effectLst/>
-                <a:latin typeface="Segoe UI" panose="020B0502040204020203" pitchFamily="34" charset="0"/>
-              </a:rPr>
-              <a:t>- 120 minutes to answer 75 questions</a:t>
-            </a:r>
-            <a:r>
-              <a:rPr lang="en-GB" dirty="0">
-                <a:solidFill>
-                  <a:srgbClr val="333333"/>
-                </a:solidFill>
-                <a:latin typeface="Segoe UI" panose="020B0502040204020203" pitchFamily="34" charset="0"/>
-              </a:rPr>
-              <a:t>.</a:t>
-            </a:r>
-          </a:p>
-          <a:p>
-            <a:pPr marL="457200" lvl="1" indent="0">
-              <a:buNone/>
-            </a:pPr>
-            <a:r>
-              <a:rPr lang="en-GB" b="0" i="0" dirty="0">
-                <a:solidFill>
-                  <a:srgbClr val="333333"/>
-                </a:solidFill>
-                <a:effectLst/>
-                <a:latin typeface="Segoe UI" panose="020B0502040204020203" pitchFamily="34" charset="0"/>
-              </a:rPr>
-              <a:t>- Carefully read through each question</a:t>
-            </a:r>
-            <a:r>
-              <a:rPr lang="en-GB" dirty="0">
-                <a:solidFill>
-                  <a:srgbClr val="333333"/>
-                </a:solidFill>
-                <a:latin typeface="Segoe UI" panose="020B0502040204020203" pitchFamily="34" charset="0"/>
-              </a:rPr>
-              <a:t>. </a:t>
-            </a:r>
-            <a:r>
-              <a:rPr lang="en-GB" b="0" i="0" dirty="0">
-                <a:solidFill>
-                  <a:srgbClr val="333333"/>
-                </a:solidFill>
-                <a:effectLst/>
-                <a:latin typeface="Segoe UI" panose="020B0502040204020203" pitchFamily="34" charset="0"/>
-              </a:rPr>
-              <a:t>Weigh up all of the options.</a:t>
-            </a:r>
-          </a:p>
-          <a:p>
-            <a:pPr marL="457200" lvl="1" indent="0">
-              <a:buNone/>
-            </a:pPr>
-            <a:r>
-              <a:rPr lang="en-GB" b="0" i="0" dirty="0">
-                <a:solidFill>
-                  <a:srgbClr val="333333"/>
-                </a:solidFill>
-                <a:effectLst/>
-                <a:latin typeface="Segoe UI" panose="020B0502040204020203" pitchFamily="34" charset="0"/>
-              </a:rPr>
-              <a:t>- Eliminate wrong answers. </a:t>
-            </a:r>
-          </a:p>
-          <a:p>
-            <a:pPr marL="457200" lvl="1" indent="0">
-              <a:buNone/>
-            </a:pPr>
-            <a:r>
-              <a:rPr lang="en-GB" dirty="0">
-                <a:solidFill>
-                  <a:srgbClr val="333333"/>
-                </a:solidFill>
-                <a:latin typeface="Segoe UI" panose="020B0502040204020203" pitchFamily="34" charset="0"/>
-              </a:rPr>
-              <a:t>- Choose the best available answer. </a:t>
-            </a:r>
-          </a:p>
-          <a:p>
-            <a:pPr marL="457200" lvl="1" indent="0">
-              <a:buNone/>
-            </a:pPr>
-            <a:r>
-              <a:rPr lang="en-GB" b="0" i="0" dirty="0">
-                <a:solidFill>
-                  <a:srgbClr val="333333"/>
-                </a:solidFill>
-                <a:effectLst/>
-                <a:latin typeface="Segoe UI" panose="020B0502040204020203" pitchFamily="34" charset="0"/>
-              </a:rPr>
-              <a:t>- If in doubt, </a:t>
-            </a:r>
-            <a:r>
-              <a:rPr lang="en-GB" dirty="0">
-                <a:solidFill>
-                  <a:srgbClr val="333333"/>
-                </a:solidFill>
-                <a:latin typeface="Segoe UI" panose="020B0502040204020203" pitchFamily="34" charset="0"/>
-              </a:rPr>
-              <a:t>t</a:t>
-            </a:r>
-            <a:r>
-              <a:rPr lang="en-GB" b="0" i="0" dirty="0">
-                <a:solidFill>
-                  <a:srgbClr val="333333"/>
-                </a:solidFill>
-                <a:effectLst/>
-                <a:latin typeface="Segoe UI" panose="020B0502040204020203" pitchFamily="34" charset="0"/>
-              </a:rPr>
-              <a:t>rust your gut / professional experience</a:t>
-            </a:r>
-            <a:r>
-              <a:rPr lang="en-GB" dirty="0">
-                <a:solidFill>
-                  <a:srgbClr val="333333"/>
-                </a:solidFill>
-                <a:latin typeface="Segoe UI" panose="020B0502040204020203" pitchFamily="34" charset="0"/>
-              </a:rPr>
-              <a:t> and give your best guess.</a:t>
-            </a:r>
-          </a:p>
-          <a:p>
-            <a:pPr marL="457200" lvl="1" indent="0">
-              <a:buNone/>
-            </a:pPr>
-            <a:r>
-              <a:rPr lang="en-GB" b="0" i="0" dirty="0">
-                <a:solidFill>
-                  <a:srgbClr val="333333"/>
-                </a:solidFill>
-                <a:effectLst/>
-                <a:latin typeface="Segoe UI" panose="020B0502040204020203" pitchFamily="34" charset="0"/>
-              </a:rPr>
-              <a:t>- Answer every question.</a:t>
-            </a:r>
-          </a:p>
-          <a:p>
-            <a:pPr marL="457200" lvl="1" indent="0">
-              <a:buNone/>
-            </a:pPr>
-            <a:r>
-              <a:rPr lang="en-GB" b="0" i="0" dirty="0">
-                <a:solidFill>
-                  <a:srgbClr val="333333"/>
-                </a:solidFill>
-                <a:effectLst/>
-                <a:latin typeface="Segoe UI" panose="020B0502040204020203" pitchFamily="34" charset="0"/>
-              </a:rPr>
-              <a:t>- Mark any questions if unsure, you can review later if there is time left at the end.</a:t>
-            </a:r>
-          </a:p>
-          <a:p>
-            <a:pPr marL="457200" lvl="1" indent="0">
-              <a:buNone/>
-            </a:pPr>
-            <a:r>
-              <a:rPr lang="en-GB" dirty="0">
-                <a:solidFill>
-                  <a:srgbClr val="333333"/>
-                </a:solidFill>
-                <a:latin typeface="Segoe UI" panose="020B0502040204020203" pitchFamily="34" charset="0"/>
-              </a:rPr>
-              <a:t>- Try not to</a:t>
-            </a:r>
-            <a:r>
-              <a:rPr lang="en-GB" b="0" i="0" dirty="0">
-                <a:solidFill>
-                  <a:srgbClr val="333333"/>
-                </a:solidFill>
-                <a:effectLst/>
-                <a:latin typeface="Segoe UI" panose="020B0502040204020203" pitchFamily="34" charset="0"/>
-              </a:rPr>
-              <a:t> second guess yourself. Only change your answer if confident you misread or misunderstood the question first </a:t>
-            </a:r>
-            <a:r>
-              <a:rPr lang="en-GB" dirty="0">
-                <a:solidFill>
-                  <a:srgbClr val="333333"/>
-                </a:solidFill>
-                <a:latin typeface="Segoe UI" panose="020B0502040204020203" pitchFamily="34" charset="0"/>
-              </a:rPr>
-              <a:t>time round</a:t>
-            </a:r>
-            <a:r>
-              <a:rPr lang="en-GB" b="0" i="0" dirty="0">
-                <a:solidFill>
-                  <a:srgbClr val="333333"/>
-                </a:solidFill>
-                <a:effectLst/>
-                <a:latin typeface="Segoe UI" panose="020B0502040204020203" pitchFamily="34" charset="0"/>
-              </a:rPr>
-              <a:t>.</a:t>
-            </a:r>
-          </a:p>
-          <a:p>
-            <a:pPr marL="457200" lvl="1" indent="0">
-              <a:buNone/>
-            </a:pPr>
-            <a:r>
-              <a:rPr lang="en-GB" b="0" i="0" dirty="0">
-                <a:solidFill>
-                  <a:srgbClr val="333333"/>
-                </a:solidFill>
-                <a:effectLst/>
-                <a:latin typeface="Segoe UI" panose="020B0502040204020203" pitchFamily="34" charset="0"/>
-              </a:rPr>
-              <a:t>- Stay calm and focused — there’s no need to rush. </a:t>
-            </a:r>
-          </a:p>
-          <a:p>
-            <a:endParaRPr lang="en-AU" dirty="0"/>
-          </a:p>
-        </p:txBody>
-      </p:sp>
-      <p:sp>
-        <p:nvSpPr>
           <p:cNvPr id="4" name="Slide Number Placeholder 3">
             <a:extLst>
               <a:ext uri="{FF2B5EF4-FFF2-40B4-BE49-F238E27FC236}">
-                <a16:creationId xmlns:a16="http://schemas.microsoft.com/office/drawing/2014/main" id="{0EBCACDE-C165-44BD-5C05-9CF2E690A14E}"/>
+                <a16:creationId xmlns:a16="http://schemas.microsoft.com/office/drawing/2014/main" id="{65ECD9B2-A47B-0DBD-EE3F-CCC00C042B83}"/>
               </a:ext>
             </a:extLst>
           </p:cNvPr>
@@ -6957,10 +7047,75 @@
           </a:p>
         </p:txBody>
       </p:sp>
+      <p:pic>
+        <p:nvPicPr>
+          <p:cNvPr id="6" name="Picture 5">
+            <a:extLst>
+              <a:ext uri="{FF2B5EF4-FFF2-40B4-BE49-F238E27FC236}">
+                <a16:creationId xmlns:a16="http://schemas.microsoft.com/office/drawing/2014/main" id="{E1723C68-EF7E-FED3-CB2D-1E8F61436EE8}"/>
+              </a:ext>
+            </a:extLst>
+          </p:cNvPr>
+          <p:cNvPicPr>
+            <a:picLocks noChangeAspect="1"/>
+          </p:cNvPicPr>
+          <p:nvPr/>
+        </p:nvPicPr>
+        <p:blipFill>
+          <a:blip r:embed="rId2"/>
+          <a:stretch>
+            <a:fillRect/>
+          </a:stretch>
+        </p:blipFill>
+        <p:spPr>
+          <a:xfrm>
+            <a:off x="1599098" y="0"/>
+            <a:ext cx="8993803" cy="6858000"/>
+          </a:xfrm>
+          <a:prstGeom prst="rect">
+            <a:avLst/>
+          </a:prstGeom>
+        </p:spPr>
+      </p:pic>
+      <p:sp>
+        <p:nvSpPr>
+          <p:cNvPr id="8" name="TextBox 7">
+            <a:extLst>
+              <a:ext uri="{FF2B5EF4-FFF2-40B4-BE49-F238E27FC236}">
+                <a16:creationId xmlns:a16="http://schemas.microsoft.com/office/drawing/2014/main" id="{17E498BE-3E0E-6B53-D9E0-7AD206BEF431}"/>
+              </a:ext>
+            </a:extLst>
+          </p:cNvPr>
+          <p:cNvSpPr txBox="1"/>
+          <p:nvPr/>
+        </p:nvSpPr>
+        <p:spPr>
+          <a:xfrm>
+            <a:off x="146421" y="6439292"/>
+            <a:ext cx="6094926" cy="369332"/>
+          </a:xfrm>
+          <a:prstGeom prst="rect">
+            <a:avLst/>
+          </a:prstGeom>
+          <a:noFill/>
+        </p:spPr>
+        <p:txBody>
+          <a:bodyPr wrap="square">
+            <a:spAutoFit/>
+          </a:bodyPr>
+          <a:lstStyle/>
+          <a:p>
+            <a:r>
+              <a:rPr lang="en-AU" dirty="0"/>
+              <a:t>https://ghcertified.com/practice_tests/foundations/</a:t>
+            </a:r>
+          </a:p>
+        </p:txBody>
+      </p:sp>
     </p:spTree>
     <p:extLst>
       <p:ext uri="{BB962C8B-B14F-4D97-AF65-F5344CB8AC3E}">
-        <p14:creationId xmlns:p14="http://schemas.microsoft.com/office/powerpoint/2010/main" val="1890162970"/>
+        <p14:creationId xmlns:p14="http://schemas.microsoft.com/office/powerpoint/2010/main" val="3320392442"/>
       </p:ext>
     </p:extLst>
   </p:cSld>
@@ -6992,6 +7147,1213 @@
           <p:cNvPr id="2" name="Title 1">
             <a:extLst>
               <a:ext uri="{FF2B5EF4-FFF2-40B4-BE49-F238E27FC236}">
+                <a16:creationId xmlns:a16="http://schemas.microsoft.com/office/drawing/2014/main" id="{F04FEA51-F17A-ABB8-5455-72A5019E4650}"/>
+              </a:ext>
+            </a:extLst>
+          </p:cNvPr>
+          <p:cNvSpPr>
+            <a:spLocks noGrp="1"/>
+          </p:cNvSpPr>
+          <p:nvPr>
+            <p:ph type="title"/>
+          </p:nvPr>
+        </p:nvSpPr>
+        <p:spPr/>
+        <p:txBody>
+          <a:bodyPr/>
+          <a:lstStyle/>
+          <a:p>
+            <a:r>
+              <a:rPr lang="en-AU" dirty="0"/>
+              <a:t>Microsoft / GitHub exam prep resources</a:t>
+            </a:r>
+          </a:p>
+        </p:txBody>
+      </p:sp>
+      <p:sp>
+        <p:nvSpPr>
+          <p:cNvPr id="3" name="Content Placeholder 2">
+            <a:extLst>
+              <a:ext uri="{FF2B5EF4-FFF2-40B4-BE49-F238E27FC236}">
+                <a16:creationId xmlns:a16="http://schemas.microsoft.com/office/drawing/2014/main" id="{3E8D3311-650C-4737-78A6-86801538553C}"/>
+              </a:ext>
+            </a:extLst>
+          </p:cNvPr>
+          <p:cNvSpPr>
+            <a:spLocks noGrp="1"/>
+          </p:cNvSpPr>
+          <p:nvPr>
+            <p:ph idx="1"/>
+          </p:nvPr>
+        </p:nvSpPr>
+        <p:spPr>
+          <a:xfrm>
+            <a:off x="838199" y="1825625"/>
+            <a:ext cx="10971727" cy="4955102"/>
+          </a:xfrm>
+        </p:spPr>
+        <p:txBody>
+          <a:bodyPr>
+            <a:normAutofit fontScale="70000" lnSpcReduction="20000"/>
+          </a:bodyPr>
+          <a:lstStyle/>
+          <a:p>
+            <a:r>
+              <a:rPr lang="en-AU" u="sng" dirty="0"/>
+              <a:t>Microsoft Learn for GitHub</a:t>
+            </a:r>
+            <a:br>
+              <a:rPr lang="en-AU" u="sng" dirty="0"/>
+            </a:br>
+            <a:r>
+              <a:rPr lang="en-AU" dirty="0">
+                <a:hlinkClick r:id="rId2"/>
+              </a:rPr>
+              <a:t>https://learn.microsoft.com/en-us/training/github/</a:t>
+            </a:r>
+            <a:br>
+              <a:rPr lang="en-AU" dirty="0"/>
+            </a:br>
+            <a:r>
+              <a:rPr lang="en-AU" i="1" dirty="0"/>
+              <a:t>Scroll to bottom, click ‘Register today’ to register (or not, even MS struggle with broken links) </a:t>
+            </a:r>
+            <a:endParaRPr lang="en-GB" b="0" i="1" dirty="0">
+              <a:effectLst/>
+              <a:latin typeface="Segoe UI" panose="020B0502040204020203" pitchFamily="34" charset="0"/>
+            </a:endParaRPr>
+          </a:p>
+          <a:p>
+            <a:r>
+              <a:rPr lang="en-GB" b="0" i="0" dirty="0">
+                <a:solidFill>
+                  <a:srgbClr val="333333"/>
+                </a:solidFill>
+                <a:effectLst/>
+                <a:latin typeface="Segoe UI" panose="020B0502040204020203" pitchFamily="34" charset="0"/>
+              </a:rPr>
+              <a:t>Microsoft’s Exam Readiness Zone</a:t>
+            </a:r>
+            <a:br>
+              <a:rPr lang="en-GB" b="0" i="0" dirty="0">
+                <a:solidFill>
+                  <a:srgbClr val="333333"/>
+                </a:solidFill>
+                <a:effectLst/>
+                <a:latin typeface="Segoe UI" panose="020B0502040204020203" pitchFamily="34" charset="0"/>
+              </a:rPr>
+            </a:br>
+            <a:r>
+              <a:rPr lang="en-GB" dirty="0">
+                <a:solidFill>
+                  <a:srgbClr val="333333"/>
+                </a:solidFill>
+                <a:latin typeface="Segoe UI" panose="020B0502040204020203" pitchFamily="34" charset="0"/>
+                <a:hlinkClick r:id="rId3"/>
+              </a:rPr>
+              <a:t>https://learn.microsoft.com/en-us/shows/exam-readiness-zone</a:t>
+            </a:r>
+            <a:r>
+              <a:rPr lang="en-GB" dirty="0">
+                <a:solidFill>
+                  <a:srgbClr val="333333"/>
+                </a:solidFill>
+                <a:latin typeface="Segoe UI" panose="020B0502040204020203" pitchFamily="34" charset="0"/>
+              </a:rPr>
+              <a:t> </a:t>
+            </a:r>
+            <a:r>
+              <a:rPr lang="en-GB" b="0" i="1" dirty="0">
+                <a:solidFill>
+                  <a:srgbClr val="333333"/>
+                </a:solidFill>
+                <a:effectLst/>
+                <a:latin typeface="Segoe UI" panose="020B0502040204020203" pitchFamily="34" charset="0"/>
+              </a:rPr>
+              <a:t>(MCT x GitHub</a:t>
+            </a:r>
+            <a:r>
+              <a:rPr lang="en-GB" i="1" dirty="0">
+                <a:solidFill>
+                  <a:srgbClr val="333333"/>
+                </a:solidFill>
+                <a:latin typeface="Segoe UI" panose="020B0502040204020203" pitchFamily="34" charset="0"/>
+              </a:rPr>
+              <a:t>?</a:t>
+            </a:r>
+            <a:r>
+              <a:rPr lang="en-GB" b="0" i="1" dirty="0">
+                <a:solidFill>
+                  <a:srgbClr val="333333"/>
+                </a:solidFill>
+                <a:effectLst/>
+                <a:latin typeface="Segoe UI" panose="020B0502040204020203" pitchFamily="34" charset="0"/>
+              </a:rPr>
+              <a:t>)</a:t>
+            </a:r>
+          </a:p>
+          <a:p>
+            <a:r>
+              <a:rPr lang="en-GB" b="0" i="0" dirty="0">
+                <a:solidFill>
+                  <a:srgbClr val="333333"/>
+                </a:solidFill>
+                <a:effectLst/>
+                <a:latin typeface="Segoe UI" panose="020B0502040204020203" pitchFamily="34" charset="0"/>
+              </a:rPr>
+              <a:t>GitHub Education</a:t>
+            </a:r>
+            <a:br>
+              <a:rPr lang="en-GB" b="0" i="0" dirty="0">
+                <a:solidFill>
+                  <a:srgbClr val="333333"/>
+                </a:solidFill>
+                <a:effectLst/>
+                <a:latin typeface="Segoe UI" panose="020B0502040204020203" pitchFamily="34" charset="0"/>
+              </a:rPr>
+            </a:br>
+            <a:r>
+              <a:rPr lang="en-GB" b="0" i="0" dirty="0">
+                <a:solidFill>
+                  <a:srgbClr val="333333"/>
+                </a:solidFill>
+                <a:effectLst/>
+                <a:latin typeface="Segoe UI" panose="020B0502040204020203" pitchFamily="34" charset="0"/>
+                <a:hlinkClick r:id="rId4"/>
+              </a:rPr>
+              <a:t>https://education.github.com/experiences/foundations_certificate</a:t>
+            </a:r>
+            <a:endParaRPr lang="en-GB" b="0" i="0" dirty="0">
+              <a:solidFill>
+                <a:srgbClr val="333333"/>
+              </a:solidFill>
+              <a:effectLst/>
+              <a:latin typeface="Segoe UI" panose="020B0502040204020203" pitchFamily="34" charset="0"/>
+            </a:endParaRPr>
+          </a:p>
+          <a:p>
+            <a:r>
+              <a:rPr lang="en-GB" dirty="0">
+                <a:hlinkClick r:id="rId5"/>
+              </a:rPr>
+              <a:t>https://github.com/LadyKerr/github-certification-guide/blob/main/study-guides/gh-foundations.md</a:t>
+            </a:r>
+            <a:endParaRPr lang="en-GB" i="1" dirty="0"/>
+          </a:p>
+          <a:p>
+            <a:pPr lvl="1"/>
+            <a:r>
+              <a:rPr lang="en-GB" b="0" i="1" dirty="0" err="1">
+                <a:solidFill>
+                  <a:srgbClr val="333333"/>
+                </a:solidFill>
+                <a:effectLst/>
+                <a:latin typeface="Segoe UI" panose="020B0502040204020203" pitchFamily="34" charset="0"/>
+              </a:rPr>
+              <a:t>Datacamp</a:t>
+            </a:r>
+            <a:r>
+              <a:rPr lang="en-GB" b="0" i="1" dirty="0">
+                <a:solidFill>
+                  <a:srgbClr val="333333"/>
+                </a:solidFill>
+                <a:effectLst/>
+                <a:latin typeface="Segoe UI" panose="020B0502040204020203" pitchFamily="34" charset="0"/>
+              </a:rPr>
+              <a:t> (free sign-up)</a:t>
+            </a:r>
+          </a:p>
+          <a:p>
+            <a:pPr lvl="1"/>
+            <a:r>
+              <a:rPr lang="en-GB" b="0" i="1" dirty="0">
+                <a:solidFill>
+                  <a:srgbClr val="333333"/>
+                </a:solidFill>
+                <a:effectLst/>
+                <a:latin typeface="Segoe UI" panose="020B0502040204020203" pitchFamily="34" charset="0"/>
+              </a:rPr>
+              <a:t>LinkedIn Learning (good if your employer pays)</a:t>
+            </a:r>
+          </a:p>
+          <a:p>
+            <a:pPr lvl="1"/>
+            <a:r>
+              <a:rPr lang="en-GB" i="1" dirty="0">
+                <a:solidFill>
+                  <a:srgbClr val="333333"/>
+                </a:solidFill>
+                <a:latin typeface="Segoe UI" panose="020B0502040204020203" pitchFamily="34" charset="0"/>
+              </a:rPr>
+              <a:t>GitHub Education (if you have a .</a:t>
+            </a:r>
+            <a:r>
+              <a:rPr lang="en-GB" i="1" dirty="0" err="1">
+                <a:solidFill>
+                  <a:srgbClr val="333333"/>
+                </a:solidFill>
+                <a:latin typeface="Segoe UI" panose="020B0502040204020203" pitchFamily="34" charset="0"/>
+              </a:rPr>
+              <a:t>edu</a:t>
+            </a:r>
+            <a:r>
+              <a:rPr lang="en-GB" i="1" dirty="0">
+                <a:solidFill>
+                  <a:srgbClr val="333333"/>
+                </a:solidFill>
+                <a:latin typeface="Segoe UI" panose="020B0502040204020203" pitchFamily="34" charset="0"/>
+              </a:rPr>
+              <a:t> email address</a:t>
+            </a:r>
+            <a:r>
+              <a:rPr lang="en-GB" i="1">
+                <a:solidFill>
+                  <a:srgbClr val="333333"/>
+                </a:solidFill>
+                <a:latin typeface="Segoe UI" panose="020B0502040204020203" pitchFamily="34" charset="0"/>
+              </a:rPr>
+              <a:t>, unlocks bonus </a:t>
+            </a:r>
+            <a:r>
+              <a:rPr lang="en-GB" i="1" dirty="0">
+                <a:solidFill>
+                  <a:srgbClr val="333333"/>
+                </a:solidFill>
+                <a:latin typeface="Segoe UI" panose="020B0502040204020203" pitchFamily="34" charset="0"/>
+              </a:rPr>
+              <a:t>content on the GitHub Education site)</a:t>
+            </a:r>
+          </a:p>
+          <a:p>
+            <a:r>
+              <a:rPr lang="en-GB" i="1" dirty="0">
+                <a:solidFill>
+                  <a:srgbClr val="333333"/>
+                </a:solidFill>
+                <a:latin typeface="Segoe UI" panose="020B0502040204020203" pitchFamily="34" charset="0"/>
+              </a:rPr>
+              <a:t>3</a:t>
+            </a:r>
+            <a:r>
+              <a:rPr lang="en-GB" i="1" baseline="30000" dirty="0">
+                <a:solidFill>
+                  <a:srgbClr val="333333"/>
+                </a:solidFill>
+                <a:latin typeface="Segoe UI" panose="020B0502040204020203" pitchFamily="34" charset="0"/>
+              </a:rPr>
+              <a:t>rd</a:t>
+            </a:r>
+            <a:r>
+              <a:rPr lang="en-GB" i="1" dirty="0">
+                <a:solidFill>
+                  <a:srgbClr val="333333"/>
+                </a:solidFill>
+                <a:latin typeface="Segoe UI" panose="020B0502040204020203" pitchFamily="34" charset="0"/>
+              </a:rPr>
+              <a:t> party resources e.g.: </a:t>
+            </a:r>
+            <a:r>
+              <a:rPr lang="en-GB" b="0" i="1" dirty="0">
+                <a:solidFill>
+                  <a:srgbClr val="333333"/>
+                </a:solidFill>
+                <a:effectLst/>
+                <a:latin typeface="Segoe UI" panose="020B0502040204020203" pitchFamily="34" charset="0"/>
+              </a:rPr>
+              <a:t>https://github.com/btkrausen/github_certification</a:t>
+            </a:r>
+          </a:p>
+          <a:p>
+            <a:r>
+              <a:rPr lang="en-GB" b="0" i="0" dirty="0">
+                <a:solidFill>
+                  <a:srgbClr val="333333"/>
+                </a:solidFill>
+                <a:effectLst/>
+                <a:latin typeface="Segoe UI" panose="020B0502040204020203" pitchFamily="34" charset="0"/>
+              </a:rPr>
+              <a:t>Candidate Handbook (logistics)</a:t>
+            </a:r>
+            <a:br>
+              <a:rPr lang="en-GB" b="0" i="0" dirty="0">
+                <a:solidFill>
+                  <a:srgbClr val="333333"/>
+                </a:solidFill>
+                <a:effectLst/>
+                <a:latin typeface="Segoe UI" panose="020B0502040204020203" pitchFamily="34" charset="0"/>
+              </a:rPr>
+            </a:br>
+            <a:r>
+              <a:rPr lang="en-GB" b="0" i="0" dirty="0">
+                <a:solidFill>
+                  <a:srgbClr val="333333"/>
+                </a:solidFill>
+                <a:effectLst/>
+                <a:latin typeface="Segoe UI" panose="020B0502040204020203" pitchFamily="34" charset="0"/>
+                <a:hlinkClick r:id="rId6"/>
+              </a:rPr>
+              <a:t>https://examregistration.github.com/handbook</a:t>
+            </a:r>
+            <a:endParaRPr lang="en-GB" b="0" i="0" dirty="0">
+              <a:solidFill>
+                <a:srgbClr val="333333"/>
+              </a:solidFill>
+              <a:effectLst/>
+              <a:latin typeface="Segoe UI" panose="020B0502040204020203" pitchFamily="34" charset="0"/>
+            </a:endParaRPr>
+          </a:p>
+          <a:p>
+            <a:r>
+              <a:rPr lang="en-GB" dirty="0">
+                <a:solidFill>
+                  <a:srgbClr val="333333"/>
+                </a:solidFill>
+                <a:latin typeface="Segoe UI" panose="020B0502040204020203" pitchFamily="34" charset="0"/>
+              </a:rPr>
+              <a:t>GitHub Docs</a:t>
+            </a:r>
+            <a:br>
+              <a:rPr lang="en-GB" dirty="0">
+                <a:solidFill>
+                  <a:srgbClr val="333333"/>
+                </a:solidFill>
+                <a:latin typeface="Segoe UI" panose="020B0502040204020203" pitchFamily="34" charset="0"/>
+              </a:rPr>
+            </a:br>
+            <a:r>
+              <a:rPr lang="en-GB" b="0" i="0" dirty="0">
+                <a:solidFill>
+                  <a:srgbClr val="333333"/>
+                </a:solidFill>
+                <a:effectLst/>
+                <a:latin typeface="Segoe UI" panose="020B0502040204020203" pitchFamily="34" charset="0"/>
+                <a:hlinkClick r:id="rId7"/>
+              </a:rPr>
+              <a:t>https://docs.github.com/en</a:t>
+            </a:r>
+            <a:endParaRPr lang="en-GB" b="0" i="0" dirty="0">
+              <a:solidFill>
+                <a:srgbClr val="333333"/>
+              </a:solidFill>
+              <a:effectLst/>
+              <a:latin typeface="Segoe UI" panose="020B0502040204020203" pitchFamily="34" charset="0"/>
+            </a:endParaRPr>
+          </a:p>
+        </p:txBody>
+      </p:sp>
+      <p:sp>
+        <p:nvSpPr>
+          <p:cNvPr id="4" name="Slide Number Placeholder 3">
+            <a:extLst>
+              <a:ext uri="{FF2B5EF4-FFF2-40B4-BE49-F238E27FC236}">
+                <a16:creationId xmlns:a16="http://schemas.microsoft.com/office/drawing/2014/main" id="{5D13E95C-6DCC-79CD-C7CE-6288EF4D2FFE}"/>
+              </a:ext>
+            </a:extLst>
+          </p:cNvPr>
+          <p:cNvSpPr>
+            <a:spLocks noGrp="1"/>
+          </p:cNvSpPr>
+          <p:nvPr>
+            <p:ph type="sldNum" sz="quarter" idx="12"/>
+          </p:nvPr>
+        </p:nvSpPr>
+        <p:spPr/>
+        <p:txBody>
+          <a:bodyPr/>
+          <a:lstStyle/>
+          <a:p>
+            <a:fld id="{239CC275-0F17-4CFE-B2FE-5727017C3401}" type="slidenum">
+              <a:rPr lang="en-AU" smtClean="0"/>
+              <a:t>21</a:t>
+            </a:fld>
+            <a:endParaRPr lang="en-AU"/>
+          </a:p>
+        </p:txBody>
+      </p:sp>
+    </p:spTree>
+    <p:extLst>
+      <p:ext uri="{BB962C8B-B14F-4D97-AF65-F5344CB8AC3E}">
+        <p14:creationId xmlns:p14="http://schemas.microsoft.com/office/powerpoint/2010/main" val="2440630559"/>
+      </p:ext>
+    </p:extLst>
+  </p:cSld>
+  <p:clrMapOvr>
+    <a:masterClrMapping/>
+  </p:clrMapOvr>
+</p:sld>
+</file>
+
+<file path=ppt/slides/slide22.xml><?xml version="1.0" encoding="utf-8"?>
+<p:sld xmlns:a="http://schemas.openxmlformats.org/drawingml/2006/main" xmlns:r="http://schemas.openxmlformats.org/officeDocument/2006/relationships" xmlns:p="http://schemas.openxmlformats.org/presentationml/2006/main">
+  <p:cSld>
+    <p:spTree>
+      <p:nvGrpSpPr>
+        <p:cNvPr id="1" name=""/>
+        <p:cNvGrpSpPr/>
+        <p:nvPr/>
+      </p:nvGrpSpPr>
+      <p:grpSpPr>
+        <a:xfrm>
+          <a:off x="0" y="0"/>
+          <a:ext cx="0" cy="0"/>
+          <a:chOff x="0" y="0"/>
+          <a:chExt cx="0" cy="0"/>
+        </a:xfrm>
+      </p:grpSpPr>
+      <p:sp>
+        <p:nvSpPr>
+          <p:cNvPr id="4" name="Slide Number Placeholder 3">
+            <a:extLst>
+              <a:ext uri="{FF2B5EF4-FFF2-40B4-BE49-F238E27FC236}">
+                <a16:creationId xmlns:a16="http://schemas.microsoft.com/office/drawing/2014/main" id="{99C52F18-EA09-C7D4-9253-A507A4B41C22}"/>
+              </a:ext>
+            </a:extLst>
+          </p:cNvPr>
+          <p:cNvSpPr>
+            <a:spLocks noGrp="1"/>
+          </p:cNvSpPr>
+          <p:nvPr>
+            <p:ph type="sldNum" sz="quarter" idx="12"/>
+          </p:nvPr>
+        </p:nvSpPr>
+        <p:spPr/>
+        <p:txBody>
+          <a:bodyPr/>
+          <a:lstStyle/>
+          <a:p>
+            <a:fld id="{239CC275-0F17-4CFE-B2FE-5727017C3401}" type="slidenum">
+              <a:rPr lang="en-AU" smtClean="0"/>
+              <a:t>22</a:t>
+            </a:fld>
+            <a:endParaRPr lang="en-AU"/>
+          </a:p>
+        </p:txBody>
+      </p:sp>
+      <p:pic>
+        <p:nvPicPr>
+          <p:cNvPr id="10" name="Picture 9">
+            <a:extLst>
+              <a:ext uri="{FF2B5EF4-FFF2-40B4-BE49-F238E27FC236}">
+                <a16:creationId xmlns:a16="http://schemas.microsoft.com/office/drawing/2014/main" id="{1D513081-6630-49F7-B986-1971297FB838}"/>
+              </a:ext>
+            </a:extLst>
+          </p:cNvPr>
+          <p:cNvPicPr>
+            <a:picLocks noChangeAspect="1"/>
+          </p:cNvPicPr>
+          <p:nvPr/>
+        </p:nvPicPr>
+        <p:blipFill>
+          <a:blip r:embed="rId2"/>
+          <a:stretch>
+            <a:fillRect/>
+          </a:stretch>
+        </p:blipFill>
+        <p:spPr>
+          <a:xfrm>
+            <a:off x="0" y="0"/>
+            <a:ext cx="7705781" cy="5495965"/>
+          </a:xfrm>
+          <a:prstGeom prst="rect">
+            <a:avLst/>
+          </a:prstGeom>
+        </p:spPr>
+      </p:pic>
+      <p:pic>
+        <p:nvPicPr>
+          <p:cNvPr id="12" name="Picture 11">
+            <a:extLst>
+              <a:ext uri="{FF2B5EF4-FFF2-40B4-BE49-F238E27FC236}">
+                <a16:creationId xmlns:a16="http://schemas.microsoft.com/office/drawing/2014/main" id="{F773BAD5-0FF3-C6AA-EF78-693501141199}"/>
+              </a:ext>
+            </a:extLst>
+          </p:cNvPr>
+          <p:cNvPicPr>
+            <a:picLocks noChangeAspect="1"/>
+          </p:cNvPicPr>
+          <p:nvPr/>
+        </p:nvPicPr>
+        <p:blipFill>
+          <a:blip r:embed="rId3"/>
+          <a:stretch>
+            <a:fillRect/>
+          </a:stretch>
+        </p:blipFill>
+        <p:spPr>
+          <a:xfrm>
+            <a:off x="108110" y="2622557"/>
+            <a:ext cx="12009051" cy="3932883"/>
+          </a:xfrm>
+          <a:prstGeom prst="rect">
+            <a:avLst/>
+          </a:prstGeom>
+        </p:spPr>
+      </p:pic>
+      <p:sp>
+        <p:nvSpPr>
+          <p:cNvPr id="14" name="TextBox 13">
+            <a:extLst>
+              <a:ext uri="{FF2B5EF4-FFF2-40B4-BE49-F238E27FC236}">
+                <a16:creationId xmlns:a16="http://schemas.microsoft.com/office/drawing/2014/main" id="{740E16C8-EF49-A69B-4AC1-10ED4865364F}"/>
+              </a:ext>
+            </a:extLst>
+          </p:cNvPr>
+          <p:cNvSpPr txBox="1"/>
+          <p:nvPr/>
+        </p:nvSpPr>
+        <p:spPr>
+          <a:xfrm>
+            <a:off x="0" y="6482023"/>
+            <a:ext cx="11634475" cy="369332"/>
+          </a:xfrm>
+          <a:prstGeom prst="rect">
+            <a:avLst/>
+          </a:prstGeom>
+          <a:noFill/>
+        </p:spPr>
+        <p:txBody>
+          <a:bodyPr wrap="square">
+            <a:spAutoFit/>
+          </a:bodyPr>
+          <a:lstStyle/>
+          <a:p>
+            <a:r>
+              <a:rPr lang="en-AU" dirty="0"/>
+              <a:t>https://github.com/LadyKerr/github-certification-guide/blob/main/study-guides/gh-foundations.md</a:t>
+            </a:r>
+          </a:p>
+        </p:txBody>
+      </p:sp>
+    </p:spTree>
+    <p:extLst>
+      <p:ext uri="{BB962C8B-B14F-4D97-AF65-F5344CB8AC3E}">
+        <p14:creationId xmlns:p14="http://schemas.microsoft.com/office/powerpoint/2010/main" val="1123149148"/>
+      </p:ext>
+    </p:extLst>
+  </p:cSld>
+  <p:clrMapOvr>
+    <a:masterClrMapping/>
+  </p:clrMapOvr>
+</p:sld>
+</file>
+
+<file path=ppt/slides/slide23.xml><?xml version="1.0" encoding="utf-8"?>
+<p:sld xmlns:a="http://schemas.openxmlformats.org/drawingml/2006/main" xmlns:r="http://schemas.openxmlformats.org/officeDocument/2006/relationships" xmlns:p="http://schemas.openxmlformats.org/presentationml/2006/main">
+  <p:cSld>
+    <p:spTree>
+      <p:nvGrpSpPr>
+        <p:cNvPr id="1" name=""/>
+        <p:cNvGrpSpPr/>
+        <p:nvPr/>
+      </p:nvGrpSpPr>
+      <p:grpSpPr>
+        <a:xfrm>
+          <a:off x="0" y="0"/>
+          <a:ext cx="0" cy="0"/>
+          <a:chOff x="0" y="0"/>
+          <a:chExt cx="0" cy="0"/>
+        </a:xfrm>
+      </p:grpSpPr>
+      <p:sp>
+        <p:nvSpPr>
+          <p:cNvPr id="2" name="Title 1">
+            <a:extLst>
+              <a:ext uri="{FF2B5EF4-FFF2-40B4-BE49-F238E27FC236}">
+                <a16:creationId xmlns:a16="http://schemas.microsoft.com/office/drawing/2014/main" id="{346F3512-FEDB-6461-8B37-9A28F7A0121C}"/>
+              </a:ext>
+            </a:extLst>
+          </p:cNvPr>
+          <p:cNvSpPr>
+            <a:spLocks noGrp="1"/>
+          </p:cNvSpPr>
+          <p:nvPr>
+            <p:ph type="title"/>
+          </p:nvPr>
+        </p:nvSpPr>
+        <p:spPr/>
+        <p:txBody>
+          <a:bodyPr/>
+          <a:lstStyle/>
+          <a:p>
+            <a:r>
+              <a:rPr lang="en-AU" dirty="0"/>
+              <a:t>Exam tip [0]</a:t>
+            </a:r>
+          </a:p>
+        </p:txBody>
+      </p:sp>
+      <p:sp>
+        <p:nvSpPr>
+          <p:cNvPr id="4" name="Slide Number Placeholder 3">
+            <a:extLst>
+              <a:ext uri="{FF2B5EF4-FFF2-40B4-BE49-F238E27FC236}">
+                <a16:creationId xmlns:a16="http://schemas.microsoft.com/office/drawing/2014/main" id="{0EBCACDE-C165-44BD-5C05-9CF2E690A14E}"/>
+              </a:ext>
+            </a:extLst>
+          </p:cNvPr>
+          <p:cNvSpPr>
+            <a:spLocks noGrp="1"/>
+          </p:cNvSpPr>
+          <p:nvPr>
+            <p:ph type="sldNum" sz="quarter" idx="12"/>
+          </p:nvPr>
+        </p:nvSpPr>
+        <p:spPr/>
+        <p:txBody>
+          <a:bodyPr/>
+          <a:lstStyle/>
+          <a:p>
+            <a:fld id="{239CC275-0F17-4CFE-B2FE-5727017C3401}" type="slidenum">
+              <a:rPr lang="en-AU" smtClean="0"/>
+              <a:t>23</a:t>
+            </a:fld>
+            <a:endParaRPr lang="en-AU"/>
+          </a:p>
+        </p:txBody>
+      </p:sp>
+      <p:pic>
+        <p:nvPicPr>
+          <p:cNvPr id="2050" name="Picture 2" descr="Don't Panic. Copyright: BBC">
+            <a:extLst>
+              <a:ext uri="{FF2B5EF4-FFF2-40B4-BE49-F238E27FC236}">
+                <a16:creationId xmlns:a16="http://schemas.microsoft.com/office/drawing/2014/main" id="{DEC1C31C-F87E-92B4-7E13-602968A6F87D}"/>
+              </a:ext>
+            </a:extLst>
+          </p:cNvPr>
+          <p:cNvPicPr>
+            <a:picLocks noChangeAspect="1" noChangeArrowheads="1"/>
+          </p:cNvPicPr>
+          <p:nvPr/>
+        </p:nvPicPr>
+        <p:blipFill>
+          <a:blip r:embed="rId2">
+            <a:extLst>
+              <a:ext uri="{28A0092B-C50C-407E-A947-70E740481C1C}">
+                <a14:useLocalDpi xmlns:a14="http://schemas.microsoft.com/office/drawing/2010/main" val="0"/>
+              </a:ext>
+            </a:extLst>
+          </a:blip>
+          <a:srcRect/>
+          <a:stretch>
+            <a:fillRect/>
+          </a:stretch>
+        </p:blipFill>
+        <p:spPr bwMode="auto">
+          <a:xfrm>
+            <a:off x="1711778" y="1552575"/>
+            <a:ext cx="8572500" cy="4286250"/>
+          </a:xfrm>
+          <a:prstGeom prst="rect">
+            <a:avLst/>
+          </a:prstGeom>
+          <a:noFill/>
+          <a:extLst>
+            <a:ext uri="{909E8E84-426E-40DD-AFC4-6F175D3DCCD1}">
+              <a14:hiddenFill xmlns:a14="http://schemas.microsoft.com/office/drawing/2010/main">
+                <a:solidFill>
+                  <a:srgbClr val="FFFFFF"/>
+                </a:solidFill>
+              </a14:hiddenFill>
+            </a:ext>
+          </a:extLst>
+        </p:spPr>
+      </p:pic>
+    </p:spTree>
+    <p:extLst>
+      <p:ext uri="{BB962C8B-B14F-4D97-AF65-F5344CB8AC3E}">
+        <p14:creationId xmlns:p14="http://schemas.microsoft.com/office/powerpoint/2010/main" val="1496635079"/>
+      </p:ext>
+    </p:extLst>
+  </p:cSld>
+  <p:clrMapOvr>
+    <a:masterClrMapping/>
+  </p:clrMapOvr>
+</p:sld>
+</file>
+
+<file path=ppt/slides/slide24.xml><?xml version="1.0" encoding="utf-8"?>
+<p:sld xmlns:a="http://schemas.openxmlformats.org/drawingml/2006/main" xmlns:r="http://schemas.openxmlformats.org/officeDocument/2006/relationships" xmlns:p="http://schemas.openxmlformats.org/presentationml/2006/main">
+  <p:cSld>
+    <p:spTree>
+      <p:nvGrpSpPr>
+        <p:cNvPr id="1" name=""/>
+        <p:cNvGrpSpPr/>
+        <p:nvPr/>
+      </p:nvGrpSpPr>
+      <p:grpSpPr>
+        <a:xfrm>
+          <a:off x="0" y="0"/>
+          <a:ext cx="0" cy="0"/>
+          <a:chOff x="0" y="0"/>
+          <a:chExt cx="0" cy="0"/>
+        </a:xfrm>
+      </p:grpSpPr>
+      <p:sp>
+        <p:nvSpPr>
+          <p:cNvPr id="2" name="Title 1">
+            <a:extLst>
+              <a:ext uri="{FF2B5EF4-FFF2-40B4-BE49-F238E27FC236}">
+                <a16:creationId xmlns:a16="http://schemas.microsoft.com/office/drawing/2014/main" id="{346F3512-FEDB-6461-8B37-9A28F7A0121C}"/>
+              </a:ext>
+            </a:extLst>
+          </p:cNvPr>
+          <p:cNvSpPr>
+            <a:spLocks noGrp="1"/>
+          </p:cNvSpPr>
+          <p:nvPr>
+            <p:ph type="title"/>
+          </p:nvPr>
+        </p:nvSpPr>
+        <p:spPr/>
+        <p:txBody>
+          <a:bodyPr/>
+          <a:lstStyle/>
+          <a:p>
+            <a:r>
+              <a:rPr lang="en-AU" dirty="0"/>
+              <a:t>Exam tip [1-2]</a:t>
+            </a:r>
+          </a:p>
+        </p:txBody>
+      </p:sp>
+      <p:sp>
+        <p:nvSpPr>
+          <p:cNvPr id="3" name="Content Placeholder 2">
+            <a:extLst>
+              <a:ext uri="{FF2B5EF4-FFF2-40B4-BE49-F238E27FC236}">
+                <a16:creationId xmlns:a16="http://schemas.microsoft.com/office/drawing/2014/main" id="{C77DF50E-28D7-4493-2722-5E3E00C616D0}"/>
+              </a:ext>
+            </a:extLst>
+          </p:cNvPr>
+          <p:cNvSpPr>
+            <a:spLocks noGrp="1"/>
+          </p:cNvSpPr>
+          <p:nvPr>
+            <p:ph idx="1"/>
+          </p:nvPr>
+        </p:nvSpPr>
+        <p:spPr>
+          <a:xfrm>
+            <a:off x="592428" y="1416676"/>
+            <a:ext cx="10761372" cy="5000453"/>
+          </a:xfrm>
+        </p:spPr>
+        <p:txBody>
+          <a:bodyPr>
+            <a:normAutofit fontScale="85000" lnSpcReduction="20000"/>
+          </a:bodyPr>
+          <a:lstStyle/>
+          <a:p>
+            <a:pPr algn="l">
+              <a:buFont typeface="+mj-lt"/>
+              <a:buAutoNum type="arabicPeriod"/>
+            </a:pPr>
+            <a:r>
+              <a:rPr lang="en-GB" b="1" i="0" dirty="0">
+                <a:solidFill>
+                  <a:srgbClr val="333333"/>
+                </a:solidFill>
+                <a:effectLst/>
+                <a:latin typeface="Segoe UI" panose="020B0502040204020203" pitchFamily="34" charset="0"/>
+              </a:rPr>
+              <a:t> Prepare </a:t>
+            </a:r>
+          </a:p>
+          <a:p>
+            <a:pPr lvl="1">
+              <a:buFontTx/>
+              <a:buChar char="-"/>
+            </a:pPr>
+            <a:r>
+              <a:rPr lang="en-GB" dirty="0">
+                <a:solidFill>
+                  <a:srgbClr val="333333"/>
+                </a:solidFill>
+                <a:latin typeface="Segoe UI" panose="020B0502040204020203" pitchFamily="34" charset="0"/>
+              </a:rPr>
+              <a:t>Complete the Microsoft Learn modules, including the </a:t>
+            </a:r>
+            <a:r>
+              <a:rPr lang="en-GB" i="0" dirty="0">
+                <a:solidFill>
+                  <a:srgbClr val="333333"/>
+                </a:solidFill>
+                <a:effectLst/>
+                <a:latin typeface="Segoe UI" panose="020B0502040204020203" pitchFamily="34" charset="0"/>
+              </a:rPr>
+              <a:t>Hands-On Labs.</a:t>
+            </a:r>
+          </a:p>
+          <a:p>
+            <a:pPr lvl="1">
+              <a:buFontTx/>
+              <a:buChar char="-"/>
+            </a:pPr>
+            <a:r>
+              <a:rPr lang="en-GB" dirty="0">
+                <a:solidFill>
+                  <a:srgbClr val="333333"/>
+                </a:solidFill>
+                <a:latin typeface="Segoe UI" panose="020B0502040204020203" pitchFamily="34" charset="0"/>
+              </a:rPr>
+              <a:t>I recommend John Savill’s Technical Training (YouTube, free)</a:t>
+            </a:r>
+          </a:p>
+          <a:p>
+            <a:pPr lvl="1">
+              <a:buFontTx/>
+              <a:buChar char="-"/>
+            </a:pPr>
+            <a:r>
+              <a:rPr lang="en-GB" i="0" dirty="0">
+                <a:solidFill>
+                  <a:srgbClr val="333333"/>
+                </a:solidFill>
+                <a:effectLst/>
+                <a:latin typeface="Segoe UI" panose="020B0502040204020203" pitchFamily="34" charset="0"/>
+              </a:rPr>
+              <a:t>Practice makes progress. Practice tests are a MUST: </a:t>
+            </a:r>
+            <a:r>
+              <a:rPr lang="en-GB" i="0" dirty="0">
+                <a:solidFill>
+                  <a:srgbClr val="333333"/>
+                </a:solidFill>
+                <a:effectLst/>
+                <a:latin typeface="Segoe UI" panose="020B0502040204020203" pitchFamily="34" charset="0"/>
+                <a:hlinkClick r:id="rId2"/>
+              </a:rPr>
+              <a:t>https://ghcertified.com/practice_tests/foundations/</a:t>
+            </a:r>
+            <a:endParaRPr lang="en-GB" i="0" dirty="0">
+              <a:solidFill>
+                <a:srgbClr val="333333"/>
+              </a:solidFill>
+              <a:effectLst/>
+              <a:latin typeface="Segoe UI" panose="020B0502040204020203" pitchFamily="34" charset="0"/>
+            </a:endParaRPr>
+          </a:p>
+          <a:p>
+            <a:pPr marL="457200" lvl="1" indent="0">
+              <a:buNone/>
+            </a:pPr>
+            <a:endParaRPr lang="en-GB" b="1" i="0" dirty="0">
+              <a:solidFill>
+                <a:srgbClr val="333333"/>
+              </a:solidFill>
+              <a:effectLst/>
+              <a:latin typeface="Segoe UI" panose="020B0502040204020203" pitchFamily="34" charset="0"/>
+            </a:endParaRPr>
+          </a:p>
+          <a:p>
+            <a:pPr algn="l">
+              <a:buFont typeface="+mj-lt"/>
+              <a:buAutoNum type="arabicPeriod"/>
+            </a:pPr>
+            <a:r>
+              <a:rPr lang="en-GB" b="1" i="0" dirty="0">
+                <a:solidFill>
+                  <a:srgbClr val="333333"/>
+                </a:solidFill>
+                <a:effectLst/>
+                <a:latin typeface="Segoe UI" panose="020B0502040204020203" pitchFamily="34" charset="0"/>
+              </a:rPr>
+              <a:t> Keep calm and carry on</a:t>
+            </a:r>
+            <a:endParaRPr lang="en-GB" dirty="0">
+              <a:solidFill>
+                <a:srgbClr val="333333"/>
+              </a:solidFill>
+              <a:latin typeface="Segoe UI" panose="020B0502040204020203" pitchFamily="34" charset="0"/>
+            </a:endParaRPr>
+          </a:p>
+          <a:p>
+            <a:pPr marL="457200" lvl="1" indent="0">
+              <a:buNone/>
+            </a:pPr>
+            <a:r>
+              <a:rPr lang="en-GB" i="0" dirty="0">
+                <a:solidFill>
+                  <a:srgbClr val="333333"/>
+                </a:solidFill>
+                <a:effectLst/>
+                <a:latin typeface="Segoe UI" panose="020B0502040204020203" pitchFamily="34" charset="0"/>
+              </a:rPr>
+              <a:t>- 120 minutes to answer 75 questions</a:t>
+            </a:r>
+            <a:r>
+              <a:rPr lang="en-GB" dirty="0">
+                <a:solidFill>
+                  <a:srgbClr val="333333"/>
+                </a:solidFill>
+                <a:latin typeface="Segoe UI" panose="020B0502040204020203" pitchFamily="34" charset="0"/>
+              </a:rPr>
+              <a:t>.</a:t>
+            </a:r>
+          </a:p>
+          <a:p>
+            <a:pPr marL="457200" lvl="1" indent="0">
+              <a:buNone/>
+            </a:pPr>
+            <a:r>
+              <a:rPr lang="en-GB" b="0" i="0" dirty="0">
+                <a:solidFill>
+                  <a:srgbClr val="333333"/>
+                </a:solidFill>
+                <a:effectLst/>
+                <a:latin typeface="Segoe UI" panose="020B0502040204020203" pitchFamily="34" charset="0"/>
+              </a:rPr>
+              <a:t>- Carefully read through each question</a:t>
+            </a:r>
+            <a:r>
+              <a:rPr lang="en-GB" dirty="0">
+                <a:solidFill>
+                  <a:srgbClr val="333333"/>
+                </a:solidFill>
+                <a:latin typeface="Segoe UI" panose="020B0502040204020203" pitchFamily="34" charset="0"/>
+              </a:rPr>
+              <a:t>. </a:t>
+            </a:r>
+            <a:r>
+              <a:rPr lang="en-GB" b="0" i="0" dirty="0">
+                <a:solidFill>
+                  <a:srgbClr val="333333"/>
+                </a:solidFill>
+                <a:effectLst/>
+                <a:latin typeface="Segoe UI" panose="020B0502040204020203" pitchFamily="34" charset="0"/>
+              </a:rPr>
+              <a:t>Weigh up all of the options.</a:t>
+            </a:r>
+          </a:p>
+          <a:p>
+            <a:pPr marL="457200" lvl="1" indent="0">
+              <a:buNone/>
+            </a:pPr>
+            <a:r>
+              <a:rPr lang="en-GB" b="0" i="0" dirty="0">
+                <a:solidFill>
+                  <a:srgbClr val="333333"/>
+                </a:solidFill>
+                <a:effectLst/>
+                <a:latin typeface="Segoe UI" panose="020B0502040204020203" pitchFamily="34" charset="0"/>
+              </a:rPr>
+              <a:t>- Eliminate wrong answers. </a:t>
+            </a:r>
+          </a:p>
+          <a:p>
+            <a:pPr marL="457200" lvl="1" indent="0">
+              <a:buNone/>
+            </a:pPr>
+            <a:r>
+              <a:rPr lang="en-GB" dirty="0">
+                <a:solidFill>
+                  <a:srgbClr val="333333"/>
+                </a:solidFill>
+                <a:latin typeface="Segoe UI" panose="020B0502040204020203" pitchFamily="34" charset="0"/>
+              </a:rPr>
+              <a:t>- Choose the best available answer. </a:t>
+            </a:r>
+          </a:p>
+          <a:p>
+            <a:pPr marL="457200" lvl="1" indent="0">
+              <a:buNone/>
+            </a:pPr>
+            <a:r>
+              <a:rPr lang="en-GB" b="0" i="0" dirty="0">
+                <a:solidFill>
+                  <a:srgbClr val="333333"/>
+                </a:solidFill>
+                <a:effectLst/>
+                <a:latin typeface="Segoe UI" panose="020B0502040204020203" pitchFamily="34" charset="0"/>
+              </a:rPr>
+              <a:t>- If in doubt, </a:t>
+            </a:r>
+            <a:r>
+              <a:rPr lang="en-GB" dirty="0">
+                <a:solidFill>
+                  <a:srgbClr val="333333"/>
+                </a:solidFill>
+                <a:latin typeface="Segoe UI" panose="020B0502040204020203" pitchFamily="34" charset="0"/>
+              </a:rPr>
+              <a:t>t</a:t>
+            </a:r>
+            <a:r>
+              <a:rPr lang="en-GB" b="0" i="0" dirty="0">
+                <a:solidFill>
+                  <a:srgbClr val="333333"/>
+                </a:solidFill>
+                <a:effectLst/>
+                <a:latin typeface="Segoe UI" panose="020B0502040204020203" pitchFamily="34" charset="0"/>
+              </a:rPr>
+              <a:t>rust your gut / professional experience</a:t>
+            </a:r>
+            <a:r>
+              <a:rPr lang="en-GB" dirty="0">
+                <a:solidFill>
+                  <a:srgbClr val="333333"/>
+                </a:solidFill>
+                <a:latin typeface="Segoe UI" panose="020B0502040204020203" pitchFamily="34" charset="0"/>
+              </a:rPr>
+              <a:t> and give your best guess.</a:t>
+            </a:r>
+          </a:p>
+          <a:p>
+            <a:pPr marL="457200" lvl="1" indent="0">
+              <a:buNone/>
+            </a:pPr>
+            <a:r>
+              <a:rPr lang="en-GB" b="0" i="0" dirty="0">
+                <a:solidFill>
+                  <a:srgbClr val="333333"/>
+                </a:solidFill>
+                <a:effectLst/>
+                <a:latin typeface="Segoe UI" panose="020B0502040204020203" pitchFamily="34" charset="0"/>
+              </a:rPr>
+              <a:t>- Answer every question.</a:t>
+            </a:r>
+          </a:p>
+          <a:p>
+            <a:pPr marL="457200" lvl="1" indent="0">
+              <a:buNone/>
+            </a:pPr>
+            <a:r>
+              <a:rPr lang="en-GB" b="0" i="0" dirty="0">
+                <a:solidFill>
+                  <a:srgbClr val="333333"/>
+                </a:solidFill>
+                <a:effectLst/>
+                <a:latin typeface="Segoe UI" panose="020B0502040204020203" pitchFamily="34" charset="0"/>
+              </a:rPr>
+              <a:t>- Mark any questions if unsure, you can review later if there is time left at the end.</a:t>
+            </a:r>
+          </a:p>
+          <a:p>
+            <a:pPr marL="457200" lvl="1" indent="0">
+              <a:buNone/>
+            </a:pPr>
+            <a:r>
+              <a:rPr lang="en-GB" dirty="0">
+                <a:solidFill>
+                  <a:srgbClr val="333333"/>
+                </a:solidFill>
+                <a:latin typeface="Segoe UI" panose="020B0502040204020203" pitchFamily="34" charset="0"/>
+              </a:rPr>
+              <a:t>- Try not to</a:t>
+            </a:r>
+            <a:r>
+              <a:rPr lang="en-GB" b="0" i="0" dirty="0">
+                <a:solidFill>
+                  <a:srgbClr val="333333"/>
+                </a:solidFill>
+                <a:effectLst/>
+                <a:latin typeface="Segoe UI" panose="020B0502040204020203" pitchFamily="34" charset="0"/>
+              </a:rPr>
+              <a:t> second guess yourself. Only change your answer if confident you misread or misunderstood the question first </a:t>
+            </a:r>
+            <a:r>
+              <a:rPr lang="en-GB" dirty="0">
+                <a:solidFill>
+                  <a:srgbClr val="333333"/>
+                </a:solidFill>
+                <a:latin typeface="Segoe UI" panose="020B0502040204020203" pitchFamily="34" charset="0"/>
+              </a:rPr>
+              <a:t>time round</a:t>
+            </a:r>
+            <a:r>
+              <a:rPr lang="en-GB" b="0" i="0" dirty="0">
+                <a:solidFill>
+                  <a:srgbClr val="333333"/>
+                </a:solidFill>
+                <a:effectLst/>
+                <a:latin typeface="Segoe UI" panose="020B0502040204020203" pitchFamily="34" charset="0"/>
+              </a:rPr>
+              <a:t>.</a:t>
+            </a:r>
+          </a:p>
+          <a:p>
+            <a:pPr marL="457200" lvl="1" indent="0">
+              <a:buNone/>
+            </a:pPr>
+            <a:r>
+              <a:rPr lang="en-GB" b="0" i="0" dirty="0">
+                <a:solidFill>
+                  <a:srgbClr val="333333"/>
+                </a:solidFill>
+                <a:effectLst/>
+                <a:latin typeface="Segoe UI" panose="020B0502040204020203" pitchFamily="34" charset="0"/>
+              </a:rPr>
+              <a:t>- Stay calm and focused — there’s no need to rush. </a:t>
+            </a:r>
+          </a:p>
+          <a:p>
+            <a:endParaRPr lang="en-AU" dirty="0"/>
+          </a:p>
+        </p:txBody>
+      </p:sp>
+      <p:sp>
+        <p:nvSpPr>
+          <p:cNvPr id="4" name="Slide Number Placeholder 3">
+            <a:extLst>
+              <a:ext uri="{FF2B5EF4-FFF2-40B4-BE49-F238E27FC236}">
+                <a16:creationId xmlns:a16="http://schemas.microsoft.com/office/drawing/2014/main" id="{0EBCACDE-C165-44BD-5C05-9CF2E690A14E}"/>
+              </a:ext>
+            </a:extLst>
+          </p:cNvPr>
+          <p:cNvSpPr>
+            <a:spLocks noGrp="1"/>
+          </p:cNvSpPr>
+          <p:nvPr>
+            <p:ph type="sldNum" sz="quarter" idx="12"/>
+          </p:nvPr>
+        </p:nvSpPr>
+        <p:spPr/>
+        <p:txBody>
+          <a:bodyPr/>
+          <a:lstStyle/>
+          <a:p>
+            <a:fld id="{239CC275-0F17-4CFE-B2FE-5727017C3401}" type="slidenum">
+              <a:rPr lang="en-AU" smtClean="0"/>
+              <a:t>24</a:t>
+            </a:fld>
+            <a:endParaRPr lang="en-AU"/>
+          </a:p>
+        </p:txBody>
+      </p:sp>
+    </p:spTree>
+    <p:extLst>
+      <p:ext uri="{BB962C8B-B14F-4D97-AF65-F5344CB8AC3E}">
+        <p14:creationId xmlns:p14="http://schemas.microsoft.com/office/powerpoint/2010/main" val="1890162970"/>
+      </p:ext>
+    </p:extLst>
+  </p:cSld>
+  <p:clrMapOvr>
+    <a:masterClrMapping/>
+  </p:clrMapOvr>
+</p:sld>
+</file>
+
+<file path=ppt/slides/slide25.xml><?xml version="1.0" encoding="utf-8"?>
+<p:sld xmlns:a="http://schemas.openxmlformats.org/drawingml/2006/main" xmlns:r="http://schemas.openxmlformats.org/officeDocument/2006/relationships" xmlns:p="http://schemas.openxmlformats.org/presentationml/2006/main">
+  <p:cSld>
+    <p:spTree>
+      <p:nvGrpSpPr>
+        <p:cNvPr id="1" name=""/>
+        <p:cNvGrpSpPr/>
+        <p:nvPr/>
+      </p:nvGrpSpPr>
+      <p:grpSpPr>
+        <a:xfrm>
+          <a:off x="0" y="0"/>
+          <a:ext cx="0" cy="0"/>
+          <a:chOff x="0" y="0"/>
+          <a:chExt cx="0" cy="0"/>
+        </a:xfrm>
+      </p:grpSpPr>
+      <p:sp>
+        <p:nvSpPr>
+          <p:cNvPr id="2" name="Title 1">
+            <a:extLst>
+              <a:ext uri="{FF2B5EF4-FFF2-40B4-BE49-F238E27FC236}">
                 <a16:creationId xmlns:a16="http://schemas.microsoft.com/office/drawing/2014/main" id="{82232B9F-F829-E6B4-C6C6-56AFF63E606E}"/>
               </a:ext>
             </a:extLst>
@@ -7043,9 +8405,21 @@
         </p:spPr>
         <p:txBody>
           <a:bodyPr>
-            <a:normAutofit lnSpcReduction="10000"/>
+            <a:normAutofit fontScale="92500" lnSpcReduction="10000"/>
           </a:bodyPr>
           <a:lstStyle/>
+          <a:p>
+            <a:r>
+              <a:rPr lang="en-GB" dirty="0">
+                <a:latin typeface="-apple-system"/>
+              </a:rPr>
+              <a:t>Congratulations!</a:t>
+            </a:r>
+            <a:endParaRPr lang="en-GB" b="0" i="0" dirty="0">
+              <a:effectLst/>
+              <a:latin typeface="-apple-system"/>
+            </a:endParaRPr>
+          </a:p>
           <a:p>
             <a:r>
               <a:rPr lang="en-GB" b="0" i="0" dirty="0">
@@ -7058,7 +8432,19 @@
               <a:rPr lang="en-GB" dirty="0">
                 <a:latin typeface="-apple-system"/>
               </a:rPr>
-              <a:t>on beta or advanced exams may get results 12-24 hours delay.)</a:t>
+              <a:t>on beta or </a:t>
+            </a:r>
+            <a:r>
+              <a:rPr lang="en-GB">
+                <a:latin typeface="-apple-system"/>
+              </a:rPr>
+              <a:t>advanced exam results may be a </a:t>
+            </a:r>
+            <a:r>
+              <a:rPr lang="en-GB" dirty="0">
+                <a:latin typeface="-apple-system"/>
+              </a:rPr>
+              <a:t>12-24 hours delay.)</a:t>
             </a:r>
             <a:endParaRPr lang="en-GB" b="0" i="0" dirty="0">
               <a:effectLst/>
@@ -7158,7 +8544,7 @@
           <a:p>
             <a:fld id="{239CC275-0F17-4CFE-B2FE-5727017C3401}" type="slidenum">
               <a:rPr lang="en-AU" smtClean="0"/>
-              <a:t>21</a:t>
+              <a:t>25</a:t>
             </a:fld>
             <a:endParaRPr lang="en-AU"/>
           </a:p>
@@ -7224,7 +8610,7 @@
 </p:sld>
 </file>
 
-<file path=ppt/slides/slide22.xml><?xml version="1.0" encoding="utf-8"?>
+<file path=ppt/slides/slide26.xml><?xml version="1.0" encoding="utf-8"?>
 <p:sld xmlns:a="http://schemas.openxmlformats.org/drawingml/2006/main" xmlns:r="http://schemas.openxmlformats.org/officeDocument/2006/relationships" xmlns:p="http://schemas.openxmlformats.org/presentationml/2006/main">
   <p:cSld>
     <p:spTree>
@@ -7404,7 +8790,7 @@
           <a:p>
             <a:fld id="{239CC275-0F17-4CFE-B2FE-5727017C3401}" type="slidenum">
               <a:rPr lang="en-AU" smtClean="0"/>
-              <a:t>22</a:t>
+              <a:t>26</a:t>
             </a:fld>
             <a:endParaRPr lang="en-AU"/>
           </a:p>
@@ -7453,7 +8839,7 @@
 </p:sld>
 </file>
 
-<file path=ppt/slides/slide23.xml><?xml version="1.0" encoding="utf-8"?>
+<file path=ppt/slides/slide27.xml><?xml version="1.0" encoding="utf-8"?>
 <p:sld xmlns:a="http://schemas.openxmlformats.org/drawingml/2006/main" xmlns:r="http://schemas.openxmlformats.org/officeDocument/2006/relationships" xmlns:p="http://schemas.openxmlformats.org/presentationml/2006/main">
   <p:cSld>
     <p:spTree>
@@ -7493,7 +8879,7 @@
           <a:p>
             <a:fld id="{239CC275-0F17-4CFE-B2FE-5727017C3401}" type="slidenum">
               <a:rPr lang="en-AU" smtClean="0"/>
-              <a:t>23</a:t>
+              <a:t>27</a:t>
             </a:fld>
             <a:endParaRPr lang="en-AU"/>
           </a:p>
@@ -7933,12 +9319,74 @@
           <a:chExt cx="0" cy="0"/>
         </a:xfrm>
       </p:grpSpPr>
+      <p:sp>
+        <p:nvSpPr>
+          <p:cNvPr id="2" name="Title 1">
+            <a:extLst>
+              <a:ext uri="{FF2B5EF4-FFF2-40B4-BE49-F238E27FC236}">
+                <a16:creationId xmlns:a16="http://schemas.microsoft.com/office/drawing/2014/main" id="{FB634B36-31A8-6630-560A-A84E23114627}"/>
+              </a:ext>
+            </a:extLst>
+          </p:cNvPr>
+          <p:cNvSpPr>
+            <a:spLocks noGrp="1"/>
+          </p:cNvSpPr>
+          <p:nvPr>
+            <p:ph type="title"/>
+          </p:nvPr>
+        </p:nvSpPr>
+        <p:spPr>
+          <a:xfrm>
+            <a:off x="838200" y="365125"/>
+            <a:ext cx="4178121" cy="1325563"/>
+          </a:xfrm>
+        </p:spPr>
+        <p:txBody>
+          <a:bodyPr/>
+          <a:lstStyle/>
+          <a:p>
+            <a:r>
+              <a:rPr lang="en-AU" dirty="0"/>
+              <a:t>Arecibo message</a:t>
+            </a:r>
+          </a:p>
+        </p:txBody>
+      </p:sp>
+      <p:sp>
+        <p:nvSpPr>
+          <p:cNvPr id="4" name="Slide Number Placeholder 3">
+            <a:extLst>
+              <a:ext uri="{FF2B5EF4-FFF2-40B4-BE49-F238E27FC236}">
+                <a16:creationId xmlns:a16="http://schemas.microsoft.com/office/drawing/2014/main" id="{540A29F6-1431-91DB-B3E6-DE4C132DFFA4}"/>
+              </a:ext>
+            </a:extLst>
+          </p:cNvPr>
+          <p:cNvSpPr>
+            <a:spLocks noGrp="1"/>
+          </p:cNvSpPr>
+          <p:nvPr>
+            <p:ph type="sldNum" sz="quarter" idx="12"/>
+          </p:nvPr>
+        </p:nvSpPr>
+        <p:spPr/>
+        <p:txBody>
+          <a:bodyPr/>
+          <a:lstStyle/>
+          <a:p>
+            <a:fld id="{239CC275-0F17-4CFE-B2FE-5727017C3401}" type="slidenum">
+              <a:rPr lang="en-AU" smtClean="0"/>
+              <a:t>4</a:t>
+            </a:fld>
+            <a:endParaRPr lang="en-AU"/>
+          </a:p>
+        </p:txBody>
+      </p:sp>
       <p:pic>
         <p:nvPicPr>
-          <p:cNvPr id="2050" name="Picture 2">
-            <a:extLst>
-              <a:ext uri="{FF2B5EF4-FFF2-40B4-BE49-F238E27FC236}">
-                <a16:creationId xmlns:a16="http://schemas.microsoft.com/office/drawing/2014/main" id="{5DF94E11-BC70-50FC-E013-842E786CA4D9}"/>
+          <p:cNvPr id="1026" name="Picture 2" descr="undefined">
+            <a:extLst>
+              <a:ext uri="{FF2B5EF4-FFF2-40B4-BE49-F238E27FC236}">
+                <a16:creationId xmlns:a16="http://schemas.microsoft.com/office/drawing/2014/main" id="{248F1598-5AC8-0919-7135-DC19F1E0F006}"/>
               </a:ext>
             </a:extLst>
           </p:cNvPr>
@@ -7964,8 +9412,8 @@
         </p:blipFill>
         <p:spPr bwMode="auto">
           <a:xfrm>
-            <a:off x="5274128" y="0"/>
-            <a:ext cx="4267200" cy="6783320"/>
+            <a:off x="5069388" y="48985"/>
+            <a:ext cx="2253343" cy="6760029"/>
           </a:xfrm>
           <a:prstGeom prst="rect">
             <a:avLst/>
@@ -7982,74 +9430,151 @@
           </a:extLst>
         </p:spPr>
       </p:pic>
-      <p:sp>
-        <p:nvSpPr>
-          <p:cNvPr id="7" name="Slide Number Placeholder 6">
-            <a:extLst>
-              <a:ext uri="{FF2B5EF4-FFF2-40B4-BE49-F238E27FC236}">
-                <a16:creationId xmlns:a16="http://schemas.microsoft.com/office/drawing/2014/main" id="{4202CD90-2213-E9FA-86F9-BA0E9C4A8E97}"/>
-              </a:ext>
-            </a:extLst>
-          </p:cNvPr>
-          <p:cNvSpPr>
-            <a:spLocks noGrp="1"/>
-          </p:cNvSpPr>
-          <p:nvPr>
-            <p:ph type="sldNum" sz="quarter" idx="12"/>
-          </p:nvPr>
-        </p:nvSpPr>
-        <p:spPr/>
-        <p:txBody>
-          <a:bodyPr/>
-          <a:lstStyle/>
-          <a:p>
-            <a:fld id="{239CC275-0F17-4CFE-B2FE-5727017C3401}" type="slidenum">
-              <a:rPr lang="en-AU" smtClean="0"/>
-              <a:t>4</a:t>
-            </a:fld>
-            <a:endParaRPr lang="en-AU"/>
-          </a:p>
-        </p:txBody>
-      </p:sp>
-      <p:sp>
-        <p:nvSpPr>
-          <p:cNvPr id="6" name="TextBox 5">
-            <a:extLst>
-              <a:ext uri="{FF2B5EF4-FFF2-40B4-BE49-F238E27FC236}">
-                <a16:creationId xmlns:a16="http://schemas.microsoft.com/office/drawing/2014/main" id="{A2E8CB19-243E-7835-A881-6DD1A85040BE}"/>
-              </a:ext>
-            </a:extLst>
-          </p:cNvPr>
-          <p:cNvSpPr txBox="1"/>
+      <p:pic>
+        <p:nvPicPr>
+          <p:cNvPr id="1028" name="Picture 4" descr="Carl Sagan murió hace 21 años. Siete citas imprescindibles">
+            <a:extLst>
+              <a:ext uri="{FF2B5EF4-FFF2-40B4-BE49-F238E27FC236}">
+                <a16:creationId xmlns:a16="http://schemas.microsoft.com/office/drawing/2014/main" id="{91FB88F1-CC1C-3731-3FDC-3D456F2B9B2B}"/>
+              </a:ext>
+            </a:extLst>
+          </p:cNvPr>
+          <p:cNvPicPr>
+            <a:picLocks noChangeAspect="1" noChangeArrowheads="1"/>
+          </p:cNvPicPr>
           <p:nvPr/>
-        </p:nvSpPr>
-        <p:spPr>
+        </p:nvPicPr>
+        <p:blipFill>
+          <a:blip r:embed="rId3">
+            <a:extLst>
+              <a:ext uri="{28A0092B-C50C-407E-A947-70E740481C1C}">
+                <a14:useLocalDpi xmlns:a14="http://schemas.microsoft.com/office/drawing/2010/main" val="0"/>
+              </a:ext>
+            </a:extLst>
+          </a:blip>
+          <a:srcRect/>
+          <a:stretch>
+            <a:fillRect/>
+          </a:stretch>
+        </p:blipFill>
+        <p:spPr bwMode="auto">
           <a:xfrm>
-            <a:off x="408215" y="310633"/>
-            <a:ext cx="3374571" cy="1754326"/>
+            <a:off x="9125219" y="0"/>
+            <a:ext cx="3066781" cy="2453425"/>
           </a:xfrm>
           <a:prstGeom prst="rect">
             <a:avLst/>
           </a:prstGeom>
           <a:noFill/>
+          <a:extLst>
+            <a:ext uri="{909E8E84-426E-40DD-AFC4-6F175D3DCCD1}">
+              <a14:hiddenFill xmlns:a14="http://schemas.microsoft.com/office/drawing/2010/main">
+                <a:solidFill>
+                  <a:srgbClr val="FFFFFF"/>
+                </a:solidFill>
+              </a14:hiddenFill>
+            </a:ext>
+          </a:extLst>
         </p:spPr>
-        <p:txBody>
-          <a:bodyPr wrap="square">
-            <a:spAutoFit/>
-          </a:bodyPr>
-          <a:lstStyle/>
-          <a:p>
-            <a:r>
-              <a:rPr lang="en-AU" sz="3600" b="1" dirty="0"/>
-              <a:t>My friend Ali suggested I read this book!</a:t>
-            </a:r>
-          </a:p>
-        </p:txBody>
-      </p:sp>
+      </p:pic>
+      <p:pic>
+        <p:nvPicPr>
+          <p:cNvPr id="1030" name="Picture 6" descr="Voyager 1 satellite turns 25 years old. See the dot. That's here. It's ...">
+            <a:extLst>
+              <a:ext uri="{FF2B5EF4-FFF2-40B4-BE49-F238E27FC236}">
+                <a16:creationId xmlns:a16="http://schemas.microsoft.com/office/drawing/2014/main" id="{B6A0BF6E-31C7-96ED-28A5-9408A8A1EA37}"/>
+              </a:ext>
+            </a:extLst>
+          </p:cNvPr>
+          <p:cNvPicPr>
+            <a:picLocks noChangeAspect="1" noChangeArrowheads="1"/>
+          </p:cNvPicPr>
+          <p:nvPr/>
+        </p:nvPicPr>
+        <p:blipFill>
+          <a:blip r:embed="rId4">
+            <a:extLst>
+              <a:ext uri="{28A0092B-C50C-407E-A947-70E740481C1C}">
+                <a14:useLocalDpi xmlns:a14="http://schemas.microsoft.com/office/drawing/2010/main" val="0"/>
+              </a:ext>
+            </a:extLst>
+          </a:blip>
+          <a:srcRect/>
+          <a:stretch>
+            <a:fillRect/>
+          </a:stretch>
+        </p:blipFill>
+        <p:spPr bwMode="auto">
+          <a:xfrm>
+            <a:off x="-43042" y="0"/>
+            <a:ext cx="5059363" cy="6858000"/>
+          </a:xfrm>
+          <a:prstGeom prst="rect">
+            <a:avLst/>
+          </a:prstGeom>
+          <a:noFill/>
+          <a:extLst>
+            <a:ext uri="{909E8E84-426E-40DD-AFC4-6F175D3DCCD1}">
+              <a14:hiddenFill xmlns:a14="http://schemas.microsoft.com/office/drawing/2010/main">
+                <a:solidFill>
+                  <a:srgbClr val="FFFFFF"/>
+                </a:solidFill>
+              </a14:hiddenFill>
+            </a:ext>
+          </a:extLst>
+        </p:spPr>
+      </p:pic>
+      <p:pic>
+        <p:nvPicPr>
+          <p:cNvPr id="1032" name="Picture 8" descr="地球之声 旅行者金唱片 - 歌单 - 网易云音乐">
+            <a:extLst>
+              <a:ext uri="{FF2B5EF4-FFF2-40B4-BE49-F238E27FC236}">
+                <a16:creationId xmlns:a16="http://schemas.microsoft.com/office/drawing/2014/main" id="{FA9E2B6E-45F8-1BDF-4B2A-BC74F403DD04}"/>
+              </a:ext>
+            </a:extLst>
+          </p:cNvPr>
+          <p:cNvPicPr>
+            <a:picLocks noChangeAspect="1" noChangeArrowheads="1"/>
+          </p:cNvPicPr>
+          <p:nvPr/>
+        </p:nvPicPr>
+        <p:blipFill>
+          <a:blip r:embed="rId5">
+            <a:extLst>
+              <a:ext uri="{28A0092B-C50C-407E-A947-70E740481C1C}">
+                <a14:useLocalDpi xmlns:a14="http://schemas.microsoft.com/office/drawing/2010/main" val="0"/>
+              </a:ext>
+            </a:extLst>
+          </a:blip>
+          <a:srcRect/>
+          <a:stretch>
+            <a:fillRect/>
+          </a:stretch>
+        </p:blipFill>
+        <p:spPr bwMode="auto">
+          <a:xfrm>
+            <a:off x="7430861" y="2265589"/>
+            <a:ext cx="4819650" cy="4819650"/>
+          </a:xfrm>
+          <a:prstGeom prst="rect">
+            <a:avLst/>
+          </a:prstGeom>
+          <a:noFill/>
+          <a:extLst>
+            <a:ext uri="{909E8E84-426E-40DD-AFC4-6F175D3DCCD1}">
+              <a14:hiddenFill xmlns:a14="http://schemas.microsoft.com/office/drawing/2010/main">
+                <a:solidFill>
+                  <a:srgbClr val="FFFFFF"/>
+                </a:solidFill>
+              </a14:hiddenFill>
+            </a:ext>
+          </a:extLst>
+        </p:spPr>
+      </p:pic>
     </p:spTree>
     <p:extLst>
       <p:ext uri="{BB962C8B-B14F-4D97-AF65-F5344CB8AC3E}">
-        <p14:creationId xmlns:p14="http://schemas.microsoft.com/office/powerpoint/2010/main" val="3825619929"/>
+        <p14:creationId xmlns:p14="http://schemas.microsoft.com/office/powerpoint/2010/main" val="624000189"/>
       </p:ext>
     </p:extLst>
   </p:cSld>
@@ -8078,6 +9603,149 @@
       </p:grpSpPr>
       <p:pic>
         <p:nvPicPr>
+          <p:cNvPr id="2050" name="Picture 2">
+            <a:extLst>
+              <a:ext uri="{FF2B5EF4-FFF2-40B4-BE49-F238E27FC236}">
+                <a16:creationId xmlns:a16="http://schemas.microsoft.com/office/drawing/2014/main" id="{5DF94E11-BC70-50FC-E013-842E786CA4D9}"/>
+              </a:ext>
+            </a:extLst>
+          </p:cNvPr>
+          <p:cNvPicPr>
+            <a:picLocks noGrp="1" noChangeAspect="1" noChangeArrowheads="1"/>
+          </p:cNvPicPr>
+          <p:nvPr>
+            <p:ph idx="1"/>
+          </p:nvPr>
+        </p:nvPicPr>
+        <p:blipFill>
+          <a:blip r:embed="rId2">
+            <a:extLst>
+              <a:ext uri="{28A0092B-C50C-407E-A947-70E740481C1C}">
+                <a14:useLocalDpi xmlns:a14="http://schemas.microsoft.com/office/drawing/2010/main" val="0"/>
+              </a:ext>
+            </a:extLst>
+          </a:blip>
+          <a:srcRect/>
+          <a:stretch>
+            <a:fillRect/>
+          </a:stretch>
+        </p:blipFill>
+        <p:spPr bwMode="auto">
+          <a:xfrm>
+            <a:off x="5274128" y="0"/>
+            <a:ext cx="4267200" cy="6783320"/>
+          </a:xfrm>
+          <a:prstGeom prst="rect">
+            <a:avLst/>
+          </a:prstGeom>
+          <a:noFill/>
+          <a:extLst>
+            <a:ext uri="{909E8E84-426E-40DD-AFC4-6F175D3DCCD1}">
+              <a14:hiddenFill xmlns:a14="http://schemas.microsoft.com/office/drawing/2010/main">
+                <a:solidFill>
+                  <a:srgbClr val="FFFFFF"/>
+                </a:solidFill>
+              </a14:hiddenFill>
+            </a:ext>
+          </a:extLst>
+        </p:spPr>
+      </p:pic>
+      <p:sp>
+        <p:nvSpPr>
+          <p:cNvPr id="7" name="Slide Number Placeholder 6">
+            <a:extLst>
+              <a:ext uri="{FF2B5EF4-FFF2-40B4-BE49-F238E27FC236}">
+                <a16:creationId xmlns:a16="http://schemas.microsoft.com/office/drawing/2014/main" id="{4202CD90-2213-E9FA-86F9-BA0E9C4A8E97}"/>
+              </a:ext>
+            </a:extLst>
+          </p:cNvPr>
+          <p:cNvSpPr>
+            <a:spLocks noGrp="1"/>
+          </p:cNvSpPr>
+          <p:nvPr>
+            <p:ph type="sldNum" sz="quarter" idx="12"/>
+          </p:nvPr>
+        </p:nvSpPr>
+        <p:spPr/>
+        <p:txBody>
+          <a:bodyPr/>
+          <a:lstStyle/>
+          <a:p>
+            <a:fld id="{239CC275-0F17-4CFE-B2FE-5727017C3401}" type="slidenum">
+              <a:rPr lang="en-AU" smtClean="0"/>
+              <a:t>5</a:t>
+            </a:fld>
+            <a:endParaRPr lang="en-AU"/>
+          </a:p>
+        </p:txBody>
+      </p:sp>
+      <p:sp>
+        <p:nvSpPr>
+          <p:cNvPr id="6" name="TextBox 5">
+            <a:extLst>
+              <a:ext uri="{FF2B5EF4-FFF2-40B4-BE49-F238E27FC236}">
+                <a16:creationId xmlns:a16="http://schemas.microsoft.com/office/drawing/2014/main" id="{A2E8CB19-243E-7835-A881-6DD1A85040BE}"/>
+              </a:ext>
+            </a:extLst>
+          </p:cNvPr>
+          <p:cNvSpPr txBox="1"/>
+          <p:nvPr/>
+        </p:nvSpPr>
+        <p:spPr>
+          <a:xfrm>
+            <a:off x="408215" y="310633"/>
+            <a:ext cx="3374571" cy="1754326"/>
+          </a:xfrm>
+          <a:prstGeom prst="rect">
+            <a:avLst/>
+          </a:prstGeom>
+          <a:noFill/>
+        </p:spPr>
+        <p:txBody>
+          <a:bodyPr wrap="square">
+            <a:spAutoFit/>
+          </a:bodyPr>
+          <a:lstStyle/>
+          <a:p>
+            <a:r>
+              <a:rPr lang="en-AU" sz="3600" b="1" dirty="0"/>
+              <a:t>My friend Ali suggested I read this book!</a:t>
+            </a:r>
+          </a:p>
+        </p:txBody>
+      </p:sp>
+    </p:spTree>
+    <p:extLst>
+      <p:ext uri="{BB962C8B-B14F-4D97-AF65-F5344CB8AC3E}">
+        <p14:creationId xmlns:p14="http://schemas.microsoft.com/office/powerpoint/2010/main" val="3825619929"/>
+      </p:ext>
+    </p:extLst>
+  </p:cSld>
+  <p:clrMapOvr>
+    <a:masterClrMapping/>
+  </p:clrMapOvr>
+</p:sld>
+</file>
+
+<file path=ppt/slides/slide6.xml><?xml version="1.0" encoding="utf-8"?>
+<p:sld xmlns:a="http://schemas.openxmlformats.org/drawingml/2006/main" xmlns:r="http://schemas.openxmlformats.org/officeDocument/2006/relationships" xmlns:p="http://schemas.openxmlformats.org/presentationml/2006/main">
+  <p:cSld>
+    <p:spTree>
+      <p:nvGrpSpPr>
+        <p:cNvPr id="1" name=""/>
+        <p:cNvGrpSpPr/>
+        <p:nvPr/>
+      </p:nvGrpSpPr>
+      <p:grpSpPr>
+        <a:xfrm>
+          <a:off x="0" y="0"/>
+          <a:ext cx="0" cy="0"/>
+          <a:chOff x="0" y="0"/>
+          <a:chExt cx="0" cy="0"/>
+        </a:xfrm>
+      </p:grpSpPr>
+      <p:pic>
+        <p:nvPicPr>
           <p:cNvPr id="1026" name="Picture 2">
             <a:extLst>
               <a:ext uri="{FF2B5EF4-FFF2-40B4-BE49-F238E27FC236}">
@@ -8148,7 +9816,7 @@
           <a:p>
             <a:fld id="{239CC275-0F17-4CFE-B2FE-5727017C3401}" type="slidenum">
               <a:rPr lang="en-AU" smtClean="0"/>
-              <a:t>5</a:t>
+              <a:t>6</a:t>
             </a:fld>
             <a:endParaRPr lang="en-AU"/>
           </a:p>
@@ -8167,7 +9835,7 @@
 </p:sld>
 </file>
 
-<file path=ppt/slides/slide6.xml><?xml version="1.0" encoding="utf-8"?>
+<file path=ppt/slides/slide7.xml><?xml version="1.0" encoding="utf-8"?>
 <p:sld xmlns:a="http://schemas.openxmlformats.org/drawingml/2006/main" xmlns:r="http://schemas.openxmlformats.org/officeDocument/2006/relationships" xmlns:p="http://schemas.openxmlformats.org/presentationml/2006/main">
   <p:cSld>
     <p:spTree>
@@ -8298,7 +9966,7 @@
           <a:p>
             <a:fld id="{239CC275-0F17-4CFE-B2FE-5727017C3401}" type="slidenum">
               <a:rPr lang="en-AU" smtClean="0"/>
-              <a:t>6</a:t>
+              <a:t>7</a:t>
             </a:fld>
             <a:endParaRPr lang="en-AU"/>
           </a:p>
@@ -8317,7 +9985,7 @@
 </p:sld>
 </file>
 
-<file path=ppt/slides/slide7.xml><?xml version="1.0" encoding="utf-8"?>
+<file path=ppt/slides/slide8.xml><?xml version="1.0" encoding="utf-8"?>
 <p:sld xmlns:a="http://schemas.openxmlformats.org/drawingml/2006/main" xmlns:r="http://schemas.openxmlformats.org/officeDocument/2006/relationships" xmlns:p="http://schemas.openxmlformats.org/presentationml/2006/main">
   <p:cSld>
     <p:bg>
@@ -8451,7 +10119,7 @@
           <a:p>
             <a:fld id="{239CC275-0F17-4CFE-B2FE-5727017C3401}" type="slidenum">
               <a:rPr lang="en-AU" smtClean="0"/>
-              <a:t>7</a:t>
+              <a:t>8</a:t>
             </a:fld>
             <a:endParaRPr lang="en-AU"/>
           </a:p>
@@ -8470,7 +10138,7 @@
 </p:sld>
 </file>
 
-<file path=ppt/slides/slide8.xml><?xml version="1.0" encoding="utf-8"?>
+<file path=ppt/slides/slide9.xml><?xml version="1.0" encoding="utf-8"?>
 <p:sld xmlns:a="http://schemas.openxmlformats.org/drawingml/2006/main" xmlns:r="http://schemas.openxmlformats.org/officeDocument/2006/relationships" xmlns:p="http://schemas.openxmlformats.org/presentationml/2006/main">
   <p:cSld>
     <p:spTree>
@@ -8559,7 +10227,7 @@
           <a:p>
             <a:fld id="{239CC275-0F17-4CFE-B2FE-5727017C3401}" type="slidenum">
               <a:rPr lang="en-AU" smtClean="0"/>
-              <a:t>8</a:t>
+              <a:t>9</a:t>
             </a:fld>
             <a:endParaRPr lang="en-AU"/>
           </a:p>
@@ -8569,197 +10237,6 @@
     <p:extLst>
       <p:ext uri="{BB962C8B-B14F-4D97-AF65-F5344CB8AC3E}">
         <p14:creationId xmlns:p14="http://schemas.microsoft.com/office/powerpoint/2010/main" val="4130305602"/>
-      </p:ext>
-    </p:extLst>
-  </p:cSld>
-  <p:clrMapOvr>
-    <a:masterClrMapping/>
-  </p:clrMapOvr>
-</p:sld>
-</file>
-
-<file path=ppt/slides/slide9.xml><?xml version="1.0" encoding="utf-8"?>
-<p:sld xmlns:a="http://schemas.openxmlformats.org/drawingml/2006/main" xmlns:r="http://schemas.openxmlformats.org/officeDocument/2006/relationships" xmlns:p="http://schemas.openxmlformats.org/presentationml/2006/main">
-  <p:cSld>
-    <p:bg>
-      <p:bgPr>
-        <a:solidFill>
-          <a:schemeClr val="bg1">
-            <a:alpha val="0"/>
-          </a:schemeClr>
-        </a:solidFill>
-        <a:effectLst/>
-      </p:bgPr>
-    </p:bg>
-    <p:spTree>
-      <p:nvGrpSpPr>
-        <p:cNvPr id="1" name=""/>
-        <p:cNvGrpSpPr/>
-        <p:nvPr/>
-      </p:nvGrpSpPr>
-      <p:grpSpPr>
-        <a:xfrm>
-          <a:off x="0" y="0"/>
-          <a:ext cx="0" cy="0"/>
-          <a:chOff x="0" y="0"/>
-          <a:chExt cx="0" cy="0"/>
-        </a:xfrm>
-      </p:grpSpPr>
-      <p:sp>
-        <p:nvSpPr>
-          <p:cNvPr id="2" name="Title 1">
-            <a:extLst>
-              <a:ext uri="{FF2B5EF4-FFF2-40B4-BE49-F238E27FC236}">
-                <a16:creationId xmlns:a16="http://schemas.microsoft.com/office/drawing/2014/main" id="{0453AB76-A2A7-B9A3-ECA6-9A1FEB7EE26A}"/>
-              </a:ext>
-            </a:extLst>
-          </p:cNvPr>
-          <p:cNvSpPr>
-            <a:spLocks noGrp="1"/>
-          </p:cNvSpPr>
-          <p:nvPr>
-            <p:ph type="title"/>
-          </p:nvPr>
-        </p:nvSpPr>
-        <p:spPr>
-          <a:xfrm>
-            <a:off x="831760" y="365125"/>
-            <a:ext cx="10918371" cy="1325563"/>
-          </a:xfrm>
-        </p:spPr>
-        <p:txBody>
-          <a:bodyPr>
-            <a:normAutofit/>
-          </a:bodyPr>
-          <a:lstStyle/>
-          <a:p>
-            <a:r>
-              <a:rPr lang="en-GB" dirty="0">
-                <a:hlinkClick r:id="rId2"/>
-              </a:rPr>
-              <a:t>Introduction to Memory and Cognition –Open Educational Resources - PSYC341</a:t>
-            </a:r>
-            <a:endParaRPr lang="en-AU" dirty="0"/>
-          </a:p>
-        </p:txBody>
-      </p:sp>
-      <p:pic>
-        <p:nvPicPr>
-          <p:cNvPr id="5122" name="Picture 2">
-            <a:extLst>
-              <a:ext uri="{FF2B5EF4-FFF2-40B4-BE49-F238E27FC236}">
-                <a16:creationId xmlns:a16="http://schemas.microsoft.com/office/drawing/2014/main" id="{8ABDAADD-D9CD-D041-8FF3-DE428C3E1116}"/>
-              </a:ext>
-            </a:extLst>
-          </p:cNvPr>
-          <p:cNvPicPr>
-            <a:picLocks noGrp="1" noChangeAspect="1" noChangeArrowheads="1"/>
-          </p:cNvPicPr>
-          <p:nvPr>
-            <p:ph idx="1"/>
-          </p:nvPr>
-        </p:nvPicPr>
-        <p:blipFill>
-          <a:blip r:embed="rId3">
-            <a:extLst>
-              <a:ext uri="{28A0092B-C50C-407E-A947-70E740481C1C}">
-                <a14:useLocalDpi xmlns:a14="http://schemas.microsoft.com/office/drawing/2010/main" val="0"/>
-              </a:ext>
-            </a:extLst>
-          </a:blip>
-          <a:stretch>
-            <a:fillRect/>
-          </a:stretch>
-        </p:blipFill>
-        <p:spPr bwMode="auto">
-          <a:xfrm>
-            <a:off x="1651418" y="2007605"/>
-            <a:ext cx="8889163" cy="3987377"/>
-          </a:xfrm>
-          <a:prstGeom prst="rect">
-            <a:avLst/>
-          </a:prstGeom>
-          <a:noFill/>
-          <a:effectLst/>
-          <a:extLst>
-            <a:ext uri="{909E8E84-426E-40DD-AFC4-6F175D3DCCD1}">
-              <a14:hiddenFill xmlns:a14="http://schemas.microsoft.com/office/drawing/2010/main">
-                <a:solidFill>
-                  <a:srgbClr val="FFFFFF"/>
-                </a:solidFill>
-              </a14:hiddenFill>
-            </a:ext>
-          </a:extLst>
-        </p:spPr>
-      </p:pic>
-      <p:sp>
-        <p:nvSpPr>
-          <p:cNvPr id="6" name="Slide Number Placeholder 5">
-            <a:extLst>
-              <a:ext uri="{FF2B5EF4-FFF2-40B4-BE49-F238E27FC236}">
-                <a16:creationId xmlns:a16="http://schemas.microsoft.com/office/drawing/2014/main" id="{223D8D2D-5396-BCD5-9F0C-981040CED9E9}"/>
-              </a:ext>
-            </a:extLst>
-          </p:cNvPr>
-          <p:cNvSpPr>
-            <a:spLocks noGrp="1"/>
-          </p:cNvSpPr>
-          <p:nvPr>
-            <p:ph type="sldNum" sz="quarter" idx="12"/>
-          </p:nvPr>
-        </p:nvSpPr>
-        <p:spPr/>
-        <p:txBody>
-          <a:bodyPr/>
-          <a:lstStyle/>
-          <a:p>
-            <a:fld id="{239CC275-0F17-4CFE-B2FE-5727017C3401}" type="slidenum">
-              <a:rPr lang="en-AU" smtClean="0"/>
-              <a:t>9</a:t>
-            </a:fld>
-            <a:endParaRPr lang="en-AU"/>
-          </a:p>
-        </p:txBody>
-      </p:sp>
-      <p:sp>
-        <p:nvSpPr>
-          <p:cNvPr id="5" name="TextBox 4">
-            <a:extLst>
-              <a:ext uri="{FF2B5EF4-FFF2-40B4-BE49-F238E27FC236}">
-                <a16:creationId xmlns:a16="http://schemas.microsoft.com/office/drawing/2014/main" id="{7844C926-EB05-8C76-E329-1F291C53E858}"/>
-              </a:ext>
-            </a:extLst>
-          </p:cNvPr>
-          <p:cNvSpPr txBox="1"/>
-          <p:nvPr/>
-        </p:nvSpPr>
-        <p:spPr>
-          <a:xfrm>
-            <a:off x="903514" y="6123543"/>
-            <a:ext cx="6096000" cy="369332"/>
-          </a:xfrm>
-          <a:prstGeom prst="rect">
-            <a:avLst/>
-          </a:prstGeom>
-          <a:noFill/>
-        </p:spPr>
-        <p:txBody>
-          <a:bodyPr wrap="square">
-            <a:spAutoFit/>
-          </a:bodyPr>
-          <a:lstStyle/>
-          <a:p>
-            <a:r>
-              <a:rPr lang="en-AU" u="sng" dirty="0"/>
-              <a:t>https://bobsthinktank.github.io/PSYC341OER/</a:t>
-            </a:r>
-          </a:p>
-        </p:txBody>
-      </p:sp>
-    </p:spTree>
-    <p:extLst>
-      <p:ext uri="{BB962C8B-B14F-4D97-AF65-F5344CB8AC3E}">
-        <p14:creationId xmlns:p14="http://schemas.microsoft.com/office/powerpoint/2010/main" val="2460096125"/>
       </p:ext>
     </p:extLst>
   </p:cSld>

--- a/Dan’s Certification Journey - Part 1.pptx
+++ b/Dan’s Certification Journey - Part 1.pptx
@@ -26,10 +26,10 @@
     <p:sldId id="260" r:id="rId17"/>
     <p:sldId id="284" r:id="rId18"/>
     <p:sldId id="266" r:id="rId19"/>
-    <p:sldId id="279" r:id="rId20"/>
-    <p:sldId id="277" r:id="rId21"/>
-    <p:sldId id="267" r:id="rId22"/>
-    <p:sldId id="278" r:id="rId23"/>
+    <p:sldId id="278" r:id="rId20"/>
+    <p:sldId id="279" r:id="rId21"/>
+    <p:sldId id="277" r:id="rId22"/>
+    <p:sldId id="267" r:id="rId23"/>
     <p:sldId id="273" r:id="rId24"/>
     <p:sldId id="275" r:id="rId25"/>
     <p:sldId id="274" r:id="rId26"/>
@@ -147,512 +147,6 @@
     <p1510:client id="{DE19108E-1677-4237-B397-E14CD22FFA0C}" v="62" dt="2025-02-22T06:56:51.070"/>
   </p1510:revLst>
 </p1510:revInfo>
-</file>
-
-<file path=ppt/changesInfos/changesInfo1.xml><?xml version="1.0" encoding="utf-8"?>
-<pc:chgInfo xmlns:a="http://schemas.openxmlformats.org/drawingml/2006/main" xmlns:r="http://schemas.openxmlformats.org/officeDocument/2006/relationships" xmlns:ac="http://schemas.microsoft.com/office/drawing/2013/main/command" xmlns:pc="http://schemas.microsoft.com/office/powerpoint/2013/main/command">
-  <pc:docChgLst>
-    <pc:chgData name="Dan Dan" userId="d52189bed908ad4a" providerId="LiveId" clId="{DE19108E-1677-4237-B397-E14CD22FFA0C}"/>
-    <pc:docChg chg="undo custSel addSld delSld modSld sldOrd">
-      <pc:chgData name="Dan Dan" userId="d52189bed908ad4a" providerId="LiveId" clId="{DE19108E-1677-4237-B397-E14CD22FFA0C}" dt="2025-02-22T07:13:38.535" v="7024" actId="113"/>
-      <pc:docMkLst>
-        <pc:docMk/>
-      </pc:docMkLst>
-      <pc:sldChg chg="modSp mod">
-        <pc:chgData name="Dan Dan" userId="d52189bed908ad4a" providerId="LiveId" clId="{DE19108E-1677-4237-B397-E14CD22FFA0C}" dt="2025-02-22T05:15:46.002" v="1639" actId="20577"/>
-        <pc:sldMkLst>
-          <pc:docMk/>
-          <pc:sldMk cId="735835035" sldId="256"/>
-        </pc:sldMkLst>
-        <pc:spChg chg="mod">
-          <ac:chgData name="Dan Dan" userId="d52189bed908ad4a" providerId="LiveId" clId="{DE19108E-1677-4237-B397-E14CD22FFA0C}" dt="2025-02-22T05:15:46.002" v="1639" actId="20577"/>
-          <ac:spMkLst>
-            <pc:docMk/>
-            <pc:sldMk cId="735835035" sldId="256"/>
-            <ac:spMk id="3" creationId="{28B1CE5C-69D3-0E9A-6163-6ED32F957B73}"/>
-          </ac:spMkLst>
-        </pc:spChg>
-      </pc:sldChg>
-      <pc:sldChg chg="modSp mod">
-        <pc:chgData name="Dan Dan" userId="d52189bed908ad4a" providerId="LiveId" clId="{DE19108E-1677-4237-B397-E14CD22FFA0C}" dt="2025-02-22T06:59:23.949" v="6921" actId="20577"/>
-        <pc:sldMkLst>
-          <pc:docMk/>
-          <pc:sldMk cId="2440630559" sldId="267"/>
-        </pc:sldMkLst>
-        <pc:spChg chg="mod">
-          <ac:chgData name="Dan Dan" userId="d52189bed908ad4a" providerId="LiveId" clId="{DE19108E-1677-4237-B397-E14CD22FFA0C}" dt="2025-02-22T06:43:49.200" v="6434" actId="20577"/>
-          <ac:spMkLst>
-            <pc:docMk/>
-            <pc:sldMk cId="2440630559" sldId="267"/>
-            <ac:spMk id="2" creationId="{F04FEA51-F17A-ABB8-5455-72A5019E4650}"/>
-          </ac:spMkLst>
-        </pc:spChg>
-        <pc:spChg chg="mod">
-          <ac:chgData name="Dan Dan" userId="d52189bed908ad4a" providerId="LiveId" clId="{DE19108E-1677-4237-B397-E14CD22FFA0C}" dt="2025-02-22T06:59:23.949" v="6921" actId="20577"/>
-          <ac:spMkLst>
-            <pc:docMk/>
-            <pc:sldMk cId="2440630559" sldId="267"/>
-            <ac:spMk id="3" creationId="{3E8D3311-650C-4737-78A6-86801538553C}"/>
-          </ac:spMkLst>
-        </pc:spChg>
-      </pc:sldChg>
-      <pc:sldChg chg="addSp delSp modSp new mod ord setBg">
-        <pc:chgData name="Dan Dan" userId="d52189bed908ad4a" providerId="LiveId" clId="{DE19108E-1677-4237-B397-E14CD22FFA0C}" dt="2025-02-22T05:01:48.456" v="1171"/>
-        <pc:sldMkLst>
-          <pc:docMk/>
-          <pc:sldMk cId="1459972440" sldId="270"/>
-        </pc:sldMkLst>
-        <pc:spChg chg="mod">
-          <ac:chgData name="Dan Dan" userId="d52189bed908ad4a" providerId="LiveId" clId="{DE19108E-1677-4237-B397-E14CD22FFA0C}" dt="2025-02-22T05:01:39.973" v="1169" actId="26606"/>
-          <ac:spMkLst>
-            <pc:docMk/>
-            <pc:sldMk cId="1459972440" sldId="270"/>
-            <ac:spMk id="2" creationId="{587FBF50-6092-B480-34D4-EC3B6244AD18}"/>
-          </ac:spMkLst>
-        </pc:spChg>
-        <pc:spChg chg="del">
-          <ac:chgData name="Dan Dan" userId="d52189bed908ad4a" providerId="LiveId" clId="{DE19108E-1677-4237-B397-E14CD22FFA0C}" dt="2025-02-22T05:00:21.386" v="1147"/>
-          <ac:spMkLst>
-            <pc:docMk/>
-            <pc:sldMk cId="1459972440" sldId="270"/>
-            <ac:spMk id="3" creationId="{65622EC9-2BA3-2EA6-F55A-DA07BB007944}"/>
-          </ac:spMkLst>
-        </pc:spChg>
-        <pc:spChg chg="mod">
-          <ac:chgData name="Dan Dan" userId="d52189bed908ad4a" providerId="LiveId" clId="{DE19108E-1677-4237-B397-E14CD22FFA0C}" dt="2025-02-22T05:01:39.973" v="1169" actId="26606"/>
-          <ac:spMkLst>
-            <pc:docMk/>
-            <pc:sldMk cId="1459972440" sldId="270"/>
-            <ac:spMk id="4" creationId="{821FEB09-8A9E-777C-9F2A-FAB3D087D3D9}"/>
-          </ac:spMkLst>
-        </pc:spChg>
-        <pc:spChg chg="add del mod">
-          <ac:chgData name="Dan Dan" userId="d52189bed908ad4a" providerId="LiveId" clId="{DE19108E-1677-4237-B397-E14CD22FFA0C}" dt="2025-02-22T05:01:15.635" v="1150"/>
-          <ac:spMkLst>
-            <pc:docMk/>
-            <pc:sldMk cId="1459972440" sldId="270"/>
-            <ac:spMk id="5" creationId="{0CACC657-B963-3E7A-F0CF-0AED20D21EE8}"/>
-          </ac:spMkLst>
-        </pc:spChg>
-        <pc:spChg chg="add">
-          <ac:chgData name="Dan Dan" userId="d52189bed908ad4a" providerId="LiveId" clId="{DE19108E-1677-4237-B397-E14CD22FFA0C}" dt="2025-02-22T05:01:39.973" v="1169" actId="26606"/>
-          <ac:spMkLst>
-            <pc:docMk/>
-            <pc:sldMk cId="1459972440" sldId="270"/>
-            <ac:spMk id="10251" creationId="{37C89E4B-3C9F-44B9-8B86-D9E3D112D8EC}"/>
-          </ac:spMkLst>
-        </pc:spChg>
-        <pc:picChg chg="add del mod">
-          <ac:chgData name="Dan Dan" userId="d52189bed908ad4a" providerId="LiveId" clId="{DE19108E-1677-4237-B397-E14CD22FFA0C}" dt="2025-02-22T05:01:08.658" v="1149" actId="478"/>
-          <ac:picMkLst>
-            <pc:docMk/>
-            <pc:sldMk cId="1459972440" sldId="270"/>
-            <ac:picMk id="10242" creationId="{C22F6486-5C7D-9AD7-A269-D6AA15AA220A}"/>
-          </ac:picMkLst>
-        </pc:picChg>
-        <pc:picChg chg="add del">
-          <ac:chgData name="Dan Dan" userId="d52189bed908ad4a" providerId="LiveId" clId="{DE19108E-1677-4237-B397-E14CD22FFA0C}" dt="2025-02-22T05:01:08.658" v="1149" actId="478"/>
-          <ac:picMkLst>
-            <pc:docMk/>
-            <pc:sldMk cId="1459972440" sldId="270"/>
-            <ac:picMk id="10244" creationId="{3972D475-61F6-134C-4AB3-A261C50EB648}"/>
-          </ac:picMkLst>
-        </pc:picChg>
-        <pc:picChg chg="add mod ord">
-          <ac:chgData name="Dan Dan" userId="d52189bed908ad4a" providerId="LiveId" clId="{DE19108E-1677-4237-B397-E14CD22FFA0C}" dt="2025-02-22T05:01:39.973" v="1169" actId="26606"/>
-          <ac:picMkLst>
-            <pc:docMk/>
-            <pc:sldMk cId="1459972440" sldId="270"/>
-            <ac:picMk id="10246" creationId="{770D5227-9607-2D8C-E615-750F5858E888}"/>
-          </ac:picMkLst>
-        </pc:picChg>
-        <pc:cxnChg chg="add">
-          <ac:chgData name="Dan Dan" userId="d52189bed908ad4a" providerId="LiveId" clId="{DE19108E-1677-4237-B397-E14CD22FFA0C}" dt="2025-02-22T05:01:39.973" v="1169" actId="26606"/>
-          <ac:cxnSpMkLst>
-            <pc:docMk/>
-            <pc:sldMk cId="1459972440" sldId="270"/>
-            <ac:cxnSpMk id="10253" creationId="{AA2EAA10-076F-46BD-8F0F-B9A2FB77A85C}"/>
-          </ac:cxnSpMkLst>
-        </pc:cxnChg>
-        <pc:cxnChg chg="add">
-          <ac:chgData name="Dan Dan" userId="d52189bed908ad4a" providerId="LiveId" clId="{DE19108E-1677-4237-B397-E14CD22FFA0C}" dt="2025-02-22T05:01:39.973" v="1169" actId="26606"/>
-          <ac:cxnSpMkLst>
-            <pc:docMk/>
-            <pc:sldMk cId="1459972440" sldId="270"/>
-            <ac:cxnSpMk id="10255" creationId="{D891E407-403B-4764-86C9-33A56D3BCAA3}"/>
-          </ac:cxnSpMkLst>
-        </pc:cxnChg>
-      </pc:sldChg>
-      <pc:sldChg chg="addSp modSp new mod ord">
-        <pc:chgData name="Dan Dan" userId="d52189bed908ad4a" providerId="LiveId" clId="{DE19108E-1677-4237-B397-E14CD22FFA0C}" dt="2025-02-22T07:04:48.343" v="6940"/>
-        <pc:sldMkLst>
-          <pc:docMk/>
-          <pc:sldMk cId="1611177424" sldId="271"/>
-        </pc:sldMkLst>
-        <pc:spChg chg="mod">
-          <ac:chgData name="Dan Dan" userId="d52189bed908ad4a" providerId="LiveId" clId="{DE19108E-1677-4237-B397-E14CD22FFA0C}" dt="2025-02-22T05:25:12.841" v="1689" actId="20577"/>
-          <ac:spMkLst>
-            <pc:docMk/>
-            <pc:sldMk cId="1611177424" sldId="271"/>
-            <ac:spMk id="2" creationId="{29530A8E-712D-90A2-4B57-0155CFE17460}"/>
-          </ac:spMkLst>
-        </pc:spChg>
-        <pc:spChg chg="mod">
-          <ac:chgData name="Dan Dan" userId="d52189bed908ad4a" providerId="LiveId" clId="{DE19108E-1677-4237-B397-E14CD22FFA0C}" dt="2025-02-22T06:14:27.536" v="5460" actId="1076"/>
-          <ac:spMkLst>
-            <pc:docMk/>
-            <pc:sldMk cId="1611177424" sldId="271"/>
-            <ac:spMk id="3" creationId="{4D4895F5-CBF3-91C2-2601-6D21F137C597}"/>
-          </ac:spMkLst>
-        </pc:spChg>
-        <pc:picChg chg="add mod">
-          <ac:chgData name="Dan Dan" userId="d52189bed908ad4a" providerId="LiveId" clId="{DE19108E-1677-4237-B397-E14CD22FFA0C}" dt="2025-02-22T06:14:14.159" v="5458" actId="14100"/>
-          <ac:picMkLst>
-            <pc:docMk/>
-            <pc:sldMk cId="1611177424" sldId="271"/>
-            <ac:picMk id="1026" creationId="{DC368697-86B2-7705-A064-73327B55C7F1}"/>
-          </ac:picMkLst>
-        </pc:picChg>
-        <pc:picChg chg="add mod">
-          <ac:chgData name="Dan Dan" userId="d52189bed908ad4a" providerId="LiveId" clId="{DE19108E-1677-4237-B397-E14CD22FFA0C}" dt="2025-02-22T06:14:40.029" v="5464" actId="1076"/>
-          <ac:picMkLst>
-            <pc:docMk/>
-            <pc:sldMk cId="1611177424" sldId="271"/>
-            <ac:picMk id="1028" creationId="{F4C8E356-E5CC-70B4-8BC4-DC4C128683D4}"/>
-          </ac:picMkLst>
-        </pc:picChg>
-      </pc:sldChg>
-      <pc:sldChg chg="addSp modSp new mod ord">
-        <pc:chgData name="Dan Dan" userId="d52189bed908ad4a" providerId="LiveId" clId="{DE19108E-1677-4237-B397-E14CD22FFA0C}" dt="2025-02-22T07:01:15.492" v="6923"/>
-        <pc:sldMkLst>
-          <pc:docMk/>
-          <pc:sldMk cId="1033962435" sldId="272"/>
-        </pc:sldMkLst>
-        <pc:spChg chg="mod">
-          <ac:chgData name="Dan Dan" userId="d52189bed908ad4a" providerId="LiveId" clId="{DE19108E-1677-4237-B397-E14CD22FFA0C}" dt="2025-02-22T06:16:26.298" v="5596" actId="20577"/>
-          <ac:spMkLst>
-            <pc:docMk/>
-            <pc:sldMk cId="1033962435" sldId="272"/>
-            <ac:spMk id="2" creationId="{5F579F3A-D1C1-EAA6-BE43-0041AE3B3E48}"/>
-          </ac:spMkLst>
-        </pc:spChg>
-        <pc:spChg chg="mod">
-          <ac:chgData name="Dan Dan" userId="d52189bed908ad4a" providerId="LiveId" clId="{DE19108E-1677-4237-B397-E14CD22FFA0C}" dt="2025-02-22T06:42:38.698" v="6388" actId="20577"/>
-          <ac:spMkLst>
-            <pc:docMk/>
-            <pc:sldMk cId="1033962435" sldId="272"/>
-            <ac:spMk id="3" creationId="{6B20F930-1EC8-9085-CC8B-02723DC2E380}"/>
-          </ac:spMkLst>
-        </pc:spChg>
-        <pc:picChg chg="add mod">
-          <ac:chgData name="Dan Dan" userId="d52189bed908ad4a" providerId="LiveId" clId="{DE19108E-1677-4237-B397-E14CD22FFA0C}" dt="2025-02-22T06:18:44.026" v="5630" actId="1076"/>
-          <ac:picMkLst>
-            <pc:docMk/>
-            <pc:sldMk cId="1033962435" sldId="272"/>
-            <ac:picMk id="6" creationId="{41A713EA-ABCF-F79D-6B84-7F525F36DD2E}"/>
-          </ac:picMkLst>
-        </pc:picChg>
-      </pc:sldChg>
-      <pc:sldChg chg="addSp delSp modSp new mod">
-        <pc:chgData name="Dan Dan" userId="d52189bed908ad4a" providerId="LiveId" clId="{DE19108E-1677-4237-B397-E14CD22FFA0C}" dt="2025-02-22T06:46:45.912" v="6593" actId="20577"/>
-        <pc:sldMkLst>
-          <pc:docMk/>
-          <pc:sldMk cId="1496635079" sldId="273"/>
-        </pc:sldMkLst>
-        <pc:spChg chg="mod">
-          <ac:chgData name="Dan Dan" userId="d52189bed908ad4a" providerId="LiveId" clId="{DE19108E-1677-4237-B397-E14CD22FFA0C}" dt="2025-02-22T06:46:45.912" v="6593" actId="20577"/>
-          <ac:spMkLst>
-            <pc:docMk/>
-            <pc:sldMk cId="1496635079" sldId="273"/>
-            <ac:spMk id="2" creationId="{346F3512-FEDB-6461-8B37-9A28F7A0121C}"/>
-          </ac:spMkLst>
-        </pc:spChg>
-        <pc:spChg chg="add del mod">
-          <ac:chgData name="Dan Dan" userId="d52189bed908ad4a" providerId="LiveId" clId="{DE19108E-1677-4237-B397-E14CD22FFA0C}" dt="2025-02-22T06:26:29.960" v="5756" actId="21"/>
-          <ac:spMkLst>
-            <pc:docMk/>
-            <pc:sldMk cId="1496635079" sldId="273"/>
-            <ac:spMk id="3" creationId="{C77DF50E-28D7-4493-2722-5E3E00C616D0}"/>
-          </ac:spMkLst>
-        </pc:spChg>
-        <pc:spChg chg="add del mod">
-          <ac:chgData name="Dan Dan" userId="d52189bed908ad4a" providerId="LiveId" clId="{DE19108E-1677-4237-B397-E14CD22FFA0C}" dt="2025-02-22T06:26:36.390" v="5758" actId="21"/>
-          <ac:spMkLst>
-            <pc:docMk/>
-            <pc:sldMk cId="1496635079" sldId="273"/>
-            <ac:spMk id="6" creationId="{5E089046-298B-F672-0C57-D2D04654D0A2}"/>
-          </ac:spMkLst>
-        </pc:spChg>
-        <pc:picChg chg="add mod">
-          <ac:chgData name="Dan Dan" userId="d52189bed908ad4a" providerId="LiveId" clId="{DE19108E-1677-4237-B397-E14CD22FFA0C}" dt="2025-02-22T06:26:42.954" v="5763" actId="1076"/>
-          <ac:picMkLst>
-            <pc:docMk/>
-            <pc:sldMk cId="1496635079" sldId="273"/>
-            <ac:picMk id="2050" creationId="{DEC1C31C-F87E-92B4-7E13-602968A6F87D}"/>
-          </ac:picMkLst>
-        </pc:picChg>
-      </pc:sldChg>
-      <pc:sldChg chg="addSp delSp modSp new mod">
-        <pc:chgData name="Dan Dan" userId="d52189bed908ad4a" providerId="LiveId" clId="{DE19108E-1677-4237-B397-E14CD22FFA0C}" dt="2025-02-22T07:05:33.550" v="7004" actId="20577"/>
-        <pc:sldMkLst>
-          <pc:docMk/>
-          <pc:sldMk cId="2394969536" sldId="274"/>
-        </pc:sldMkLst>
-        <pc:spChg chg="mod">
-          <ac:chgData name="Dan Dan" userId="d52189bed908ad4a" providerId="LiveId" clId="{DE19108E-1677-4237-B397-E14CD22FFA0C}" dt="2025-02-22T06:15:54.320" v="5569" actId="20577"/>
-          <ac:spMkLst>
-            <pc:docMk/>
-            <pc:sldMk cId="2394969536" sldId="274"/>
-            <ac:spMk id="2" creationId="{82232B9F-F829-E6B4-C6C6-56AFF63E606E}"/>
-          </ac:spMkLst>
-        </pc:spChg>
-        <pc:spChg chg="mod">
-          <ac:chgData name="Dan Dan" userId="d52189bed908ad4a" providerId="LiveId" clId="{DE19108E-1677-4237-B397-E14CD22FFA0C}" dt="2025-02-22T07:05:33.550" v="7004" actId="20577"/>
-          <ac:spMkLst>
-            <pc:docMk/>
-            <pc:sldMk cId="2394969536" sldId="274"/>
-            <ac:spMk id="3" creationId="{551BAFBE-33E3-E031-B5A2-02AAF4016CCF}"/>
-          </ac:spMkLst>
-        </pc:spChg>
-        <pc:spChg chg="add del mod">
-          <ac:chgData name="Dan Dan" userId="d52189bed908ad4a" providerId="LiveId" clId="{DE19108E-1677-4237-B397-E14CD22FFA0C}" dt="2025-02-22T06:53:41.810" v="6827" actId="478"/>
-          <ac:spMkLst>
-            <pc:docMk/>
-            <pc:sldMk cId="2394969536" sldId="274"/>
-            <ac:spMk id="5" creationId="{59F3192C-F634-CA55-6422-350A5FF6DCBA}"/>
-          </ac:spMkLst>
-        </pc:spChg>
-        <pc:spChg chg="add del mod">
-          <ac:chgData name="Dan Dan" userId="d52189bed908ad4a" providerId="LiveId" clId="{DE19108E-1677-4237-B397-E14CD22FFA0C}" dt="2025-02-22T06:53:56.718" v="6830" actId="478"/>
-          <ac:spMkLst>
-            <pc:docMk/>
-            <pc:sldMk cId="2394969536" sldId="274"/>
-            <ac:spMk id="6" creationId="{ADFFCBB3-0DD1-F279-CDF8-49202877C6A8}"/>
-          </ac:spMkLst>
-        </pc:spChg>
-        <pc:picChg chg="add del mod">
-          <ac:chgData name="Dan Dan" userId="d52189bed908ad4a" providerId="LiveId" clId="{DE19108E-1677-4237-B397-E14CD22FFA0C}" dt="2025-02-22T06:52:12.914" v="6824" actId="478"/>
-          <ac:picMkLst>
-            <pc:docMk/>
-            <pc:sldMk cId="2394969536" sldId="274"/>
-            <ac:picMk id="3074" creationId="{9335E187-8B0D-D5CD-5C20-F9555C640AEC}"/>
-          </ac:picMkLst>
-        </pc:picChg>
-        <pc:picChg chg="add del mod">
-          <ac:chgData name="Dan Dan" userId="d52189bed908ad4a" providerId="LiveId" clId="{DE19108E-1677-4237-B397-E14CD22FFA0C}" dt="2025-02-22T06:56:13.803" v="6835" actId="478"/>
-          <ac:picMkLst>
-            <pc:docMk/>
-            <pc:sldMk cId="2394969536" sldId="274"/>
-            <ac:picMk id="3080" creationId="{75D71F6A-3D8A-EE71-E824-0C151A2998C3}"/>
-          </ac:picMkLst>
-        </pc:picChg>
-        <pc:picChg chg="add mod">
-          <ac:chgData name="Dan Dan" userId="d52189bed908ad4a" providerId="LiveId" clId="{DE19108E-1677-4237-B397-E14CD22FFA0C}" dt="2025-02-22T06:56:51.068" v="6855" actId="14100"/>
-          <ac:picMkLst>
-            <pc:docMk/>
-            <pc:sldMk cId="2394969536" sldId="274"/>
-            <ac:picMk id="3082" creationId="{D14BFB5B-4A1A-8780-38D8-559F42B47986}"/>
-          </ac:picMkLst>
-        </pc:picChg>
-      </pc:sldChg>
-      <pc:sldChg chg="delSp modSp add mod">
-        <pc:chgData name="Dan Dan" userId="d52189bed908ad4a" providerId="LiveId" clId="{DE19108E-1677-4237-B397-E14CD22FFA0C}" dt="2025-02-22T06:49:04.522" v="6784" actId="20577"/>
-        <pc:sldMkLst>
-          <pc:docMk/>
-          <pc:sldMk cId="1890162970" sldId="275"/>
-        </pc:sldMkLst>
-        <pc:spChg chg="mod">
-          <ac:chgData name="Dan Dan" userId="d52189bed908ad4a" providerId="LiveId" clId="{DE19108E-1677-4237-B397-E14CD22FFA0C}" dt="2025-02-22T06:46:39.544" v="6590" actId="20577"/>
-          <ac:spMkLst>
-            <pc:docMk/>
-            <pc:sldMk cId="1890162970" sldId="275"/>
-            <ac:spMk id="2" creationId="{346F3512-FEDB-6461-8B37-9A28F7A0121C}"/>
-          </ac:spMkLst>
-        </pc:spChg>
-        <pc:spChg chg="mod">
-          <ac:chgData name="Dan Dan" userId="d52189bed908ad4a" providerId="LiveId" clId="{DE19108E-1677-4237-B397-E14CD22FFA0C}" dt="2025-02-22T06:49:04.522" v="6784" actId="20577"/>
-          <ac:spMkLst>
-            <pc:docMk/>
-            <pc:sldMk cId="1890162970" sldId="275"/>
-            <ac:spMk id="3" creationId="{C77DF50E-28D7-4493-2722-5E3E00C616D0}"/>
-          </ac:spMkLst>
-        </pc:spChg>
-        <pc:picChg chg="del">
-          <ac:chgData name="Dan Dan" userId="d52189bed908ad4a" providerId="LiveId" clId="{DE19108E-1677-4237-B397-E14CD22FFA0C}" dt="2025-02-22T06:26:48.338" v="5764" actId="478"/>
-          <ac:picMkLst>
-            <pc:docMk/>
-            <pc:sldMk cId="1890162970" sldId="275"/>
-            <ac:picMk id="2050" creationId="{DEC1C31C-F87E-92B4-7E13-602968A6F87D}"/>
-          </ac:picMkLst>
-        </pc:picChg>
-      </pc:sldChg>
-      <pc:sldChg chg="new del">
-        <pc:chgData name="Dan Dan" userId="d52189bed908ad4a" providerId="LiveId" clId="{DE19108E-1677-4237-B397-E14CD22FFA0C}" dt="2025-02-22T06:26:12.026" v="5749" actId="680"/>
-        <pc:sldMkLst>
-          <pc:docMk/>
-          <pc:sldMk cId="3117316977" sldId="275"/>
-        </pc:sldMkLst>
-      </pc:sldChg>
-      <pc:sldChg chg="addSp delSp modSp new mod ord">
-        <pc:chgData name="Dan Dan" userId="d52189bed908ad4a" providerId="LiveId" clId="{DE19108E-1677-4237-B397-E14CD22FFA0C}" dt="2025-02-22T06:40:21.782" v="6378"/>
-        <pc:sldMkLst>
-          <pc:docMk/>
-          <pc:sldMk cId="1970344856" sldId="276"/>
-        </pc:sldMkLst>
-        <pc:spChg chg="del mod">
-          <ac:chgData name="Dan Dan" userId="d52189bed908ad4a" providerId="LiveId" clId="{DE19108E-1677-4237-B397-E14CD22FFA0C}" dt="2025-02-22T06:39:30.316" v="6372" actId="478"/>
-          <ac:spMkLst>
-            <pc:docMk/>
-            <pc:sldMk cId="1970344856" sldId="276"/>
-            <ac:spMk id="2" creationId="{B48F7602-058A-EF55-D9F0-6BCAD6D8CA94}"/>
-          </ac:spMkLst>
-        </pc:spChg>
-        <pc:spChg chg="del">
-          <ac:chgData name="Dan Dan" userId="d52189bed908ad4a" providerId="LiveId" clId="{DE19108E-1677-4237-B397-E14CD22FFA0C}" dt="2025-02-22T06:35:44.131" v="6337" actId="22"/>
-          <ac:spMkLst>
-            <pc:docMk/>
-            <pc:sldMk cId="1970344856" sldId="276"/>
-            <ac:spMk id="3" creationId="{439DEF47-01B2-EEE1-5CFF-87FEF6C8235A}"/>
-          </ac:spMkLst>
-        </pc:spChg>
-        <pc:spChg chg="add del mod">
-          <ac:chgData name="Dan Dan" userId="d52189bed908ad4a" providerId="LiveId" clId="{DE19108E-1677-4237-B397-E14CD22FFA0C}" dt="2025-02-22T06:39:23.344" v="6370" actId="22"/>
-          <ac:spMkLst>
-            <pc:docMk/>
-            <pc:sldMk cId="1970344856" sldId="276"/>
-            <ac:spMk id="8" creationId="{D3175C59-AB83-F9BD-00CE-3CEFAA7820D4}"/>
-          </ac:spMkLst>
-        </pc:spChg>
-        <pc:spChg chg="add del mod">
-          <ac:chgData name="Dan Dan" userId="d52189bed908ad4a" providerId="LiveId" clId="{DE19108E-1677-4237-B397-E14CD22FFA0C}" dt="2025-02-22T06:39:35.539" v="6373" actId="478"/>
-          <ac:spMkLst>
-            <pc:docMk/>
-            <pc:sldMk cId="1970344856" sldId="276"/>
-            <ac:spMk id="12" creationId="{8A84729A-E176-03AC-7131-45419D136F9C}"/>
-          </ac:spMkLst>
-        </pc:spChg>
-        <pc:picChg chg="add del mod ord">
-          <ac:chgData name="Dan Dan" userId="d52189bed908ad4a" providerId="LiveId" clId="{DE19108E-1677-4237-B397-E14CD22FFA0C}" dt="2025-02-22T06:39:21.414" v="6369" actId="478"/>
-          <ac:picMkLst>
-            <pc:docMk/>
-            <pc:sldMk cId="1970344856" sldId="276"/>
-            <ac:picMk id="6" creationId="{BF50FED4-8FF4-AD97-7E00-26D6F4340E53}"/>
-          </ac:picMkLst>
-        </pc:picChg>
-        <pc:picChg chg="add mod ord">
-          <ac:chgData name="Dan Dan" userId="d52189bed908ad4a" providerId="LiveId" clId="{DE19108E-1677-4237-B397-E14CD22FFA0C}" dt="2025-02-22T06:39:48.568" v="6376" actId="1076"/>
-          <ac:picMkLst>
-            <pc:docMk/>
-            <pc:sldMk cId="1970344856" sldId="276"/>
-            <ac:picMk id="10" creationId="{37A226E9-E48F-9E99-EF72-0723C7031C33}"/>
-          </ac:picMkLst>
-        </pc:picChg>
-      </pc:sldChg>
-      <pc:sldChg chg="addSp delSp modSp new mod ord">
-        <pc:chgData name="Dan Dan" userId="d52189bed908ad4a" providerId="LiveId" clId="{DE19108E-1677-4237-B397-E14CD22FFA0C}" dt="2025-02-22T07:13:38.535" v="7024" actId="113"/>
-        <pc:sldMkLst>
-          <pc:docMk/>
-          <pc:sldMk cId="3320392442" sldId="277"/>
-        </pc:sldMkLst>
-        <pc:spChg chg="del">
-          <ac:chgData name="Dan Dan" userId="d52189bed908ad4a" providerId="LiveId" clId="{DE19108E-1677-4237-B397-E14CD22FFA0C}" dt="2025-02-22T07:02:39.073" v="6925" actId="478"/>
-          <ac:spMkLst>
-            <pc:docMk/>
-            <pc:sldMk cId="3320392442" sldId="277"/>
-            <ac:spMk id="2" creationId="{E3DB3193-F4EF-F8FA-A330-B389F32CAEED}"/>
-          </ac:spMkLst>
-        </pc:spChg>
-        <pc:spChg chg="del">
-          <ac:chgData name="Dan Dan" userId="d52189bed908ad4a" providerId="LiveId" clId="{DE19108E-1677-4237-B397-E14CD22FFA0C}" dt="2025-02-22T07:02:41.696" v="6926" actId="478"/>
-          <ac:spMkLst>
-            <pc:docMk/>
-            <pc:sldMk cId="3320392442" sldId="277"/>
-            <ac:spMk id="3" creationId="{87DF93FA-F290-9553-766A-E60B7B2E9511}"/>
-          </ac:spMkLst>
-        </pc:spChg>
-        <pc:spChg chg="add mod">
-          <ac:chgData name="Dan Dan" userId="d52189bed908ad4a" providerId="LiveId" clId="{DE19108E-1677-4237-B397-E14CD22FFA0C}" dt="2025-02-22T07:13:38.535" v="7024" actId="113"/>
-          <ac:spMkLst>
-            <pc:docMk/>
-            <pc:sldMk cId="3320392442" sldId="277"/>
-            <ac:spMk id="8" creationId="{17E498BE-3E0E-6B53-D9E0-7AD206BEF431}"/>
-          </ac:spMkLst>
-        </pc:spChg>
-        <pc:picChg chg="add">
-          <ac:chgData name="Dan Dan" userId="d52189bed908ad4a" providerId="LiveId" clId="{DE19108E-1677-4237-B397-E14CD22FFA0C}" dt="2025-02-22T07:02:43.014" v="6927" actId="22"/>
-          <ac:picMkLst>
-            <pc:docMk/>
-            <pc:sldMk cId="3320392442" sldId="277"/>
-            <ac:picMk id="6" creationId="{E1723C68-EF7E-FED3-CB2D-1E8F61436EE8}"/>
-          </ac:picMkLst>
-        </pc:picChg>
-      </pc:sldChg>
-      <pc:sldChg chg="addSp delSp modSp new mod">
-        <pc:chgData name="Dan Dan" userId="d52189bed908ad4a" providerId="LiveId" clId="{DE19108E-1677-4237-B397-E14CD22FFA0C}" dt="2025-02-22T07:13:03.048" v="7023" actId="1076"/>
-        <pc:sldMkLst>
-          <pc:docMk/>
-          <pc:sldMk cId="1123149148" sldId="278"/>
-        </pc:sldMkLst>
-        <pc:spChg chg="del">
-          <ac:chgData name="Dan Dan" userId="d52189bed908ad4a" providerId="LiveId" clId="{DE19108E-1677-4237-B397-E14CD22FFA0C}" dt="2025-02-22T07:09:06.268" v="7009" actId="478"/>
-          <ac:spMkLst>
-            <pc:docMk/>
-            <pc:sldMk cId="1123149148" sldId="278"/>
-            <ac:spMk id="2" creationId="{E780A2C7-5A5B-9EDD-CDFB-95BDD46617DB}"/>
-          </ac:spMkLst>
-        </pc:spChg>
-        <pc:spChg chg="del">
-          <ac:chgData name="Dan Dan" userId="d52189bed908ad4a" providerId="LiveId" clId="{DE19108E-1677-4237-B397-E14CD22FFA0C}" dt="2025-02-22T07:09:00.435" v="7008" actId="22"/>
-          <ac:spMkLst>
-            <pc:docMk/>
-            <pc:sldMk cId="1123149148" sldId="278"/>
-            <ac:spMk id="3" creationId="{FCCBF8E3-9A79-EC1F-9CFD-0CE6D8376288}"/>
-          </ac:spMkLst>
-        </pc:spChg>
-        <pc:spChg chg="add del mod">
-          <ac:chgData name="Dan Dan" userId="d52189bed908ad4a" providerId="LiveId" clId="{DE19108E-1677-4237-B397-E14CD22FFA0C}" dt="2025-02-22T07:09:58.923" v="7014" actId="478"/>
-          <ac:spMkLst>
-            <pc:docMk/>
-            <pc:sldMk cId="1123149148" sldId="278"/>
-            <ac:spMk id="8" creationId="{D1CEBE0E-AF3A-9314-2293-598F114F2555}"/>
-          </ac:spMkLst>
-        </pc:spChg>
-        <pc:spChg chg="add mod">
-          <ac:chgData name="Dan Dan" userId="d52189bed908ad4a" providerId="LiveId" clId="{DE19108E-1677-4237-B397-E14CD22FFA0C}" dt="2025-02-22T07:13:03.048" v="7023" actId="1076"/>
-          <ac:spMkLst>
-            <pc:docMk/>
-            <pc:sldMk cId="1123149148" sldId="278"/>
-            <ac:spMk id="14" creationId="{740E16C8-EF49-A69B-4AC1-10ED4865364F}"/>
-          </ac:spMkLst>
-        </pc:spChg>
-        <pc:picChg chg="add del mod ord">
-          <ac:chgData name="Dan Dan" userId="d52189bed908ad4a" providerId="LiveId" clId="{DE19108E-1677-4237-B397-E14CD22FFA0C}" dt="2025-02-22T07:09:52.606" v="7012" actId="478"/>
-          <ac:picMkLst>
-            <pc:docMk/>
-            <pc:sldMk cId="1123149148" sldId="278"/>
-            <ac:picMk id="6" creationId="{99FE34E5-E70B-8E06-DFA8-4BA444F4566E}"/>
-          </ac:picMkLst>
-        </pc:picChg>
-        <pc:picChg chg="add mod">
-          <ac:chgData name="Dan Dan" userId="d52189bed908ad4a" providerId="LiveId" clId="{DE19108E-1677-4237-B397-E14CD22FFA0C}" dt="2025-02-22T07:10:01.837" v="7015" actId="1076"/>
-          <ac:picMkLst>
-            <pc:docMk/>
-            <pc:sldMk cId="1123149148" sldId="278"/>
-            <ac:picMk id="10" creationId="{1D513081-6630-49F7-B986-1971297FB838}"/>
-          </ac:picMkLst>
-        </pc:picChg>
-        <pc:picChg chg="add mod">
-          <ac:chgData name="Dan Dan" userId="d52189bed908ad4a" providerId="LiveId" clId="{DE19108E-1677-4237-B397-E14CD22FFA0C}" dt="2025-02-22T07:11:13.544" v="7020" actId="14100"/>
-          <ac:picMkLst>
-            <pc:docMk/>
-            <pc:sldMk cId="1123149148" sldId="278"/>
-            <ac:picMk id="12" creationId="{F773BAD5-0FF3-C6AA-EF78-693501141199}"/>
-          </ac:picMkLst>
-        </pc:picChg>
-      </pc:sldChg>
-    </pc:docChg>
-  </pc:docChgLst>
-</pc:chgInfo>
 </file>
 
 <file path=ppt/notesMasters/notesMaster1.xml><?xml version="1.0" encoding="utf-8"?>
@@ -5326,7 +4820,7 @@
             <p:ph idx="1"/>
             <p:extLst>
               <p:ext uri="{D42A27DB-BD31-4B8C-83A1-F6EECF244321}">
-                <p14:modId xmlns:p14="http://schemas.microsoft.com/office/powerpoint/2010/main" val="2944055569"/>
+                <p14:modId xmlns:p14="http://schemas.microsoft.com/office/powerpoint/2010/main" val="3071319691"/>
               </p:ext>
             </p:extLst>
           </p:nvPr>
@@ -5530,7 +5024,7 @@
                     <a:p>
                       <a:r>
                         <a:rPr lang="en-AU" sz="2400" dirty="0"/>
-                        <a:t>No</a:t>
+                        <a:t>Not</a:t>
                       </a:r>
                     </a:p>
                   </a:txBody>
@@ -6642,193 +6136,10 @@
       </p:grpSpPr>
       <p:sp>
         <p:nvSpPr>
-          <p:cNvPr id="2" name="Title 1">
-            <a:extLst>
-              <a:ext uri="{FF2B5EF4-FFF2-40B4-BE49-F238E27FC236}">
-                <a16:creationId xmlns:a16="http://schemas.microsoft.com/office/drawing/2014/main" id="{477F0730-B54B-3F40-DB4C-B94F81B735D5}"/>
-              </a:ext>
-            </a:extLst>
-          </p:cNvPr>
-          <p:cNvSpPr>
-            <a:spLocks noGrp="1"/>
-          </p:cNvSpPr>
-          <p:nvPr>
-            <p:ph type="title"/>
-          </p:nvPr>
-        </p:nvSpPr>
-        <p:spPr/>
-        <p:txBody>
-          <a:bodyPr/>
-          <a:lstStyle/>
-          <a:p>
-            <a:r>
-              <a:rPr lang="en-AU" dirty="0"/>
-              <a:t>Study tips</a:t>
-            </a:r>
-          </a:p>
-        </p:txBody>
-      </p:sp>
-      <p:sp>
-        <p:nvSpPr>
-          <p:cNvPr id="3" name="Content Placeholder 2">
-            <a:extLst>
-              <a:ext uri="{FF2B5EF4-FFF2-40B4-BE49-F238E27FC236}">
-                <a16:creationId xmlns:a16="http://schemas.microsoft.com/office/drawing/2014/main" id="{0637C4DA-C604-4BC5-DB58-E489C410FF07}"/>
-              </a:ext>
-            </a:extLst>
-          </p:cNvPr>
-          <p:cNvSpPr>
-            <a:spLocks noGrp="1"/>
-          </p:cNvSpPr>
-          <p:nvPr>
-            <p:ph idx="1"/>
-          </p:nvPr>
-        </p:nvSpPr>
-        <p:spPr/>
-        <p:txBody>
-          <a:bodyPr>
-            <a:normAutofit lnSpcReduction="10000"/>
-          </a:bodyPr>
-          <a:lstStyle/>
-          <a:p>
-            <a:r>
-              <a:rPr lang="en-AU" b="1" dirty="0"/>
-              <a:t>1. Study Resources – use multiple!</a:t>
-            </a:r>
-            <a:endParaRPr lang="en-AU" dirty="0"/>
-          </a:p>
-          <a:p>
-            <a:pPr marL="742950" lvl="1" indent="-285750">
-              <a:buFont typeface="Arial" panose="020B0604020202020204" pitchFamily="34" charset="0"/>
-              <a:buChar char="•"/>
-            </a:pPr>
-            <a:r>
-              <a:rPr lang="en-AU" dirty="0"/>
-              <a:t>Official learning paths cover most content, however it’s text-heavy;</a:t>
-            </a:r>
-          </a:p>
-          <a:p>
-            <a:pPr marL="742950" lvl="1" indent="-285750">
-              <a:buFont typeface="Arial" panose="020B0604020202020204" pitchFamily="34" charset="0"/>
-              <a:buChar char="•"/>
-            </a:pPr>
-            <a:r>
-              <a:rPr lang="en-AU" dirty="0"/>
-              <a:t>Use free resources and free trials, including 3</a:t>
-            </a:r>
-            <a:r>
-              <a:rPr lang="en-AU" baseline="30000" dirty="0"/>
-              <a:t>rd</a:t>
-            </a:r>
-            <a:r>
-              <a:rPr lang="en-AU" dirty="0"/>
-              <a:t> party video platforms</a:t>
-            </a:r>
-          </a:p>
-          <a:p>
-            <a:pPr marL="742950" lvl="1" indent="-285750">
-              <a:buFont typeface="Arial" panose="020B0604020202020204" pitchFamily="34" charset="0"/>
-              <a:buChar char="•"/>
-            </a:pPr>
-            <a:r>
-              <a:rPr lang="en-AU" dirty="0"/>
-              <a:t>Check out the study guide so you cover all of the topics on the exam – (sometimes new stuff is added and old stuff is removed from exams!)</a:t>
-            </a:r>
-          </a:p>
-          <a:p>
-            <a:pPr marL="457200" lvl="1" indent="0">
-              <a:buNone/>
-            </a:pPr>
-            <a:endParaRPr lang="en-AU" dirty="0"/>
-          </a:p>
-          <a:p>
-            <a:r>
-              <a:rPr lang="en-AU" b="1" dirty="0"/>
-              <a:t> 2. Hands-On Practice</a:t>
-            </a:r>
-          </a:p>
-          <a:p>
-            <a:pPr lvl="1"/>
-            <a:r>
-              <a:rPr lang="en-AU" dirty="0"/>
-              <a:t>Do practice exams to validate your learning and build your confidence.</a:t>
-            </a:r>
-          </a:p>
-          <a:p>
-            <a:pPr lvl="1"/>
-            <a:r>
-              <a:rPr lang="en-GB" dirty="0"/>
-              <a:t>Follow along with tutorials,</a:t>
-            </a:r>
-          </a:p>
-          <a:p>
-            <a:pPr lvl="1"/>
-            <a:r>
-              <a:rPr lang="en-GB" dirty="0"/>
-              <a:t>Experiment with sample code, clone projects, learn by doing</a:t>
-            </a:r>
-          </a:p>
-          <a:p>
-            <a:pPr lvl="1"/>
-            <a:r>
-              <a:rPr lang="en-GB" i="1" dirty="0"/>
-              <a:t>“If I have seen further, it is by standing on the shoulders of giants.”</a:t>
-            </a:r>
-            <a:br>
-              <a:rPr lang="en-GB" i="1" dirty="0"/>
-            </a:br>
-            <a:r>
-              <a:rPr lang="en-GB" i="1" dirty="0"/>
-              <a:t>-Isaac Newton</a:t>
-            </a:r>
-          </a:p>
-          <a:p>
-            <a:pPr lvl="1"/>
-            <a:endParaRPr lang="en-AU" dirty="0"/>
-          </a:p>
-          <a:p>
-            <a:pPr lvl="1"/>
-            <a:endParaRPr lang="en-GB" dirty="0"/>
-          </a:p>
-          <a:p>
-            <a:pPr marL="457200" lvl="1" indent="0">
-              <a:buNone/>
-            </a:pPr>
-            <a:endParaRPr lang="en-GB" sz="1600" dirty="0"/>
-          </a:p>
-          <a:p>
-            <a:pPr marL="457200" lvl="1" indent="0">
-              <a:buNone/>
-            </a:pPr>
-            <a:endParaRPr lang="en-GB" sz="1600" dirty="0"/>
-          </a:p>
-          <a:p>
-            <a:pPr marL="457200" lvl="1" indent="0">
-              <a:buNone/>
-            </a:pPr>
-            <a:endParaRPr lang="en-AU" sz="2000" dirty="0"/>
-          </a:p>
-          <a:p>
-            <a:pPr lvl="1"/>
-            <a:endParaRPr lang="en-AU" sz="2000" dirty="0"/>
-          </a:p>
-          <a:p>
-            <a:endParaRPr lang="en-AU" sz="2400" b="1" dirty="0"/>
-          </a:p>
-          <a:p>
-            <a:endParaRPr lang="en-AU" b="1" dirty="0"/>
-          </a:p>
-          <a:p>
-            <a:endParaRPr lang="en-AU" b="1" dirty="0"/>
-          </a:p>
-        </p:txBody>
-      </p:sp>
-      <p:sp>
-        <p:nvSpPr>
           <p:cNvPr id="4" name="Slide Number Placeholder 3">
             <a:extLst>
               <a:ext uri="{FF2B5EF4-FFF2-40B4-BE49-F238E27FC236}">
-                <a16:creationId xmlns:a16="http://schemas.microsoft.com/office/drawing/2014/main" id="{F546ED46-2F7E-EE20-8CEA-B06C8D2CD769}"/>
+                <a16:creationId xmlns:a16="http://schemas.microsoft.com/office/drawing/2014/main" id="{99C52F18-EA09-C7D4-9253-A507A4B41C22}"/>
               </a:ext>
             </a:extLst>
           </p:cNvPr>
@@ -6852,10 +6163,105 @@
           </a:p>
         </p:txBody>
       </p:sp>
+      <p:pic>
+        <p:nvPicPr>
+          <p:cNvPr id="10" name="Picture 9">
+            <a:extLst>
+              <a:ext uri="{FF2B5EF4-FFF2-40B4-BE49-F238E27FC236}">
+                <a16:creationId xmlns:a16="http://schemas.microsoft.com/office/drawing/2014/main" id="{1D513081-6630-49F7-B986-1971297FB838}"/>
+              </a:ext>
+            </a:extLst>
+          </p:cNvPr>
+          <p:cNvPicPr>
+            <a:picLocks noChangeAspect="1"/>
+          </p:cNvPicPr>
+          <p:nvPr/>
+        </p:nvPicPr>
+        <p:blipFill>
+          <a:blip r:embed="rId2"/>
+          <a:stretch>
+            <a:fillRect/>
+          </a:stretch>
+        </p:blipFill>
+        <p:spPr>
+          <a:xfrm>
+            <a:off x="0" y="0"/>
+            <a:ext cx="7705781" cy="5495965"/>
+          </a:xfrm>
+          <a:prstGeom prst="rect">
+            <a:avLst/>
+          </a:prstGeom>
+        </p:spPr>
+      </p:pic>
+      <p:pic>
+        <p:nvPicPr>
+          <p:cNvPr id="12" name="Picture 11">
+            <a:extLst>
+              <a:ext uri="{FF2B5EF4-FFF2-40B4-BE49-F238E27FC236}">
+                <a16:creationId xmlns:a16="http://schemas.microsoft.com/office/drawing/2014/main" id="{F773BAD5-0FF3-C6AA-EF78-693501141199}"/>
+              </a:ext>
+            </a:extLst>
+          </p:cNvPr>
+          <p:cNvPicPr>
+            <a:picLocks noChangeAspect="1"/>
+          </p:cNvPicPr>
+          <p:nvPr/>
+        </p:nvPicPr>
+        <p:blipFill>
+          <a:blip r:embed="rId3"/>
+          <a:stretch>
+            <a:fillRect/>
+          </a:stretch>
+        </p:blipFill>
+        <p:spPr>
+          <a:xfrm>
+            <a:off x="108110" y="2622557"/>
+            <a:ext cx="12009051" cy="3932883"/>
+          </a:xfrm>
+          <a:prstGeom prst="rect">
+            <a:avLst/>
+          </a:prstGeom>
+        </p:spPr>
+      </p:pic>
+      <p:sp>
+        <p:nvSpPr>
+          <p:cNvPr id="14" name="TextBox 13">
+            <a:extLst>
+              <a:ext uri="{FF2B5EF4-FFF2-40B4-BE49-F238E27FC236}">
+                <a16:creationId xmlns:a16="http://schemas.microsoft.com/office/drawing/2014/main" id="{740E16C8-EF49-A69B-4AC1-10ED4865364F}"/>
+              </a:ext>
+            </a:extLst>
+          </p:cNvPr>
+          <p:cNvSpPr txBox="1"/>
+          <p:nvPr/>
+        </p:nvSpPr>
+        <p:spPr>
+          <a:xfrm>
+            <a:off x="0" y="6482023"/>
+            <a:ext cx="11634475" cy="369332"/>
+          </a:xfrm>
+          <a:prstGeom prst="rect">
+            <a:avLst/>
+          </a:prstGeom>
+          <a:noFill/>
+        </p:spPr>
+        <p:txBody>
+          <a:bodyPr wrap="square">
+            <a:spAutoFit/>
+          </a:bodyPr>
+          <a:lstStyle/>
+          <a:p>
+            <a:r>
+              <a:rPr lang="en-AU" dirty="0"/>
+              <a:t>https://github.com/LadyKerr/github-certification-guide/blob/main/study-guides/gh-foundations.md</a:t>
+            </a:r>
+          </a:p>
+        </p:txBody>
+      </p:sp>
     </p:spTree>
     <p:extLst>
       <p:ext uri="{BB962C8B-B14F-4D97-AF65-F5344CB8AC3E}">
-        <p14:creationId xmlns:p14="http://schemas.microsoft.com/office/powerpoint/2010/main" val="280629650"/>
+        <p14:creationId xmlns:p14="http://schemas.microsoft.com/office/powerpoint/2010/main" val="1123149148"/>
       </p:ext>
     </p:extLst>
   </p:cSld>
@@ -7020,10 +6426,193 @@
       </p:grpSpPr>
       <p:sp>
         <p:nvSpPr>
+          <p:cNvPr id="2" name="Title 1">
+            <a:extLst>
+              <a:ext uri="{FF2B5EF4-FFF2-40B4-BE49-F238E27FC236}">
+                <a16:creationId xmlns:a16="http://schemas.microsoft.com/office/drawing/2014/main" id="{477F0730-B54B-3F40-DB4C-B94F81B735D5}"/>
+              </a:ext>
+            </a:extLst>
+          </p:cNvPr>
+          <p:cNvSpPr>
+            <a:spLocks noGrp="1"/>
+          </p:cNvSpPr>
+          <p:nvPr>
+            <p:ph type="title"/>
+          </p:nvPr>
+        </p:nvSpPr>
+        <p:spPr/>
+        <p:txBody>
+          <a:bodyPr/>
+          <a:lstStyle/>
+          <a:p>
+            <a:r>
+              <a:rPr lang="en-AU" dirty="0"/>
+              <a:t>Study tips</a:t>
+            </a:r>
+          </a:p>
+        </p:txBody>
+      </p:sp>
+      <p:sp>
+        <p:nvSpPr>
+          <p:cNvPr id="3" name="Content Placeholder 2">
+            <a:extLst>
+              <a:ext uri="{FF2B5EF4-FFF2-40B4-BE49-F238E27FC236}">
+                <a16:creationId xmlns:a16="http://schemas.microsoft.com/office/drawing/2014/main" id="{0637C4DA-C604-4BC5-DB58-E489C410FF07}"/>
+              </a:ext>
+            </a:extLst>
+          </p:cNvPr>
+          <p:cNvSpPr>
+            <a:spLocks noGrp="1"/>
+          </p:cNvSpPr>
+          <p:nvPr>
+            <p:ph idx="1"/>
+          </p:nvPr>
+        </p:nvSpPr>
+        <p:spPr/>
+        <p:txBody>
+          <a:bodyPr>
+            <a:normAutofit lnSpcReduction="10000"/>
+          </a:bodyPr>
+          <a:lstStyle/>
+          <a:p>
+            <a:r>
+              <a:rPr lang="en-AU" b="1" dirty="0"/>
+              <a:t>1. Study Resources – use multiple!</a:t>
+            </a:r>
+            <a:endParaRPr lang="en-AU" dirty="0"/>
+          </a:p>
+          <a:p>
+            <a:pPr marL="742950" lvl="1" indent="-285750">
+              <a:buFont typeface="Arial" panose="020B0604020202020204" pitchFamily="34" charset="0"/>
+              <a:buChar char="•"/>
+            </a:pPr>
+            <a:r>
+              <a:rPr lang="en-AU" dirty="0"/>
+              <a:t>Official learning paths cover most content, however it’s text-heavy;</a:t>
+            </a:r>
+          </a:p>
+          <a:p>
+            <a:pPr marL="742950" lvl="1" indent="-285750">
+              <a:buFont typeface="Arial" panose="020B0604020202020204" pitchFamily="34" charset="0"/>
+              <a:buChar char="•"/>
+            </a:pPr>
+            <a:r>
+              <a:rPr lang="en-AU" dirty="0"/>
+              <a:t>Use free resources and free trials, including 3</a:t>
+            </a:r>
+            <a:r>
+              <a:rPr lang="en-AU" baseline="30000" dirty="0"/>
+              <a:t>rd</a:t>
+            </a:r>
+            <a:r>
+              <a:rPr lang="en-AU" dirty="0"/>
+              <a:t> party video platforms</a:t>
+            </a:r>
+          </a:p>
+          <a:p>
+            <a:pPr marL="742950" lvl="1" indent="-285750">
+              <a:buFont typeface="Arial" panose="020B0604020202020204" pitchFamily="34" charset="0"/>
+              <a:buChar char="•"/>
+            </a:pPr>
+            <a:r>
+              <a:rPr lang="en-AU" dirty="0"/>
+              <a:t>Check out the study guide so you cover all of the topics on the exam – (sometimes new stuff is added and old stuff is removed from exams!)</a:t>
+            </a:r>
+          </a:p>
+          <a:p>
+            <a:pPr marL="457200" lvl="1" indent="0">
+              <a:buNone/>
+            </a:pPr>
+            <a:endParaRPr lang="en-AU" dirty="0"/>
+          </a:p>
+          <a:p>
+            <a:r>
+              <a:rPr lang="en-AU" b="1" dirty="0"/>
+              <a:t> 2. Hands-On Practice</a:t>
+            </a:r>
+          </a:p>
+          <a:p>
+            <a:pPr lvl="1"/>
+            <a:r>
+              <a:rPr lang="en-AU" dirty="0"/>
+              <a:t>Do practice exams to validate your learning and build your confidence.</a:t>
+            </a:r>
+          </a:p>
+          <a:p>
+            <a:pPr lvl="1"/>
+            <a:r>
+              <a:rPr lang="en-GB" dirty="0"/>
+              <a:t>Follow along with tutorials,</a:t>
+            </a:r>
+          </a:p>
+          <a:p>
+            <a:pPr lvl="1"/>
+            <a:r>
+              <a:rPr lang="en-GB" dirty="0"/>
+              <a:t>Experiment with sample code, clone projects, learn by doing</a:t>
+            </a:r>
+          </a:p>
+          <a:p>
+            <a:pPr lvl="1"/>
+            <a:r>
+              <a:rPr lang="en-GB" i="1" dirty="0"/>
+              <a:t>“If I have seen further, it is by standing on the shoulders of giants.”</a:t>
+            </a:r>
+            <a:br>
+              <a:rPr lang="en-GB" i="1" dirty="0"/>
+            </a:br>
+            <a:r>
+              <a:rPr lang="en-GB" i="1" dirty="0"/>
+              <a:t>-Isaac Newton</a:t>
+            </a:r>
+          </a:p>
+          <a:p>
+            <a:pPr lvl="1"/>
+            <a:endParaRPr lang="en-AU" dirty="0"/>
+          </a:p>
+          <a:p>
+            <a:pPr lvl="1"/>
+            <a:endParaRPr lang="en-GB" dirty="0"/>
+          </a:p>
+          <a:p>
+            <a:pPr marL="457200" lvl="1" indent="0">
+              <a:buNone/>
+            </a:pPr>
+            <a:endParaRPr lang="en-GB" sz="1600" dirty="0"/>
+          </a:p>
+          <a:p>
+            <a:pPr marL="457200" lvl="1" indent="0">
+              <a:buNone/>
+            </a:pPr>
+            <a:endParaRPr lang="en-GB" sz="1600" dirty="0"/>
+          </a:p>
+          <a:p>
+            <a:pPr marL="457200" lvl="1" indent="0">
+              <a:buNone/>
+            </a:pPr>
+            <a:endParaRPr lang="en-AU" sz="2000" dirty="0"/>
+          </a:p>
+          <a:p>
+            <a:pPr lvl="1"/>
+            <a:endParaRPr lang="en-AU" sz="2000" dirty="0"/>
+          </a:p>
+          <a:p>
+            <a:endParaRPr lang="en-AU" sz="2400" b="1" dirty="0"/>
+          </a:p>
+          <a:p>
+            <a:endParaRPr lang="en-AU" b="1" dirty="0"/>
+          </a:p>
+          <a:p>
+            <a:endParaRPr lang="en-AU" b="1" dirty="0"/>
+          </a:p>
+        </p:txBody>
+      </p:sp>
+      <p:sp>
+        <p:nvSpPr>
           <p:cNvPr id="4" name="Slide Number Placeholder 3">
             <a:extLst>
               <a:ext uri="{FF2B5EF4-FFF2-40B4-BE49-F238E27FC236}">
-                <a16:creationId xmlns:a16="http://schemas.microsoft.com/office/drawing/2014/main" id="{65ECD9B2-A47B-0DBD-EE3F-CCC00C042B83}"/>
+                <a16:creationId xmlns:a16="http://schemas.microsoft.com/office/drawing/2014/main" id="{F546ED46-2F7E-EE20-8CEA-B06C8D2CD769}"/>
               </a:ext>
             </a:extLst>
           </p:cNvPr>
@@ -7047,75 +6636,10 @@
           </a:p>
         </p:txBody>
       </p:sp>
-      <p:pic>
-        <p:nvPicPr>
-          <p:cNvPr id="6" name="Picture 5">
-            <a:extLst>
-              <a:ext uri="{FF2B5EF4-FFF2-40B4-BE49-F238E27FC236}">
-                <a16:creationId xmlns:a16="http://schemas.microsoft.com/office/drawing/2014/main" id="{E1723C68-EF7E-FED3-CB2D-1E8F61436EE8}"/>
-              </a:ext>
-            </a:extLst>
-          </p:cNvPr>
-          <p:cNvPicPr>
-            <a:picLocks noChangeAspect="1"/>
-          </p:cNvPicPr>
-          <p:nvPr/>
-        </p:nvPicPr>
-        <p:blipFill>
-          <a:blip r:embed="rId2"/>
-          <a:stretch>
-            <a:fillRect/>
-          </a:stretch>
-        </p:blipFill>
-        <p:spPr>
-          <a:xfrm>
-            <a:off x="1599098" y="0"/>
-            <a:ext cx="8993803" cy="6858000"/>
-          </a:xfrm>
-          <a:prstGeom prst="rect">
-            <a:avLst/>
-          </a:prstGeom>
-        </p:spPr>
-      </p:pic>
-      <p:sp>
-        <p:nvSpPr>
-          <p:cNvPr id="8" name="TextBox 7">
-            <a:extLst>
-              <a:ext uri="{FF2B5EF4-FFF2-40B4-BE49-F238E27FC236}">
-                <a16:creationId xmlns:a16="http://schemas.microsoft.com/office/drawing/2014/main" id="{17E498BE-3E0E-6B53-D9E0-7AD206BEF431}"/>
-              </a:ext>
-            </a:extLst>
-          </p:cNvPr>
-          <p:cNvSpPr txBox="1"/>
-          <p:nvPr/>
-        </p:nvSpPr>
-        <p:spPr>
-          <a:xfrm>
-            <a:off x="146421" y="6439292"/>
-            <a:ext cx="6094926" cy="369332"/>
-          </a:xfrm>
-          <a:prstGeom prst="rect">
-            <a:avLst/>
-          </a:prstGeom>
-          <a:noFill/>
-        </p:spPr>
-        <p:txBody>
-          <a:bodyPr wrap="square">
-            <a:spAutoFit/>
-          </a:bodyPr>
-          <a:lstStyle/>
-          <a:p>
-            <a:r>
-              <a:rPr lang="en-AU" dirty="0"/>
-              <a:t>https://ghcertified.com/practice_tests/foundations/</a:t>
-            </a:r>
-          </a:p>
-        </p:txBody>
-      </p:sp>
     </p:spTree>
     <p:extLst>
       <p:ext uri="{BB962C8B-B14F-4D97-AF65-F5344CB8AC3E}">
-        <p14:creationId xmlns:p14="http://schemas.microsoft.com/office/powerpoint/2010/main" val="3320392442"/>
+        <p14:creationId xmlns:p14="http://schemas.microsoft.com/office/powerpoint/2010/main" val="280629650"/>
       </p:ext>
     </p:extLst>
   </p:cSld>
@@ -7144,409 +6668,10 @@
       </p:grpSpPr>
       <p:sp>
         <p:nvSpPr>
-          <p:cNvPr id="2" name="Title 1">
-            <a:extLst>
-              <a:ext uri="{FF2B5EF4-FFF2-40B4-BE49-F238E27FC236}">
-                <a16:creationId xmlns:a16="http://schemas.microsoft.com/office/drawing/2014/main" id="{F04FEA51-F17A-ABB8-5455-72A5019E4650}"/>
-              </a:ext>
-            </a:extLst>
-          </p:cNvPr>
-          <p:cNvSpPr>
-            <a:spLocks noGrp="1"/>
-          </p:cNvSpPr>
-          <p:nvPr>
-            <p:ph type="title"/>
-          </p:nvPr>
-        </p:nvSpPr>
-        <p:spPr/>
-        <p:txBody>
-          <a:bodyPr/>
-          <a:lstStyle/>
-          <a:p>
-            <a:r>
-              <a:rPr lang="en-AU" dirty="0"/>
-              <a:t>Microsoft / GitHub exam prep resources</a:t>
-            </a:r>
-          </a:p>
-        </p:txBody>
-      </p:sp>
-      <p:sp>
-        <p:nvSpPr>
-          <p:cNvPr id="3" name="Content Placeholder 2">
-            <a:extLst>
-              <a:ext uri="{FF2B5EF4-FFF2-40B4-BE49-F238E27FC236}">
-                <a16:creationId xmlns:a16="http://schemas.microsoft.com/office/drawing/2014/main" id="{3E8D3311-650C-4737-78A6-86801538553C}"/>
-              </a:ext>
-            </a:extLst>
-          </p:cNvPr>
-          <p:cNvSpPr>
-            <a:spLocks noGrp="1"/>
-          </p:cNvSpPr>
-          <p:nvPr>
-            <p:ph idx="1"/>
-          </p:nvPr>
-        </p:nvSpPr>
-        <p:spPr>
-          <a:xfrm>
-            <a:off x="838199" y="1825625"/>
-            <a:ext cx="10971727" cy="4955102"/>
-          </a:xfrm>
-        </p:spPr>
-        <p:txBody>
-          <a:bodyPr>
-            <a:normAutofit fontScale="70000" lnSpcReduction="20000"/>
-          </a:bodyPr>
-          <a:lstStyle/>
-          <a:p>
-            <a:r>
-              <a:rPr lang="en-AU" u="sng" dirty="0"/>
-              <a:t>Microsoft Learn for GitHub</a:t>
-            </a:r>
-            <a:br>
-              <a:rPr lang="en-AU" u="sng" dirty="0"/>
-            </a:br>
-            <a:r>
-              <a:rPr lang="en-AU" dirty="0">
-                <a:hlinkClick r:id="rId2"/>
-              </a:rPr>
-              <a:t>https://learn.microsoft.com/en-us/training/github/</a:t>
-            </a:r>
-            <a:br>
-              <a:rPr lang="en-AU" dirty="0"/>
-            </a:br>
-            <a:r>
-              <a:rPr lang="en-AU" i="1" dirty="0"/>
-              <a:t>Scroll to bottom, click ‘Register today’ to register (or not, even MS struggle with broken links) </a:t>
-            </a:r>
-            <a:endParaRPr lang="en-GB" b="0" i="1" dirty="0">
-              <a:effectLst/>
-              <a:latin typeface="Segoe UI" panose="020B0502040204020203" pitchFamily="34" charset="0"/>
-            </a:endParaRPr>
-          </a:p>
-          <a:p>
-            <a:r>
-              <a:rPr lang="en-GB" b="0" i="0" dirty="0">
-                <a:solidFill>
-                  <a:srgbClr val="333333"/>
-                </a:solidFill>
-                <a:effectLst/>
-                <a:latin typeface="Segoe UI" panose="020B0502040204020203" pitchFamily="34" charset="0"/>
-              </a:rPr>
-              <a:t>Microsoft’s Exam Readiness Zone</a:t>
-            </a:r>
-            <a:br>
-              <a:rPr lang="en-GB" b="0" i="0" dirty="0">
-                <a:solidFill>
-                  <a:srgbClr val="333333"/>
-                </a:solidFill>
-                <a:effectLst/>
-                <a:latin typeface="Segoe UI" panose="020B0502040204020203" pitchFamily="34" charset="0"/>
-              </a:rPr>
-            </a:br>
-            <a:r>
-              <a:rPr lang="en-GB" dirty="0">
-                <a:solidFill>
-                  <a:srgbClr val="333333"/>
-                </a:solidFill>
-                <a:latin typeface="Segoe UI" panose="020B0502040204020203" pitchFamily="34" charset="0"/>
-                <a:hlinkClick r:id="rId3"/>
-              </a:rPr>
-              <a:t>https://learn.microsoft.com/en-us/shows/exam-readiness-zone</a:t>
-            </a:r>
-            <a:r>
-              <a:rPr lang="en-GB" dirty="0">
-                <a:solidFill>
-                  <a:srgbClr val="333333"/>
-                </a:solidFill>
-                <a:latin typeface="Segoe UI" panose="020B0502040204020203" pitchFamily="34" charset="0"/>
-              </a:rPr>
-              <a:t> </a:t>
-            </a:r>
-            <a:r>
-              <a:rPr lang="en-GB" b="0" i="1" dirty="0">
-                <a:solidFill>
-                  <a:srgbClr val="333333"/>
-                </a:solidFill>
-                <a:effectLst/>
-                <a:latin typeface="Segoe UI" panose="020B0502040204020203" pitchFamily="34" charset="0"/>
-              </a:rPr>
-              <a:t>(MCT x GitHub</a:t>
-            </a:r>
-            <a:r>
-              <a:rPr lang="en-GB" i="1" dirty="0">
-                <a:solidFill>
-                  <a:srgbClr val="333333"/>
-                </a:solidFill>
-                <a:latin typeface="Segoe UI" panose="020B0502040204020203" pitchFamily="34" charset="0"/>
-              </a:rPr>
-              <a:t>?</a:t>
-            </a:r>
-            <a:r>
-              <a:rPr lang="en-GB" b="0" i="1" dirty="0">
-                <a:solidFill>
-                  <a:srgbClr val="333333"/>
-                </a:solidFill>
-                <a:effectLst/>
-                <a:latin typeface="Segoe UI" panose="020B0502040204020203" pitchFamily="34" charset="0"/>
-              </a:rPr>
-              <a:t>)</a:t>
-            </a:r>
-          </a:p>
-          <a:p>
-            <a:r>
-              <a:rPr lang="en-GB" b="0" i="0" dirty="0">
-                <a:solidFill>
-                  <a:srgbClr val="333333"/>
-                </a:solidFill>
-                <a:effectLst/>
-                <a:latin typeface="Segoe UI" panose="020B0502040204020203" pitchFamily="34" charset="0"/>
-              </a:rPr>
-              <a:t>GitHub Education</a:t>
-            </a:r>
-            <a:br>
-              <a:rPr lang="en-GB" b="0" i="0" dirty="0">
-                <a:solidFill>
-                  <a:srgbClr val="333333"/>
-                </a:solidFill>
-                <a:effectLst/>
-                <a:latin typeface="Segoe UI" panose="020B0502040204020203" pitchFamily="34" charset="0"/>
-              </a:rPr>
-            </a:br>
-            <a:r>
-              <a:rPr lang="en-GB" b="0" i="0" dirty="0">
-                <a:solidFill>
-                  <a:srgbClr val="333333"/>
-                </a:solidFill>
-                <a:effectLst/>
-                <a:latin typeface="Segoe UI" panose="020B0502040204020203" pitchFamily="34" charset="0"/>
-                <a:hlinkClick r:id="rId4"/>
-              </a:rPr>
-              <a:t>https://education.github.com/experiences/foundations_certificate</a:t>
-            </a:r>
-            <a:endParaRPr lang="en-GB" b="0" i="0" dirty="0">
-              <a:solidFill>
-                <a:srgbClr val="333333"/>
-              </a:solidFill>
-              <a:effectLst/>
-              <a:latin typeface="Segoe UI" panose="020B0502040204020203" pitchFamily="34" charset="0"/>
-            </a:endParaRPr>
-          </a:p>
-          <a:p>
-            <a:r>
-              <a:rPr lang="en-GB" dirty="0">
-                <a:hlinkClick r:id="rId5"/>
-              </a:rPr>
-              <a:t>https://github.com/LadyKerr/github-certification-guide/blob/main/study-guides/gh-foundations.md</a:t>
-            </a:r>
-            <a:endParaRPr lang="en-GB" i="1" dirty="0"/>
-          </a:p>
-          <a:p>
-            <a:pPr lvl="1"/>
-            <a:r>
-              <a:rPr lang="en-GB" b="0" i="1" dirty="0" err="1">
-                <a:solidFill>
-                  <a:srgbClr val="333333"/>
-                </a:solidFill>
-                <a:effectLst/>
-                <a:latin typeface="Segoe UI" panose="020B0502040204020203" pitchFamily="34" charset="0"/>
-              </a:rPr>
-              <a:t>Datacamp</a:t>
-            </a:r>
-            <a:r>
-              <a:rPr lang="en-GB" b="0" i="1" dirty="0">
-                <a:solidFill>
-                  <a:srgbClr val="333333"/>
-                </a:solidFill>
-                <a:effectLst/>
-                <a:latin typeface="Segoe UI" panose="020B0502040204020203" pitchFamily="34" charset="0"/>
-              </a:rPr>
-              <a:t> (free sign-up)</a:t>
-            </a:r>
-          </a:p>
-          <a:p>
-            <a:pPr lvl="1"/>
-            <a:r>
-              <a:rPr lang="en-GB" b="0" i="1" dirty="0">
-                <a:solidFill>
-                  <a:srgbClr val="333333"/>
-                </a:solidFill>
-                <a:effectLst/>
-                <a:latin typeface="Segoe UI" panose="020B0502040204020203" pitchFamily="34" charset="0"/>
-              </a:rPr>
-              <a:t>LinkedIn Learning (good if your employer pays)</a:t>
-            </a:r>
-          </a:p>
-          <a:p>
-            <a:pPr lvl="1"/>
-            <a:r>
-              <a:rPr lang="en-GB" i="1" dirty="0">
-                <a:solidFill>
-                  <a:srgbClr val="333333"/>
-                </a:solidFill>
-                <a:latin typeface="Segoe UI" panose="020B0502040204020203" pitchFamily="34" charset="0"/>
-              </a:rPr>
-              <a:t>GitHub Education (if you have a .</a:t>
-            </a:r>
-            <a:r>
-              <a:rPr lang="en-GB" i="1" dirty="0" err="1">
-                <a:solidFill>
-                  <a:srgbClr val="333333"/>
-                </a:solidFill>
-                <a:latin typeface="Segoe UI" panose="020B0502040204020203" pitchFamily="34" charset="0"/>
-              </a:rPr>
-              <a:t>edu</a:t>
-            </a:r>
-            <a:r>
-              <a:rPr lang="en-GB" i="1" dirty="0">
-                <a:solidFill>
-                  <a:srgbClr val="333333"/>
-                </a:solidFill>
-                <a:latin typeface="Segoe UI" panose="020B0502040204020203" pitchFamily="34" charset="0"/>
-              </a:rPr>
-              <a:t> email address</a:t>
-            </a:r>
-            <a:r>
-              <a:rPr lang="en-GB" i="1">
-                <a:solidFill>
-                  <a:srgbClr val="333333"/>
-                </a:solidFill>
-                <a:latin typeface="Segoe UI" panose="020B0502040204020203" pitchFamily="34" charset="0"/>
-              </a:rPr>
-              <a:t>, unlocks bonus </a:t>
-            </a:r>
-            <a:r>
-              <a:rPr lang="en-GB" i="1" dirty="0">
-                <a:solidFill>
-                  <a:srgbClr val="333333"/>
-                </a:solidFill>
-                <a:latin typeface="Segoe UI" panose="020B0502040204020203" pitchFamily="34" charset="0"/>
-              </a:rPr>
-              <a:t>content on the GitHub Education site)</a:t>
-            </a:r>
-          </a:p>
-          <a:p>
-            <a:r>
-              <a:rPr lang="en-GB" i="1" dirty="0">
-                <a:solidFill>
-                  <a:srgbClr val="333333"/>
-                </a:solidFill>
-                <a:latin typeface="Segoe UI" panose="020B0502040204020203" pitchFamily="34" charset="0"/>
-              </a:rPr>
-              <a:t>3</a:t>
-            </a:r>
-            <a:r>
-              <a:rPr lang="en-GB" i="1" baseline="30000" dirty="0">
-                <a:solidFill>
-                  <a:srgbClr val="333333"/>
-                </a:solidFill>
-                <a:latin typeface="Segoe UI" panose="020B0502040204020203" pitchFamily="34" charset="0"/>
-              </a:rPr>
-              <a:t>rd</a:t>
-            </a:r>
-            <a:r>
-              <a:rPr lang="en-GB" i="1" dirty="0">
-                <a:solidFill>
-                  <a:srgbClr val="333333"/>
-                </a:solidFill>
-                <a:latin typeface="Segoe UI" panose="020B0502040204020203" pitchFamily="34" charset="0"/>
-              </a:rPr>
-              <a:t> party resources e.g.: </a:t>
-            </a:r>
-            <a:r>
-              <a:rPr lang="en-GB" b="0" i="1" dirty="0">
-                <a:solidFill>
-                  <a:srgbClr val="333333"/>
-                </a:solidFill>
-                <a:effectLst/>
-                <a:latin typeface="Segoe UI" panose="020B0502040204020203" pitchFamily="34" charset="0"/>
-              </a:rPr>
-              <a:t>https://github.com/btkrausen/github_certification</a:t>
-            </a:r>
-          </a:p>
-          <a:p>
-            <a:r>
-              <a:rPr lang="en-GB" b="0" i="0" dirty="0">
-                <a:solidFill>
-                  <a:srgbClr val="333333"/>
-                </a:solidFill>
-                <a:effectLst/>
-                <a:latin typeface="Segoe UI" panose="020B0502040204020203" pitchFamily="34" charset="0"/>
-              </a:rPr>
-              <a:t>Candidate Handbook (logistics)</a:t>
-            </a:r>
-            <a:br>
-              <a:rPr lang="en-GB" b="0" i="0" dirty="0">
-                <a:solidFill>
-                  <a:srgbClr val="333333"/>
-                </a:solidFill>
-                <a:effectLst/>
-                <a:latin typeface="Segoe UI" panose="020B0502040204020203" pitchFamily="34" charset="0"/>
-              </a:rPr>
-            </a:br>
-            <a:r>
-              <a:rPr lang="en-GB" b="0" i="0" dirty="0">
-                <a:solidFill>
-                  <a:srgbClr val="333333"/>
-                </a:solidFill>
-                <a:effectLst/>
-                <a:latin typeface="Segoe UI" panose="020B0502040204020203" pitchFamily="34" charset="0"/>
-                <a:hlinkClick r:id="rId6"/>
-              </a:rPr>
-              <a:t>https://examregistration.github.com/handbook</a:t>
-            </a:r>
-            <a:endParaRPr lang="en-GB" b="0" i="0" dirty="0">
-              <a:solidFill>
-                <a:srgbClr val="333333"/>
-              </a:solidFill>
-              <a:effectLst/>
-              <a:latin typeface="Segoe UI" panose="020B0502040204020203" pitchFamily="34" charset="0"/>
-            </a:endParaRPr>
-          </a:p>
-          <a:p>
-            <a:r>
-              <a:rPr lang="en-GB" dirty="0">
-                <a:solidFill>
-                  <a:srgbClr val="333333"/>
-                </a:solidFill>
-                <a:latin typeface="Segoe UI" panose="020B0502040204020203" pitchFamily="34" charset="0"/>
-              </a:rPr>
-              <a:t>GitHub Docs</a:t>
-            </a:r>
-            <a:br>
-              <a:rPr lang="en-GB" dirty="0">
-                <a:solidFill>
-                  <a:srgbClr val="333333"/>
-                </a:solidFill>
-                <a:latin typeface="Segoe UI" panose="020B0502040204020203" pitchFamily="34" charset="0"/>
-              </a:rPr>
-            </a:br>
-            <a:r>
-              <a:rPr lang="en-GB" b="0" i="0" dirty="0">
-                <a:solidFill>
-                  <a:srgbClr val="333333"/>
-                </a:solidFill>
-                <a:effectLst/>
-                <a:latin typeface="Segoe UI" panose="020B0502040204020203" pitchFamily="34" charset="0"/>
-                <a:hlinkClick r:id="rId7"/>
-              </a:rPr>
-              <a:t>https://docs.github.com/en</a:t>
-            </a:r>
-            <a:endParaRPr lang="en-GB" b="0" i="0" dirty="0">
-              <a:solidFill>
-                <a:srgbClr val="333333"/>
-              </a:solidFill>
-              <a:effectLst/>
-              <a:latin typeface="Segoe UI" panose="020B0502040204020203" pitchFamily="34" charset="0"/>
-            </a:endParaRPr>
-          </a:p>
-        </p:txBody>
-      </p:sp>
-      <p:sp>
-        <p:nvSpPr>
           <p:cNvPr id="4" name="Slide Number Placeholder 3">
             <a:extLst>
               <a:ext uri="{FF2B5EF4-FFF2-40B4-BE49-F238E27FC236}">
-                <a16:creationId xmlns:a16="http://schemas.microsoft.com/office/drawing/2014/main" id="{5D13E95C-6DCC-79CD-C7CE-6288EF4D2FFE}"/>
+                <a16:creationId xmlns:a16="http://schemas.microsoft.com/office/drawing/2014/main" id="{65ECD9B2-A47B-0DBD-EE3F-CCC00C042B83}"/>
               </a:ext>
             </a:extLst>
           </p:cNvPr>
@@ -7570,10 +6695,75 @@
           </a:p>
         </p:txBody>
       </p:sp>
+      <p:pic>
+        <p:nvPicPr>
+          <p:cNvPr id="6" name="Picture 5">
+            <a:extLst>
+              <a:ext uri="{FF2B5EF4-FFF2-40B4-BE49-F238E27FC236}">
+                <a16:creationId xmlns:a16="http://schemas.microsoft.com/office/drawing/2014/main" id="{E1723C68-EF7E-FED3-CB2D-1E8F61436EE8}"/>
+              </a:ext>
+            </a:extLst>
+          </p:cNvPr>
+          <p:cNvPicPr>
+            <a:picLocks noChangeAspect="1"/>
+          </p:cNvPicPr>
+          <p:nvPr/>
+        </p:nvPicPr>
+        <p:blipFill>
+          <a:blip r:embed="rId2"/>
+          <a:stretch>
+            <a:fillRect/>
+          </a:stretch>
+        </p:blipFill>
+        <p:spPr>
+          <a:xfrm>
+            <a:off x="1599098" y="0"/>
+            <a:ext cx="8993803" cy="6858000"/>
+          </a:xfrm>
+          <a:prstGeom prst="rect">
+            <a:avLst/>
+          </a:prstGeom>
+        </p:spPr>
+      </p:pic>
+      <p:sp>
+        <p:nvSpPr>
+          <p:cNvPr id="8" name="TextBox 7">
+            <a:extLst>
+              <a:ext uri="{FF2B5EF4-FFF2-40B4-BE49-F238E27FC236}">
+                <a16:creationId xmlns:a16="http://schemas.microsoft.com/office/drawing/2014/main" id="{17E498BE-3E0E-6B53-D9E0-7AD206BEF431}"/>
+              </a:ext>
+            </a:extLst>
+          </p:cNvPr>
+          <p:cNvSpPr txBox="1"/>
+          <p:nvPr/>
+        </p:nvSpPr>
+        <p:spPr>
+          <a:xfrm>
+            <a:off x="146421" y="6439292"/>
+            <a:ext cx="6094926" cy="369332"/>
+          </a:xfrm>
+          <a:prstGeom prst="rect">
+            <a:avLst/>
+          </a:prstGeom>
+          <a:noFill/>
+        </p:spPr>
+        <p:txBody>
+          <a:bodyPr wrap="square">
+            <a:spAutoFit/>
+          </a:bodyPr>
+          <a:lstStyle/>
+          <a:p>
+            <a:r>
+              <a:rPr lang="en-AU" dirty="0"/>
+              <a:t>https://ghcertified.com/practice_tests/foundations/</a:t>
+            </a:r>
+          </a:p>
+        </p:txBody>
+      </p:sp>
     </p:spTree>
     <p:extLst>
       <p:ext uri="{BB962C8B-B14F-4D97-AF65-F5344CB8AC3E}">
-        <p14:creationId xmlns:p14="http://schemas.microsoft.com/office/powerpoint/2010/main" val="2440630559"/>
+        <p14:creationId xmlns:p14="http://schemas.microsoft.com/office/powerpoint/2010/main" val="3320392442"/>
       </p:ext>
     </p:extLst>
   </p:cSld>
@@ -7602,10 +6792,409 @@
       </p:grpSpPr>
       <p:sp>
         <p:nvSpPr>
+          <p:cNvPr id="2" name="Title 1">
+            <a:extLst>
+              <a:ext uri="{FF2B5EF4-FFF2-40B4-BE49-F238E27FC236}">
+                <a16:creationId xmlns:a16="http://schemas.microsoft.com/office/drawing/2014/main" id="{F04FEA51-F17A-ABB8-5455-72A5019E4650}"/>
+              </a:ext>
+            </a:extLst>
+          </p:cNvPr>
+          <p:cNvSpPr>
+            <a:spLocks noGrp="1"/>
+          </p:cNvSpPr>
+          <p:nvPr>
+            <p:ph type="title"/>
+          </p:nvPr>
+        </p:nvSpPr>
+        <p:spPr/>
+        <p:txBody>
+          <a:bodyPr/>
+          <a:lstStyle/>
+          <a:p>
+            <a:r>
+              <a:rPr lang="en-AU" dirty="0"/>
+              <a:t>Microsoft / GitHub exam prep resources</a:t>
+            </a:r>
+          </a:p>
+        </p:txBody>
+      </p:sp>
+      <p:sp>
+        <p:nvSpPr>
+          <p:cNvPr id="3" name="Content Placeholder 2">
+            <a:extLst>
+              <a:ext uri="{FF2B5EF4-FFF2-40B4-BE49-F238E27FC236}">
+                <a16:creationId xmlns:a16="http://schemas.microsoft.com/office/drawing/2014/main" id="{3E8D3311-650C-4737-78A6-86801538553C}"/>
+              </a:ext>
+            </a:extLst>
+          </p:cNvPr>
+          <p:cNvSpPr>
+            <a:spLocks noGrp="1"/>
+          </p:cNvSpPr>
+          <p:nvPr>
+            <p:ph idx="1"/>
+          </p:nvPr>
+        </p:nvSpPr>
+        <p:spPr>
+          <a:xfrm>
+            <a:off x="838199" y="1825625"/>
+            <a:ext cx="10971727" cy="4955102"/>
+          </a:xfrm>
+        </p:spPr>
+        <p:txBody>
+          <a:bodyPr>
+            <a:normAutofit fontScale="70000" lnSpcReduction="20000"/>
+          </a:bodyPr>
+          <a:lstStyle/>
+          <a:p>
+            <a:r>
+              <a:rPr lang="en-AU" u="sng" dirty="0"/>
+              <a:t>Microsoft Learn for GitHub</a:t>
+            </a:r>
+            <a:br>
+              <a:rPr lang="en-AU" u="sng" dirty="0"/>
+            </a:br>
+            <a:r>
+              <a:rPr lang="en-AU" dirty="0">
+                <a:hlinkClick r:id="rId2"/>
+              </a:rPr>
+              <a:t>https://learn.microsoft.com/en-us/training/github/</a:t>
+            </a:r>
+            <a:br>
+              <a:rPr lang="en-AU" dirty="0"/>
+            </a:br>
+            <a:r>
+              <a:rPr lang="en-AU" i="1" dirty="0"/>
+              <a:t>Scroll to bottom, click ‘Register today’ to register (or not, even MS struggle with broken links) </a:t>
+            </a:r>
+            <a:endParaRPr lang="en-GB" b="0" i="1" dirty="0">
+              <a:effectLst/>
+              <a:latin typeface="Segoe UI" panose="020B0502040204020203" pitchFamily="34" charset="0"/>
+            </a:endParaRPr>
+          </a:p>
+          <a:p>
+            <a:r>
+              <a:rPr lang="en-GB" b="0" i="0" dirty="0">
+                <a:solidFill>
+                  <a:srgbClr val="333333"/>
+                </a:solidFill>
+                <a:effectLst/>
+                <a:latin typeface="Segoe UI" panose="020B0502040204020203" pitchFamily="34" charset="0"/>
+              </a:rPr>
+              <a:t>Microsoft’s Exam Readiness Zone</a:t>
+            </a:r>
+            <a:br>
+              <a:rPr lang="en-GB" b="0" i="0" dirty="0">
+                <a:solidFill>
+                  <a:srgbClr val="333333"/>
+                </a:solidFill>
+                <a:effectLst/>
+                <a:latin typeface="Segoe UI" panose="020B0502040204020203" pitchFamily="34" charset="0"/>
+              </a:rPr>
+            </a:br>
+            <a:r>
+              <a:rPr lang="en-GB" dirty="0">
+                <a:solidFill>
+                  <a:srgbClr val="333333"/>
+                </a:solidFill>
+                <a:latin typeface="Segoe UI" panose="020B0502040204020203" pitchFamily="34" charset="0"/>
+                <a:hlinkClick r:id="rId3"/>
+              </a:rPr>
+              <a:t>https://learn.microsoft.com/en-us/shows/exam-readiness-zone</a:t>
+            </a:r>
+            <a:r>
+              <a:rPr lang="en-GB" dirty="0">
+                <a:solidFill>
+                  <a:srgbClr val="333333"/>
+                </a:solidFill>
+                <a:latin typeface="Segoe UI" panose="020B0502040204020203" pitchFamily="34" charset="0"/>
+              </a:rPr>
+              <a:t> </a:t>
+            </a:r>
+            <a:r>
+              <a:rPr lang="en-GB" b="0" i="1" dirty="0">
+                <a:solidFill>
+                  <a:srgbClr val="333333"/>
+                </a:solidFill>
+                <a:effectLst/>
+                <a:latin typeface="Segoe UI" panose="020B0502040204020203" pitchFamily="34" charset="0"/>
+              </a:rPr>
+              <a:t>(MCT x GitHub</a:t>
+            </a:r>
+            <a:r>
+              <a:rPr lang="en-GB" i="1" dirty="0">
+                <a:solidFill>
+                  <a:srgbClr val="333333"/>
+                </a:solidFill>
+                <a:latin typeface="Segoe UI" panose="020B0502040204020203" pitchFamily="34" charset="0"/>
+              </a:rPr>
+              <a:t>?</a:t>
+            </a:r>
+            <a:r>
+              <a:rPr lang="en-GB" b="0" i="1" dirty="0">
+                <a:solidFill>
+                  <a:srgbClr val="333333"/>
+                </a:solidFill>
+                <a:effectLst/>
+                <a:latin typeface="Segoe UI" panose="020B0502040204020203" pitchFamily="34" charset="0"/>
+              </a:rPr>
+              <a:t>)</a:t>
+            </a:r>
+          </a:p>
+          <a:p>
+            <a:r>
+              <a:rPr lang="en-GB" b="0" i="0" dirty="0">
+                <a:solidFill>
+                  <a:srgbClr val="333333"/>
+                </a:solidFill>
+                <a:effectLst/>
+                <a:latin typeface="Segoe UI" panose="020B0502040204020203" pitchFamily="34" charset="0"/>
+              </a:rPr>
+              <a:t>GitHub Education</a:t>
+            </a:r>
+            <a:br>
+              <a:rPr lang="en-GB" b="0" i="0" dirty="0">
+                <a:solidFill>
+                  <a:srgbClr val="333333"/>
+                </a:solidFill>
+                <a:effectLst/>
+                <a:latin typeface="Segoe UI" panose="020B0502040204020203" pitchFamily="34" charset="0"/>
+              </a:rPr>
+            </a:br>
+            <a:r>
+              <a:rPr lang="en-GB" b="0" i="0" dirty="0">
+                <a:solidFill>
+                  <a:srgbClr val="333333"/>
+                </a:solidFill>
+                <a:effectLst/>
+                <a:latin typeface="Segoe UI" panose="020B0502040204020203" pitchFamily="34" charset="0"/>
+                <a:hlinkClick r:id="rId4"/>
+              </a:rPr>
+              <a:t>https://education.github.com/experiences/foundations_certificate</a:t>
+            </a:r>
+            <a:endParaRPr lang="en-GB" b="0" i="0" dirty="0">
+              <a:solidFill>
+                <a:srgbClr val="333333"/>
+              </a:solidFill>
+              <a:effectLst/>
+              <a:latin typeface="Segoe UI" panose="020B0502040204020203" pitchFamily="34" charset="0"/>
+            </a:endParaRPr>
+          </a:p>
+          <a:p>
+            <a:r>
+              <a:rPr lang="en-GB" dirty="0">
+                <a:hlinkClick r:id="rId5"/>
+              </a:rPr>
+              <a:t>https://github.com/LadyKerr/github-certification-guide/blob/main/study-guides/gh-foundations.md</a:t>
+            </a:r>
+            <a:endParaRPr lang="en-GB" i="1" dirty="0"/>
+          </a:p>
+          <a:p>
+            <a:pPr lvl="1"/>
+            <a:r>
+              <a:rPr lang="en-GB" b="0" i="1" dirty="0" err="1">
+                <a:solidFill>
+                  <a:srgbClr val="333333"/>
+                </a:solidFill>
+                <a:effectLst/>
+                <a:latin typeface="Segoe UI" panose="020B0502040204020203" pitchFamily="34" charset="0"/>
+              </a:rPr>
+              <a:t>Datacamp</a:t>
+            </a:r>
+            <a:r>
+              <a:rPr lang="en-GB" b="0" i="1" dirty="0">
+                <a:solidFill>
+                  <a:srgbClr val="333333"/>
+                </a:solidFill>
+                <a:effectLst/>
+                <a:latin typeface="Segoe UI" panose="020B0502040204020203" pitchFamily="34" charset="0"/>
+              </a:rPr>
+              <a:t> (free sign-up)</a:t>
+            </a:r>
+          </a:p>
+          <a:p>
+            <a:pPr lvl="1"/>
+            <a:r>
+              <a:rPr lang="en-GB" b="0" i="1" dirty="0">
+                <a:solidFill>
+                  <a:srgbClr val="333333"/>
+                </a:solidFill>
+                <a:effectLst/>
+                <a:latin typeface="Segoe UI" panose="020B0502040204020203" pitchFamily="34" charset="0"/>
+              </a:rPr>
+              <a:t>LinkedIn Learning (good if your employer pays)</a:t>
+            </a:r>
+          </a:p>
+          <a:p>
+            <a:pPr lvl="1"/>
+            <a:r>
+              <a:rPr lang="en-GB" i="1" dirty="0">
+                <a:solidFill>
+                  <a:srgbClr val="333333"/>
+                </a:solidFill>
+                <a:latin typeface="Segoe UI" panose="020B0502040204020203" pitchFamily="34" charset="0"/>
+              </a:rPr>
+              <a:t>GitHub Education (if you have a .</a:t>
+            </a:r>
+            <a:r>
+              <a:rPr lang="en-GB" i="1" dirty="0" err="1">
+                <a:solidFill>
+                  <a:srgbClr val="333333"/>
+                </a:solidFill>
+                <a:latin typeface="Segoe UI" panose="020B0502040204020203" pitchFamily="34" charset="0"/>
+              </a:rPr>
+              <a:t>edu</a:t>
+            </a:r>
+            <a:r>
+              <a:rPr lang="en-GB" i="1" dirty="0">
+                <a:solidFill>
+                  <a:srgbClr val="333333"/>
+                </a:solidFill>
+                <a:latin typeface="Segoe UI" panose="020B0502040204020203" pitchFamily="34" charset="0"/>
+              </a:rPr>
+              <a:t> email address</a:t>
+            </a:r>
+            <a:r>
+              <a:rPr lang="en-GB" i="1">
+                <a:solidFill>
+                  <a:srgbClr val="333333"/>
+                </a:solidFill>
+                <a:latin typeface="Segoe UI" panose="020B0502040204020203" pitchFamily="34" charset="0"/>
+              </a:rPr>
+              <a:t>, unlocks bonus </a:t>
+            </a:r>
+            <a:r>
+              <a:rPr lang="en-GB" i="1" dirty="0">
+                <a:solidFill>
+                  <a:srgbClr val="333333"/>
+                </a:solidFill>
+                <a:latin typeface="Segoe UI" panose="020B0502040204020203" pitchFamily="34" charset="0"/>
+              </a:rPr>
+              <a:t>content on the GitHub Education site)</a:t>
+            </a:r>
+          </a:p>
+          <a:p>
+            <a:r>
+              <a:rPr lang="en-GB" i="1" dirty="0">
+                <a:solidFill>
+                  <a:srgbClr val="333333"/>
+                </a:solidFill>
+                <a:latin typeface="Segoe UI" panose="020B0502040204020203" pitchFamily="34" charset="0"/>
+              </a:rPr>
+              <a:t>3</a:t>
+            </a:r>
+            <a:r>
+              <a:rPr lang="en-GB" i="1" baseline="30000" dirty="0">
+                <a:solidFill>
+                  <a:srgbClr val="333333"/>
+                </a:solidFill>
+                <a:latin typeface="Segoe UI" panose="020B0502040204020203" pitchFamily="34" charset="0"/>
+              </a:rPr>
+              <a:t>rd</a:t>
+            </a:r>
+            <a:r>
+              <a:rPr lang="en-GB" i="1" dirty="0">
+                <a:solidFill>
+                  <a:srgbClr val="333333"/>
+                </a:solidFill>
+                <a:latin typeface="Segoe UI" panose="020B0502040204020203" pitchFamily="34" charset="0"/>
+              </a:rPr>
+              <a:t> party resources e.g.: </a:t>
+            </a:r>
+            <a:r>
+              <a:rPr lang="en-GB" b="0" i="1" dirty="0">
+                <a:solidFill>
+                  <a:srgbClr val="333333"/>
+                </a:solidFill>
+                <a:effectLst/>
+                <a:latin typeface="Segoe UI" panose="020B0502040204020203" pitchFamily="34" charset="0"/>
+              </a:rPr>
+              <a:t>https://github.com/btkrausen/github_certification</a:t>
+            </a:r>
+          </a:p>
+          <a:p>
+            <a:r>
+              <a:rPr lang="en-GB" b="0" i="0" dirty="0">
+                <a:solidFill>
+                  <a:srgbClr val="333333"/>
+                </a:solidFill>
+                <a:effectLst/>
+                <a:latin typeface="Segoe UI" panose="020B0502040204020203" pitchFamily="34" charset="0"/>
+              </a:rPr>
+              <a:t>Candidate Handbook (logistics)</a:t>
+            </a:r>
+            <a:br>
+              <a:rPr lang="en-GB" b="0" i="0" dirty="0">
+                <a:solidFill>
+                  <a:srgbClr val="333333"/>
+                </a:solidFill>
+                <a:effectLst/>
+                <a:latin typeface="Segoe UI" panose="020B0502040204020203" pitchFamily="34" charset="0"/>
+              </a:rPr>
+            </a:br>
+            <a:r>
+              <a:rPr lang="en-GB" b="0" i="0" dirty="0">
+                <a:solidFill>
+                  <a:srgbClr val="333333"/>
+                </a:solidFill>
+                <a:effectLst/>
+                <a:latin typeface="Segoe UI" panose="020B0502040204020203" pitchFamily="34" charset="0"/>
+                <a:hlinkClick r:id="rId6"/>
+              </a:rPr>
+              <a:t>https://examregistration.github.com/handbook</a:t>
+            </a:r>
+            <a:endParaRPr lang="en-GB" b="0" i="0" dirty="0">
+              <a:solidFill>
+                <a:srgbClr val="333333"/>
+              </a:solidFill>
+              <a:effectLst/>
+              <a:latin typeface="Segoe UI" panose="020B0502040204020203" pitchFamily="34" charset="0"/>
+            </a:endParaRPr>
+          </a:p>
+          <a:p>
+            <a:r>
+              <a:rPr lang="en-GB" dirty="0">
+                <a:solidFill>
+                  <a:srgbClr val="333333"/>
+                </a:solidFill>
+                <a:latin typeface="Segoe UI" panose="020B0502040204020203" pitchFamily="34" charset="0"/>
+              </a:rPr>
+              <a:t>GitHub Docs</a:t>
+            </a:r>
+            <a:br>
+              <a:rPr lang="en-GB" dirty="0">
+                <a:solidFill>
+                  <a:srgbClr val="333333"/>
+                </a:solidFill>
+                <a:latin typeface="Segoe UI" panose="020B0502040204020203" pitchFamily="34" charset="0"/>
+              </a:rPr>
+            </a:br>
+            <a:r>
+              <a:rPr lang="en-GB" b="0" i="0" dirty="0">
+                <a:solidFill>
+                  <a:srgbClr val="333333"/>
+                </a:solidFill>
+                <a:effectLst/>
+                <a:latin typeface="Segoe UI" panose="020B0502040204020203" pitchFamily="34" charset="0"/>
+                <a:hlinkClick r:id="rId7"/>
+              </a:rPr>
+              <a:t>https://docs.github.com/en</a:t>
+            </a:r>
+            <a:endParaRPr lang="en-GB" b="0" i="0" dirty="0">
+              <a:solidFill>
+                <a:srgbClr val="333333"/>
+              </a:solidFill>
+              <a:effectLst/>
+              <a:latin typeface="Segoe UI" panose="020B0502040204020203" pitchFamily="34" charset="0"/>
+            </a:endParaRPr>
+          </a:p>
+        </p:txBody>
+      </p:sp>
+      <p:sp>
+        <p:nvSpPr>
           <p:cNvPr id="4" name="Slide Number Placeholder 3">
             <a:extLst>
               <a:ext uri="{FF2B5EF4-FFF2-40B4-BE49-F238E27FC236}">
-                <a16:creationId xmlns:a16="http://schemas.microsoft.com/office/drawing/2014/main" id="{99C52F18-EA09-C7D4-9253-A507A4B41C22}"/>
+                <a16:creationId xmlns:a16="http://schemas.microsoft.com/office/drawing/2014/main" id="{5D13E95C-6DCC-79CD-C7CE-6288EF4D2FFE}"/>
               </a:ext>
             </a:extLst>
           </p:cNvPr>
@@ -7629,105 +7218,10 @@
           </a:p>
         </p:txBody>
       </p:sp>
-      <p:pic>
-        <p:nvPicPr>
-          <p:cNvPr id="10" name="Picture 9">
-            <a:extLst>
-              <a:ext uri="{FF2B5EF4-FFF2-40B4-BE49-F238E27FC236}">
-                <a16:creationId xmlns:a16="http://schemas.microsoft.com/office/drawing/2014/main" id="{1D513081-6630-49F7-B986-1971297FB838}"/>
-              </a:ext>
-            </a:extLst>
-          </p:cNvPr>
-          <p:cNvPicPr>
-            <a:picLocks noChangeAspect="1"/>
-          </p:cNvPicPr>
-          <p:nvPr/>
-        </p:nvPicPr>
-        <p:blipFill>
-          <a:blip r:embed="rId2"/>
-          <a:stretch>
-            <a:fillRect/>
-          </a:stretch>
-        </p:blipFill>
-        <p:spPr>
-          <a:xfrm>
-            <a:off x="0" y="0"/>
-            <a:ext cx="7705781" cy="5495965"/>
-          </a:xfrm>
-          <a:prstGeom prst="rect">
-            <a:avLst/>
-          </a:prstGeom>
-        </p:spPr>
-      </p:pic>
-      <p:pic>
-        <p:nvPicPr>
-          <p:cNvPr id="12" name="Picture 11">
-            <a:extLst>
-              <a:ext uri="{FF2B5EF4-FFF2-40B4-BE49-F238E27FC236}">
-                <a16:creationId xmlns:a16="http://schemas.microsoft.com/office/drawing/2014/main" id="{F773BAD5-0FF3-C6AA-EF78-693501141199}"/>
-              </a:ext>
-            </a:extLst>
-          </p:cNvPr>
-          <p:cNvPicPr>
-            <a:picLocks noChangeAspect="1"/>
-          </p:cNvPicPr>
-          <p:nvPr/>
-        </p:nvPicPr>
-        <p:blipFill>
-          <a:blip r:embed="rId3"/>
-          <a:stretch>
-            <a:fillRect/>
-          </a:stretch>
-        </p:blipFill>
-        <p:spPr>
-          <a:xfrm>
-            <a:off x="108110" y="2622557"/>
-            <a:ext cx="12009051" cy="3932883"/>
-          </a:xfrm>
-          <a:prstGeom prst="rect">
-            <a:avLst/>
-          </a:prstGeom>
-        </p:spPr>
-      </p:pic>
-      <p:sp>
-        <p:nvSpPr>
-          <p:cNvPr id="14" name="TextBox 13">
-            <a:extLst>
-              <a:ext uri="{FF2B5EF4-FFF2-40B4-BE49-F238E27FC236}">
-                <a16:creationId xmlns:a16="http://schemas.microsoft.com/office/drawing/2014/main" id="{740E16C8-EF49-A69B-4AC1-10ED4865364F}"/>
-              </a:ext>
-            </a:extLst>
-          </p:cNvPr>
-          <p:cNvSpPr txBox="1"/>
-          <p:nvPr/>
-        </p:nvSpPr>
-        <p:spPr>
-          <a:xfrm>
-            <a:off x="0" y="6482023"/>
-            <a:ext cx="11634475" cy="369332"/>
-          </a:xfrm>
-          <a:prstGeom prst="rect">
-            <a:avLst/>
-          </a:prstGeom>
-          <a:noFill/>
-        </p:spPr>
-        <p:txBody>
-          <a:bodyPr wrap="square">
-            <a:spAutoFit/>
-          </a:bodyPr>
-          <a:lstStyle/>
-          <a:p>
-            <a:r>
-              <a:rPr lang="en-AU" dirty="0"/>
-              <a:t>https://github.com/LadyKerr/github-certification-guide/blob/main/study-guides/gh-foundations.md</a:t>
-            </a:r>
-          </a:p>
-        </p:txBody>
-      </p:sp>
     </p:spTree>
     <p:extLst>
       <p:ext uri="{BB962C8B-B14F-4D97-AF65-F5344CB8AC3E}">
-        <p14:creationId xmlns:p14="http://schemas.microsoft.com/office/powerpoint/2010/main" val="1123149148"/>
+        <p14:creationId xmlns:p14="http://schemas.microsoft.com/office/powerpoint/2010/main" val="2440630559"/>
       </p:ext>
     </p:extLst>
   </p:cSld>
@@ -8678,13 +8172,7 @@
           </a:bodyPr>
           <a:lstStyle/>
           <a:p>
-            <a:pPr marL="0" indent="0">
-              <a:buNone/>
-            </a:pPr>
-            <a:r>
-              <a:rPr lang="en-AU" dirty="0"/>
-              <a:t>John Savill gives back to the community:</a:t>
-            </a:r>
+            <a:endParaRPr lang="en-AU" dirty="0"/>
           </a:p>
           <a:p>
             <a:r>

--- a/Dan’s Certification Journey - Part 1.pptx
+++ b/Dan’s Certification Journey - Part 1.pptx
@@ -18,14 +18,14 @@
     <p:sldId id="265" r:id="rId9"/>
     <p:sldId id="263" r:id="rId10"/>
     <p:sldId id="261" r:id="rId11"/>
-    <p:sldId id="269" r:id="rId12"/>
-    <p:sldId id="282" r:id="rId13"/>
+    <p:sldId id="282" r:id="rId12"/>
+    <p:sldId id="269" r:id="rId13"/>
     <p:sldId id="264" r:id="rId14"/>
-    <p:sldId id="262" r:id="rId15"/>
-    <p:sldId id="283" r:id="rId16"/>
-    <p:sldId id="260" r:id="rId17"/>
-    <p:sldId id="284" r:id="rId18"/>
-    <p:sldId id="266" r:id="rId19"/>
+    <p:sldId id="283" r:id="rId15"/>
+    <p:sldId id="262" r:id="rId16"/>
+    <p:sldId id="266" r:id="rId17"/>
+    <p:sldId id="260" r:id="rId18"/>
+    <p:sldId id="284" r:id="rId19"/>
     <p:sldId id="278" r:id="rId20"/>
     <p:sldId id="279" r:id="rId21"/>
     <p:sldId id="277" r:id="rId22"/>
@@ -3790,12 +3790,8 @@
           </a:p>
           <a:p>
             <a:r>
-              <a:rPr lang="en-AU"/>
-              <a:t>Dan </a:t>
-            </a:r>
-            <a:r>
               <a:rPr lang="en-AU" dirty="0"/>
-              <a:t>P. CISSP CISM, Solution Architect</a:t>
+              <a:t>Dan P. CISSP CISM MCT, Solution Architect</a:t>
             </a:r>
           </a:p>
           <a:p>
@@ -4041,7 +4037,7 @@
           <p:cNvPr id="2" name="Title 1">
             <a:extLst>
               <a:ext uri="{FF2B5EF4-FFF2-40B4-BE49-F238E27FC236}">
-                <a16:creationId xmlns:a16="http://schemas.microsoft.com/office/drawing/2014/main" id="{B04C79FE-B47E-6414-CA40-4AB4E6B6683B}"/>
+                <a16:creationId xmlns:a16="http://schemas.microsoft.com/office/drawing/2014/main" id="{587DF113-8996-9A91-4868-A4ABC72180A2}"/>
               </a:ext>
             </a:extLst>
           </p:cNvPr>
@@ -4057,70 +4053,6 @@
           <a:bodyPr/>
           <a:lstStyle/>
           <a:p>
-            <a:r>
-              <a:rPr lang="en-AU" dirty="0"/>
-              <a:t>Sensory memory</a:t>
-            </a:r>
-          </a:p>
-        </p:txBody>
-      </p:sp>
-      <p:sp>
-        <p:nvSpPr>
-          <p:cNvPr id="3" name="Content Placeholder 2">
-            <a:extLst>
-              <a:ext uri="{FF2B5EF4-FFF2-40B4-BE49-F238E27FC236}">
-                <a16:creationId xmlns:a16="http://schemas.microsoft.com/office/drawing/2014/main" id="{D9EBFAA3-1515-B92D-E692-867DBBECF825}"/>
-              </a:ext>
-            </a:extLst>
-          </p:cNvPr>
-          <p:cNvSpPr>
-            <a:spLocks noGrp="1"/>
-          </p:cNvSpPr>
-          <p:nvPr>
-            <p:ph idx="1"/>
-          </p:nvPr>
-        </p:nvSpPr>
-        <p:spPr/>
-        <p:txBody>
-          <a:bodyPr>
-            <a:normAutofit/>
-          </a:bodyPr>
-          <a:lstStyle/>
-          <a:p>
-            <a:r>
-              <a:rPr lang="en-GB" dirty="0"/>
-              <a:t>Sensory memory preserves information in its original sensory form for a brief time, usually only a fraction of a second </a:t>
-            </a:r>
-          </a:p>
-          <a:p>
-            <a:r>
-              <a:rPr lang="en-GB" dirty="0"/>
-              <a:t>Example: the afterimage created when you move a sparkler very quickly </a:t>
-            </a:r>
-          </a:p>
-          <a:p>
-            <a:r>
-              <a:rPr lang="en-GB" dirty="0"/>
-              <a:t>Some researchers argue that sensory memory is more of an “echo” than a “memory”  </a:t>
-            </a:r>
-          </a:p>
-          <a:p>
-            <a:r>
-              <a:rPr lang="en-GB" dirty="0"/>
-              <a:t>Auditory sensory memory (echoic) lasts 2-4 seconds  </a:t>
-            </a:r>
-          </a:p>
-          <a:p>
-            <a:r>
-              <a:rPr lang="en-GB" dirty="0"/>
-              <a:t>Visual sensory memory (iconic) lasts approximately ¼ second</a:t>
-            </a:r>
-          </a:p>
-          <a:p>
-            <a:r>
-              <a:rPr lang="en-GB" dirty="0"/>
-              <a:t>George Sperling (1960) experiment on visual sensory store</a:t>
-            </a:r>
             <a:endParaRPr lang="en-AU" dirty="0"/>
           </a:p>
         </p:txBody>
@@ -4130,7 +4062,7 @@
           <p:cNvPr id="4" name="Slide Number Placeholder 3">
             <a:extLst>
               <a:ext uri="{FF2B5EF4-FFF2-40B4-BE49-F238E27FC236}">
-                <a16:creationId xmlns:a16="http://schemas.microsoft.com/office/drawing/2014/main" id="{0F42791D-EFC1-5F3E-3B34-258C5895231C}"/>
+                <a16:creationId xmlns:a16="http://schemas.microsoft.com/office/drawing/2014/main" id="{F655D5A1-92ED-7375-639A-760AE5C7752F}"/>
               </a:ext>
             </a:extLst>
           </p:cNvPr>
@@ -4154,52 +4086,57 @@
           </a:p>
         </p:txBody>
       </p:sp>
-      <p:sp>
-        <p:nvSpPr>
-          <p:cNvPr id="6" name="TextBox 5">
-            <a:extLst>
-              <a:ext uri="{FF2B5EF4-FFF2-40B4-BE49-F238E27FC236}">
-                <a16:creationId xmlns:a16="http://schemas.microsoft.com/office/drawing/2014/main" id="{E37D6EB4-341D-47DE-12ED-A1C4BF3B17FD}"/>
-              </a:ext>
-            </a:extLst>
-          </p:cNvPr>
-          <p:cNvSpPr txBox="1"/>
+      <p:pic>
+        <p:nvPicPr>
+          <p:cNvPr id="3074" name="Picture 2" descr="What Does Your Favorite Pizza Say about You? – The Lion's Roar">
+            <a:extLst>
+              <a:ext uri="{FF2B5EF4-FFF2-40B4-BE49-F238E27FC236}">
+                <a16:creationId xmlns:a16="http://schemas.microsoft.com/office/drawing/2014/main" id="{CE28DCE5-A279-EC6D-7F72-71B9CFF01FC3}"/>
+              </a:ext>
+            </a:extLst>
+          </p:cNvPr>
+          <p:cNvPicPr>
+            <a:picLocks noChangeAspect="1" noChangeArrowheads="1"/>
+          </p:cNvPicPr>
           <p:nvPr/>
-        </p:nvSpPr>
-        <p:spPr>
+        </p:nvPicPr>
+        <p:blipFill>
+          <a:blip r:embed="rId2">
+            <a:extLst>
+              <a:ext uri="{28A0092B-C50C-407E-A947-70E740481C1C}">
+                <a14:useLocalDpi xmlns:a14="http://schemas.microsoft.com/office/drawing/2010/main" val="0"/>
+              </a:ext>
+            </a:extLst>
+          </a:blip>
+          <a:srcRect/>
+          <a:stretch>
+            <a:fillRect/>
+          </a:stretch>
+        </p:blipFill>
+        <p:spPr bwMode="auto">
           <a:xfrm>
-            <a:off x="-174172" y="6176963"/>
-            <a:ext cx="6096000" cy="369332"/>
+            <a:off x="952500" y="0"/>
+            <a:ext cx="10287000" cy="6858000"/>
           </a:xfrm>
           <a:prstGeom prst="rect">
             <a:avLst/>
           </a:prstGeom>
           <a:noFill/>
+          <a:extLst>
+            <a:ext uri="{909E8E84-426E-40DD-AFC4-6F175D3DCCD1}">
+              <a14:hiddenFill xmlns:a14="http://schemas.microsoft.com/office/drawing/2010/main">
+                <a:solidFill>
+                  <a:srgbClr val="FFFFFF"/>
+                </a:solidFill>
+              </a14:hiddenFill>
+            </a:ext>
+          </a:extLst>
         </p:spPr>
-        <p:txBody>
-          <a:bodyPr wrap="square">
-            <a:spAutoFit/>
-          </a:bodyPr>
-          <a:lstStyle/>
-          <a:p>
-            <a:pPr algn="ctr"/>
-            <a:r>
-              <a:rPr lang="en-GB" i="0" dirty="0">
-                <a:solidFill>
-                  <a:srgbClr val="000000"/>
-                </a:solidFill>
-                <a:effectLst/>
-                <a:latin typeface="Avenir"/>
-              </a:rPr>
-              <a:t>PSY 1000 - Introduction to Psychology (Zeigler-Hill)</a:t>
-            </a:r>
-          </a:p>
-        </p:txBody>
-      </p:sp>
+      </p:pic>
     </p:spTree>
     <p:extLst>
       <p:ext uri="{BB962C8B-B14F-4D97-AF65-F5344CB8AC3E}">
-        <p14:creationId xmlns:p14="http://schemas.microsoft.com/office/powerpoint/2010/main" val="3552264496"/>
+        <p14:creationId xmlns:p14="http://schemas.microsoft.com/office/powerpoint/2010/main" val="3715923538"/>
       </p:ext>
     </p:extLst>
   </p:cSld>
@@ -4231,7 +4168,7 @@
           <p:cNvPr id="2" name="Title 1">
             <a:extLst>
               <a:ext uri="{FF2B5EF4-FFF2-40B4-BE49-F238E27FC236}">
-                <a16:creationId xmlns:a16="http://schemas.microsoft.com/office/drawing/2014/main" id="{587DF113-8996-9A91-4868-A4ABC72180A2}"/>
+                <a16:creationId xmlns:a16="http://schemas.microsoft.com/office/drawing/2014/main" id="{B04C79FE-B47E-6414-CA40-4AB4E6B6683B}"/>
               </a:ext>
             </a:extLst>
           </p:cNvPr>
@@ -4247,6 +4184,70 @@
           <a:bodyPr/>
           <a:lstStyle/>
           <a:p>
+            <a:r>
+              <a:rPr lang="en-AU" dirty="0"/>
+              <a:t>Sensory memory</a:t>
+            </a:r>
+          </a:p>
+        </p:txBody>
+      </p:sp>
+      <p:sp>
+        <p:nvSpPr>
+          <p:cNvPr id="3" name="Content Placeholder 2">
+            <a:extLst>
+              <a:ext uri="{FF2B5EF4-FFF2-40B4-BE49-F238E27FC236}">
+                <a16:creationId xmlns:a16="http://schemas.microsoft.com/office/drawing/2014/main" id="{D9EBFAA3-1515-B92D-E692-867DBBECF825}"/>
+              </a:ext>
+            </a:extLst>
+          </p:cNvPr>
+          <p:cNvSpPr>
+            <a:spLocks noGrp="1"/>
+          </p:cNvSpPr>
+          <p:nvPr>
+            <p:ph idx="1"/>
+          </p:nvPr>
+        </p:nvSpPr>
+        <p:spPr/>
+        <p:txBody>
+          <a:bodyPr>
+            <a:normAutofit/>
+          </a:bodyPr>
+          <a:lstStyle/>
+          <a:p>
+            <a:r>
+              <a:rPr lang="en-GB" dirty="0"/>
+              <a:t>Sensory memory preserves information in its original sensory form for a brief time, usually only a fraction of a second </a:t>
+            </a:r>
+          </a:p>
+          <a:p>
+            <a:r>
+              <a:rPr lang="en-GB" dirty="0"/>
+              <a:t>Example: the afterimage created when you move a sparkler very quickly </a:t>
+            </a:r>
+          </a:p>
+          <a:p>
+            <a:r>
+              <a:rPr lang="en-GB" dirty="0"/>
+              <a:t>Some researchers argue that sensory memory is more of an “echo” than a “memory”  </a:t>
+            </a:r>
+          </a:p>
+          <a:p>
+            <a:r>
+              <a:rPr lang="en-GB" dirty="0"/>
+              <a:t>Auditory sensory memory (echoic) lasts 2-4 seconds  </a:t>
+            </a:r>
+          </a:p>
+          <a:p>
+            <a:r>
+              <a:rPr lang="en-GB" dirty="0"/>
+              <a:t>Visual sensory memory (iconic) lasts approximately ¼ second</a:t>
+            </a:r>
+          </a:p>
+          <a:p>
+            <a:r>
+              <a:rPr lang="en-GB" dirty="0"/>
+              <a:t>George Sperling (1960) experiment on visual sensory store</a:t>
+            </a:r>
             <a:endParaRPr lang="en-AU" dirty="0"/>
           </a:p>
         </p:txBody>
@@ -4256,7 +4257,7 @@
           <p:cNvPr id="4" name="Slide Number Placeholder 3">
             <a:extLst>
               <a:ext uri="{FF2B5EF4-FFF2-40B4-BE49-F238E27FC236}">
-                <a16:creationId xmlns:a16="http://schemas.microsoft.com/office/drawing/2014/main" id="{F655D5A1-92ED-7375-639A-760AE5C7752F}"/>
+                <a16:creationId xmlns:a16="http://schemas.microsoft.com/office/drawing/2014/main" id="{0F42791D-EFC1-5F3E-3B34-258C5895231C}"/>
               </a:ext>
             </a:extLst>
           </p:cNvPr>
@@ -4280,57 +4281,52 @@
           </a:p>
         </p:txBody>
       </p:sp>
-      <p:pic>
-        <p:nvPicPr>
-          <p:cNvPr id="3074" name="Picture 2" descr="What Does Your Favorite Pizza Say about You? – The Lion's Roar">
-            <a:extLst>
-              <a:ext uri="{FF2B5EF4-FFF2-40B4-BE49-F238E27FC236}">
-                <a16:creationId xmlns:a16="http://schemas.microsoft.com/office/drawing/2014/main" id="{CE28DCE5-A279-EC6D-7F72-71B9CFF01FC3}"/>
-              </a:ext>
-            </a:extLst>
-          </p:cNvPr>
-          <p:cNvPicPr>
-            <a:picLocks noChangeAspect="1" noChangeArrowheads="1"/>
-          </p:cNvPicPr>
+      <p:sp>
+        <p:nvSpPr>
+          <p:cNvPr id="6" name="TextBox 5">
+            <a:extLst>
+              <a:ext uri="{FF2B5EF4-FFF2-40B4-BE49-F238E27FC236}">
+                <a16:creationId xmlns:a16="http://schemas.microsoft.com/office/drawing/2014/main" id="{E37D6EB4-341D-47DE-12ED-A1C4BF3B17FD}"/>
+              </a:ext>
+            </a:extLst>
+          </p:cNvPr>
+          <p:cNvSpPr txBox="1"/>
           <p:nvPr/>
-        </p:nvPicPr>
-        <p:blipFill>
-          <a:blip r:embed="rId2">
-            <a:extLst>
-              <a:ext uri="{28A0092B-C50C-407E-A947-70E740481C1C}">
-                <a14:useLocalDpi xmlns:a14="http://schemas.microsoft.com/office/drawing/2010/main" val="0"/>
-              </a:ext>
-            </a:extLst>
-          </a:blip>
-          <a:srcRect/>
-          <a:stretch>
-            <a:fillRect/>
-          </a:stretch>
-        </p:blipFill>
-        <p:spPr bwMode="auto">
+        </p:nvSpPr>
+        <p:spPr>
           <a:xfrm>
-            <a:off x="952500" y="0"/>
-            <a:ext cx="10287000" cy="6858000"/>
+            <a:off x="-174172" y="6176963"/>
+            <a:ext cx="6096000" cy="369332"/>
           </a:xfrm>
           <a:prstGeom prst="rect">
             <a:avLst/>
           </a:prstGeom>
           <a:noFill/>
-          <a:extLst>
-            <a:ext uri="{909E8E84-426E-40DD-AFC4-6F175D3DCCD1}">
-              <a14:hiddenFill xmlns:a14="http://schemas.microsoft.com/office/drawing/2010/main">
-                <a:solidFill>
-                  <a:srgbClr val="FFFFFF"/>
-                </a:solidFill>
-              </a14:hiddenFill>
-            </a:ext>
-          </a:extLst>
         </p:spPr>
-      </p:pic>
+        <p:txBody>
+          <a:bodyPr wrap="square">
+            <a:spAutoFit/>
+          </a:bodyPr>
+          <a:lstStyle/>
+          <a:p>
+            <a:pPr algn="ctr"/>
+            <a:r>
+              <a:rPr lang="en-GB" i="0" dirty="0">
+                <a:solidFill>
+                  <a:srgbClr val="000000"/>
+                </a:solidFill>
+                <a:effectLst/>
+                <a:latin typeface="Avenir"/>
+              </a:rPr>
+              <a:t>PSY 1000 - Introduction to Psychology (Zeigler-Hill)</a:t>
+            </a:r>
+          </a:p>
+        </p:txBody>
+      </p:sp>
     </p:spTree>
     <p:extLst>
       <p:ext uri="{BB962C8B-B14F-4D97-AF65-F5344CB8AC3E}">
-        <p14:creationId xmlns:p14="http://schemas.microsoft.com/office/powerpoint/2010/main" val="3715923538"/>
+        <p14:creationId xmlns:p14="http://schemas.microsoft.com/office/powerpoint/2010/main" val="3552264496"/>
       </p:ext>
     </p:extLst>
   </p:cSld>
@@ -4548,218 +4544,6 @@
 </file>
 
 <file path=ppt/slides/slide14.xml><?xml version="1.0" encoding="utf-8"?>
-<p:sld xmlns:a="http://schemas.openxmlformats.org/drawingml/2006/main" xmlns:r="http://schemas.openxmlformats.org/officeDocument/2006/relationships" xmlns:p="http://schemas.openxmlformats.org/presentationml/2006/main">
-  <p:cSld>
-    <p:spTree>
-      <p:nvGrpSpPr>
-        <p:cNvPr id="1" name=""/>
-        <p:cNvGrpSpPr/>
-        <p:nvPr/>
-      </p:nvGrpSpPr>
-      <p:grpSpPr>
-        <a:xfrm>
-          <a:off x="0" y="0"/>
-          <a:ext cx="0" cy="0"/>
-          <a:chOff x="0" y="0"/>
-          <a:chExt cx="0" cy="0"/>
-        </a:xfrm>
-      </p:grpSpPr>
-      <p:sp>
-        <p:nvSpPr>
-          <p:cNvPr id="2" name="Title 1">
-            <a:extLst>
-              <a:ext uri="{FF2B5EF4-FFF2-40B4-BE49-F238E27FC236}">
-                <a16:creationId xmlns:a16="http://schemas.microsoft.com/office/drawing/2014/main" id="{9AB2ED34-07C0-E59C-4921-30ADA267F23B}"/>
-              </a:ext>
-            </a:extLst>
-          </p:cNvPr>
-          <p:cNvSpPr>
-            <a:spLocks noGrp="1"/>
-          </p:cNvSpPr>
-          <p:nvPr>
-            <p:ph type="title"/>
-          </p:nvPr>
-        </p:nvSpPr>
-        <p:spPr/>
-        <p:txBody>
-          <a:bodyPr/>
-          <a:lstStyle/>
-          <a:p>
-            <a:r>
-              <a:rPr lang="en-AU" dirty="0"/>
-              <a:t>Short-term memory</a:t>
-            </a:r>
-          </a:p>
-        </p:txBody>
-      </p:sp>
-      <p:sp>
-        <p:nvSpPr>
-          <p:cNvPr id="3" name="Content Placeholder 2">
-            <a:extLst>
-              <a:ext uri="{FF2B5EF4-FFF2-40B4-BE49-F238E27FC236}">
-                <a16:creationId xmlns:a16="http://schemas.microsoft.com/office/drawing/2014/main" id="{FFCF8D26-4129-62B6-6617-263211EF42D2}"/>
-              </a:ext>
-            </a:extLst>
-          </p:cNvPr>
-          <p:cNvSpPr>
-            <a:spLocks noGrp="1"/>
-          </p:cNvSpPr>
-          <p:nvPr>
-            <p:ph idx="1"/>
-          </p:nvPr>
-        </p:nvSpPr>
-        <p:spPr/>
-        <p:txBody>
-          <a:bodyPr/>
-          <a:lstStyle/>
-          <a:p>
-            <a:r>
-              <a:rPr lang="en-GB" dirty="0"/>
-              <a:t>Short-term memory is a limited capacity store that can maintain unrehearsed information for up to about 20 seconds </a:t>
-            </a:r>
-          </a:p>
-          <a:p>
-            <a:r>
-              <a:rPr lang="en-GB" dirty="0"/>
-              <a:t>Selective </a:t>
-            </a:r>
-            <a:r>
-              <a:rPr lang="en-GB" b="1" dirty="0"/>
-              <a:t>attention</a:t>
-            </a:r>
-            <a:r>
-              <a:rPr lang="en-GB" dirty="0"/>
-              <a:t> is important for moving information from sensory memory to short-term memory </a:t>
-            </a:r>
-          </a:p>
-          <a:p>
-            <a:r>
-              <a:rPr lang="en-GB" b="1" u="sng" dirty="0"/>
-              <a:t>Limited capacity</a:t>
-            </a:r>
-            <a:r>
-              <a:rPr lang="en-GB" dirty="0"/>
-              <a:t>: magical number 7 plus or minus 2 </a:t>
-            </a:r>
-          </a:p>
-          <a:p>
-            <a:r>
-              <a:rPr lang="en-GB" b="1" u="sng" dirty="0"/>
-              <a:t>Chunking</a:t>
-            </a:r>
-            <a:r>
-              <a:rPr lang="en-GB" dirty="0"/>
-              <a:t>: grouping related stimuli for storage as a single unit</a:t>
-            </a:r>
-          </a:p>
-          <a:p>
-            <a:r>
-              <a:rPr lang="en-GB" b="1" u="sng" dirty="0"/>
-              <a:t>Limited duration</a:t>
-            </a:r>
-            <a:r>
-              <a:rPr lang="en-GB" dirty="0"/>
-              <a:t>: about 10-20 seconds without rehearsal</a:t>
-            </a:r>
-          </a:p>
-          <a:p>
-            <a:r>
-              <a:rPr lang="en-GB" b="1" dirty="0"/>
-              <a:t>Rehearsal</a:t>
-            </a:r>
-            <a:r>
-              <a:rPr lang="en-GB" dirty="0"/>
-              <a:t>: the process of repetitively verbalizing or thinking about the information </a:t>
-            </a:r>
-            <a:endParaRPr lang="en-AU" dirty="0"/>
-          </a:p>
-        </p:txBody>
-      </p:sp>
-      <p:sp>
-        <p:nvSpPr>
-          <p:cNvPr id="4" name="Slide Number Placeholder 3">
-            <a:extLst>
-              <a:ext uri="{FF2B5EF4-FFF2-40B4-BE49-F238E27FC236}">
-                <a16:creationId xmlns:a16="http://schemas.microsoft.com/office/drawing/2014/main" id="{7D28DBCF-BA7D-04D1-C3E2-BEF13E6B4494}"/>
-              </a:ext>
-            </a:extLst>
-          </p:cNvPr>
-          <p:cNvSpPr>
-            <a:spLocks noGrp="1"/>
-          </p:cNvSpPr>
-          <p:nvPr>
-            <p:ph type="sldNum" sz="quarter" idx="12"/>
-          </p:nvPr>
-        </p:nvSpPr>
-        <p:spPr/>
-        <p:txBody>
-          <a:bodyPr/>
-          <a:lstStyle/>
-          <a:p>
-            <a:fld id="{239CC275-0F17-4CFE-B2FE-5727017C3401}" type="slidenum">
-              <a:rPr lang="en-AU" smtClean="0"/>
-              <a:t>14</a:t>
-            </a:fld>
-            <a:endParaRPr lang="en-AU"/>
-          </a:p>
-        </p:txBody>
-      </p:sp>
-      <p:sp>
-        <p:nvSpPr>
-          <p:cNvPr id="6" name="TextBox 5">
-            <a:extLst>
-              <a:ext uri="{FF2B5EF4-FFF2-40B4-BE49-F238E27FC236}">
-                <a16:creationId xmlns:a16="http://schemas.microsoft.com/office/drawing/2014/main" id="{13E89E16-E5E5-4615-1B3B-235EE0F2F8B3}"/>
-              </a:ext>
-            </a:extLst>
-          </p:cNvPr>
-          <p:cNvSpPr txBox="1"/>
-          <p:nvPr/>
-        </p:nvSpPr>
-        <p:spPr>
-          <a:xfrm>
-            <a:off x="-56344" y="6308209"/>
-            <a:ext cx="6094926" cy="369332"/>
-          </a:xfrm>
-          <a:prstGeom prst="rect">
-            <a:avLst/>
-          </a:prstGeom>
-          <a:noFill/>
-        </p:spPr>
-        <p:txBody>
-          <a:bodyPr wrap="square">
-            <a:spAutoFit/>
-          </a:bodyPr>
-          <a:lstStyle/>
-          <a:p>
-            <a:pPr algn="ctr"/>
-            <a:r>
-              <a:rPr lang="en-GB" i="0" dirty="0">
-                <a:solidFill>
-                  <a:srgbClr val="000000"/>
-                </a:solidFill>
-                <a:effectLst/>
-                <a:latin typeface="Avenir"/>
-              </a:rPr>
-              <a:t>PSY 1000 - Introduction to Psychology (Zeigler-Hill)</a:t>
-            </a:r>
-          </a:p>
-        </p:txBody>
-      </p:sp>
-    </p:spTree>
-    <p:extLst>
-      <p:ext uri="{BB962C8B-B14F-4D97-AF65-F5344CB8AC3E}">
-        <p14:creationId xmlns:p14="http://schemas.microsoft.com/office/powerpoint/2010/main" val="2223825477"/>
-      </p:ext>
-    </p:extLst>
-  </p:cSld>
-  <p:clrMapOvr>
-    <a:masterClrMapping/>
-  </p:clrMapOvr>
-</p:sld>
-</file>
-
-<file path=ppt/slides/slide15.xml><?xml version="1.0" encoding="utf-8"?>
 <p:sld xmlns:a="http://schemas.openxmlformats.org/drawingml/2006/main" xmlns:r="http://schemas.openxmlformats.org/officeDocument/2006/relationships" xmlns:p="http://schemas.openxmlformats.org/presentationml/2006/main">
   <p:cSld>
     <p:spTree>
@@ -5142,7 +4926,7 @@
           <a:p>
             <a:fld id="{239CC275-0F17-4CFE-B2FE-5727017C3401}" type="slidenum">
               <a:rPr lang="en-AU" smtClean="0"/>
-              <a:t>15</a:t>
+              <a:t>14</a:t>
             </a:fld>
             <a:endParaRPr lang="en-AU"/>
           </a:p>
@@ -5199,6 +4983,218 @@
     <p:extLst>
       <p:ext uri="{BB962C8B-B14F-4D97-AF65-F5344CB8AC3E}">
         <p14:creationId xmlns:p14="http://schemas.microsoft.com/office/powerpoint/2010/main" val="2851913005"/>
+      </p:ext>
+    </p:extLst>
+  </p:cSld>
+  <p:clrMapOvr>
+    <a:masterClrMapping/>
+  </p:clrMapOvr>
+</p:sld>
+</file>
+
+<file path=ppt/slides/slide15.xml><?xml version="1.0" encoding="utf-8"?>
+<p:sld xmlns:a="http://schemas.openxmlformats.org/drawingml/2006/main" xmlns:r="http://schemas.openxmlformats.org/officeDocument/2006/relationships" xmlns:p="http://schemas.openxmlformats.org/presentationml/2006/main">
+  <p:cSld>
+    <p:spTree>
+      <p:nvGrpSpPr>
+        <p:cNvPr id="1" name=""/>
+        <p:cNvGrpSpPr/>
+        <p:nvPr/>
+      </p:nvGrpSpPr>
+      <p:grpSpPr>
+        <a:xfrm>
+          <a:off x="0" y="0"/>
+          <a:ext cx="0" cy="0"/>
+          <a:chOff x="0" y="0"/>
+          <a:chExt cx="0" cy="0"/>
+        </a:xfrm>
+      </p:grpSpPr>
+      <p:sp>
+        <p:nvSpPr>
+          <p:cNvPr id="2" name="Title 1">
+            <a:extLst>
+              <a:ext uri="{FF2B5EF4-FFF2-40B4-BE49-F238E27FC236}">
+                <a16:creationId xmlns:a16="http://schemas.microsoft.com/office/drawing/2014/main" id="{9AB2ED34-07C0-E59C-4921-30ADA267F23B}"/>
+              </a:ext>
+            </a:extLst>
+          </p:cNvPr>
+          <p:cNvSpPr>
+            <a:spLocks noGrp="1"/>
+          </p:cNvSpPr>
+          <p:nvPr>
+            <p:ph type="title"/>
+          </p:nvPr>
+        </p:nvSpPr>
+        <p:spPr/>
+        <p:txBody>
+          <a:bodyPr/>
+          <a:lstStyle/>
+          <a:p>
+            <a:r>
+              <a:rPr lang="en-AU" dirty="0"/>
+              <a:t>Short-term memory</a:t>
+            </a:r>
+          </a:p>
+        </p:txBody>
+      </p:sp>
+      <p:sp>
+        <p:nvSpPr>
+          <p:cNvPr id="3" name="Content Placeholder 2">
+            <a:extLst>
+              <a:ext uri="{FF2B5EF4-FFF2-40B4-BE49-F238E27FC236}">
+                <a16:creationId xmlns:a16="http://schemas.microsoft.com/office/drawing/2014/main" id="{FFCF8D26-4129-62B6-6617-263211EF42D2}"/>
+              </a:ext>
+            </a:extLst>
+          </p:cNvPr>
+          <p:cNvSpPr>
+            <a:spLocks noGrp="1"/>
+          </p:cNvSpPr>
+          <p:nvPr>
+            <p:ph idx="1"/>
+          </p:nvPr>
+        </p:nvSpPr>
+        <p:spPr/>
+        <p:txBody>
+          <a:bodyPr/>
+          <a:lstStyle/>
+          <a:p>
+            <a:r>
+              <a:rPr lang="en-GB" dirty="0"/>
+              <a:t>Short-term memory is a limited capacity store that can maintain unrehearsed information for up to about 20 seconds </a:t>
+            </a:r>
+          </a:p>
+          <a:p>
+            <a:r>
+              <a:rPr lang="en-GB" dirty="0"/>
+              <a:t>Selective </a:t>
+            </a:r>
+            <a:r>
+              <a:rPr lang="en-GB" b="1" dirty="0"/>
+              <a:t>attention</a:t>
+            </a:r>
+            <a:r>
+              <a:rPr lang="en-GB" dirty="0"/>
+              <a:t> is important for moving information from sensory memory to short-term memory </a:t>
+            </a:r>
+          </a:p>
+          <a:p>
+            <a:r>
+              <a:rPr lang="en-GB" b="1" u="sng" dirty="0"/>
+              <a:t>Limited capacity</a:t>
+            </a:r>
+            <a:r>
+              <a:rPr lang="en-GB" dirty="0"/>
+              <a:t>: magical number 7 plus or minus 2 </a:t>
+            </a:r>
+          </a:p>
+          <a:p>
+            <a:r>
+              <a:rPr lang="en-GB" b="1" u="sng" dirty="0"/>
+              <a:t>Chunking</a:t>
+            </a:r>
+            <a:r>
+              <a:rPr lang="en-GB" dirty="0"/>
+              <a:t>: grouping related stimuli for storage as a single unit</a:t>
+            </a:r>
+          </a:p>
+          <a:p>
+            <a:r>
+              <a:rPr lang="en-GB" b="1" u="sng" dirty="0"/>
+              <a:t>Limited duration</a:t>
+            </a:r>
+            <a:r>
+              <a:rPr lang="en-GB" dirty="0"/>
+              <a:t>: about 10-20 seconds without rehearsal</a:t>
+            </a:r>
+          </a:p>
+          <a:p>
+            <a:r>
+              <a:rPr lang="en-GB" b="1" dirty="0"/>
+              <a:t>Rehearsal</a:t>
+            </a:r>
+            <a:r>
+              <a:rPr lang="en-GB" dirty="0"/>
+              <a:t>: the process of repetitively verbalizing or thinking about the information </a:t>
+            </a:r>
+            <a:endParaRPr lang="en-AU" dirty="0"/>
+          </a:p>
+        </p:txBody>
+      </p:sp>
+      <p:sp>
+        <p:nvSpPr>
+          <p:cNvPr id="4" name="Slide Number Placeholder 3">
+            <a:extLst>
+              <a:ext uri="{FF2B5EF4-FFF2-40B4-BE49-F238E27FC236}">
+                <a16:creationId xmlns:a16="http://schemas.microsoft.com/office/drawing/2014/main" id="{7D28DBCF-BA7D-04D1-C3E2-BEF13E6B4494}"/>
+              </a:ext>
+            </a:extLst>
+          </p:cNvPr>
+          <p:cNvSpPr>
+            <a:spLocks noGrp="1"/>
+          </p:cNvSpPr>
+          <p:nvPr>
+            <p:ph type="sldNum" sz="quarter" idx="12"/>
+          </p:nvPr>
+        </p:nvSpPr>
+        <p:spPr/>
+        <p:txBody>
+          <a:bodyPr/>
+          <a:lstStyle/>
+          <a:p>
+            <a:fld id="{239CC275-0F17-4CFE-B2FE-5727017C3401}" type="slidenum">
+              <a:rPr lang="en-AU" smtClean="0"/>
+              <a:t>15</a:t>
+            </a:fld>
+            <a:endParaRPr lang="en-AU"/>
+          </a:p>
+        </p:txBody>
+      </p:sp>
+      <p:sp>
+        <p:nvSpPr>
+          <p:cNvPr id="6" name="TextBox 5">
+            <a:extLst>
+              <a:ext uri="{FF2B5EF4-FFF2-40B4-BE49-F238E27FC236}">
+                <a16:creationId xmlns:a16="http://schemas.microsoft.com/office/drawing/2014/main" id="{13E89E16-E5E5-4615-1B3B-235EE0F2F8B3}"/>
+              </a:ext>
+            </a:extLst>
+          </p:cNvPr>
+          <p:cNvSpPr txBox="1"/>
+          <p:nvPr/>
+        </p:nvSpPr>
+        <p:spPr>
+          <a:xfrm>
+            <a:off x="-56344" y="6308209"/>
+            <a:ext cx="6094926" cy="369332"/>
+          </a:xfrm>
+          <a:prstGeom prst="rect">
+            <a:avLst/>
+          </a:prstGeom>
+          <a:noFill/>
+        </p:spPr>
+        <p:txBody>
+          <a:bodyPr wrap="square">
+            <a:spAutoFit/>
+          </a:bodyPr>
+          <a:lstStyle/>
+          <a:p>
+            <a:pPr algn="ctr"/>
+            <a:r>
+              <a:rPr lang="en-GB" i="0" dirty="0">
+                <a:solidFill>
+                  <a:srgbClr val="000000"/>
+                </a:solidFill>
+                <a:effectLst/>
+                <a:latin typeface="Avenir"/>
+              </a:rPr>
+              <a:t>PSY 1000 - Introduction to Psychology (Zeigler-Hill)</a:t>
+            </a:r>
+          </a:p>
+        </p:txBody>
+      </p:sp>
+    </p:spTree>
+    <p:extLst>
+      <p:ext uri="{BB962C8B-B14F-4D97-AF65-F5344CB8AC3E}">
+        <p14:creationId xmlns:p14="http://schemas.microsoft.com/office/powerpoint/2010/main" val="2223825477"/>
       </p:ext>
     </p:extLst>
   </p:cSld>
@@ -5247,65 +5243,10 @@
           <a:lstStyle/>
           <a:p>
             <a:r>
-              <a:rPr lang="en-AU" dirty="0"/>
-              <a:t>Long-term memory: Unlimited Capacity</a:t>
-            </a:r>
-          </a:p>
-        </p:txBody>
-      </p:sp>
-      <p:sp>
-        <p:nvSpPr>
-          <p:cNvPr id="4" name="Content Placeholder 3">
-            <a:extLst>
-              <a:ext uri="{FF2B5EF4-FFF2-40B4-BE49-F238E27FC236}">
-                <a16:creationId xmlns:a16="http://schemas.microsoft.com/office/drawing/2014/main" id="{C00A8174-E210-0A1A-2F4F-5FD8964EA964}"/>
-              </a:ext>
-            </a:extLst>
-          </p:cNvPr>
-          <p:cNvSpPr>
-            <a:spLocks noGrp="1"/>
-          </p:cNvSpPr>
-          <p:nvPr>
-            <p:ph idx="1"/>
-          </p:nvPr>
-        </p:nvSpPr>
-        <p:spPr/>
-        <p:txBody>
-          <a:bodyPr>
-            <a:normAutofit/>
-          </a:bodyPr>
-          <a:lstStyle/>
-          <a:p>
-            <a:r>
               <a:rPr lang="en-GB" dirty="0"/>
-              <a:t>Long-term memory is an unlimited capacity store that can hold information over lengthy periods of time  </a:t>
-            </a:r>
-          </a:p>
-          <a:p>
-            <a:r>
-              <a:rPr lang="en-GB" dirty="0"/>
-              <a:t>Permanent storage? </a:t>
-            </a:r>
-          </a:p>
-          <a:p>
-            <a:pPr lvl="1"/>
-            <a:r>
-              <a:rPr lang="en-GB" dirty="0"/>
-              <a:t>Flashbulb memories: unusually vivid and detailed recollections of momentous events </a:t>
-            </a:r>
-          </a:p>
-          <a:p>
-            <a:pPr lvl="1"/>
-            <a:r>
-              <a:rPr lang="en-GB" dirty="0"/>
-              <a:t>Memory is more malleable and less accurate than generally appreciated </a:t>
-            </a:r>
-          </a:p>
-          <a:p>
-            <a:r>
-              <a:rPr lang="en-GB" dirty="0"/>
-              <a:t>Are short-term memory and long-term memory really different? </a:t>
-            </a:r>
+              <a:t>Forgetting Curve</a:t>
+            </a:r>
+            <a:endParaRPr lang="en-AU" dirty="0"/>
           </a:p>
         </p:txBody>
       </p:sp>
@@ -5338,52 +5279,59 @@
           </a:p>
         </p:txBody>
       </p:sp>
-      <p:sp>
-        <p:nvSpPr>
-          <p:cNvPr id="9" name="TextBox 8">
-            <a:extLst>
-              <a:ext uri="{FF2B5EF4-FFF2-40B4-BE49-F238E27FC236}">
-                <a16:creationId xmlns:a16="http://schemas.microsoft.com/office/drawing/2014/main" id="{D91E07B3-71C4-C8AD-ABFB-2945671803CA}"/>
-              </a:ext>
-            </a:extLst>
-          </p:cNvPr>
-          <p:cNvSpPr txBox="1"/>
-          <p:nvPr/>
-        </p:nvSpPr>
-        <p:spPr>
+      <p:pic>
+        <p:nvPicPr>
+          <p:cNvPr id="8196" name="Picture 4" descr="ebbinghaus forgetting curve">
+            <a:extLst>
+              <a:ext uri="{FF2B5EF4-FFF2-40B4-BE49-F238E27FC236}">
+                <a16:creationId xmlns:a16="http://schemas.microsoft.com/office/drawing/2014/main" id="{E31B0B00-84AF-E2D9-1694-495B1334B28D}"/>
+              </a:ext>
+            </a:extLst>
+          </p:cNvPr>
+          <p:cNvPicPr>
+            <a:picLocks noGrp="1" noChangeAspect="1" noChangeArrowheads="1"/>
+          </p:cNvPicPr>
+          <p:nvPr>
+            <p:ph idx="1"/>
+          </p:nvPr>
+        </p:nvPicPr>
+        <p:blipFill>
+          <a:blip r:embed="rId2">
+            <a:extLst>
+              <a:ext uri="{28A0092B-C50C-407E-A947-70E740481C1C}">
+                <a14:useLocalDpi xmlns:a14="http://schemas.microsoft.com/office/drawing/2010/main" val="0"/>
+              </a:ext>
+            </a:extLst>
+          </a:blip>
+          <a:srcRect/>
+          <a:stretch>
+            <a:fillRect/>
+          </a:stretch>
+        </p:blipFill>
+        <p:spPr bwMode="auto">
           <a:xfrm>
-            <a:off x="-228600" y="6123543"/>
-            <a:ext cx="6096000" cy="369332"/>
+            <a:off x="1939498" y="1825625"/>
+            <a:ext cx="8313003" cy="4351338"/>
           </a:xfrm>
           <a:prstGeom prst="rect">
             <a:avLst/>
           </a:prstGeom>
           <a:noFill/>
+          <a:extLst>
+            <a:ext uri="{909E8E84-426E-40DD-AFC4-6F175D3DCCD1}">
+              <a14:hiddenFill xmlns:a14="http://schemas.microsoft.com/office/drawing/2010/main">
+                <a:solidFill>
+                  <a:srgbClr val="FFFFFF"/>
+                </a:solidFill>
+              </a14:hiddenFill>
+            </a:ext>
+          </a:extLst>
         </p:spPr>
-        <p:txBody>
-          <a:bodyPr wrap="square">
-            <a:spAutoFit/>
-          </a:bodyPr>
-          <a:lstStyle/>
-          <a:p>
-            <a:pPr algn="ctr"/>
-            <a:r>
-              <a:rPr lang="en-GB" i="0" dirty="0">
-                <a:solidFill>
-                  <a:srgbClr val="000000"/>
-                </a:solidFill>
-                <a:effectLst/>
-                <a:latin typeface="Avenir"/>
-              </a:rPr>
-              <a:t>PSY 1000 - Introduction to Psychology (Zeigler-Hill)</a:t>
-            </a:r>
-          </a:p>
-        </p:txBody>
-      </p:sp>
+      </p:pic>
     </p:spTree>
     <p:extLst>
       <p:ext uri="{BB962C8B-B14F-4D97-AF65-F5344CB8AC3E}">
-        <p14:creationId xmlns:p14="http://schemas.microsoft.com/office/powerpoint/2010/main" val="2169452334"/>
+        <p14:creationId xmlns:p14="http://schemas.microsoft.com/office/powerpoint/2010/main" val="3118389937"/>
       </p:ext>
     </p:extLst>
   </p:cSld>
@@ -5412,10 +5360,10 @@
       </p:grpSpPr>
       <p:sp>
         <p:nvSpPr>
-          <p:cNvPr id="2" name="Title 1">
-            <a:extLst>
-              <a:ext uri="{FF2B5EF4-FFF2-40B4-BE49-F238E27FC236}">
-                <a16:creationId xmlns:a16="http://schemas.microsoft.com/office/drawing/2014/main" id="{B414CC20-8CAB-B3D8-29BE-AB969E4F4A1B}"/>
+          <p:cNvPr id="6" name="Title 1">
+            <a:extLst>
+              <a:ext uri="{FF2B5EF4-FFF2-40B4-BE49-F238E27FC236}">
+                <a16:creationId xmlns:a16="http://schemas.microsoft.com/office/drawing/2014/main" id="{690EB9DC-4707-583C-AAB0-685BD033BE80}"/>
               </a:ext>
             </a:extLst>
           </p:cNvPr>
@@ -5433,17 +5381,102 @@
           <a:p>
             <a:r>
               <a:rPr lang="en-AU" dirty="0"/>
-              <a:t>Why CISSP? *unpaid ad / copilot generated*</a:t>
-            </a:r>
-          </a:p>
-        </p:txBody>
-      </p:sp>
-      <p:sp>
-        <p:nvSpPr>
-          <p:cNvPr id="4" name="Slide Number Placeholder 3">
-            <a:extLst>
-              <a:ext uri="{FF2B5EF4-FFF2-40B4-BE49-F238E27FC236}">
-                <a16:creationId xmlns:a16="http://schemas.microsoft.com/office/drawing/2014/main" id="{E0DFAF95-4675-193D-8B2D-D9B60C7084BD}"/>
+              <a:t>Long-term memory: Unlimited Capacity</a:t>
+            </a:r>
+          </a:p>
+        </p:txBody>
+      </p:sp>
+      <p:sp>
+        <p:nvSpPr>
+          <p:cNvPr id="4" name="Content Placeholder 3">
+            <a:extLst>
+              <a:ext uri="{FF2B5EF4-FFF2-40B4-BE49-F238E27FC236}">
+                <a16:creationId xmlns:a16="http://schemas.microsoft.com/office/drawing/2014/main" id="{C00A8174-E210-0A1A-2F4F-5FD8964EA964}"/>
+              </a:ext>
+            </a:extLst>
+          </p:cNvPr>
+          <p:cNvSpPr>
+            <a:spLocks noGrp="1"/>
+          </p:cNvSpPr>
+          <p:nvPr>
+            <p:ph idx="1"/>
+          </p:nvPr>
+        </p:nvSpPr>
+        <p:spPr/>
+        <p:txBody>
+          <a:bodyPr>
+            <a:normAutofit lnSpcReduction="10000"/>
+          </a:bodyPr>
+          <a:lstStyle/>
+          <a:p>
+            <a:r>
+              <a:rPr lang="en-GB" dirty="0"/>
+              <a:t>Long-term memory is an unlimited capacity store that can hold information over lengthy periods of time  </a:t>
+            </a:r>
+          </a:p>
+          <a:p>
+            <a:r>
+              <a:rPr lang="en-GB" dirty="0"/>
+              <a:t>Permanent storage? </a:t>
+            </a:r>
+          </a:p>
+          <a:p>
+            <a:pPr lvl="1"/>
+            <a:r>
+              <a:rPr lang="en-GB" dirty="0"/>
+              <a:t>Flashbulb memories: unusually vivid and detailed recollections of momentous events </a:t>
+            </a:r>
+          </a:p>
+          <a:p>
+            <a:pPr lvl="1"/>
+            <a:r>
+              <a:rPr lang="en-GB" dirty="0"/>
+              <a:t>Memory is more malleable and less accurate than generally appreciated </a:t>
+            </a:r>
+            <a:br>
+              <a:rPr lang="en-GB" dirty="0"/>
+            </a:br>
+            <a:endParaRPr lang="en-GB" dirty="0"/>
+          </a:p>
+          <a:p>
+            <a:r>
+              <a:rPr lang="en-GB" b="0" i="1" dirty="0">
+                <a:solidFill>
+                  <a:srgbClr val="141414"/>
+                </a:solidFill>
+                <a:effectLst/>
+                <a:latin typeface="ReithSans"/>
+              </a:rPr>
+              <a:t>“People will forget what you said, people will forget what you did, but people will never forget how you made them feel.“ – Maya Angelou</a:t>
+            </a:r>
+          </a:p>
+          <a:p>
+            <a:pPr algn="l" fontAlgn="base">
+              <a:buFont typeface="Arial" panose="020B0604020202020204" pitchFamily="34" charset="0"/>
+              <a:buChar char="•"/>
+            </a:pPr>
+            <a:r>
+              <a:rPr lang="en-GB" b="0" i="1" dirty="0">
+                <a:solidFill>
+                  <a:srgbClr val="141414"/>
+                </a:solidFill>
+                <a:effectLst/>
+                <a:latin typeface="ReithSans"/>
+              </a:rPr>
+              <a:t>"If you don't like something, change it. If you can't change it, change your attitude.“– Maya Angelou</a:t>
+            </a:r>
+          </a:p>
+          <a:p>
+            <a:endParaRPr lang="en-GB" dirty="0"/>
+          </a:p>
+        </p:txBody>
+      </p:sp>
+      <p:sp>
+        <p:nvSpPr>
+          <p:cNvPr id="7" name="Slide Number Placeholder 6">
+            <a:extLst>
+              <a:ext uri="{FF2B5EF4-FFF2-40B4-BE49-F238E27FC236}">
+                <a16:creationId xmlns:a16="http://schemas.microsoft.com/office/drawing/2014/main" id="{CFEB820B-56BF-035E-01C0-0462E1DAE2EE}"/>
               </a:ext>
             </a:extLst>
           </p:cNvPr>
@@ -5469,500 +5502,42 @@
       </p:sp>
       <p:sp>
         <p:nvSpPr>
-          <p:cNvPr id="6" name="Rectangle 2">
-            <a:extLst>
-              <a:ext uri="{FF2B5EF4-FFF2-40B4-BE49-F238E27FC236}">
-                <a16:creationId xmlns:a16="http://schemas.microsoft.com/office/drawing/2014/main" id="{5AAC3E3A-6458-1F57-4E50-13E393F8E573}"/>
-              </a:ext>
-            </a:extLst>
-          </p:cNvPr>
-          <p:cNvSpPr>
-            <a:spLocks noGrp="1" noChangeArrowheads="1"/>
-          </p:cNvSpPr>
-          <p:nvPr>
-            <p:ph idx="1"/>
-          </p:nvPr>
-        </p:nvSpPr>
-        <p:spPr bwMode="auto">
+          <p:cNvPr id="9" name="TextBox 8">
+            <a:extLst>
+              <a:ext uri="{FF2B5EF4-FFF2-40B4-BE49-F238E27FC236}">
+                <a16:creationId xmlns:a16="http://schemas.microsoft.com/office/drawing/2014/main" id="{D91E07B3-71C4-C8AD-ABFB-2945671803CA}"/>
+              </a:ext>
+            </a:extLst>
+          </p:cNvPr>
+          <p:cNvSpPr txBox="1"/>
+          <p:nvPr/>
+        </p:nvSpPr>
+        <p:spPr>
           <a:xfrm>
-            <a:off x="315686" y="1722469"/>
-            <a:ext cx="12281502" cy="4524315"/>
+            <a:off x="-228600" y="6123543"/>
+            <a:ext cx="6096000" cy="369332"/>
           </a:xfrm>
           <a:prstGeom prst="rect">
             <a:avLst/>
           </a:prstGeom>
           <a:noFill/>
-          <a:ln>
-            <a:noFill/>
-          </a:ln>
-          <a:effectLst/>
-          <a:extLst>
-            <a:ext uri="{909E8E84-426E-40DD-AFC4-6F175D3DCCD1}">
-              <a14:hiddenFill xmlns:a14="http://schemas.microsoft.com/office/drawing/2010/main">
-                <a:solidFill>
-                  <a:schemeClr val="accent1"/>
-                </a:solidFill>
-              </a14:hiddenFill>
-            </a:ext>
-            <a:ext uri="{91240B29-F687-4F45-9708-019B960494DF}">
-              <a14:hiddenLine xmlns:a14="http://schemas.microsoft.com/office/drawing/2010/main" w="9525">
-                <a:solidFill>
-                  <a:schemeClr val="tx1"/>
-                </a:solidFill>
-                <a:miter lim="800000"/>
-                <a:headEnd/>
-                <a:tailEnd/>
-              </a14:hiddenLine>
-            </a:ext>
-            <a:ext uri="{AF507438-7753-43E0-B8FC-AC1667EBCBE1}">
-              <a14:hiddenEffects xmlns:a14="http://schemas.microsoft.com/office/drawing/2010/main">
-                <a:effectLst>
-                  <a:outerShdw dist="35921" dir="2700000" algn="ctr" rotWithShape="0">
-                    <a:schemeClr val="bg2"/>
-                  </a:outerShdw>
-                </a:effectLst>
-              </a14:hiddenEffects>
-            </a:ext>
-          </a:extLst>
         </p:spPr>
         <p:txBody>
-          <a:bodyPr vert="horz" wrap="square" lIns="91440" tIns="45720" rIns="91440" bIns="45720" numCol="1" anchor="ctr" anchorCtr="0" compatLnSpc="1">
-            <a:prstTxWarp prst="textNoShape">
-              <a:avLst/>
-            </a:prstTxWarp>
+          <a:bodyPr wrap="square">
             <a:spAutoFit/>
           </a:bodyPr>
           <a:lstStyle/>
           <a:p>
-            <a:pPr marL="0" marR="0" lvl="0" indent="0" algn="l" defTabSz="914400" rtl="0" eaLnBrk="0" fontAlgn="base" latinLnBrk="0" hangingPunct="0">
-              <a:lnSpc>
-                <a:spcPct val="100000"/>
-              </a:lnSpc>
-              <a:spcBef>
-                <a:spcPct val="0"/>
-              </a:spcBef>
-              <a:spcAft>
-                <a:spcPct val="0"/>
-              </a:spcAft>
-              <a:buClrTx/>
-              <a:buSzTx/>
-              <a:buFontTx/>
-              <a:buChar char="•"/>
-              <a:tabLst/>
-            </a:pPr>
-            <a:r>
-              <a:rPr kumimoji="0" lang="en-US" altLang="en-US" sz="2400" b="1" i="0" u="none" strike="noStrike" cap="none" normalizeH="0" baseline="0" dirty="0">
-                <a:ln>
-                  <a:noFill/>
-                </a:ln>
-                <a:solidFill>
-                  <a:schemeClr val="tx1"/>
+            <a:pPr algn="ctr"/>
+            <a:r>
+              <a:rPr lang="en-GB" i="0" dirty="0">
+                <a:solidFill>
+                  <a:srgbClr val="000000"/>
                 </a:solidFill>
                 <a:effectLst/>
-                <a:latin typeface="Arial" panose="020B0604020202020204" pitchFamily="34" charset="0"/>
+                <a:latin typeface="Avenir"/>
               </a:rPr>
-              <a:t>Professional Credibility</a:t>
-            </a:r>
-            <a:r>
-              <a:rPr kumimoji="0" lang="en-US" altLang="en-US" sz="2400" b="0" i="0" u="none" strike="noStrike" cap="none" normalizeH="0" baseline="0" dirty="0">
-                <a:ln>
-                  <a:noFill/>
-                </a:ln>
-                <a:solidFill>
-                  <a:schemeClr val="tx1"/>
-                </a:solidFill>
-                <a:effectLst/>
-                <a:latin typeface="Arial" panose="020B0604020202020204" pitchFamily="34" charset="0"/>
-              </a:rPr>
-              <a:t>: </a:t>
-            </a:r>
-          </a:p>
-          <a:p>
-            <a:pPr marL="457200" lvl="1" indent="0" eaLnBrk="0" fontAlgn="base" hangingPunct="0">
-              <a:lnSpc>
-                <a:spcPct val="100000"/>
-              </a:lnSpc>
-              <a:spcBef>
-                <a:spcPct val="0"/>
-              </a:spcBef>
-              <a:spcAft>
-                <a:spcPct val="0"/>
-              </a:spcAft>
-              <a:buFontTx/>
-              <a:buChar char="•"/>
-            </a:pPr>
-            <a:r>
-              <a:rPr kumimoji="0" lang="en-US" altLang="en-US" b="0" i="0" u="none" strike="noStrike" cap="none" normalizeH="0" baseline="0" dirty="0">
-                <a:ln>
-                  <a:noFill/>
-                </a:ln>
-                <a:solidFill>
-                  <a:schemeClr val="tx1"/>
-                </a:solidFill>
-                <a:effectLst/>
-                <a:latin typeface="Arial" panose="020B0604020202020204" pitchFamily="34" charset="0"/>
-              </a:rPr>
-              <a:t>Recognized globally as “gold standard” in cybersecurity certifications.</a:t>
-            </a:r>
-          </a:p>
-          <a:p>
-            <a:pPr marL="0" marR="0" lvl="0" indent="0" algn="l" defTabSz="914400" rtl="0" eaLnBrk="0" fontAlgn="base" latinLnBrk="0" hangingPunct="0">
-              <a:lnSpc>
-                <a:spcPct val="100000"/>
-              </a:lnSpc>
-              <a:spcBef>
-                <a:spcPct val="0"/>
-              </a:spcBef>
-              <a:spcAft>
-                <a:spcPct val="0"/>
-              </a:spcAft>
-              <a:buClrTx/>
-              <a:buSzTx/>
-              <a:buFontTx/>
-              <a:buChar char="•"/>
-              <a:tabLst/>
-            </a:pPr>
-            <a:r>
-              <a:rPr kumimoji="0" lang="en-US" altLang="en-US" sz="2400" b="1" i="0" u="none" strike="noStrike" cap="none" normalizeH="0" baseline="0" dirty="0">
-                <a:ln>
-                  <a:noFill/>
-                </a:ln>
-                <a:solidFill>
-                  <a:schemeClr val="tx1"/>
-                </a:solidFill>
-                <a:effectLst/>
-                <a:latin typeface="Arial" panose="020B0604020202020204" pitchFamily="34" charset="0"/>
-              </a:rPr>
-              <a:t>Career Advancement</a:t>
-            </a:r>
-            <a:r>
-              <a:rPr kumimoji="0" lang="en-US" altLang="en-US" sz="2400" b="0" i="0" u="none" strike="noStrike" cap="none" normalizeH="0" baseline="0" dirty="0">
-                <a:ln>
-                  <a:noFill/>
-                </a:ln>
-                <a:solidFill>
-                  <a:schemeClr val="tx1"/>
-                </a:solidFill>
-                <a:effectLst/>
-                <a:latin typeface="Arial" panose="020B0604020202020204" pitchFamily="34" charset="0"/>
-              </a:rPr>
-              <a:t>: </a:t>
-            </a:r>
-          </a:p>
-          <a:p>
-            <a:pPr marL="457200" lvl="1" indent="0" eaLnBrk="0" fontAlgn="base" hangingPunct="0">
-              <a:lnSpc>
-                <a:spcPct val="100000"/>
-              </a:lnSpc>
-              <a:spcBef>
-                <a:spcPct val="0"/>
-              </a:spcBef>
-              <a:spcAft>
-                <a:spcPct val="0"/>
-              </a:spcAft>
-              <a:buFontTx/>
-              <a:buChar char="•"/>
-            </a:pPr>
-            <a:r>
-              <a:rPr kumimoji="0" lang="en-US" altLang="en-US" b="0" i="0" u="none" strike="noStrike" cap="none" normalizeH="0" baseline="0" dirty="0">
-                <a:ln>
-                  <a:noFill/>
-                </a:ln>
-                <a:solidFill>
-                  <a:schemeClr val="tx1"/>
-                </a:solidFill>
-                <a:effectLst/>
-                <a:latin typeface="Arial" panose="020B0604020202020204" pitchFamily="34" charset="0"/>
-              </a:rPr>
-              <a:t>Opens doors to high-level roles such as security manager, consultant, or analyst.</a:t>
-            </a:r>
-          </a:p>
-          <a:p>
-            <a:pPr marL="0" marR="0" lvl="0" indent="0" algn="l" defTabSz="914400" rtl="0" eaLnBrk="0" fontAlgn="base" latinLnBrk="0" hangingPunct="0">
-              <a:lnSpc>
-                <a:spcPct val="100000"/>
-              </a:lnSpc>
-              <a:spcBef>
-                <a:spcPct val="0"/>
-              </a:spcBef>
-              <a:spcAft>
-                <a:spcPct val="0"/>
-              </a:spcAft>
-              <a:buClrTx/>
-              <a:buSzTx/>
-              <a:buFontTx/>
-              <a:buChar char="•"/>
-              <a:tabLst/>
-            </a:pPr>
-            <a:r>
-              <a:rPr kumimoji="0" lang="en-US" altLang="en-US" sz="2400" b="1" i="0" u="none" strike="noStrike" cap="none" normalizeH="0" baseline="0" dirty="0">
-                <a:ln>
-                  <a:noFill/>
-                </a:ln>
-                <a:solidFill>
-                  <a:schemeClr val="tx1"/>
-                </a:solidFill>
-                <a:effectLst/>
-                <a:latin typeface="Arial" panose="020B0604020202020204" pitchFamily="34" charset="0"/>
-              </a:rPr>
-              <a:t>Higher Salary Potential</a:t>
-            </a:r>
-            <a:r>
-              <a:rPr kumimoji="0" lang="en-US" altLang="en-US" sz="2400" b="0" i="0" u="none" strike="noStrike" cap="none" normalizeH="0" baseline="0" dirty="0">
-                <a:ln>
-                  <a:noFill/>
-                </a:ln>
-                <a:solidFill>
-                  <a:schemeClr val="tx1"/>
-                </a:solidFill>
-                <a:effectLst/>
-                <a:latin typeface="Arial" panose="020B0604020202020204" pitchFamily="34" charset="0"/>
-              </a:rPr>
-              <a:t>: </a:t>
-            </a:r>
-          </a:p>
-          <a:p>
-            <a:pPr marL="457200" lvl="1" indent="0" eaLnBrk="0" fontAlgn="base" hangingPunct="0">
-              <a:lnSpc>
-                <a:spcPct val="100000"/>
-              </a:lnSpc>
-              <a:spcBef>
-                <a:spcPct val="0"/>
-              </a:spcBef>
-              <a:spcAft>
-                <a:spcPct val="0"/>
-              </a:spcAft>
-              <a:buFontTx/>
-              <a:buChar char="•"/>
-            </a:pPr>
-            <a:r>
-              <a:rPr kumimoji="0" lang="en-US" altLang="en-US" b="0" i="0" u="none" strike="noStrike" cap="none" normalizeH="0" baseline="0" dirty="0">
-                <a:ln>
-                  <a:noFill/>
-                </a:ln>
-                <a:solidFill>
-                  <a:schemeClr val="tx1"/>
-                </a:solidFill>
-                <a:effectLst/>
-                <a:latin typeface="Arial" panose="020B0604020202020204" pitchFamily="34" charset="0"/>
-              </a:rPr>
-              <a:t>CISSP-certified professionals often earn higher wages.</a:t>
-            </a:r>
-          </a:p>
-          <a:p>
-            <a:pPr marL="0" marR="0" lvl="0" indent="0" algn="l" defTabSz="914400" rtl="0" eaLnBrk="0" fontAlgn="base" latinLnBrk="0" hangingPunct="0">
-              <a:lnSpc>
-                <a:spcPct val="100000"/>
-              </a:lnSpc>
-              <a:spcBef>
-                <a:spcPct val="0"/>
-              </a:spcBef>
-              <a:spcAft>
-                <a:spcPct val="0"/>
-              </a:spcAft>
-              <a:buClrTx/>
-              <a:buSzTx/>
-              <a:buFontTx/>
-              <a:buChar char="•"/>
-              <a:tabLst/>
-            </a:pPr>
-            <a:r>
-              <a:rPr kumimoji="0" lang="en-US" altLang="en-US" sz="2400" b="1" i="0" u="none" strike="noStrike" cap="none" normalizeH="0" baseline="0" dirty="0">
-                <a:ln>
-                  <a:noFill/>
-                </a:ln>
-                <a:solidFill>
-                  <a:schemeClr val="tx1"/>
-                </a:solidFill>
-                <a:effectLst/>
-                <a:latin typeface="Arial" panose="020B0604020202020204" pitchFamily="34" charset="0"/>
-              </a:rPr>
-              <a:t>Broad Knowledge</a:t>
-            </a:r>
-            <a:r>
-              <a:rPr kumimoji="0" lang="en-US" altLang="en-US" sz="2400" b="0" i="0" u="none" strike="noStrike" cap="none" normalizeH="0" baseline="0" dirty="0">
-                <a:ln>
-                  <a:noFill/>
-                </a:ln>
-                <a:solidFill>
-                  <a:schemeClr val="tx1"/>
-                </a:solidFill>
-                <a:effectLst/>
-                <a:latin typeface="Arial" panose="020B0604020202020204" pitchFamily="34" charset="0"/>
-              </a:rPr>
-              <a:t>: </a:t>
-            </a:r>
-          </a:p>
-          <a:p>
-            <a:pPr marL="457200" lvl="1" indent="0" eaLnBrk="0" fontAlgn="base" hangingPunct="0">
-              <a:lnSpc>
-                <a:spcPct val="100000"/>
-              </a:lnSpc>
-              <a:spcBef>
-                <a:spcPct val="0"/>
-              </a:spcBef>
-              <a:spcAft>
-                <a:spcPct val="0"/>
-              </a:spcAft>
-              <a:buFontTx/>
-              <a:buChar char="•"/>
-            </a:pPr>
-            <a:r>
-              <a:rPr kumimoji="0" lang="en-US" altLang="en-US" b="0" i="0" u="none" strike="noStrike" cap="none" normalizeH="0" baseline="0" dirty="0">
-                <a:ln>
-                  <a:noFill/>
-                </a:ln>
-                <a:solidFill>
-                  <a:schemeClr val="tx1"/>
-                </a:solidFill>
-                <a:effectLst/>
-                <a:latin typeface="Arial" panose="020B0604020202020204" pitchFamily="34" charset="0"/>
-              </a:rPr>
-              <a:t>Covers diverse security concepts, making you well-rounded in the field.</a:t>
-            </a:r>
-          </a:p>
-          <a:p>
-            <a:pPr marL="0" marR="0" lvl="0" indent="0" algn="l" defTabSz="914400" rtl="0" eaLnBrk="0" fontAlgn="base" latinLnBrk="0" hangingPunct="0">
-              <a:lnSpc>
-                <a:spcPct val="100000"/>
-              </a:lnSpc>
-              <a:spcBef>
-                <a:spcPct val="0"/>
-              </a:spcBef>
-              <a:spcAft>
-                <a:spcPct val="0"/>
-              </a:spcAft>
-              <a:buClrTx/>
-              <a:buSzTx/>
-              <a:buFontTx/>
-              <a:buChar char="•"/>
-              <a:tabLst/>
-            </a:pPr>
-            <a:r>
-              <a:rPr kumimoji="0" lang="en-US" altLang="en-US" sz="2400" b="1" i="0" u="none" strike="noStrike" cap="none" normalizeH="0" baseline="0" dirty="0">
-                <a:ln>
-                  <a:noFill/>
-                </a:ln>
-                <a:solidFill>
-                  <a:schemeClr val="tx1"/>
-                </a:solidFill>
-                <a:effectLst/>
-                <a:latin typeface="Arial" panose="020B0604020202020204" pitchFamily="34" charset="0"/>
-              </a:rPr>
-              <a:t>Networking Opportunities</a:t>
-            </a:r>
-            <a:r>
-              <a:rPr kumimoji="0" lang="en-US" altLang="en-US" sz="2400" b="0" i="0" u="none" strike="noStrike" cap="none" normalizeH="0" baseline="0" dirty="0">
-                <a:ln>
-                  <a:noFill/>
-                </a:ln>
-                <a:solidFill>
-                  <a:schemeClr val="tx1"/>
-                </a:solidFill>
-                <a:effectLst/>
-                <a:latin typeface="Arial" panose="020B0604020202020204" pitchFamily="34" charset="0"/>
-              </a:rPr>
-              <a:t>: </a:t>
-            </a:r>
-          </a:p>
-          <a:p>
-            <a:pPr marL="457200" lvl="1" indent="0" eaLnBrk="0" fontAlgn="base" hangingPunct="0">
-              <a:lnSpc>
-                <a:spcPct val="100000"/>
-              </a:lnSpc>
-              <a:spcBef>
-                <a:spcPct val="0"/>
-              </a:spcBef>
-              <a:spcAft>
-                <a:spcPct val="0"/>
-              </a:spcAft>
-              <a:buFontTx/>
-              <a:buChar char="•"/>
-            </a:pPr>
-            <a:r>
-              <a:rPr kumimoji="0" lang="en-US" altLang="en-US" b="0" i="0" u="none" strike="noStrike" cap="none" normalizeH="0" baseline="0" dirty="0">
-                <a:ln>
-                  <a:noFill/>
-                </a:ln>
-                <a:solidFill>
-                  <a:schemeClr val="tx1"/>
-                </a:solidFill>
-                <a:effectLst/>
-                <a:latin typeface="Arial" panose="020B0604020202020204" pitchFamily="34" charset="0"/>
-              </a:rPr>
-              <a:t>Connects you with a global community of cybersecurity experts.</a:t>
-            </a:r>
-          </a:p>
-          <a:p>
-            <a:pPr marL="0" marR="0" lvl="0" indent="0" algn="l" defTabSz="914400" rtl="0" eaLnBrk="0" fontAlgn="base" latinLnBrk="0" hangingPunct="0">
-              <a:lnSpc>
-                <a:spcPct val="100000"/>
-              </a:lnSpc>
-              <a:spcBef>
-                <a:spcPct val="0"/>
-              </a:spcBef>
-              <a:spcAft>
-                <a:spcPct val="0"/>
-              </a:spcAft>
-              <a:buClrTx/>
-              <a:buSzTx/>
-              <a:buFontTx/>
-              <a:buChar char="•"/>
-              <a:tabLst/>
-            </a:pPr>
-            <a:r>
-              <a:rPr kumimoji="0" lang="en-US" altLang="en-US" sz="2400" b="1" i="0" u="none" strike="noStrike" cap="none" normalizeH="0" baseline="0" dirty="0">
-                <a:ln>
-                  <a:noFill/>
-                </a:ln>
-                <a:solidFill>
-                  <a:schemeClr val="tx1"/>
-                </a:solidFill>
-                <a:effectLst/>
-                <a:latin typeface="Arial" panose="020B0604020202020204" pitchFamily="34" charset="0"/>
-              </a:rPr>
-              <a:t>Employer Preference</a:t>
-            </a:r>
-            <a:r>
-              <a:rPr kumimoji="0" lang="en-US" altLang="en-US" sz="2400" b="0" i="0" u="none" strike="noStrike" cap="none" normalizeH="0" baseline="0" dirty="0">
-                <a:ln>
-                  <a:noFill/>
-                </a:ln>
-                <a:solidFill>
-                  <a:schemeClr val="tx1"/>
-                </a:solidFill>
-                <a:effectLst/>
-                <a:latin typeface="Arial" panose="020B0604020202020204" pitchFamily="34" charset="0"/>
-              </a:rPr>
-              <a:t>: </a:t>
-            </a:r>
-          </a:p>
-          <a:p>
-            <a:pPr marL="457200" lvl="1" indent="0" eaLnBrk="0" fontAlgn="base" hangingPunct="0">
-              <a:lnSpc>
-                <a:spcPct val="100000"/>
-              </a:lnSpc>
-              <a:spcBef>
-                <a:spcPct val="0"/>
-              </a:spcBef>
-              <a:spcAft>
-                <a:spcPct val="0"/>
-              </a:spcAft>
-              <a:buFontTx/>
-              <a:buChar char="•"/>
-            </a:pPr>
-            <a:r>
-              <a:rPr kumimoji="0" lang="en-US" altLang="en-US" b="0" i="0" u="none" strike="noStrike" cap="none" normalizeH="0" baseline="0" dirty="0">
-                <a:ln>
-                  <a:noFill/>
-                </a:ln>
-                <a:solidFill>
-                  <a:schemeClr val="tx1"/>
-                </a:solidFill>
-                <a:effectLst/>
-                <a:latin typeface="Arial" panose="020B0604020202020204" pitchFamily="34" charset="0"/>
-              </a:rPr>
-              <a:t>Many companies prioritize CISSP-certified candidates for critical roles.</a:t>
+              <a:t>PSY 1000 - Introduction to Psychology (Zeigler-Hill)</a:t>
             </a:r>
           </a:p>
         </p:txBody>
@@ -5970,7 +5545,7 @@
     </p:spTree>
     <p:extLst>
       <p:ext uri="{BB962C8B-B14F-4D97-AF65-F5344CB8AC3E}">
-        <p14:creationId xmlns:p14="http://schemas.microsoft.com/office/powerpoint/2010/main" val="2134071977"/>
+        <p14:creationId xmlns:p14="http://schemas.microsoft.com/office/powerpoint/2010/main" val="2169452334"/>
       </p:ext>
     </p:extLst>
   </p:cSld>
@@ -5999,10 +5574,10 @@
       </p:grpSpPr>
       <p:sp>
         <p:nvSpPr>
-          <p:cNvPr id="6" name="Title 1">
-            <a:extLst>
-              <a:ext uri="{FF2B5EF4-FFF2-40B4-BE49-F238E27FC236}">
-                <a16:creationId xmlns:a16="http://schemas.microsoft.com/office/drawing/2014/main" id="{690EB9DC-4707-583C-AAB0-685BD033BE80}"/>
+          <p:cNvPr id="2" name="Title 1">
+            <a:extLst>
+              <a:ext uri="{FF2B5EF4-FFF2-40B4-BE49-F238E27FC236}">
+                <a16:creationId xmlns:a16="http://schemas.microsoft.com/office/drawing/2014/main" id="{B414CC20-8CAB-B3D8-29BE-AB969E4F4A1B}"/>
               </a:ext>
             </a:extLst>
           </p:cNvPr>
@@ -6019,19 +5594,18 @@
           <a:lstStyle/>
           <a:p>
             <a:r>
-              <a:rPr lang="en-GB" dirty="0"/>
-              <a:t>Forgetting Curve</a:t>
-            </a:r>
-            <a:endParaRPr lang="en-AU" dirty="0"/>
-          </a:p>
-        </p:txBody>
-      </p:sp>
-      <p:sp>
-        <p:nvSpPr>
-          <p:cNvPr id="7" name="Slide Number Placeholder 6">
-            <a:extLst>
-              <a:ext uri="{FF2B5EF4-FFF2-40B4-BE49-F238E27FC236}">
-                <a16:creationId xmlns:a16="http://schemas.microsoft.com/office/drawing/2014/main" id="{CFEB820B-56BF-035E-01C0-0462E1DAE2EE}"/>
+              <a:rPr lang="en-AU" dirty="0"/>
+              <a:t>Why CISSP? *unpaid ad / copilot generated*</a:t>
+            </a:r>
+          </a:p>
+        </p:txBody>
+      </p:sp>
+      <p:sp>
+        <p:nvSpPr>
+          <p:cNvPr id="4" name="Slide Number Placeholder 3">
+            <a:extLst>
+              <a:ext uri="{FF2B5EF4-FFF2-40B4-BE49-F238E27FC236}">
+                <a16:creationId xmlns:a16="http://schemas.microsoft.com/office/drawing/2014/main" id="{E0DFAF95-4675-193D-8B2D-D9B60C7084BD}"/>
               </a:ext>
             </a:extLst>
           </p:cNvPr>
@@ -6055,59 +5629,510 @@
           </a:p>
         </p:txBody>
       </p:sp>
-      <p:pic>
-        <p:nvPicPr>
-          <p:cNvPr id="8196" name="Picture 4" descr="ebbinghaus forgetting curve">
-            <a:extLst>
-              <a:ext uri="{FF2B5EF4-FFF2-40B4-BE49-F238E27FC236}">
-                <a16:creationId xmlns:a16="http://schemas.microsoft.com/office/drawing/2014/main" id="{E31B0B00-84AF-E2D9-1694-495B1334B28D}"/>
-              </a:ext>
-            </a:extLst>
-          </p:cNvPr>
-          <p:cNvPicPr>
-            <a:picLocks noGrp="1" noChangeAspect="1" noChangeArrowheads="1"/>
-          </p:cNvPicPr>
+      <p:sp>
+        <p:nvSpPr>
+          <p:cNvPr id="6" name="Rectangle 2">
+            <a:extLst>
+              <a:ext uri="{FF2B5EF4-FFF2-40B4-BE49-F238E27FC236}">
+                <a16:creationId xmlns:a16="http://schemas.microsoft.com/office/drawing/2014/main" id="{5AAC3E3A-6458-1F57-4E50-13E393F8E573}"/>
+              </a:ext>
+            </a:extLst>
+          </p:cNvPr>
+          <p:cNvSpPr>
+            <a:spLocks noGrp="1" noChangeArrowheads="1"/>
+          </p:cNvSpPr>
           <p:nvPr>
             <p:ph idx="1"/>
           </p:nvPr>
-        </p:nvPicPr>
-        <p:blipFill>
-          <a:blip r:embed="rId2">
-            <a:extLst>
-              <a:ext uri="{28A0092B-C50C-407E-A947-70E740481C1C}">
-                <a14:useLocalDpi xmlns:a14="http://schemas.microsoft.com/office/drawing/2010/main" val="0"/>
-              </a:ext>
-            </a:extLst>
-          </a:blip>
-          <a:srcRect/>
-          <a:stretch>
-            <a:fillRect/>
-          </a:stretch>
-        </p:blipFill>
+        </p:nvSpPr>
         <p:spPr bwMode="auto">
           <a:xfrm>
-            <a:off x="1939498" y="1825625"/>
-            <a:ext cx="8313003" cy="4351338"/>
+            <a:off x="315686" y="1722469"/>
+            <a:ext cx="12281502" cy="4524315"/>
           </a:xfrm>
           <a:prstGeom prst="rect">
             <a:avLst/>
           </a:prstGeom>
           <a:noFill/>
+          <a:ln>
+            <a:noFill/>
+          </a:ln>
+          <a:effectLst/>
           <a:extLst>
             <a:ext uri="{909E8E84-426E-40DD-AFC4-6F175D3DCCD1}">
               <a14:hiddenFill xmlns:a14="http://schemas.microsoft.com/office/drawing/2010/main">
                 <a:solidFill>
-                  <a:srgbClr val="FFFFFF"/>
+                  <a:schemeClr val="accent1"/>
                 </a:solidFill>
               </a14:hiddenFill>
+            </a:ext>
+            <a:ext uri="{91240B29-F687-4F45-9708-019B960494DF}">
+              <a14:hiddenLine xmlns:a14="http://schemas.microsoft.com/office/drawing/2010/main" w="9525">
+                <a:solidFill>
+                  <a:schemeClr val="tx1"/>
+                </a:solidFill>
+                <a:miter lim="800000"/>
+                <a:headEnd/>
+                <a:tailEnd/>
+              </a14:hiddenLine>
+            </a:ext>
+            <a:ext uri="{AF507438-7753-43E0-B8FC-AC1667EBCBE1}">
+              <a14:hiddenEffects xmlns:a14="http://schemas.microsoft.com/office/drawing/2010/main">
+                <a:effectLst>
+                  <a:outerShdw dist="35921" dir="2700000" algn="ctr" rotWithShape="0">
+                    <a:schemeClr val="bg2"/>
+                  </a:outerShdw>
+                </a:effectLst>
+              </a14:hiddenEffects>
             </a:ext>
           </a:extLst>
         </p:spPr>
-      </p:pic>
+        <p:txBody>
+          <a:bodyPr vert="horz" wrap="square" lIns="91440" tIns="45720" rIns="91440" bIns="45720" numCol="1" anchor="ctr" anchorCtr="0" compatLnSpc="1">
+            <a:prstTxWarp prst="textNoShape">
+              <a:avLst/>
+            </a:prstTxWarp>
+            <a:spAutoFit/>
+          </a:bodyPr>
+          <a:lstStyle/>
+          <a:p>
+            <a:pPr marL="0" marR="0" lvl="0" indent="0" algn="l" defTabSz="914400" rtl="0" eaLnBrk="0" fontAlgn="base" latinLnBrk="0" hangingPunct="0">
+              <a:lnSpc>
+                <a:spcPct val="100000"/>
+              </a:lnSpc>
+              <a:spcBef>
+                <a:spcPct val="0"/>
+              </a:spcBef>
+              <a:spcAft>
+                <a:spcPct val="0"/>
+              </a:spcAft>
+              <a:buClrTx/>
+              <a:buSzTx/>
+              <a:buFontTx/>
+              <a:buChar char="•"/>
+              <a:tabLst/>
+            </a:pPr>
+            <a:r>
+              <a:rPr kumimoji="0" lang="en-US" altLang="en-US" sz="2400" b="1" i="0" u="none" strike="noStrike" cap="none" normalizeH="0" baseline="0" dirty="0">
+                <a:ln>
+                  <a:noFill/>
+                </a:ln>
+                <a:solidFill>
+                  <a:schemeClr val="tx1"/>
+                </a:solidFill>
+                <a:effectLst/>
+                <a:latin typeface="Arial" panose="020B0604020202020204" pitchFamily="34" charset="0"/>
+              </a:rPr>
+              <a:t>Professional Credibility</a:t>
+            </a:r>
+            <a:r>
+              <a:rPr kumimoji="0" lang="en-US" altLang="en-US" sz="2400" b="0" i="0" u="none" strike="noStrike" cap="none" normalizeH="0" baseline="0" dirty="0">
+                <a:ln>
+                  <a:noFill/>
+                </a:ln>
+                <a:solidFill>
+                  <a:schemeClr val="tx1"/>
+                </a:solidFill>
+                <a:effectLst/>
+                <a:latin typeface="Arial" panose="020B0604020202020204" pitchFamily="34" charset="0"/>
+              </a:rPr>
+              <a:t>: </a:t>
+            </a:r>
+          </a:p>
+          <a:p>
+            <a:pPr marL="457200" lvl="1" indent="0" eaLnBrk="0" fontAlgn="base" hangingPunct="0">
+              <a:lnSpc>
+                <a:spcPct val="100000"/>
+              </a:lnSpc>
+              <a:spcBef>
+                <a:spcPct val="0"/>
+              </a:spcBef>
+              <a:spcAft>
+                <a:spcPct val="0"/>
+              </a:spcAft>
+              <a:buFontTx/>
+              <a:buChar char="•"/>
+            </a:pPr>
+            <a:r>
+              <a:rPr kumimoji="0" lang="en-US" altLang="en-US" b="0" i="0" u="none" strike="noStrike" cap="none" normalizeH="0" baseline="0" dirty="0">
+                <a:ln>
+                  <a:noFill/>
+                </a:ln>
+                <a:solidFill>
+                  <a:schemeClr val="tx1"/>
+                </a:solidFill>
+                <a:effectLst/>
+                <a:latin typeface="Arial" panose="020B0604020202020204" pitchFamily="34" charset="0"/>
+              </a:rPr>
+              <a:t>Recognized globally as “gold standard” in cybersecurity certifications.</a:t>
+            </a:r>
+          </a:p>
+          <a:p>
+            <a:pPr marL="0" marR="0" lvl="0" indent="0" algn="l" defTabSz="914400" rtl="0" eaLnBrk="0" fontAlgn="base" latinLnBrk="0" hangingPunct="0">
+              <a:lnSpc>
+                <a:spcPct val="100000"/>
+              </a:lnSpc>
+              <a:spcBef>
+                <a:spcPct val="0"/>
+              </a:spcBef>
+              <a:spcAft>
+                <a:spcPct val="0"/>
+              </a:spcAft>
+              <a:buClrTx/>
+              <a:buSzTx/>
+              <a:buFontTx/>
+              <a:buChar char="•"/>
+              <a:tabLst/>
+            </a:pPr>
+            <a:r>
+              <a:rPr kumimoji="0" lang="en-US" altLang="en-US" sz="2400" b="1" i="0" u="none" strike="noStrike" cap="none" normalizeH="0" baseline="0" dirty="0">
+                <a:ln>
+                  <a:noFill/>
+                </a:ln>
+                <a:solidFill>
+                  <a:schemeClr val="tx1"/>
+                </a:solidFill>
+                <a:effectLst/>
+                <a:latin typeface="Arial" panose="020B0604020202020204" pitchFamily="34" charset="0"/>
+              </a:rPr>
+              <a:t>Career Advancement</a:t>
+            </a:r>
+            <a:r>
+              <a:rPr kumimoji="0" lang="en-US" altLang="en-US" sz="2400" b="0" i="0" u="none" strike="noStrike" cap="none" normalizeH="0" baseline="0" dirty="0">
+                <a:ln>
+                  <a:noFill/>
+                </a:ln>
+                <a:solidFill>
+                  <a:schemeClr val="tx1"/>
+                </a:solidFill>
+                <a:effectLst/>
+                <a:latin typeface="Arial" panose="020B0604020202020204" pitchFamily="34" charset="0"/>
+              </a:rPr>
+              <a:t>: </a:t>
+            </a:r>
+          </a:p>
+          <a:p>
+            <a:pPr marL="457200" lvl="1" indent="0" eaLnBrk="0" fontAlgn="base" hangingPunct="0">
+              <a:lnSpc>
+                <a:spcPct val="100000"/>
+              </a:lnSpc>
+              <a:spcBef>
+                <a:spcPct val="0"/>
+              </a:spcBef>
+              <a:spcAft>
+                <a:spcPct val="0"/>
+              </a:spcAft>
+              <a:buFontTx/>
+              <a:buChar char="•"/>
+            </a:pPr>
+            <a:r>
+              <a:rPr kumimoji="0" lang="en-US" altLang="en-US" b="0" i="0" u="none" strike="noStrike" cap="none" normalizeH="0" baseline="0" dirty="0">
+                <a:ln>
+                  <a:noFill/>
+                </a:ln>
+                <a:solidFill>
+                  <a:schemeClr val="tx1"/>
+                </a:solidFill>
+                <a:effectLst/>
+                <a:latin typeface="Arial" panose="020B0604020202020204" pitchFamily="34" charset="0"/>
+              </a:rPr>
+              <a:t>Opens doors to high-level roles such as security manager, consultant, or analyst.</a:t>
+            </a:r>
+          </a:p>
+          <a:p>
+            <a:pPr marL="0" marR="0" lvl="0" indent="0" algn="l" defTabSz="914400" rtl="0" eaLnBrk="0" fontAlgn="base" latinLnBrk="0" hangingPunct="0">
+              <a:lnSpc>
+                <a:spcPct val="100000"/>
+              </a:lnSpc>
+              <a:spcBef>
+                <a:spcPct val="0"/>
+              </a:spcBef>
+              <a:spcAft>
+                <a:spcPct val="0"/>
+              </a:spcAft>
+              <a:buClrTx/>
+              <a:buSzTx/>
+              <a:buFontTx/>
+              <a:buChar char="•"/>
+              <a:tabLst/>
+            </a:pPr>
+            <a:r>
+              <a:rPr kumimoji="0" lang="en-US" altLang="en-US" sz="2400" b="1" i="0" u="none" strike="noStrike" cap="none" normalizeH="0" baseline="0" dirty="0">
+                <a:ln>
+                  <a:noFill/>
+                </a:ln>
+                <a:solidFill>
+                  <a:schemeClr val="tx1"/>
+                </a:solidFill>
+                <a:effectLst/>
+                <a:latin typeface="Arial" panose="020B0604020202020204" pitchFamily="34" charset="0"/>
+              </a:rPr>
+              <a:t>Higher Salary Potential</a:t>
+            </a:r>
+            <a:r>
+              <a:rPr kumimoji="0" lang="en-US" altLang="en-US" sz="2400" b="0" i="0" u="none" strike="noStrike" cap="none" normalizeH="0" baseline="0" dirty="0">
+                <a:ln>
+                  <a:noFill/>
+                </a:ln>
+                <a:solidFill>
+                  <a:schemeClr val="tx1"/>
+                </a:solidFill>
+                <a:effectLst/>
+                <a:latin typeface="Arial" panose="020B0604020202020204" pitchFamily="34" charset="0"/>
+              </a:rPr>
+              <a:t>: </a:t>
+            </a:r>
+          </a:p>
+          <a:p>
+            <a:pPr marL="457200" lvl="1" indent="0" eaLnBrk="0" fontAlgn="base" hangingPunct="0">
+              <a:lnSpc>
+                <a:spcPct val="100000"/>
+              </a:lnSpc>
+              <a:spcBef>
+                <a:spcPct val="0"/>
+              </a:spcBef>
+              <a:spcAft>
+                <a:spcPct val="0"/>
+              </a:spcAft>
+              <a:buFontTx/>
+              <a:buChar char="•"/>
+            </a:pPr>
+            <a:r>
+              <a:rPr kumimoji="0" lang="en-US" altLang="en-US" b="0" i="0" u="none" strike="noStrike" cap="none" normalizeH="0" baseline="0" dirty="0">
+                <a:ln>
+                  <a:noFill/>
+                </a:ln>
+                <a:solidFill>
+                  <a:schemeClr val="tx1"/>
+                </a:solidFill>
+                <a:effectLst/>
+                <a:latin typeface="Arial" panose="020B0604020202020204" pitchFamily="34" charset="0"/>
+              </a:rPr>
+              <a:t>CISSP-certified professionals often earn higher wages.</a:t>
+            </a:r>
+          </a:p>
+          <a:p>
+            <a:pPr marL="0" marR="0" lvl="0" indent="0" algn="l" defTabSz="914400" rtl="0" eaLnBrk="0" fontAlgn="base" latinLnBrk="0" hangingPunct="0">
+              <a:lnSpc>
+                <a:spcPct val="100000"/>
+              </a:lnSpc>
+              <a:spcBef>
+                <a:spcPct val="0"/>
+              </a:spcBef>
+              <a:spcAft>
+                <a:spcPct val="0"/>
+              </a:spcAft>
+              <a:buClrTx/>
+              <a:buSzTx/>
+              <a:buFontTx/>
+              <a:buChar char="•"/>
+              <a:tabLst/>
+            </a:pPr>
+            <a:r>
+              <a:rPr kumimoji="0" lang="en-US" altLang="en-US" sz="2400" b="1" i="0" u="none" strike="noStrike" cap="none" normalizeH="0" baseline="0" dirty="0">
+                <a:ln>
+                  <a:noFill/>
+                </a:ln>
+                <a:solidFill>
+                  <a:schemeClr val="tx1"/>
+                </a:solidFill>
+                <a:effectLst/>
+                <a:latin typeface="Arial" panose="020B0604020202020204" pitchFamily="34" charset="0"/>
+              </a:rPr>
+              <a:t>Broad Knowledge</a:t>
+            </a:r>
+            <a:r>
+              <a:rPr kumimoji="0" lang="en-US" altLang="en-US" sz="2400" b="0" i="0" u="none" strike="noStrike" cap="none" normalizeH="0" baseline="0" dirty="0">
+                <a:ln>
+                  <a:noFill/>
+                </a:ln>
+                <a:solidFill>
+                  <a:schemeClr val="tx1"/>
+                </a:solidFill>
+                <a:effectLst/>
+                <a:latin typeface="Arial" panose="020B0604020202020204" pitchFamily="34" charset="0"/>
+              </a:rPr>
+              <a:t>: </a:t>
+            </a:r>
+          </a:p>
+          <a:p>
+            <a:pPr marL="457200" lvl="1" indent="0" eaLnBrk="0" fontAlgn="base" hangingPunct="0">
+              <a:lnSpc>
+                <a:spcPct val="100000"/>
+              </a:lnSpc>
+              <a:spcBef>
+                <a:spcPct val="0"/>
+              </a:spcBef>
+              <a:spcAft>
+                <a:spcPct val="0"/>
+              </a:spcAft>
+              <a:buFontTx/>
+              <a:buChar char="•"/>
+            </a:pPr>
+            <a:r>
+              <a:rPr kumimoji="0" lang="en-US" altLang="en-US" b="0" i="0" u="none" strike="noStrike" cap="none" normalizeH="0" baseline="0" dirty="0">
+                <a:ln>
+                  <a:noFill/>
+                </a:ln>
+                <a:solidFill>
+                  <a:schemeClr val="tx1"/>
+                </a:solidFill>
+                <a:effectLst/>
+                <a:latin typeface="Arial" panose="020B0604020202020204" pitchFamily="34" charset="0"/>
+              </a:rPr>
+              <a:t>Covers diverse security concepts, making you well-rounded in the field.</a:t>
+            </a:r>
+          </a:p>
+          <a:p>
+            <a:pPr marL="0" marR="0" lvl="0" indent="0" algn="l" defTabSz="914400" rtl="0" eaLnBrk="0" fontAlgn="base" latinLnBrk="0" hangingPunct="0">
+              <a:lnSpc>
+                <a:spcPct val="100000"/>
+              </a:lnSpc>
+              <a:spcBef>
+                <a:spcPct val="0"/>
+              </a:spcBef>
+              <a:spcAft>
+                <a:spcPct val="0"/>
+              </a:spcAft>
+              <a:buClrTx/>
+              <a:buSzTx/>
+              <a:buFontTx/>
+              <a:buChar char="•"/>
+              <a:tabLst/>
+            </a:pPr>
+            <a:r>
+              <a:rPr kumimoji="0" lang="en-US" altLang="en-US" sz="2400" b="1" i="0" u="none" strike="noStrike" cap="none" normalizeH="0" baseline="0" dirty="0">
+                <a:ln>
+                  <a:noFill/>
+                </a:ln>
+                <a:solidFill>
+                  <a:schemeClr val="tx1"/>
+                </a:solidFill>
+                <a:effectLst/>
+                <a:latin typeface="Arial" panose="020B0604020202020204" pitchFamily="34" charset="0"/>
+              </a:rPr>
+              <a:t>Networking Opportunities</a:t>
+            </a:r>
+            <a:r>
+              <a:rPr kumimoji="0" lang="en-US" altLang="en-US" sz="2400" b="0" i="0" u="none" strike="noStrike" cap="none" normalizeH="0" baseline="0" dirty="0">
+                <a:ln>
+                  <a:noFill/>
+                </a:ln>
+                <a:solidFill>
+                  <a:schemeClr val="tx1"/>
+                </a:solidFill>
+                <a:effectLst/>
+                <a:latin typeface="Arial" panose="020B0604020202020204" pitchFamily="34" charset="0"/>
+              </a:rPr>
+              <a:t>: </a:t>
+            </a:r>
+          </a:p>
+          <a:p>
+            <a:pPr marL="457200" lvl="1" indent="0" eaLnBrk="0" fontAlgn="base" hangingPunct="0">
+              <a:lnSpc>
+                <a:spcPct val="100000"/>
+              </a:lnSpc>
+              <a:spcBef>
+                <a:spcPct val="0"/>
+              </a:spcBef>
+              <a:spcAft>
+                <a:spcPct val="0"/>
+              </a:spcAft>
+              <a:buFontTx/>
+              <a:buChar char="•"/>
+            </a:pPr>
+            <a:r>
+              <a:rPr kumimoji="0" lang="en-US" altLang="en-US" b="0" i="0" u="none" strike="noStrike" cap="none" normalizeH="0" baseline="0" dirty="0">
+                <a:ln>
+                  <a:noFill/>
+                </a:ln>
+                <a:solidFill>
+                  <a:schemeClr val="tx1"/>
+                </a:solidFill>
+                <a:effectLst/>
+                <a:latin typeface="Arial" panose="020B0604020202020204" pitchFamily="34" charset="0"/>
+              </a:rPr>
+              <a:t>Connects you with a global community of cybersecurity experts.</a:t>
+            </a:r>
+          </a:p>
+          <a:p>
+            <a:pPr marL="0" marR="0" lvl="0" indent="0" algn="l" defTabSz="914400" rtl="0" eaLnBrk="0" fontAlgn="base" latinLnBrk="0" hangingPunct="0">
+              <a:lnSpc>
+                <a:spcPct val="100000"/>
+              </a:lnSpc>
+              <a:spcBef>
+                <a:spcPct val="0"/>
+              </a:spcBef>
+              <a:spcAft>
+                <a:spcPct val="0"/>
+              </a:spcAft>
+              <a:buClrTx/>
+              <a:buSzTx/>
+              <a:buFontTx/>
+              <a:buChar char="•"/>
+              <a:tabLst/>
+            </a:pPr>
+            <a:r>
+              <a:rPr kumimoji="0" lang="en-US" altLang="en-US" sz="2400" b="1" i="0" u="none" strike="noStrike" cap="none" normalizeH="0" baseline="0" dirty="0">
+                <a:ln>
+                  <a:noFill/>
+                </a:ln>
+                <a:solidFill>
+                  <a:schemeClr val="tx1"/>
+                </a:solidFill>
+                <a:effectLst/>
+                <a:latin typeface="Arial" panose="020B0604020202020204" pitchFamily="34" charset="0"/>
+              </a:rPr>
+              <a:t>Employer Preference</a:t>
+            </a:r>
+            <a:r>
+              <a:rPr kumimoji="0" lang="en-US" altLang="en-US" sz="2400" b="0" i="0" u="none" strike="noStrike" cap="none" normalizeH="0" baseline="0" dirty="0">
+                <a:ln>
+                  <a:noFill/>
+                </a:ln>
+                <a:solidFill>
+                  <a:schemeClr val="tx1"/>
+                </a:solidFill>
+                <a:effectLst/>
+                <a:latin typeface="Arial" panose="020B0604020202020204" pitchFamily="34" charset="0"/>
+              </a:rPr>
+              <a:t>: </a:t>
+            </a:r>
+          </a:p>
+          <a:p>
+            <a:pPr marL="457200" lvl="1" indent="0" eaLnBrk="0" fontAlgn="base" hangingPunct="0">
+              <a:lnSpc>
+                <a:spcPct val="100000"/>
+              </a:lnSpc>
+              <a:spcBef>
+                <a:spcPct val="0"/>
+              </a:spcBef>
+              <a:spcAft>
+                <a:spcPct val="0"/>
+              </a:spcAft>
+              <a:buFontTx/>
+              <a:buChar char="•"/>
+            </a:pPr>
+            <a:r>
+              <a:rPr kumimoji="0" lang="en-US" altLang="en-US" b="0" i="0" u="none" strike="noStrike" cap="none" normalizeH="0" baseline="0" dirty="0">
+                <a:ln>
+                  <a:noFill/>
+                </a:ln>
+                <a:solidFill>
+                  <a:schemeClr val="tx1"/>
+                </a:solidFill>
+                <a:effectLst/>
+                <a:latin typeface="Arial" panose="020B0604020202020204" pitchFamily="34" charset="0"/>
+              </a:rPr>
+              <a:t>Many companies prioritize CISSP-certified candidates for critical roles.</a:t>
+            </a:r>
+          </a:p>
+        </p:txBody>
+      </p:sp>
     </p:spTree>
     <p:extLst>
       <p:ext uri="{BB962C8B-B14F-4D97-AF65-F5344CB8AC3E}">
-        <p14:creationId xmlns:p14="http://schemas.microsoft.com/office/powerpoint/2010/main" val="3118389937"/>
+        <p14:creationId xmlns:p14="http://schemas.microsoft.com/office/powerpoint/2010/main" val="2134071977"/>
       </p:ext>
     </p:extLst>
   </p:cSld>
@@ -6468,13 +6493,33 @@
             <p:ph idx="1"/>
           </p:nvPr>
         </p:nvSpPr>
-        <p:spPr/>
+        <p:spPr>
+          <a:xfrm>
+            <a:off x="359229" y="1825624"/>
+            <a:ext cx="10994571" cy="4814661"/>
+          </a:xfrm>
+        </p:spPr>
         <p:txBody>
           <a:bodyPr>
-            <a:normAutofit lnSpcReduction="10000"/>
+            <a:normAutofit fontScale="92500" lnSpcReduction="20000"/>
           </a:bodyPr>
           <a:lstStyle/>
           <a:p>
+            <a:r>
+              <a:rPr lang="en-AU" b="1" dirty="0"/>
+              <a:t>Start at the beginning – foundation level builds confidence!</a:t>
+            </a:r>
+          </a:p>
+          <a:p>
+            <a:pPr marL="0" indent="0">
+              <a:buNone/>
+            </a:pPr>
+            <a:endParaRPr lang="en-AU" b="1" dirty="0"/>
+          </a:p>
+          <a:p>
+            <a:pPr marL="0" indent="0">
+              <a:buNone/>
+            </a:pPr>
             <a:r>
               <a:rPr lang="en-AU" b="1" dirty="0"/>
               <a:t>1. Study Resources – use multiple!</a:t>
@@ -6553,7 +6598,9 @@
             </a:r>
           </a:p>
           <a:p>
-            <a:pPr lvl="1"/>
+            <a:pPr marL="457200" lvl="1" indent="0">
+              <a:buNone/>
+            </a:pPr>
             <a:r>
               <a:rPr lang="en-GB" i="1" dirty="0"/>
               <a:t>“If I have seen further, it is by standing on the shoulders of giants.”</a:t>
@@ -6565,13 +6612,6 @@
               <a:rPr lang="en-GB" i="1" dirty="0"/>
               <a:t>-Isaac Newton</a:t>
             </a:r>
-          </a:p>
-          <a:p>
-            <a:pPr lvl="1"/>
-            <a:endParaRPr lang="en-AU" dirty="0"/>
-          </a:p>
-          <a:p>
-            <a:pPr lvl="1"/>
             <a:endParaRPr lang="en-GB" dirty="0"/>
           </a:p>
           <a:p>

--- a/Dan’s Certification Journey - Part 1.pptx
+++ b/Dan’s Certification Journey - Part 1.pptx
@@ -5,7 +5,7 @@
     <p:sldMasterId id="2147483672" r:id="rId1"/>
   </p:sldMasterIdLst>
   <p:notesMasterIdLst>
-    <p:notesMasterId r:id="rId29"/>
+    <p:notesMasterId r:id="rId31"/>
   </p:notesMasterIdLst>
   <p:sldIdLst>
     <p:sldId id="256" r:id="rId2"/>
@@ -26,15 +26,17 @@
     <p:sldId id="266" r:id="rId17"/>
     <p:sldId id="260" r:id="rId18"/>
     <p:sldId id="284" r:id="rId19"/>
-    <p:sldId id="278" r:id="rId20"/>
-    <p:sldId id="279" r:id="rId21"/>
-    <p:sldId id="277" r:id="rId22"/>
-    <p:sldId id="267" r:id="rId23"/>
-    <p:sldId id="273" r:id="rId24"/>
-    <p:sldId id="275" r:id="rId25"/>
-    <p:sldId id="274" r:id="rId26"/>
-    <p:sldId id="272" r:id="rId27"/>
-    <p:sldId id="280" r:id="rId28"/>
+    <p:sldId id="286" r:id="rId20"/>
+    <p:sldId id="278" r:id="rId21"/>
+    <p:sldId id="279" r:id="rId22"/>
+    <p:sldId id="277" r:id="rId23"/>
+    <p:sldId id="267" r:id="rId24"/>
+    <p:sldId id="273" r:id="rId25"/>
+    <p:sldId id="275" r:id="rId26"/>
+    <p:sldId id="274" r:id="rId27"/>
+    <p:sldId id="272" r:id="rId28"/>
+    <p:sldId id="285" r:id="rId29"/>
+    <p:sldId id="280" r:id="rId30"/>
   </p:sldIdLst>
   <p:sldSz cx="12192000" cy="6858000"/>
   <p:notesSz cx="6858000" cy="9144000"/>
@@ -144,9 +146,122 @@
 <file path=ppt/revisionInfo.xml><?xml version="1.0" encoding="utf-8"?>
 <p1510:revInfo xmlns:a="http://schemas.openxmlformats.org/drawingml/2006/main" xmlns:r="http://schemas.openxmlformats.org/officeDocument/2006/relationships" xmlns:p1510="http://schemas.microsoft.com/office/powerpoint/2015/10/main">
   <p1510:revLst>
-    <p1510:client id="{DE19108E-1677-4237-B397-E14CD22FFA0C}" v="62" dt="2025-02-22T06:56:51.070"/>
+    <p1510:client id="{4B448EF0-E054-4B53-B4F2-78087058A2D7}" v="5" dt="2025-04-13T12:58:13.777"/>
   </p1510:revLst>
 </p1510:revInfo>
+</file>
+
+<file path=ppt/changesInfos/changesInfo1.xml><?xml version="1.0" encoding="utf-8"?>
+<pc:chgInfo xmlns:a="http://schemas.openxmlformats.org/drawingml/2006/main" xmlns:r="http://schemas.openxmlformats.org/officeDocument/2006/relationships" xmlns:ac="http://schemas.microsoft.com/office/drawing/2013/main/command" xmlns:pc="http://schemas.microsoft.com/office/powerpoint/2013/main/command">
+  <pc:docChgLst>
+    <pc:chgData name="Dan Dan" userId="d52189bed908ad4a" providerId="LiveId" clId="{4B448EF0-E054-4B53-B4F2-78087058A2D7}"/>
+    <pc:docChg chg="undo custSel addSld modSld sldOrd">
+      <pc:chgData name="Dan Dan" userId="d52189bed908ad4a" providerId="LiveId" clId="{4B448EF0-E054-4B53-B4F2-78087058A2D7}" dt="2025-04-13T12:58:17.089" v="629" actId="20577"/>
+      <pc:docMkLst>
+        <pc:docMk/>
+      </pc:docMkLst>
+      <pc:sldChg chg="modSp mod">
+        <pc:chgData name="Dan Dan" userId="d52189bed908ad4a" providerId="LiveId" clId="{4B448EF0-E054-4B53-B4F2-78087058A2D7}" dt="2025-04-13T12:58:17.089" v="629" actId="20577"/>
+        <pc:sldMkLst>
+          <pc:docMk/>
+          <pc:sldMk cId="2440630559" sldId="267"/>
+        </pc:sldMkLst>
+        <pc:spChg chg="mod">
+          <ac:chgData name="Dan Dan" userId="d52189bed908ad4a" providerId="LiveId" clId="{4B448EF0-E054-4B53-B4F2-78087058A2D7}" dt="2025-04-13T12:58:17.089" v="629" actId="20577"/>
+          <ac:spMkLst>
+            <pc:docMk/>
+            <pc:sldMk cId="2440630559" sldId="267"/>
+            <ac:spMk id="3" creationId="{3E8D3311-650C-4737-78A6-86801538553C}"/>
+          </ac:spMkLst>
+        </pc:spChg>
+      </pc:sldChg>
+      <pc:sldChg chg="modSp mod">
+        <pc:chgData name="Dan Dan" userId="d52189bed908ad4a" providerId="LiveId" clId="{4B448EF0-E054-4B53-B4F2-78087058A2D7}" dt="2025-04-13T12:45:28.251" v="47" actId="14734"/>
+        <pc:sldMkLst>
+          <pc:docMk/>
+          <pc:sldMk cId="2851913005" sldId="283"/>
+        </pc:sldMkLst>
+        <pc:graphicFrameChg chg="modGraphic">
+          <ac:chgData name="Dan Dan" userId="d52189bed908ad4a" providerId="LiveId" clId="{4B448EF0-E054-4B53-B4F2-78087058A2D7}" dt="2025-04-13T12:45:28.251" v="47" actId="14734"/>
+          <ac:graphicFrameMkLst>
+            <pc:docMk/>
+            <pc:sldMk cId="2851913005" sldId="283"/>
+            <ac:graphicFrameMk id="5" creationId="{5F6753E0-DD06-ECDB-2FF1-9D103CE39D7D}"/>
+          </ac:graphicFrameMkLst>
+        </pc:graphicFrameChg>
+      </pc:sldChg>
+      <pc:sldChg chg="modSp mod">
+        <pc:chgData name="Dan Dan" userId="d52189bed908ad4a" providerId="LiveId" clId="{4B448EF0-E054-4B53-B4F2-78087058A2D7}" dt="2025-04-13T12:51:54.391" v="172" actId="20577"/>
+        <pc:sldMkLst>
+          <pc:docMk/>
+          <pc:sldMk cId="2134071977" sldId="284"/>
+        </pc:sldMkLst>
+        <pc:spChg chg="mod">
+          <ac:chgData name="Dan Dan" userId="d52189bed908ad4a" providerId="LiveId" clId="{4B448EF0-E054-4B53-B4F2-78087058A2D7}" dt="2025-04-13T12:51:54.391" v="172" actId="20577"/>
+          <ac:spMkLst>
+            <pc:docMk/>
+            <pc:sldMk cId="2134071977" sldId="284"/>
+            <ac:spMk id="6" creationId="{5AAC3E3A-6458-1F57-4E50-13E393F8E573}"/>
+          </ac:spMkLst>
+        </pc:spChg>
+      </pc:sldChg>
+      <pc:sldChg chg="addSp modSp new mod ord">
+        <pc:chgData name="Dan Dan" userId="d52189bed908ad4a" providerId="LiveId" clId="{4B448EF0-E054-4B53-B4F2-78087058A2D7}" dt="2025-04-13T12:42:21.744" v="29"/>
+        <pc:sldMkLst>
+          <pc:docMk/>
+          <pc:sldMk cId="1837852830" sldId="285"/>
+        </pc:sldMkLst>
+        <pc:spChg chg="mod">
+          <ac:chgData name="Dan Dan" userId="d52189bed908ad4a" providerId="LiveId" clId="{4B448EF0-E054-4B53-B4F2-78087058A2D7}" dt="2025-04-13T12:37:20.083" v="22" actId="20577"/>
+          <ac:spMkLst>
+            <pc:docMk/>
+            <pc:sldMk cId="1837852830" sldId="285"/>
+            <ac:spMk id="2" creationId="{4E4A6C61-01A9-C409-6D11-E7DD1925BED9}"/>
+          </ac:spMkLst>
+        </pc:spChg>
+        <pc:spChg chg="mod">
+          <ac:chgData name="Dan Dan" userId="d52189bed908ad4a" providerId="LiveId" clId="{4B448EF0-E054-4B53-B4F2-78087058A2D7}" dt="2025-04-13T12:40:57.927" v="26" actId="20577"/>
+          <ac:spMkLst>
+            <pc:docMk/>
+            <pc:sldMk cId="1837852830" sldId="285"/>
+            <ac:spMk id="3" creationId="{7DF5EA92-89BD-B7B1-A9D4-55DF8EB5A084}"/>
+          </ac:spMkLst>
+        </pc:spChg>
+        <pc:spChg chg="add">
+          <ac:chgData name="Dan Dan" userId="d52189bed908ad4a" providerId="LiveId" clId="{4B448EF0-E054-4B53-B4F2-78087058A2D7}" dt="2025-04-13T12:40:58.501" v="27"/>
+          <ac:spMkLst>
+            <pc:docMk/>
+            <pc:sldMk cId="1837852830" sldId="285"/>
+            <ac:spMk id="5" creationId="{61163B32-4C7E-B75F-55E6-089BC9682FB0}"/>
+          </ac:spMkLst>
+        </pc:spChg>
+      </pc:sldChg>
+      <pc:sldChg chg="modSp new mod ord">
+        <pc:chgData name="Dan Dan" userId="d52189bed908ad4a" providerId="LiveId" clId="{4B448EF0-E054-4B53-B4F2-78087058A2D7}" dt="2025-04-13T12:52:49.545" v="179" actId="20577"/>
+        <pc:sldMkLst>
+          <pc:docMk/>
+          <pc:sldMk cId="1185336579" sldId="286"/>
+        </pc:sldMkLst>
+        <pc:spChg chg="mod">
+          <ac:chgData name="Dan Dan" userId="d52189bed908ad4a" providerId="LiveId" clId="{4B448EF0-E054-4B53-B4F2-78087058A2D7}" dt="2025-04-13T12:52:28.155" v="178" actId="20577"/>
+          <ac:spMkLst>
+            <pc:docMk/>
+            <pc:sldMk cId="1185336579" sldId="286"/>
+            <ac:spMk id="2" creationId="{8DB7C61B-42F5-4715-98C7-D17EB62215FD}"/>
+          </ac:spMkLst>
+        </pc:spChg>
+        <pc:spChg chg="mod">
+          <ac:chgData name="Dan Dan" userId="d52189bed908ad4a" providerId="LiveId" clId="{4B448EF0-E054-4B53-B4F2-78087058A2D7}" dt="2025-04-13T12:52:49.545" v="179" actId="20577"/>
+          <ac:spMkLst>
+            <pc:docMk/>
+            <pc:sldMk cId="1185336579" sldId="286"/>
+            <ac:spMk id="3" creationId="{41C8E2F4-FC5C-6C01-46CD-B203C3E6F4E7}"/>
+          </ac:spMkLst>
+        </pc:spChg>
+      </pc:sldChg>
+    </pc:docChg>
+  </pc:docChgLst>
+</pc:chgInfo>
 </file>
 
 <file path=ppt/notesMasters/notesMaster1.xml><?xml version="1.0" encoding="utf-8"?>
@@ -231,7 +346,7 @@
           <a:p>
             <a:fld id="{08EC57A4-9AF6-43F7-9579-88F447FBCD62}" type="datetimeFigureOut">
               <a:rPr lang="en-AU" smtClean="0"/>
-              <a:t>8/04/2025</a:t>
+              <a:t>13/04/2025</a:t>
             </a:fld>
             <a:endParaRPr lang="en-AU"/>
           </a:p>
@@ -648,7 +763,7 @@
           <a:p>
             <a:fld id="{F61FA952-71CC-4F8C-8A1E-D4CDECACA730}" type="datetime1">
               <a:rPr lang="en-AU" smtClean="0"/>
-              <a:t>8/04/2025</a:t>
+              <a:t>13/04/2025</a:t>
             </a:fld>
             <a:endParaRPr lang="en-AU"/>
           </a:p>
@@ -848,7 +963,7 @@
           <a:p>
             <a:fld id="{242EEBCA-13EB-4CC9-BF31-5BBEE91A65A2}" type="datetime1">
               <a:rPr lang="en-AU" smtClean="0"/>
-              <a:t>8/04/2025</a:t>
+              <a:t>13/04/2025</a:t>
             </a:fld>
             <a:endParaRPr lang="en-AU"/>
           </a:p>
@@ -1058,7 +1173,7 @@
           <a:p>
             <a:fld id="{E2A14B94-1E1E-499B-8DC1-B522AC845A40}" type="datetime1">
               <a:rPr lang="en-AU" smtClean="0"/>
-              <a:t>8/04/2025</a:t>
+              <a:t>13/04/2025</a:t>
             </a:fld>
             <a:endParaRPr lang="en-AU"/>
           </a:p>
@@ -1258,7 +1373,7 @@
           <a:p>
             <a:fld id="{D3F2032B-9E5E-4028-85E2-E19ED219B8C7}" type="datetime1">
               <a:rPr lang="en-AU" smtClean="0"/>
-              <a:t>8/04/2025</a:t>
+              <a:t>13/04/2025</a:t>
             </a:fld>
             <a:endParaRPr lang="en-AU"/>
           </a:p>
@@ -1534,7 +1649,7 @@
           <a:p>
             <a:fld id="{F957D672-AD8C-496C-88BB-66AF0BB5A5A2}" type="datetime1">
               <a:rPr lang="en-AU" smtClean="0"/>
-              <a:t>8/04/2025</a:t>
+              <a:t>13/04/2025</a:t>
             </a:fld>
             <a:endParaRPr lang="en-AU"/>
           </a:p>
@@ -1802,7 +1917,7 @@
           <a:p>
             <a:fld id="{DFA246D6-F78F-41E9-B45C-64B05B800AF7}" type="datetime1">
               <a:rPr lang="en-AU" smtClean="0"/>
-              <a:t>8/04/2025</a:t>
+              <a:t>13/04/2025</a:t>
             </a:fld>
             <a:endParaRPr lang="en-AU"/>
           </a:p>
@@ -2217,7 +2332,7 @@
           <a:p>
             <a:fld id="{D8DE361D-9D8C-490B-85C4-C491D5C52750}" type="datetime1">
               <a:rPr lang="en-AU" smtClean="0"/>
-              <a:t>8/04/2025</a:t>
+              <a:t>13/04/2025</a:t>
             </a:fld>
             <a:endParaRPr lang="en-AU"/>
           </a:p>
@@ -2359,7 +2474,7 @@
           <a:p>
             <a:fld id="{183FA24E-6196-4827-B83B-41203FF9867B}" type="datetime1">
               <a:rPr lang="en-AU" smtClean="0"/>
-              <a:t>8/04/2025</a:t>
+              <a:t>13/04/2025</a:t>
             </a:fld>
             <a:endParaRPr lang="en-AU"/>
           </a:p>
@@ -2472,7 +2587,7 @@
           <a:p>
             <a:fld id="{A7CD42FF-942E-416B-A9C7-2E5A13BA46C1}" type="datetime1">
               <a:rPr lang="en-AU" smtClean="0"/>
-              <a:t>8/04/2025</a:t>
+              <a:t>13/04/2025</a:t>
             </a:fld>
             <a:endParaRPr lang="en-AU"/>
           </a:p>
@@ -2785,7 +2900,7 @@
           <a:p>
             <a:fld id="{5FCF106C-DF8A-4EEE-8486-F3670FDF5D64}" type="datetime1">
               <a:rPr lang="en-AU" smtClean="0"/>
-              <a:t>8/04/2025</a:t>
+              <a:t>13/04/2025</a:t>
             </a:fld>
             <a:endParaRPr lang="en-AU"/>
           </a:p>
@@ -3074,7 +3189,7 @@
           <a:p>
             <a:fld id="{939046B5-93F3-4F0C-BAC5-3FB9BF9650EA}" type="datetime1">
               <a:rPr lang="en-AU" smtClean="0"/>
-              <a:t>8/04/2025</a:t>
+              <a:t>13/04/2025</a:t>
             </a:fld>
             <a:endParaRPr lang="en-AU"/>
           </a:p>
@@ -3317,7 +3432,7 @@
           <a:p>
             <a:fld id="{713AD98A-663D-4EB2-997C-19BA3BC8B086}" type="datetime1">
               <a:rPr lang="en-AU" smtClean="0"/>
-              <a:t>8/04/2025</a:t>
+              <a:t>13/04/2025</a:t>
             </a:fld>
             <a:endParaRPr lang="en-AU"/>
           </a:p>
@@ -4604,7 +4719,7 @@
             <p:ph idx="1"/>
             <p:extLst>
               <p:ext uri="{D42A27DB-BD31-4B8C-83A1-F6EECF244321}">
-                <p14:modId xmlns:p14="http://schemas.microsoft.com/office/powerpoint/2010/main" val="3071319691"/>
+                <p14:modId xmlns:p14="http://schemas.microsoft.com/office/powerpoint/2010/main" val="1538560977"/>
               </p:ext>
             </p:extLst>
           </p:nvPr>
@@ -4620,17 +4735,24 @@
                 <a:tableStyleId>{5C22544A-7EE6-4342-B048-85BDC9FD1C3A}</a:tableStyleId>
               </a:tblPr>
               <a:tblGrid>
-                <a:gridCol w="4169229">
+                <a:gridCol w="3118757">
                   <a:extLst>
                     <a:ext uri="{9D8B030D-6E8A-4147-A177-3AD203B41FA5}">
                       <a16:colId xmlns:a16="http://schemas.microsoft.com/office/drawing/2014/main" val="3165004508"/>
                     </a:ext>
                   </a:extLst>
                 </a:gridCol>
-                <a:gridCol w="4169229">
+                <a:gridCol w="3668486">
                   <a:extLst>
                     <a:ext uri="{9D8B030D-6E8A-4147-A177-3AD203B41FA5}">
                       <a16:colId xmlns:a16="http://schemas.microsoft.com/office/drawing/2014/main" val="3510973083"/>
+                    </a:ext>
+                  </a:extLst>
+                </a:gridCol>
+                <a:gridCol w="1551215">
+                  <a:extLst>
+                    <a:ext uri="{9D8B030D-6E8A-4147-A177-3AD203B41FA5}">
+                      <a16:colId xmlns:a16="http://schemas.microsoft.com/office/drawing/2014/main" val="316331557"/>
                     </a:ext>
                   </a:extLst>
                 </a:gridCol>
@@ -4657,6 +4779,19 @@
                       <a:r>
                         <a:rPr lang="en-AU" sz="2400" dirty="0"/>
                         <a:t>OSI Layer</a:t>
+                      </a:r>
+                    </a:p>
+                  </a:txBody>
+                  <a:tcPr/>
+                </a:tc>
+                <a:tc>
+                  <a:txBody>
+                    <a:bodyPr/>
+                    <a:lstStyle/>
+                    <a:p>
+                      <a:r>
+                        <a:rPr lang="en-AU" sz="2400" dirty="0"/>
+                        <a:t>Layer</a:t>
                       </a:r>
                     </a:p>
                   </a:txBody>
@@ -4695,6 +4830,19 @@
                   </a:txBody>
                   <a:tcPr/>
                 </a:tc>
+                <a:tc>
+                  <a:txBody>
+                    <a:bodyPr/>
+                    <a:lstStyle/>
+                    <a:p>
+                      <a:r>
+                        <a:rPr lang="en-AU" sz="2400" dirty="0"/>
+                        <a:t>7</a:t>
+                      </a:r>
+                    </a:p>
+                  </a:txBody>
+                  <a:tcPr/>
+                </a:tc>
                 <a:extLst>
                   <a:ext uri="{0D108BD9-81ED-4DB2-BD59-A6C34878D82A}">
                     <a16:rowId xmlns:a16="http://schemas.microsoft.com/office/drawing/2014/main" val="3406765451"/>
@@ -4723,6 +4871,19 @@
                       <a:r>
                         <a:rPr lang="en-AU" sz="2400" dirty="0"/>
                         <a:t>Presentation</a:t>
+                      </a:r>
+                    </a:p>
+                  </a:txBody>
+                  <a:tcPr/>
+                </a:tc>
+                <a:tc>
+                  <a:txBody>
+                    <a:bodyPr/>
+                    <a:lstStyle/>
+                    <a:p>
+                      <a:r>
+                        <a:rPr lang="en-AU" sz="2400" dirty="0"/>
+                        <a:t>6</a:t>
                       </a:r>
                     </a:p>
                   </a:txBody>
@@ -4761,6 +4922,19 @@
                   </a:txBody>
                   <a:tcPr/>
                 </a:tc>
+                <a:tc>
+                  <a:txBody>
+                    <a:bodyPr/>
+                    <a:lstStyle/>
+                    <a:p>
+                      <a:r>
+                        <a:rPr lang="en-AU" sz="2400" dirty="0"/>
+                        <a:t>5</a:t>
+                      </a:r>
+                    </a:p>
+                  </a:txBody>
+                  <a:tcPr/>
+                </a:tc>
                 <a:extLst>
                   <a:ext uri="{0D108BD9-81ED-4DB2-BD59-A6C34878D82A}">
                     <a16:rowId xmlns:a16="http://schemas.microsoft.com/office/drawing/2014/main" val="2618938321"/>
@@ -4789,6 +4963,19 @@
                       <a:r>
                         <a:rPr lang="en-AU" sz="2400" dirty="0"/>
                         <a:t>Transport</a:t>
+                      </a:r>
+                    </a:p>
+                  </a:txBody>
+                  <a:tcPr/>
+                </a:tc>
+                <a:tc>
+                  <a:txBody>
+                    <a:bodyPr/>
+                    <a:lstStyle/>
+                    <a:p>
+                      <a:r>
+                        <a:rPr lang="en-AU" sz="2400" dirty="0"/>
+                        <a:t>4</a:t>
                       </a:r>
                     </a:p>
                   </a:txBody>
@@ -4827,6 +5014,19 @@
                   </a:txBody>
                   <a:tcPr/>
                 </a:tc>
+                <a:tc>
+                  <a:txBody>
+                    <a:bodyPr/>
+                    <a:lstStyle/>
+                    <a:p>
+                      <a:r>
+                        <a:rPr lang="en-AU" sz="2400" dirty="0"/>
+                        <a:t>3</a:t>
+                      </a:r>
+                    </a:p>
+                  </a:txBody>
+                  <a:tcPr/>
+                </a:tc>
                 <a:extLst>
                   <a:ext uri="{0D108BD9-81ED-4DB2-BD59-A6C34878D82A}">
                     <a16:rowId xmlns:a16="http://schemas.microsoft.com/office/drawing/2014/main" val="760109751"/>
@@ -4860,6 +5060,19 @@
                   </a:txBody>
                   <a:tcPr/>
                 </a:tc>
+                <a:tc>
+                  <a:txBody>
+                    <a:bodyPr/>
+                    <a:lstStyle/>
+                    <a:p>
+                      <a:r>
+                        <a:rPr lang="en-AU" sz="2400" dirty="0"/>
+                        <a:t>2</a:t>
+                      </a:r>
+                    </a:p>
+                  </a:txBody>
+                  <a:tcPr/>
+                </a:tc>
                 <a:extLst>
                   <a:ext uri="{0D108BD9-81ED-4DB2-BD59-A6C34878D82A}">
                     <a16:rowId xmlns:a16="http://schemas.microsoft.com/office/drawing/2014/main" val="1382858004"/>
@@ -4888,6 +5101,19 @@
                       <a:r>
                         <a:rPr lang="en-AU" sz="2400" dirty="0"/>
                         <a:t>Physical</a:t>
+                      </a:r>
+                    </a:p>
+                  </a:txBody>
+                  <a:tcPr/>
+                </a:tc>
+                <a:tc>
+                  <a:txBody>
+                    <a:bodyPr/>
+                    <a:lstStyle/>
+                    <a:p>
+                      <a:r>
+                        <a:rPr lang="en-AU" sz="2400" dirty="0"/>
+                        <a:t>1</a:t>
                       </a:r>
                     </a:p>
                   </a:txBody>
@@ -5647,8 +5873,8 @@
         </p:nvSpPr>
         <p:spPr bwMode="auto">
           <a:xfrm>
-            <a:off x="315686" y="1722469"/>
-            <a:ext cx="12281502" cy="4524315"/>
+            <a:off x="315686" y="1845580"/>
+            <a:ext cx="12281502" cy="4278094"/>
           </a:xfrm>
           <a:prstGeom prst="rect">
             <a:avLst/>
@@ -5725,8 +5951,8 @@
               </a:rPr>
               <a:t>Professional Credibility</a:t>
             </a:r>
-            <a:r>
-              <a:rPr kumimoji="0" lang="en-US" altLang="en-US" sz="2400" b="0" i="0" u="none" strike="noStrike" cap="none" normalizeH="0" baseline="0" dirty="0">
+            <a:br>
+              <a:rPr kumimoji="0" lang="en-US" altLang="en-US" sz="2400" b="1" i="0" u="none" strike="noStrike" cap="none" normalizeH="0" baseline="0" dirty="0">
                 <a:ln>
                   <a:noFill/>
                 </a:ln>
@@ -5736,36 +5962,17 @@
                 <a:effectLst/>
                 <a:latin typeface="Arial" panose="020B0604020202020204" pitchFamily="34" charset="0"/>
               </a:rPr>
-              <a:t>: </a:t>
-            </a:r>
-          </a:p>
-          <a:p>
-            <a:pPr marL="457200" lvl="1" indent="0" eaLnBrk="0" fontAlgn="base" hangingPunct="0">
-              <a:lnSpc>
-                <a:spcPct val="100000"/>
-              </a:lnSpc>
-              <a:spcBef>
-                <a:spcPct val="0"/>
-              </a:spcBef>
-              <a:spcAft>
-                <a:spcPct val="0"/>
-              </a:spcAft>
-              <a:buFontTx/>
-              <a:buChar char="•"/>
-            </a:pPr>
-            <a:r>
-              <a:rPr kumimoji="0" lang="en-US" altLang="en-US" b="0" i="0" u="none" strike="noStrike" cap="none" normalizeH="0" baseline="0" dirty="0">
-                <a:ln>
-                  <a:noFill/>
-                </a:ln>
-                <a:solidFill>
-                  <a:schemeClr val="tx1"/>
-                </a:solidFill>
-                <a:effectLst/>
-                <a:latin typeface="Arial" panose="020B0604020202020204" pitchFamily="34" charset="0"/>
-              </a:rPr>
-              <a:t>Recognized globally as “gold standard” in cybersecurity certifications.</a:t>
-            </a:r>
+            </a:br>
+            <a:endParaRPr kumimoji="0" lang="en-US" altLang="en-US" i="0" u="none" strike="noStrike" cap="none" normalizeH="0" baseline="0" dirty="0">
+              <a:ln>
+                <a:noFill/>
+              </a:ln>
+              <a:solidFill>
+                <a:schemeClr val="tx1"/>
+              </a:solidFill>
+              <a:effectLst/>
+              <a:latin typeface="Arial" panose="020B0604020202020204" pitchFamily="34" charset="0"/>
+            </a:endParaRPr>
           </a:p>
           <a:p>
             <a:pPr marL="0" marR="0" lvl="0" indent="0" algn="l" defTabSz="914400" rtl="0" eaLnBrk="0" fontAlgn="base" latinLnBrk="0" hangingPunct="0">
@@ -5797,8 +6004,8 @@
               </a:rPr>
               <a:t>Career Advancement</a:t>
             </a:r>
-            <a:r>
-              <a:rPr kumimoji="0" lang="en-US" altLang="en-US" sz="2400" b="0" i="0" u="none" strike="noStrike" cap="none" normalizeH="0" baseline="0" dirty="0">
+            <a:br>
+              <a:rPr kumimoji="0" lang="en-US" altLang="en-US" sz="2400" b="1" i="0" u="none" strike="noStrike" cap="none" normalizeH="0" baseline="0" dirty="0">
                 <a:ln>
                   <a:noFill/>
                 </a:ln>
@@ -5808,36 +6015,17 @@
                 <a:effectLst/>
                 <a:latin typeface="Arial" panose="020B0604020202020204" pitchFamily="34" charset="0"/>
               </a:rPr>
-              <a:t>: </a:t>
-            </a:r>
-          </a:p>
-          <a:p>
-            <a:pPr marL="457200" lvl="1" indent="0" eaLnBrk="0" fontAlgn="base" hangingPunct="0">
-              <a:lnSpc>
-                <a:spcPct val="100000"/>
-              </a:lnSpc>
-              <a:spcBef>
-                <a:spcPct val="0"/>
-              </a:spcBef>
-              <a:spcAft>
-                <a:spcPct val="0"/>
-              </a:spcAft>
-              <a:buFontTx/>
-              <a:buChar char="•"/>
-            </a:pPr>
-            <a:r>
-              <a:rPr kumimoji="0" lang="en-US" altLang="en-US" b="0" i="0" u="none" strike="noStrike" cap="none" normalizeH="0" baseline="0" dirty="0">
-                <a:ln>
-                  <a:noFill/>
-                </a:ln>
-                <a:solidFill>
-                  <a:schemeClr val="tx1"/>
-                </a:solidFill>
-                <a:effectLst/>
-                <a:latin typeface="Arial" panose="020B0604020202020204" pitchFamily="34" charset="0"/>
-              </a:rPr>
-              <a:t>Opens doors to high-level roles such as security manager, consultant, or analyst.</a:t>
-            </a:r>
+            </a:br>
+            <a:endParaRPr kumimoji="0" lang="en-US" altLang="en-US" sz="2400" i="0" u="none" strike="noStrike" cap="none" normalizeH="0" baseline="0" dirty="0">
+              <a:ln>
+                <a:noFill/>
+              </a:ln>
+              <a:solidFill>
+                <a:schemeClr val="tx1"/>
+              </a:solidFill>
+              <a:effectLst/>
+              <a:latin typeface="Arial" panose="020B0604020202020204" pitchFamily="34" charset="0"/>
+            </a:endParaRPr>
           </a:p>
           <a:p>
             <a:pPr marL="0" marR="0" lvl="0" indent="0" algn="l" defTabSz="914400" rtl="0" eaLnBrk="0" fontAlgn="base" latinLnBrk="0" hangingPunct="0">
@@ -5867,10 +6055,16 @@
                 <a:effectLst/>
                 <a:latin typeface="Arial" panose="020B0604020202020204" pitchFamily="34" charset="0"/>
               </a:rPr>
-              <a:t>Higher Salary Potential</a:t>
-            </a:r>
-            <a:r>
-              <a:rPr kumimoji="0" lang="en-US" altLang="en-US" sz="2400" b="0" i="0" u="none" strike="noStrike" cap="none" normalizeH="0" baseline="0" dirty="0">
+              <a:t>Higher Salary Potentia</a:t>
+            </a:r>
+            <a:r>
+              <a:rPr lang="en-US" altLang="en-US" sz="2400" b="1" dirty="0">
+                <a:latin typeface="Arial" panose="020B0604020202020204" pitchFamily="34" charset="0"/>
+              </a:rPr>
+              <a:t>l</a:t>
+            </a:r>
+            <a:r>
+              <a:rPr kumimoji="0" lang="en-US" altLang="en-US" sz="2400" i="0" u="none" strike="noStrike" cap="none" normalizeH="0" baseline="0" dirty="0">
                 <a:ln>
                   <a:noFill/>
                 </a:ln>
@@ -5880,25 +6074,10 @@
                 <a:effectLst/>
                 <a:latin typeface="Arial" panose="020B0604020202020204" pitchFamily="34" charset="0"/>
               </a:rPr>
-              <a:t>: </a:t>
-            </a:r>
-          </a:p>
-          <a:p>
-            <a:pPr marL="457200" lvl="1" indent="0" eaLnBrk="0" fontAlgn="base" hangingPunct="0">
-              <a:lnSpc>
-                <a:spcPct val="100000"/>
-              </a:lnSpc>
-              <a:spcBef>
-                <a:spcPct val="0"/>
-              </a:spcBef>
-              <a:spcAft>
-                <a:spcPct val="0"/>
-              </a:spcAft>
-              <a:buFontTx/>
-              <a:buChar char="•"/>
-            </a:pPr>
-            <a:r>
-              <a:rPr kumimoji="0" lang="en-US" altLang="en-US" b="0" i="0" u="none" strike="noStrike" cap="none" normalizeH="0" baseline="0" dirty="0">
+              <a:t> </a:t>
+            </a:r>
+            <a:br>
+              <a:rPr kumimoji="0" lang="en-US" altLang="en-US" sz="2400" i="0" u="none" strike="noStrike" cap="none" normalizeH="0" baseline="0" dirty="0">
                 <a:ln>
                   <a:noFill/>
                 </a:ln>
@@ -5908,8 +6087,17 @@
                 <a:effectLst/>
                 <a:latin typeface="Arial" panose="020B0604020202020204" pitchFamily="34" charset="0"/>
               </a:rPr>
-              <a:t>CISSP-certified professionals often earn higher wages.</a:t>
-            </a:r>
+            </a:br>
+            <a:endParaRPr kumimoji="0" lang="en-US" altLang="en-US" sz="2400" i="0" u="none" strike="noStrike" cap="none" normalizeH="0" baseline="0" dirty="0">
+              <a:ln>
+                <a:noFill/>
+              </a:ln>
+              <a:solidFill>
+                <a:schemeClr val="tx1"/>
+              </a:solidFill>
+              <a:effectLst/>
+              <a:latin typeface="Arial" panose="020B0604020202020204" pitchFamily="34" charset="0"/>
+            </a:endParaRPr>
           </a:p>
           <a:p>
             <a:pPr marL="0" marR="0" lvl="0" indent="0" algn="l" defTabSz="914400" rtl="0" eaLnBrk="0" fontAlgn="base" latinLnBrk="0" hangingPunct="0">
@@ -5941,8 +6129,8 @@
               </a:rPr>
               <a:t>Broad Knowledge</a:t>
             </a:r>
-            <a:r>
-              <a:rPr kumimoji="0" lang="en-US" altLang="en-US" sz="2400" b="0" i="0" u="none" strike="noStrike" cap="none" normalizeH="0" baseline="0" dirty="0">
+            <a:br>
+              <a:rPr kumimoji="0" lang="en-US" altLang="en-US" sz="2400" b="1" i="0" u="none" strike="noStrike" cap="none" normalizeH="0" baseline="0" dirty="0">
                 <a:ln>
                   <a:noFill/>
                 </a:ln>
@@ -5952,36 +6140,17 @@
                 <a:effectLst/>
                 <a:latin typeface="Arial" panose="020B0604020202020204" pitchFamily="34" charset="0"/>
               </a:rPr>
-              <a:t>: </a:t>
-            </a:r>
-          </a:p>
-          <a:p>
-            <a:pPr marL="457200" lvl="1" indent="0" eaLnBrk="0" fontAlgn="base" hangingPunct="0">
-              <a:lnSpc>
-                <a:spcPct val="100000"/>
-              </a:lnSpc>
-              <a:spcBef>
-                <a:spcPct val="0"/>
-              </a:spcBef>
-              <a:spcAft>
-                <a:spcPct val="0"/>
-              </a:spcAft>
-              <a:buFontTx/>
-              <a:buChar char="•"/>
-            </a:pPr>
-            <a:r>
-              <a:rPr kumimoji="0" lang="en-US" altLang="en-US" b="0" i="0" u="none" strike="noStrike" cap="none" normalizeH="0" baseline="0" dirty="0">
-                <a:ln>
-                  <a:noFill/>
-                </a:ln>
-                <a:solidFill>
-                  <a:schemeClr val="tx1"/>
-                </a:solidFill>
-                <a:effectLst/>
-                <a:latin typeface="Arial" panose="020B0604020202020204" pitchFamily="34" charset="0"/>
-              </a:rPr>
-              <a:t>Covers diverse security concepts, making you well-rounded in the field.</a:t>
-            </a:r>
+            </a:br>
+            <a:endParaRPr kumimoji="0" lang="en-US" altLang="en-US" sz="2400" i="0" u="none" strike="noStrike" cap="none" normalizeH="0" baseline="0" dirty="0">
+              <a:ln>
+                <a:noFill/>
+              </a:ln>
+              <a:solidFill>
+                <a:schemeClr val="tx1"/>
+              </a:solidFill>
+              <a:effectLst/>
+              <a:latin typeface="Arial" panose="020B0604020202020204" pitchFamily="34" charset="0"/>
+            </a:endParaRPr>
           </a:p>
           <a:p>
             <a:pPr marL="0" marR="0" lvl="0" indent="0" algn="l" defTabSz="914400" rtl="0" eaLnBrk="0" fontAlgn="base" latinLnBrk="0" hangingPunct="0">
@@ -6013,8 +6182,8 @@
               </a:rPr>
               <a:t>Networking Opportunities</a:t>
             </a:r>
-            <a:r>
-              <a:rPr kumimoji="0" lang="en-US" altLang="en-US" sz="2400" b="0" i="0" u="none" strike="noStrike" cap="none" normalizeH="0" baseline="0" dirty="0">
+            <a:br>
+              <a:rPr kumimoji="0" lang="en-US" altLang="en-US" sz="2400" b="1" i="0" u="none" strike="noStrike" cap="none" normalizeH="0" baseline="0" dirty="0">
                 <a:ln>
                   <a:noFill/>
                 </a:ln>
@@ -6024,36 +6193,17 @@
                 <a:effectLst/>
                 <a:latin typeface="Arial" panose="020B0604020202020204" pitchFamily="34" charset="0"/>
               </a:rPr>
-              <a:t>: </a:t>
-            </a:r>
-          </a:p>
-          <a:p>
-            <a:pPr marL="457200" lvl="1" indent="0" eaLnBrk="0" fontAlgn="base" hangingPunct="0">
-              <a:lnSpc>
-                <a:spcPct val="100000"/>
-              </a:lnSpc>
-              <a:spcBef>
-                <a:spcPct val="0"/>
-              </a:spcBef>
-              <a:spcAft>
-                <a:spcPct val="0"/>
-              </a:spcAft>
-              <a:buFontTx/>
-              <a:buChar char="•"/>
-            </a:pPr>
-            <a:r>
-              <a:rPr kumimoji="0" lang="en-US" altLang="en-US" b="0" i="0" u="none" strike="noStrike" cap="none" normalizeH="0" baseline="0" dirty="0">
-                <a:ln>
-                  <a:noFill/>
-                </a:ln>
-                <a:solidFill>
-                  <a:schemeClr val="tx1"/>
-                </a:solidFill>
-                <a:effectLst/>
-                <a:latin typeface="Arial" panose="020B0604020202020204" pitchFamily="34" charset="0"/>
-              </a:rPr>
-              <a:t>Connects you with a global community of cybersecurity experts.</a:t>
-            </a:r>
+            </a:br>
+            <a:endParaRPr kumimoji="0" lang="en-US" altLang="en-US" i="0" u="none" strike="noStrike" cap="none" normalizeH="0" baseline="0" dirty="0">
+              <a:ln>
+                <a:noFill/>
+              </a:ln>
+              <a:solidFill>
+                <a:schemeClr val="tx1"/>
+              </a:solidFill>
+              <a:effectLst/>
+              <a:latin typeface="Arial" panose="020B0604020202020204" pitchFamily="34" charset="0"/>
+            </a:endParaRPr>
           </a:p>
           <a:p>
             <a:pPr marL="0" marR="0" lvl="0" indent="0" algn="l" defTabSz="914400" rtl="0" eaLnBrk="0" fontAlgn="base" latinLnBrk="0" hangingPunct="0">
@@ -6085,47 +6235,16 @@
               </a:rPr>
               <a:t>Employer Preference</a:t>
             </a:r>
-            <a:r>
-              <a:rPr kumimoji="0" lang="en-US" altLang="en-US" sz="2400" b="0" i="0" u="none" strike="noStrike" cap="none" normalizeH="0" baseline="0" dirty="0">
-                <a:ln>
-                  <a:noFill/>
-                </a:ln>
-                <a:solidFill>
-                  <a:schemeClr val="tx1"/>
-                </a:solidFill>
-                <a:effectLst/>
-                <a:latin typeface="Arial" panose="020B0604020202020204" pitchFamily="34" charset="0"/>
-              </a:rPr>
-              <a:t>: </a:t>
-            </a:r>
-          </a:p>
-          <a:p>
-            <a:pPr marL="457200" lvl="1" indent="0" eaLnBrk="0" fontAlgn="base" hangingPunct="0">
-              <a:lnSpc>
-                <a:spcPct val="100000"/>
-              </a:lnSpc>
-              <a:spcBef>
-                <a:spcPct val="0"/>
-              </a:spcBef>
-              <a:spcAft>
-                <a:spcPct val="0"/>
-              </a:spcAft>
-              <a:buFontTx/>
-              <a:buChar char="•"/>
-            </a:pPr>
-            <a:r>
-              <a:rPr kumimoji="0" lang="en-US" altLang="en-US" b="0" i="0" u="none" strike="noStrike" cap="none" normalizeH="0" baseline="0" dirty="0">
-                <a:ln>
-                  <a:noFill/>
-                </a:ln>
-                <a:solidFill>
-                  <a:schemeClr val="tx1"/>
-                </a:solidFill>
-                <a:effectLst/>
-                <a:latin typeface="Arial" panose="020B0604020202020204" pitchFamily="34" charset="0"/>
-              </a:rPr>
-              <a:t>Many companies prioritize CISSP-certified candidates for critical roles.</a:t>
-            </a:r>
+            <a:endParaRPr kumimoji="0" lang="en-US" altLang="en-US" i="0" u="none" strike="noStrike" cap="none" normalizeH="0" baseline="0" dirty="0">
+              <a:ln>
+                <a:noFill/>
+              </a:ln>
+              <a:solidFill>
+                <a:schemeClr val="tx1"/>
+              </a:solidFill>
+              <a:effectLst/>
+              <a:latin typeface="Arial" panose="020B0604020202020204" pitchFamily="34" charset="0"/>
+            </a:endParaRPr>
           </a:p>
         </p:txBody>
       </p:sp>
@@ -6161,10 +6280,85 @@
       </p:grpSpPr>
       <p:sp>
         <p:nvSpPr>
+          <p:cNvPr id="2" name="Title 1">
+            <a:extLst>
+              <a:ext uri="{FF2B5EF4-FFF2-40B4-BE49-F238E27FC236}">
+                <a16:creationId xmlns:a16="http://schemas.microsoft.com/office/drawing/2014/main" id="{8DB7C61B-42F5-4715-98C7-D17EB62215FD}"/>
+              </a:ext>
+            </a:extLst>
+          </p:cNvPr>
+          <p:cNvSpPr>
+            <a:spLocks noGrp="1"/>
+          </p:cNvSpPr>
+          <p:nvPr>
+            <p:ph type="title"/>
+          </p:nvPr>
+        </p:nvSpPr>
+        <p:spPr/>
+        <p:txBody>
+          <a:bodyPr/>
+          <a:lstStyle/>
+          <a:p>
+            <a:r>
+              <a:rPr lang="en-AU" dirty="0"/>
+              <a:t>Why GitHub? *unpaid ad / ask copilot*</a:t>
+            </a:r>
+          </a:p>
+        </p:txBody>
+      </p:sp>
+      <p:sp>
+        <p:nvSpPr>
+          <p:cNvPr id="3" name="Content Placeholder 2">
+            <a:extLst>
+              <a:ext uri="{FF2B5EF4-FFF2-40B4-BE49-F238E27FC236}">
+                <a16:creationId xmlns:a16="http://schemas.microsoft.com/office/drawing/2014/main" id="{41C8E2F4-FC5C-6C01-46CD-B203C3E6F4E7}"/>
+              </a:ext>
+            </a:extLst>
+          </p:cNvPr>
+          <p:cNvSpPr>
+            <a:spLocks noGrp="1"/>
+          </p:cNvSpPr>
+          <p:nvPr>
+            <p:ph idx="1"/>
+          </p:nvPr>
+        </p:nvSpPr>
+        <p:spPr/>
+        <p:txBody>
+          <a:bodyPr/>
+          <a:lstStyle/>
+          <a:p>
+            <a:r>
+              <a:rPr lang="en-GB" dirty="0"/>
+              <a:t>GitHub certifications can transform your career by showcasing your expertise and helping you stand out in the tech world. </a:t>
+            </a:r>
+          </a:p>
+          <a:p>
+            <a:r>
+              <a:rPr lang="en-GB" dirty="0"/>
+              <a:t>They validate not just your technical skills but also your ability to align GitHub tools with business objectives, making you an invaluable asset to any team. </a:t>
+            </a:r>
+          </a:p>
+          <a:p>
+            <a:r>
+              <a:rPr lang="en-GB" dirty="0"/>
+              <a:t>By mastering areas like version control, workflow automation, and security practices, you’ll gain both confidence and credibility. </a:t>
+            </a:r>
+          </a:p>
+          <a:p>
+            <a:r>
+              <a:rPr lang="en-GB" dirty="0"/>
+              <a:t>Earning a certification demonstrates that you’re not only keeping pace with the rapidly evolving tech landscape but also shaping it, positioning yourself as a leader in the field.</a:t>
+            </a:r>
+            <a:endParaRPr lang="en-AU" dirty="0"/>
+          </a:p>
+        </p:txBody>
+      </p:sp>
+      <p:sp>
+        <p:nvSpPr>
           <p:cNvPr id="4" name="Slide Number Placeholder 3">
             <a:extLst>
               <a:ext uri="{FF2B5EF4-FFF2-40B4-BE49-F238E27FC236}">
-                <a16:creationId xmlns:a16="http://schemas.microsoft.com/office/drawing/2014/main" id="{99C52F18-EA09-C7D4-9253-A507A4B41C22}"/>
+                <a16:creationId xmlns:a16="http://schemas.microsoft.com/office/drawing/2014/main" id="{FE833E1A-D5B1-92D0-FFAA-300053F6886B}"/>
               </a:ext>
             </a:extLst>
           </p:cNvPr>
@@ -6188,105 +6382,10 @@
           </a:p>
         </p:txBody>
       </p:sp>
-      <p:pic>
-        <p:nvPicPr>
-          <p:cNvPr id="10" name="Picture 9">
-            <a:extLst>
-              <a:ext uri="{FF2B5EF4-FFF2-40B4-BE49-F238E27FC236}">
-                <a16:creationId xmlns:a16="http://schemas.microsoft.com/office/drawing/2014/main" id="{1D513081-6630-49F7-B986-1971297FB838}"/>
-              </a:ext>
-            </a:extLst>
-          </p:cNvPr>
-          <p:cNvPicPr>
-            <a:picLocks noChangeAspect="1"/>
-          </p:cNvPicPr>
-          <p:nvPr/>
-        </p:nvPicPr>
-        <p:blipFill>
-          <a:blip r:embed="rId2"/>
-          <a:stretch>
-            <a:fillRect/>
-          </a:stretch>
-        </p:blipFill>
-        <p:spPr>
-          <a:xfrm>
-            <a:off x="0" y="0"/>
-            <a:ext cx="7705781" cy="5495965"/>
-          </a:xfrm>
-          <a:prstGeom prst="rect">
-            <a:avLst/>
-          </a:prstGeom>
-        </p:spPr>
-      </p:pic>
-      <p:pic>
-        <p:nvPicPr>
-          <p:cNvPr id="12" name="Picture 11">
-            <a:extLst>
-              <a:ext uri="{FF2B5EF4-FFF2-40B4-BE49-F238E27FC236}">
-                <a16:creationId xmlns:a16="http://schemas.microsoft.com/office/drawing/2014/main" id="{F773BAD5-0FF3-C6AA-EF78-693501141199}"/>
-              </a:ext>
-            </a:extLst>
-          </p:cNvPr>
-          <p:cNvPicPr>
-            <a:picLocks noChangeAspect="1"/>
-          </p:cNvPicPr>
-          <p:nvPr/>
-        </p:nvPicPr>
-        <p:blipFill>
-          <a:blip r:embed="rId3"/>
-          <a:stretch>
-            <a:fillRect/>
-          </a:stretch>
-        </p:blipFill>
-        <p:spPr>
-          <a:xfrm>
-            <a:off x="108110" y="2622557"/>
-            <a:ext cx="12009051" cy="3932883"/>
-          </a:xfrm>
-          <a:prstGeom prst="rect">
-            <a:avLst/>
-          </a:prstGeom>
-        </p:spPr>
-      </p:pic>
-      <p:sp>
-        <p:nvSpPr>
-          <p:cNvPr id="14" name="TextBox 13">
-            <a:extLst>
-              <a:ext uri="{FF2B5EF4-FFF2-40B4-BE49-F238E27FC236}">
-                <a16:creationId xmlns:a16="http://schemas.microsoft.com/office/drawing/2014/main" id="{740E16C8-EF49-A69B-4AC1-10ED4865364F}"/>
-              </a:ext>
-            </a:extLst>
-          </p:cNvPr>
-          <p:cNvSpPr txBox="1"/>
-          <p:nvPr/>
-        </p:nvSpPr>
-        <p:spPr>
-          <a:xfrm>
-            <a:off x="0" y="6482023"/>
-            <a:ext cx="11634475" cy="369332"/>
-          </a:xfrm>
-          <a:prstGeom prst="rect">
-            <a:avLst/>
-          </a:prstGeom>
-          <a:noFill/>
-        </p:spPr>
-        <p:txBody>
-          <a:bodyPr wrap="square">
-            <a:spAutoFit/>
-          </a:bodyPr>
-          <a:lstStyle/>
-          <a:p>
-            <a:r>
-              <a:rPr lang="en-AU" dirty="0"/>
-              <a:t>https://github.com/LadyKerr/github-certification-guide/blob/main/study-guides/gh-foundations.md</a:t>
-            </a:r>
-          </a:p>
-        </p:txBody>
-      </p:sp>
     </p:spTree>
     <p:extLst>
       <p:ext uri="{BB962C8B-B14F-4D97-AF65-F5344CB8AC3E}">
-        <p14:creationId xmlns:p14="http://schemas.microsoft.com/office/powerpoint/2010/main" val="1123149148"/>
+        <p14:creationId xmlns:p14="http://schemas.microsoft.com/office/powerpoint/2010/main" val="1185336579"/>
       </p:ext>
     </p:extLst>
   </p:cSld>
@@ -6451,208 +6550,10 @@
       </p:grpSpPr>
       <p:sp>
         <p:nvSpPr>
-          <p:cNvPr id="2" name="Title 1">
-            <a:extLst>
-              <a:ext uri="{FF2B5EF4-FFF2-40B4-BE49-F238E27FC236}">
-                <a16:creationId xmlns:a16="http://schemas.microsoft.com/office/drawing/2014/main" id="{477F0730-B54B-3F40-DB4C-B94F81B735D5}"/>
-              </a:ext>
-            </a:extLst>
-          </p:cNvPr>
-          <p:cNvSpPr>
-            <a:spLocks noGrp="1"/>
-          </p:cNvSpPr>
-          <p:nvPr>
-            <p:ph type="title"/>
-          </p:nvPr>
-        </p:nvSpPr>
-        <p:spPr/>
-        <p:txBody>
-          <a:bodyPr/>
-          <a:lstStyle/>
-          <a:p>
-            <a:r>
-              <a:rPr lang="en-AU" dirty="0"/>
-              <a:t>Study tips</a:t>
-            </a:r>
-          </a:p>
-        </p:txBody>
-      </p:sp>
-      <p:sp>
-        <p:nvSpPr>
-          <p:cNvPr id="3" name="Content Placeholder 2">
-            <a:extLst>
-              <a:ext uri="{FF2B5EF4-FFF2-40B4-BE49-F238E27FC236}">
-                <a16:creationId xmlns:a16="http://schemas.microsoft.com/office/drawing/2014/main" id="{0637C4DA-C604-4BC5-DB58-E489C410FF07}"/>
-              </a:ext>
-            </a:extLst>
-          </p:cNvPr>
-          <p:cNvSpPr>
-            <a:spLocks noGrp="1"/>
-          </p:cNvSpPr>
-          <p:nvPr>
-            <p:ph idx="1"/>
-          </p:nvPr>
-        </p:nvSpPr>
-        <p:spPr>
-          <a:xfrm>
-            <a:off x="359229" y="1825624"/>
-            <a:ext cx="10994571" cy="4814661"/>
-          </a:xfrm>
-        </p:spPr>
-        <p:txBody>
-          <a:bodyPr>
-            <a:normAutofit fontScale="92500" lnSpcReduction="20000"/>
-          </a:bodyPr>
-          <a:lstStyle/>
-          <a:p>
-            <a:r>
-              <a:rPr lang="en-AU" b="1" dirty="0"/>
-              <a:t>Start at the beginning – foundation level builds confidence!</a:t>
-            </a:r>
-          </a:p>
-          <a:p>
-            <a:pPr marL="0" indent="0">
-              <a:buNone/>
-            </a:pPr>
-            <a:endParaRPr lang="en-AU" b="1" dirty="0"/>
-          </a:p>
-          <a:p>
-            <a:pPr marL="0" indent="0">
-              <a:buNone/>
-            </a:pPr>
-            <a:r>
-              <a:rPr lang="en-AU" b="1" dirty="0"/>
-              <a:t>1. Study Resources – use multiple!</a:t>
-            </a:r>
-            <a:endParaRPr lang="en-AU" dirty="0"/>
-          </a:p>
-          <a:p>
-            <a:pPr marL="742950" lvl="1" indent="-285750">
-              <a:buFont typeface="Arial" panose="020B0604020202020204" pitchFamily="34" charset="0"/>
-              <a:buChar char="•"/>
-            </a:pPr>
-            <a:r>
-              <a:rPr lang="en-AU" dirty="0"/>
-              <a:t>Official learning paths cover most content, however it’s text-heavy;</a:t>
-            </a:r>
-          </a:p>
-          <a:p>
-            <a:pPr marL="742950" lvl="1" indent="-285750">
-              <a:buFont typeface="Arial" panose="020B0604020202020204" pitchFamily="34" charset="0"/>
-              <a:buChar char="•"/>
-            </a:pPr>
-            <a:r>
-              <a:rPr lang="en-AU" dirty="0"/>
-              <a:t>Use free resources and free trials, including 3</a:t>
-            </a:r>
-            <a:r>
-              <a:rPr lang="en-AU" baseline="30000" dirty="0"/>
-              <a:t>rd</a:t>
-            </a:r>
-            <a:r>
-              <a:rPr lang="en-AU" dirty="0"/>
-              <a:t> party video platforms</a:t>
-            </a:r>
-          </a:p>
-          <a:p>
-            <a:pPr marL="742950" lvl="1" indent="-285750">
-              <a:buFont typeface="Arial" panose="020B0604020202020204" pitchFamily="34" charset="0"/>
-              <a:buChar char="•"/>
-            </a:pPr>
-            <a:r>
-              <a:rPr lang="en-AU" dirty="0"/>
-              <a:t>Check out the study guide so you cover all of the topics on the exam – (sometimes new stuff is added and old stuff is removed from exams!)</a:t>
-            </a:r>
-          </a:p>
-          <a:p>
-            <a:pPr marL="457200" lvl="1" indent="0">
-              <a:buNone/>
-            </a:pPr>
-            <a:endParaRPr lang="en-AU" dirty="0"/>
-          </a:p>
-          <a:p>
-            <a:r>
-              <a:rPr lang="en-AU" b="1" dirty="0"/>
-              <a:t> 2. Hands-On Practice</a:t>
-            </a:r>
-          </a:p>
-          <a:p>
-            <a:pPr lvl="1"/>
-            <a:r>
-              <a:rPr lang="en-AU" dirty="0"/>
-              <a:t>Do practice exams to validate your learning and build your confidence.</a:t>
-            </a:r>
-          </a:p>
-          <a:p>
-            <a:pPr lvl="1"/>
-            <a:r>
-              <a:rPr lang="en-GB" dirty="0"/>
-              <a:t>Follow along with tutorials,</a:t>
-            </a:r>
-          </a:p>
-          <a:p>
-            <a:pPr lvl="1"/>
-            <a:r>
-              <a:rPr lang="en-GB" dirty="0"/>
-              <a:t>Experiment with sample code, clone projects, learn by doing</a:t>
-            </a:r>
-          </a:p>
-          <a:p>
-            <a:pPr marL="457200" lvl="1" indent="0">
-              <a:buNone/>
-            </a:pPr>
-            <a:r>
-              <a:rPr lang="en-GB" i="1" dirty="0"/>
-              <a:t>“If I have seen further, it is by standing on the shoulders of giants.”</a:t>
-            </a:r>
-            <a:br>
-              <a:rPr lang="en-GB" i="1" dirty="0"/>
-            </a:br>
-            <a:r>
-              <a:rPr lang="en-GB" i="1" dirty="0"/>
-              <a:t>-Isaac Newton</a:t>
-            </a:r>
-            <a:endParaRPr lang="en-GB" dirty="0"/>
-          </a:p>
-          <a:p>
-            <a:pPr marL="457200" lvl="1" indent="0">
-              <a:buNone/>
-            </a:pPr>
-            <a:endParaRPr lang="en-GB" sz="1600" dirty="0"/>
-          </a:p>
-          <a:p>
-            <a:pPr marL="457200" lvl="1" indent="0">
-              <a:buNone/>
-            </a:pPr>
-            <a:endParaRPr lang="en-GB" sz="1600" dirty="0"/>
-          </a:p>
-          <a:p>
-            <a:pPr marL="457200" lvl="1" indent="0">
-              <a:buNone/>
-            </a:pPr>
-            <a:endParaRPr lang="en-AU" sz="2000" dirty="0"/>
-          </a:p>
-          <a:p>
-            <a:pPr lvl="1"/>
-            <a:endParaRPr lang="en-AU" sz="2000" dirty="0"/>
-          </a:p>
-          <a:p>
-            <a:endParaRPr lang="en-AU" sz="2400" b="1" dirty="0"/>
-          </a:p>
-          <a:p>
-            <a:endParaRPr lang="en-AU" b="1" dirty="0"/>
-          </a:p>
-          <a:p>
-            <a:endParaRPr lang="en-AU" b="1" dirty="0"/>
-          </a:p>
-        </p:txBody>
-      </p:sp>
-      <p:sp>
-        <p:nvSpPr>
           <p:cNvPr id="4" name="Slide Number Placeholder 3">
             <a:extLst>
               <a:ext uri="{FF2B5EF4-FFF2-40B4-BE49-F238E27FC236}">
-                <a16:creationId xmlns:a16="http://schemas.microsoft.com/office/drawing/2014/main" id="{F546ED46-2F7E-EE20-8CEA-B06C8D2CD769}"/>
+                <a16:creationId xmlns:a16="http://schemas.microsoft.com/office/drawing/2014/main" id="{99C52F18-EA09-C7D4-9253-A507A4B41C22}"/>
               </a:ext>
             </a:extLst>
           </p:cNvPr>
@@ -6676,10 +6577,105 @@
           </a:p>
         </p:txBody>
       </p:sp>
+      <p:pic>
+        <p:nvPicPr>
+          <p:cNvPr id="10" name="Picture 9">
+            <a:extLst>
+              <a:ext uri="{FF2B5EF4-FFF2-40B4-BE49-F238E27FC236}">
+                <a16:creationId xmlns:a16="http://schemas.microsoft.com/office/drawing/2014/main" id="{1D513081-6630-49F7-B986-1971297FB838}"/>
+              </a:ext>
+            </a:extLst>
+          </p:cNvPr>
+          <p:cNvPicPr>
+            <a:picLocks noChangeAspect="1"/>
+          </p:cNvPicPr>
+          <p:nvPr/>
+        </p:nvPicPr>
+        <p:blipFill>
+          <a:blip r:embed="rId2"/>
+          <a:stretch>
+            <a:fillRect/>
+          </a:stretch>
+        </p:blipFill>
+        <p:spPr>
+          <a:xfrm>
+            <a:off x="0" y="0"/>
+            <a:ext cx="7705781" cy="5495965"/>
+          </a:xfrm>
+          <a:prstGeom prst="rect">
+            <a:avLst/>
+          </a:prstGeom>
+        </p:spPr>
+      </p:pic>
+      <p:pic>
+        <p:nvPicPr>
+          <p:cNvPr id="12" name="Picture 11">
+            <a:extLst>
+              <a:ext uri="{FF2B5EF4-FFF2-40B4-BE49-F238E27FC236}">
+                <a16:creationId xmlns:a16="http://schemas.microsoft.com/office/drawing/2014/main" id="{F773BAD5-0FF3-C6AA-EF78-693501141199}"/>
+              </a:ext>
+            </a:extLst>
+          </p:cNvPr>
+          <p:cNvPicPr>
+            <a:picLocks noChangeAspect="1"/>
+          </p:cNvPicPr>
+          <p:nvPr/>
+        </p:nvPicPr>
+        <p:blipFill>
+          <a:blip r:embed="rId3"/>
+          <a:stretch>
+            <a:fillRect/>
+          </a:stretch>
+        </p:blipFill>
+        <p:spPr>
+          <a:xfrm>
+            <a:off x="108110" y="2622557"/>
+            <a:ext cx="12009051" cy="3932883"/>
+          </a:xfrm>
+          <a:prstGeom prst="rect">
+            <a:avLst/>
+          </a:prstGeom>
+        </p:spPr>
+      </p:pic>
+      <p:sp>
+        <p:nvSpPr>
+          <p:cNvPr id="14" name="TextBox 13">
+            <a:extLst>
+              <a:ext uri="{FF2B5EF4-FFF2-40B4-BE49-F238E27FC236}">
+                <a16:creationId xmlns:a16="http://schemas.microsoft.com/office/drawing/2014/main" id="{740E16C8-EF49-A69B-4AC1-10ED4865364F}"/>
+              </a:ext>
+            </a:extLst>
+          </p:cNvPr>
+          <p:cNvSpPr txBox="1"/>
+          <p:nvPr/>
+        </p:nvSpPr>
+        <p:spPr>
+          <a:xfrm>
+            <a:off x="0" y="6482023"/>
+            <a:ext cx="11634475" cy="369332"/>
+          </a:xfrm>
+          <a:prstGeom prst="rect">
+            <a:avLst/>
+          </a:prstGeom>
+          <a:noFill/>
+        </p:spPr>
+        <p:txBody>
+          <a:bodyPr wrap="square">
+            <a:spAutoFit/>
+          </a:bodyPr>
+          <a:lstStyle/>
+          <a:p>
+            <a:r>
+              <a:rPr lang="en-AU" dirty="0"/>
+              <a:t>https://github.com/LadyKerr/github-certification-guide/blob/main/study-guides/gh-foundations.md</a:t>
+            </a:r>
+          </a:p>
+        </p:txBody>
+      </p:sp>
     </p:spTree>
     <p:extLst>
       <p:ext uri="{BB962C8B-B14F-4D97-AF65-F5344CB8AC3E}">
-        <p14:creationId xmlns:p14="http://schemas.microsoft.com/office/powerpoint/2010/main" val="280629650"/>
+        <p14:creationId xmlns:p14="http://schemas.microsoft.com/office/powerpoint/2010/main" val="1123149148"/>
       </p:ext>
     </p:extLst>
   </p:cSld>
@@ -6708,10 +6704,208 @@
       </p:grpSpPr>
       <p:sp>
         <p:nvSpPr>
+          <p:cNvPr id="2" name="Title 1">
+            <a:extLst>
+              <a:ext uri="{FF2B5EF4-FFF2-40B4-BE49-F238E27FC236}">
+                <a16:creationId xmlns:a16="http://schemas.microsoft.com/office/drawing/2014/main" id="{477F0730-B54B-3F40-DB4C-B94F81B735D5}"/>
+              </a:ext>
+            </a:extLst>
+          </p:cNvPr>
+          <p:cNvSpPr>
+            <a:spLocks noGrp="1"/>
+          </p:cNvSpPr>
+          <p:nvPr>
+            <p:ph type="title"/>
+          </p:nvPr>
+        </p:nvSpPr>
+        <p:spPr/>
+        <p:txBody>
+          <a:bodyPr/>
+          <a:lstStyle/>
+          <a:p>
+            <a:r>
+              <a:rPr lang="en-AU" dirty="0"/>
+              <a:t>Study tips</a:t>
+            </a:r>
+          </a:p>
+        </p:txBody>
+      </p:sp>
+      <p:sp>
+        <p:nvSpPr>
+          <p:cNvPr id="3" name="Content Placeholder 2">
+            <a:extLst>
+              <a:ext uri="{FF2B5EF4-FFF2-40B4-BE49-F238E27FC236}">
+                <a16:creationId xmlns:a16="http://schemas.microsoft.com/office/drawing/2014/main" id="{0637C4DA-C604-4BC5-DB58-E489C410FF07}"/>
+              </a:ext>
+            </a:extLst>
+          </p:cNvPr>
+          <p:cNvSpPr>
+            <a:spLocks noGrp="1"/>
+          </p:cNvSpPr>
+          <p:nvPr>
+            <p:ph idx="1"/>
+          </p:nvPr>
+        </p:nvSpPr>
+        <p:spPr>
+          <a:xfrm>
+            <a:off x="359229" y="1825624"/>
+            <a:ext cx="10994571" cy="4814661"/>
+          </a:xfrm>
+        </p:spPr>
+        <p:txBody>
+          <a:bodyPr>
+            <a:normAutofit fontScale="92500" lnSpcReduction="20000"/>
+          </a:bodyPr>
+          <a:lstStyle/>
+          <a:p>
+            <a:r>
+              <a:rPr lang="en-AU" b="1" dirty="0"/>
+              <a:t>Start at the beginning – foundation level builds confidence!</a:t>
+            </a:r>
+          </a:p>
+          <a:p>
+            <a:pPr marL="0" indent="0">
+              <a:buNone/>
+            </a:pPr>
+            <a:endParaRPr lang="en-AU" b="1" dirty="0"/>
+          </a:p>
+          <a:p>
+            <a:pPr marL="0" indent="0">
+              <a:buNone/>
+            </a:pPr>
+            <a:r>
+              <a:rPr lang="en-AU" b="1" dirty="0"/>
+              <a:t>1. Study Resources – use multiple!</a:t>
+            </a:r>
+            <a:endParaRPr lang="en-AU" dirty="0"/>
+          </a:p>
+          <a:p>
+            <a:pPr marL="742950" lvl="1" indent="-285750">
+              <a:buFont typeface="Arial" panose="020B0604020202020204" pitchFamily="34" charset="0"/>
+              <a:buChar char="•"/>
+            </a:pPr>
+            <a:r>
+              <a:rPr lang="en-AU" dirty="0"/>
+              <a:t>Official learning paths cover most content, however it’s text-heavy;</a:t>
+            </a:r>
+          </a:p>
+          <a:p>
+            <a:pPr marL="742950" lvl="1" indent="-285750">
+              <a:buFont typeface="Arial" panose="020B0604020202020204" pitchFamily="34" charset="0"/>
+              <a:buChar char="•"/>
+            </a:pPr>
+            <a:r>
+              <a:rPr lang="en-AU" dirty="0"/>
+              <a:t>Use free resources and free trials, including 3</a:t>
+            </a:r>
+            <a:r>
+              <a:rPr lang="en-AU" baseline="30000" dirty="0"/>
+              <a:t>rd</a:t>
+            </a:r>
+            <a:r>
+              <a:rPr lang="en-AU" dirty="0"/>
+              <a:t> party video platforms</a:t>
+            </a:r>
+          </a:p>
+          <a:p>
+            <a:pPr marL="742950" lvl="1" indent="-285750">
+              <a:buFont typeface="Arial" panose="020B0604020202020204" pitchFamily="34" charset="0"/>
+              <a:buChar char="•"/>
+            </a:pPr>
+            <a:r>
+              <a:rPr lang="en-AU" dirty="0"/>
+              <a:t>Check out the study guide so you cover all of the topics on the exam – (sometimes new stuff is added and old stuff is removed from exams!)</a:t>
+            </a:r>
+          </a:p>
+          <a:p>
+            <a:pPr marL="457200" lvl="1" indent="0">
+              <a:buNone/>
+            </a:pPr>
+            <a:endParaRPr lang="en-AU" dirty="0"/>
+          </a:p>
+          <a:p>
+            <a:r>
+              <a:rPr lang="en-AU" b="1" dirty="0"/>
+              <a:t> 2. Hands-On Practice</a:t>
+            </a:r>
+          </a:p>
+          <a:p>
+            <a:pPr lvl="1"/>
+            <a:r>
+              <a:rPr lang="en-AU" dirty="0"/>
+              <a:t>Do practice exams to validate your learning and build your confidence.</a:t>
+            </a:r>
+          </a:p>
+          <a:p>
+            <a:pPr lvl="1"/>
+            <a:r>
+              <a:rPr lang="en-GB" dirty="0"/>
+              <a:t>Follow along with tutorials,</a:t>
+            </a:r>
+          </a:p>
+          <a:p>
+            <a:pPr lvl="1"/>
+            <a:r>
+              <a:rPr lang="en-GB" dirty="0"/>
+              <a:t>Experiment with sample code, clone projects, learn by doing</a:t>
+            </a:r>
+          </a:p>
+          <a:p>
+            <a:pPr marL="457200" lvl="1" indent="0">
+              <a:buNone/>
+            </a:pPr>
+            <a:r>
+              <a:rPr lang="en-GB" i="1" dirty="0"/>
+              <a:t>“If I have seen further, it is by standing on the shoulders of giants.”</a:t>
+            </a:r>
+            <a:br>
+              <a:rPr lang="en-GB" i="1" dirty="0"/>
+            </a:br>
+            <a:r>
+              <a:rPr lang="en-GB" i="1" dirty="0"/>
+              <a:t>-Isaac Newton</a:t>
+            </a:r>
+            <a:endParaRPr lang="en-GB" dirty="0"/>
+          </a:p>
+          <a:p>
+            <a:pPr marL="457200" lvl="1" indent="0">
+              <a:buNone/>
+            </a:pPr>
+            <a:endParaRPr lang="en-GB" sz="1600" dirty="0"/>
+          </a:p>
+          <a:p>
+            <a:pPr marL="457200" lvl="1" indent="0">
+              <a:buNone/>
+            </a:pPr>
+            <a:endParaRPr lang="en-GB" sz="1600" dirty="0"/>
+          </a:p>
+          <a:p>
+            <a:pPr marL="457200" lvl="1" indent="0">
+              <a:buNone/>
+            </a:pPr>
+            <a:endParaRPr lang="en-AU" sz="2000" dirty="0"/>
+          </a:p>
+          <a:p>
+            <a:pPr lvl="1"/>
+            <a:endParaRPr lang="en-AU" sz="2000" dirty="0"/>
+          </a:p>
+          <a:p>
+            <a:endParaRPr lang="en-AU" sz="2400" b="1" dirty="0"/>
+          </a:p>
+          <a:p>
+            <a:endParaRPr lang="en-AU" b="1" dirty="0"/>
+          </a:p>
+          <a:p>
+            <a:endParaRPr lang="en-AU" b="1" dirty="0"/>
+          </a:p>
+        </p:txBody>
+      </p:sp>
+      <p:sp>
+        <p:nvSpPr>
           <p:cNvPr id="4" name="Slide Number Placeholder 3">
             <a:extLst>
               <a:ext uri="{FF2B5EF4-FFF2-40B4-BE49-F238E27FC236}">
-                <a16:creationId xmlns:a16="http://schemas.microsoft.com/office/drawing/2014/main" id="{65ECD9B2-A47B-0DBD-EE3F-CCC00C042B83}"/>
+                <a16:creationId xmlns:a16="http://schemas.microsoft.com/office/drawing/2014/main" id="{F546ED46-2F7E-EE20-8CEA-B06C8D2CD769}"/>
               </a:ext>
             </a:extLst>
           </p:cNvPr>
@@ -6735,75 +6929,10 @@
           </a:p>
         </p:txBody>
       </p:sp>
-      <p:pic>
-        <p:nvPicPr>
-          <p:cNvPr id="6" name="Picture 5">
-            <a:extLst>
-              <a:ext uri="{FF2B5EF4-FFF2-40B4-BE49-F238E27FC236}">
-                <a16:creationId xmlns:a16="http://schemas.microsoft.com/office/drawing/2014/main" id="{E1723C68-EF7E-FED3-CB2D-1E8F61436EE8}"/>
-              </a:ext>
-            </a:extLst>
-          </p:cNvPr>
-          <p:cNvPicPr>
-            <a:picLocks noChangeAspect="1"/>
-          </p:cNvPicPr>
-          <p:nvPr/>
-        </p:nvPicPr>
-        <p:blipFill>
-          <a:blip r:embed="rId2"/>
-          <a:stretch>
-            <a:fillRect/>
-          </a:stretch>
-        </p:blipFill>
-        <p:spPr>
-          <a:xfrm>
-            <a:off x="1599098" y="0"/>
-            <a:ext cx="8993803" cy="6858000"/>
-          </a:xfrm>
-          <a:prstGeom prst="rect">
-            <a:avLst/>
-          </a:prstGeom>
-        </p:spPr>
-      </p:pic>
-      <p:sp>
-        <p:nvSpPr>
-          <p:cNvPr id="8" name="TextBox 7">
-            <a:extLst>
-              <a:ext uri="{FF2B5EF4-FFF2-40B4-BE49-F238E27FC236}">
-                <a16:creationId xmlns:a16="http://schemas.microsoft.com/office/drawing/2014/main" id="{17E498BE-3E0E-6B53-D9E0-7AD206BEF431}"/>
-              </a:ext>
-            </a:extLst>
-          </p:cNvPr>
-          <p:cNvSpPr txBox="1"/>
-          <p:nvPr/>
-        </p:nvSpPr>
-        <p:spPr>
-          <a:xfrm>
-            <a:off x="146421" y="6439292"/>
-            <a:ext cx="6094926" cy="369332"/>
-          </a:xfrm>
-          <a:prstGeom prst="rect">
-            <a:avLst/>
-          </a:prstGeom>
-          <a:noFill/>
-        </p:spPr>
-        <p:txBody>
-          <a:bodyPr wrap="square">
-            <a:spAutoFit/>
-          </a:bodyPr>
-          <a:lstStyle/>
-          <a:p>
-            <a:r>
-              <a:rPr lang="en-AU" dirty="0"/>
-              <a:t>https://ghcertified.com/practice_tests/foundations/</a:t>
-            </a:r>
-          </a:p>
-        </p:txBody>
-      </p:sp>
     </p:spTree>
     <p:extLst>
       <p:ext uri="{BB962C8B-B14F-4D97-AF65-F5344CB8AC3E}">
-        <p14:creationId xmlns:p14="http://schemas.microsoft.com/office/powerpoint/2010/main" val="3320392442"/>
+        <p14:creationId xmlns:p14="http://schemas.microsoft.com/office/powerpoint/2010/main" val="280629650"/>
       </p:ext>
     </p:extLst>
   </p:cSld>
@@ -6832,409 +6961,10 @@
       </p:grpSpPr>
       <p:sp>
         <p:nvSpPr>
-          <p:cNvPr id="2" name="Title 1">
-            <a:extLst>
-              <a:ext uri="{FF2B5EF4-FFF2-40B4-BE49-F238E27FC236}">
-                <a16:creationId xmlns:a16="http://schemas.microsoft.com/office/drawing/2014/main" id="{F04FEA51-F17A-ABB8-5455-72A5019E4650}"/>
-              </a:ext>
-            </a:extLst>
-          </p:cNvPr>
-          <p:cNvSpPr>
-            <a:spLocks noGrp="1"/>
-          </p:cNvSpPr>
-          <p:nvPr>
-            <p:ph type="title"/>
-          </p:nvPr>
-        </p:nvSpPr>
-        <p:spPr/>
-        <p:txBody>
-          <a:bodyPr/>
-          <a:lstStyle/>
-          <a:p>
-            <a:r>
-              <a:rPr lang="en-AU" dirty="0"/>
-              <a:t>Microsoft / GitHub exam prep resources</a:t>
-            </a:r>
-          </a:p>
-        </p:txBody>
-      </p:sp>
-      <p:sp>
-        <p:nvSpPr>
-          <p:cNvPr id="3" name="Content Placeholder 2">
-            <a:extLst>
-              <a:ext uri="{FF2B5EF4-FFF2-40B4-BE49-F238E27FC236}">
-                <a16:creationId xmlns:a16="http://schemas.microsoft.com/office/drawing/2014/main" id="{3E8D3311-650C-4737-78A6-86801538553C}"/>
-              </a:ext>
-            </a:extLst>
-          </p:cNvPr>
-          <p:cNvSpPr>
-            <a:spLocks noGrp="1"/>
-          </p:cNvSpPr>
-          <p:nvPr>
-            <p:ph idx="1"/>
-          </p:nvPr>
-        </p:nvSpPr>
-        <p:spPr>
-          <a:xfrm>
-            <a:off x="838199" y="1825625"/>
-            <a:ext cx="10971727" cy="4955102"/>
-          </a:xfrm>
-        </p:spPr>
-        <p:txBody>
-          <a:bodyPr>
-            <a:normAutofit fontScale="70000" lnSpcReduction="20000"/>
-          </a:bodyPr>
-          <a:lstStyle/>
-          <a:p>
-            <a:r>
-              <a:rPr lang="en-AU" u="sng" dirty="0"/>
-              <a:t>Microsoft Learn for GitHub</a:t>
-            </a:r>
-            <a:br>
-              <a:rPr lang="en-AU" u="sng" dirty="0"/>
-            </a:br>
-            <a:r>
-              <a:rPr lang="en-AU" dirty="0">
-                <a:hlinkClick r:id="rId2"/>
-              </a:rPr>
-              <a:t>https://learn.microsoft.com/en-us/training/github/</a:t>
-            </a:r>
-            <a:br>
-              <a:rPr lang="en-AU" dirty="0"/>
-            </a:br>
-            <a:r>
-              <a:rPr lang="en-AU" i="1" dirty="0"/>
-              <a:t>Scroll to bottom, click ‘Register today’ to register (or not, even MS struggle with broken links) </a:t>
-            </a:r>
-            <a:endParaRPr lang="en-GB" b="0" i="1" dirty="0">
-              <a:effectLst/>
-              <a:latin typeface="Segoe UI" panose="020B0502040204020203" pitchFamily="34" charset="0"/>
-            </a:endParaRPr>
-          </a:p>
-          <a:p>
-            <a:r>
-              <a:rPr lang="en-GB" b="0" i="0" dirty="0">
-                <a:solidFill>
-                  <a:srgbClr val="333333"/>
-                </a:solidFill>
-                <a:effectLst/>
-                <a:latin typeface="Segoe UI" panose="020B0502040204020203" pitchFamily="34" charset="0"/>
-              </a:rPr>
-              <a:t>Microsoft’s Exam Readiness Zone</a:t>
-            </a:r>
-            <a:br>
-              <a:rPr lang="en-GB" b="0" i="0" dirty="0">
-                <a:solidFill>
-                  <a:srgbClr val="333333"/>
-                </a:solidFill>
-                <a:effectLst/>
-                <a:latin typeface="Segoe UI" panose="020B0502040204020203" pitchFamily="34" charset="0"/>
-              </a:rPr>
-            </a:br>
-            <a:r>
-              <a:rPr lang="en-GB" dirty="0">
-                <a:solidFill>
-                  <a:srgbClr val="333333"/>
-                </a:solidFill>
-                <a:latin typeface="Segoe UI" panose="020B0502040204020203" pitchFamily="34" charset="0"/>
-                <a:hlinkClick r:id="rId3"/>
-              </a:rPr>
-              <a:t>https://learn.microsoft.com/en-us/shows/exam-readiness-zone</a:t>
-            </a:r>
-            <a:r>
-              <a:rPr lang="en-GB" dirty="0">
-                <a:solidFill>
-                  <a:srgbClr val="333333"/>
-                </a:solidFill>
-                <a:latin typeface="Segoe UI" panose="020B0502040204020203" pitchFamily="34" charset="0"/>
-              </a:rPr>
-              <a:t> </a:t>
-            </a:r>
-            <a:r>
-              <a:rPr lang="en-GB" b="0" i="1" dirty="0">
-                <a:solidFill>
-                  <a:srgbClr val="333333"/>
-                </a:solidFill>
-                <a:effectLst/>
-                <a:latin typeface="Segoe UI" panose="020B0502040204020203" pitchFamily="34" charset="0"/>
-              </a:rPr>
-              <a:t>(MCT x GitHub</a:t>
-            </a:r>
-            <a:r>
-              <a:rPr lang="en-GB" i="1" dirty="0">
-                <a:solidFill>
-                  <a:srgbClr val="333333"/>
-                </a:solidFill>
-                <a:latin typeface="Segoe UI" panose="020B0502040204020203" pitchFamily="34" charset="0"/>
-              </a:rPr>
-              <a:t>?</a:t>
-            </a:r>
-            <a:r>
-              <a:rPr lang="en-GB" b="0" i="1" dirty="0">
-                <a:solidFill>
-                  <a:srgbClr val="333333"/>
-                </a:solidFill>
-                <a:effectLst/>
-                <a:latin typeface="Segoe UI" panose="020B0502040204020203" pitchFamily="34" charset="0"/>
-              </a:rPr>
-              <a:t>)</a:t>
-            </a:r>
-          </a:p>
-          <a:p>
-            <a:r>
-              <a:rPr lang="en-GB" b="0" i="0" dirty="0">
-                <a:solidFill>
-                  <a:srgbClr val="333333"/>
-                </a:solidFill>
-                <a:effectLst/>
-                <a:latin typeface="Segoe UI" panose="020B0502040204020203" pitchFamily="34" charset="0"/>
-              </a:rPr>
-              <a:t>GitHub Education</a:t>
-            </a:r>
-            <a:br>
-              <a:rPr lang="en-GB" b="0" i="0" dirty="0">
-                <a:solidFill>
-                  <a:srgbClr val="333333"/>
-                </a:solidFill>
-                <a:effectLst/>
-                <a:latin typeface="Segoe UI" panose="020B0502040204020203" pitchFamily="34" charset="0"/>
-              </a:rPr>
-            </a:br>
-            <a:r>
-              <a:rPr lang="en-GB" b="0" i="0" dirty="0">
-                <a:solidFill>
-                  <a:srgbClr val="333333"/>
-                </a:solidFill>
-                <a:effectLst/>
-                <a:latin typeface="Segoe UI" panose="020B0502040204020203" pitchFamily="34" charset="0"/>
-                <a:hlinkClick r:id="rId4"/>
-              </a:rPr>
-              <a:t>https://education.github.com/experiences/foundations_certificate</a:t>
-            </a:r>
-            <a:endParaRPr lang="en-GB" b="0" i="0" dirty="0">
-              <a:solidFill>
-                <a:srgbClr val="333333"/>
-              </a:solidFill>
-              <a:effectLst/>
-              <a:latin typeface="Segoe UI" panose="020B0502040204020203" pitchFamily="34" charset="0"/>
-            </a:endParaRPr>
-          </a:p>
-          <a:p>
-            <a:r>
-              <a:rPr lang="en-GB" dirty="0">
-                <a:hlinkClick r:id="rId5"/>
-              </a:rPr>
-              <a:t>https://github.com/LadyKerr/github-certification-guide/blob/main/study-guides/gh-foundations.md</a:t>
-            </a:r>
-            <a:endParaRPr lang="en-GB" i="1" dirty="0"/>
-          </a:p>
-          <a:p>
-            <a:pPr lvl="1"/>
-            <a:r>
-              <a:rPr lang="en-GB" b="0" i="1" dirty="0" err="1">
-                <a:solidFill>
-                  <a:srgbClr val="333333"/>
-                </a:solidFill>
-                <a:effectLst/>
-                <a:latin typeface="Segoe UI" panose="020B0502040204020203" pitchFamily="34" charset="0"/>
-              </a:rPr>
-              <a:t>Datacamp</a:t>
-            </a:r>
-            <a:r>
-              <a:rPr lang="en-GB" b="0" i="1" dirty="0">
-                <a:solidFill>
-                  <a:srgbClr val="333333"/>
-                </a:solidFill>
-                <a:effectLst/>
-                <a:latin typeface="Segoe UI" panose="020B0502040204020203" pitchFamily="34" charset="0"/>
-              </a:rPr>
-              <a:t> (free sign-up)</a:t>
-            </a:r>
-          </a:p>
-          <a:p>
-            <a:pPr lvl="1"/>
-            <a:r>
-              <a:rPr lang="en-GB" b="0" i="1" dirty="0">
-                <a:solidFill>
-                  <a:srgbClr val="333333"/>
-                </a:solidFill>
-                <a:effectLst/>
-                <a:latin typeface="Segoe UI" panose="020B0502040204020203" pitchFamily="34" charset="0"/>
-              </a:rPr>
-              <a:t>LinkedIn Learning (good if your employer pays)</a:t>
-            </a:r>
-          </a:p>
-          <a:p>
-            <a:pPr lvl="1"/>
-            <a:r>
-              <a:rPr lang="en-GB" i="1" dirty="0">
-                <a:solidFill>
-                  <a:srgbClr val="333333"/>
-                </a:solidFill>
-                <a:latin typeface="Segoe UI" panose="020B0502040204020203" pitchFamily="34" charset="0"/>
-              </a:rPr>
-              <a:t>GitHub Education (if you have a .</a:t>
-            </a:r>
-            <a:r>
-              <a:rPr lang="en-GB" i="1" dirty="0" err="1">
-                <a:solidFill>
-                  <a:srgbClr val="333333"/>
-                </a:solidFill>
-                <a:latin typeface="Segoe UI" panose="020B0502040204020203" pitchFamily="34" charset="0"/>
-              </a:rPr>
-              <a:t>edu</a:t>
-            </a:r>
-            <a:r>
-              <a:rPr lang="en-GB" i="1" dirty="0">
-                <a:solidFill>
-                  <a:srgbClr val="333333"/>
-                </a:solidFill>
-                <a:latin typeface="Segoe UI" panose="020B0502040204020203" pitchFamily="34" charset="0"/>
-              </a:rPr>
-              <a:t> email address</a:t>
-            </a:r>
-            <a:r>
-              <a:rPr lang="en-GB" i="1">
-                <a:solidFill>
-                  <a:srgbClr val="333333"/>
-                </a:solidFill>
-                <a:latin typeface="Segoe UI" panose="020B0502040204020203" pitchFamily="34" charset="0"/>
-              </a:rPr>
-              <a:t>, unlocks bonus </a:t>
-            </a:r>
-            <a:r>
-              <a:rPr lang="en-GB" i="1" dirty="0">
-                <a:solidFill>
-                  <a:srgbClr val="333333"/>
-                </a:solidFill>
-                <a:latin typeface="Segoe UI" panose="020B0502040204020203" pitchFamily="34" charset="0"/>
-              </a:rPr>
-              <a:t>content on the GitHub Education site)</a:t>
-            </a:r>
-          </a:p>
-          <a:p>
-            <a:r>
-              <a:rPr lang="en-GB" i="1" dirty="0">
-                <a:solidFill>
-                  <a:srgbClr val="333333"/>
-                </a:solidFill>
-                <a:latin typeface="Segoe UI" panose="020B0502040204020203" pitchFamily="34" charset="0"/>
-              </a:rPr>
-              <a:t>3</a:t>
-            </a:r>
-            <a:r>
-              <a:rPr lang="en-GB" i="1" baseline="30000" dirty="0">
-                <a:solidFill>
-                  <a:srgbClr val="333333"/>
-                </a:solidFill>
-                <a:latin typeface="Segoe UI" panose="020B0502040204020203" pitchFamily="34" charset="0"/>
-              </a:rPr>
-              <a:t>rd</a:t>
-            </a:r>
-            <a:r>
-              <a:rPr lang="en-GB" i="1" dirty="0">
-                <a:solidFill>
-                  <a:srgbClr val="333333"/>
-                </a:solidFill>
-                <a:latin typeface="Segoe UI" panose="020B0502040204020203" pitchFamily="34" charset="0"/>
-              </a:rPr>
-              <a:t> party resources e.g.: </a:t>
-            </a:r>
-            <a:r>
-              <a:rPr lang="en-GB" b="0" i="1" dirty="0">
-                <a:solidFill>
-                  <a:srgbClr val="333333"/>
-                </a:solidFill>
-                <a:effectLst/>
-                <a:latin typeface="Segoe UI" panose="020B0502040204020203" pitchFamily="34" charset="0"/>
-              </a:rPr>
-              <a:t>https://github.com/btkrausen/github_certification</a:t>
-            </a:r>
-          </a:p>
-          <a:p>
-            <a:r>
-              <a:rPr lang="en-GB" b="0" i="0" dirty="0">
-                <a:solidFill>
-                  <a:srgbClr val="333333"/>
-                </a:solidFill>
-                <a:effectLst/>
-                <a:latin typeface="Segoe UI" panose="020B0502040204020203" pitchFamily="34" charset="0"/>
-              </a:rPr>
-              <a:t>Candidate Handbook (logistics)</a:t>
-            </a:r>
-            <a:br>
-              <a:rPr lang="en-GB" b="0" i="0" dirty="0">
-                <a:solidFill>
-                  <a:srgbClr val="333333"/>
-                </a:solidFill>
-                <a:effectLst/>
-                <a:latin typeface="Segoe UI" panose="020B0502040204020203" pitchFamily="34" charset="0"/>
-              </a:rPr>
-            </a:br>
-            <a:r>
-              <a:rPr lang="en-GB" b="0" i="0" dirty="0">
-                <a:solidFill>
-                  <a:srgbClr val="333333"/>
-                </a:solidFill>
-                <a:effectLst/>
-                <a:latin typeface="Segoe UI" panose="020B0502040204020203" pitchFamily="34" charset="0"/>
-                <a:hlinkClick r:id="rId6"/>
-              </a:rPr>
-              <a:t>https://examregistration.github.com/handbook</a:t>
-            </a:r>
-            <a:endParaRPr lang="en-GB" b="0" i="0" dirty="0">
-              <a:solidFill>
-                <a:srgbClr val="333333"/>
-              </a:solidFill>
-              <a:effectLst/>
-              <a:latin typeface="Segoe UI" panose="020B0502040204020203" pitchFamily="34" charset="0"/>
-            </a:endParaRPr>
-          </a:p>
-          <a:p>
-            <a:r>
-              <a:rPr lang="en-GB" dirty="0">
-                <a:solidFill>
-                  <a:srgbClr val="333333"/>
-                </a:solidFill>
-                <a:latin typeface="Segoe UI" panose="020B0502040204020203" pitchFamily="34" charset="0"/>
-              </a:rPr>
-              <a:t>GitHub Docs</a:t>
-            </a:r>
-            <a:br>
-              <a:rPr lang="en-GB" dirty="0">
-                <a:solidFill>
-                  <a:srgbClr val="333333"/>
-                </a:solidFill>
-                <a:latin typeface="Segoe UI" panose="020B0502040204020203" pitchFamily="34" charset="0"/>
-              </a:rPr>
-            </a:br>
-            <a:r>
-              <a:rPr lang="en-GB" b="0" i="0" dirty="0">
-                <a:solidFill>
-                  <a:srgbClr val="333333"/>
-                </a:solidFill>
-                <a:effectLst/>
-                <a:latin typeface="Segoe UI" panose="020B0502040204020203" pitchFamily="34" charset="0"/>
-                <a:hlinkClick r:id="rId7"/>
-              </a:rPr>
-              <a:t>https://docs.github.com/en</a:t>
-            </a:r>
-            <a:endParaRPr lang="en-GB" b="0" i="0" dirty="0">
-              <a:solidFill>
-                <a:srgbClr val="333333"/>
-              </a:solidFill>
-              <a:effectLst/>
-              <a:latin typeface="Segoe UI" panose="020B0502040204020203" pitchFamily="34" charset="0"/>
-            </a:endParaRPr>
-          </a:p>
-        </p:txBody>
-      </p:sp>
-      <p:sp>
-        <p:nvSpPr>
           <p:cNvPr id="4" name="Slide Number Placeholder 3">
             <a:extLst>
               <a:ext uri="{FF2B5EF4-FFF2-40B4-BE49-F238E27FC236}">
-                <a16:creationId xmlns:a16="http://schemas.microsoft.com/office/drawing/2014/main" id="{5D13E95C-6DCC-79CD-C7CE-6288EF4D2FFE}"/>
+                <a16:creationId xmlns:a16="http://schemas.microsoft.com/office/drawing/2014/main" id="{65ECD9B2-A47B-0DBD-EE3F-CCC00C042B83}"/>
               </a:ext>
             </a:extLst>
           </p:cNvPr>
@@ -7258,10 +6988,75 @@
           </a:p>
         </p:txBody>
       </p:sp>
+      <p:pic>
+        <p:nvPicPr>
+          <p:cNvPr id="6" name="Picture 5">
+            <a:extLst>
+              <a:ext uri="{FF2B5EF4-FFF2-40B4-BE49-F238E27FC236}">
+                <a16:creationId xmlns:a16="http://schemas.microsoft.com/office/drawing/2014/main" id="{E1723C68-EF7E-FED3-CB2D-1E8F61436EE8}"/>
+              </a:ext>
+            </a:extLst>
+          </p:cNvPr>
+          <p:cNvPicPr>
+            <a:picLocks noChangeAspect="1"/>
+          </p:cNvPicPr>
+          <p:nvPr/>
+        </p:nvPicPr>
+        <p:blipFill>
+          <a:blip r:embed="rId2"/>
+          <a:stretch>
+            <a:fillRect/>
+          </a:stretch>
+        </p:blipFill>
+        <p:spPr>
+          <a:xfrm>
+            <a:off x="1599098" y="0"/>
+            <a:ext cx="8993803" cy="6858000"/>
+          </a:xfrm>
+          <a:prstGeom prst="rect">
+            <a:avLst/>
+          </a:prstGeom>
+        </p:spPr>
+      </p:pic>
+      <p:sp>
+        <p:nvSpPr>
+          <p:cNvPr id="8" name="TextBox 7">
+            <a:extLst>
+              <a:ext uri="{FF2B5EF4-FFF2-40B4-BE49-F238E27FC236}">
+                <a16:creationId xmlns:a16="http://schemas.microsoft.com/office/drawing/2014/main" id="{17E498BE-3E0E-6B53-D9E0-7AD206BEF431}"/>
+              </a:ext>
+            </a:extLst>
+          </p:cNvPr>
+          <p:cNvSpPr txBox="1"/>
+          <p:nvPr/>
+        </p:nvSpPr>
+        <p:spPr>
+          <a:xfrm>
+            <a:off x="146421" y="6439292"/>
+            <a:ext cx="6094926" cy="369332"/>
+          </a:xfrm>
+          <a:prstGeom prst="rect">
+            <a:avLst/>
+          </a:prstGeom>
+          <a:noFill/>
+        </p:spPr>
+        <p:txBody>
+          <a:bodyPr wrap="square">
+            <a:spAutoFit/>
+          </a:bodyPr>
+          <a:lstStyle/>
+          <a:p>
+            <a:r>
+              <a:rPr lang="en-AU" dirty="0"/>
+              <a:t>https://ghcertified.com/practice_tests/foundations/</a:t>
+            </a:r>
+          </a:p>
+        </p:txBody>
+      </p:sp>
     </p:spTree>
     <p:extLst>
       <p:ext uri="{BB962C8B-B14F-4D97-AF65-F5344CB8AC3E}">
-        <p14:creationId xmlns:p14="http://schemas.microsoft.com/office/powerpoint/2010/main" val="2440630559"/>
+        <p14:creationId xmlns:p14="http://schemas.microsoft.com/office/powerpoint/2010/main" val="3320392442"/>
       </p:ext>
     </p:extLst>
   </p:cSld>
@@ -7293,7 +7088,7 @@
           <p:cNvPr id="2" name="Title 1">
             <a:extLst>
               <a:ext uri="{FF2B5EF4-FFF2-40B4-BE49-F238E27FC236}">
-                <a16:creationId xmlns:a16="http://schemas.microsoft.com/office/drawing/2014/main" id="{346F3512-FEDB-6461-8B37-9A28F7A0121C}"/>
+                <a16:creationId xmlns:a16="http://schemas.microsoft.com/office/drawing/2014/main" id="{F04FEA51-F17A-ABB8-5455-72A5019E4650}"/>
               </a:ext>
             </a:extLst>
           </p:cNvPr>
@@ -7311,8 +7106,389 @@
           <a:p>
             <a:r>
               <a:rPr lang="en-AU" dirty="0"/>
-              <a:t>Exam tip [0]</a:t>
-            </a:r>
+              <a:t>Microsoft / GitHub exam prep resources</a:t>
+            </a:r>
+          </a:p>
+        </p:txBody>
+      </p:sp>
+      <p:sp>
+        <p:nvSpPr>
+          <p:cNvPr id="3" name="Content Placeholder 2">
+            <a:extLst>
+              <a:ext uri="{FF2B5EF4-FFF2-40B4-BE49-F238E27FC236}">
+                <a16:creationId xmlns:a16="http://schemas.microsoft.com/office/drawing/2014/main" id="{3E8D3311-650C-4737-78A6-86801538553C}"/>
+              </a:ext>
+            </a:extLst>
+          </p:cNvPr>
+          <p:cNvSpPr>
+            <a:spLocks noGrp="1"/>
+          </p:cNvSpPr>
+          <p:nvPr>
+            <p:ph idx="1"/>
+          </p:nvPr>
+        </p:nvSpPr>
+        <p:spPr>
+          <a:xfrm>
+            <a:off x="838199" y="1825625"/>
+            <a:ext cx="10971727" cy="4955102"/>
+          </a:xfrm>
+        </p:spPr>
+        <p:txBody>
+          <a:bodyPr>
+            <a:normAutofit fontScale="70000" lnSpcReduction="20000"/>
+          </a:bodyPr>
+          <a:lstStyle/>
+          <a:p>
+            <a:r>
+              <a:rPr lang="en-AU" u="sng" dirty="0"/>
+              <a:t>Microsoft Learn for GitHub</a:t>
+            </a:r>
+            <a:br>
+              <a:rPr lang="en-AU" u="sng" dirty="0"/>
+            </a:br>
+            <a:r>
+              <a:rPr lang="en-AU" dirty="0">
+                <a:hlinkClick r:id="rId2"/>
+              </a:rPr>
+              <a:t>https://learn.microsoft.com/en-us/training/github/</a:t>
+            </a:r>
+            <a:br>
+              <a:rPr lang="en-AU" dirty="0"/>
+            </a:br>
+            <a:r>
+              <a:rPr lang="en-AU" i="1" dirty="0"/>
+              <a:t>Scroll to bottom, click ‘Register today’ to register</a:t>
+            </a:r>
+            <a:endParaRPr lang="en-GB" b="0" i="1" dirty="0">
+              <a:effectLst/>
+              <a:latin typeface="Segoe UI" panose="020B0502040204020203" pitchFamily="34" charset="0"/>
+            </a:endParaRPr>
+          </a:p>
+          <a:p>
+            <a:r>
+              <a:rPr lang="en-GB" b="0" i="0" dirty="0">
+                <a:solidFill>
+                  <a:srgbClr val="333333"/>
+                </a:solidFill>
+                <a:effectLst/>
+                <a:latin typeface="Segoe UI" panose="020B0502040204020203" pitchFamily="34" charset="0"/>
+              </a:rPr>
+              <a:t>Microsoft’s Exam Readiness Zone</a:t>
+            </a:r>
+            <a:br>
+              <a:rPr lang="en-GB" b="0" i="0" dirty="0">
+                <a:solidFill>
+                  <a:srgbClr val="333333"/>
+                </a:solidFill>
+                <a:effectLst/>
+                <a:latin typeface="Segoe UI" panose="020B0502040204020203" pitchFamily="34" charset="0"/>
+              </a:rPr>
+            </a:br>
+            <a:r>
+              <a:rPr lang="en-GB" dirty="0">
+                <a:solidFill>
+                  <a:srgbClr val="333333"/>
+                </a:solidFill>
+                <a:latin typeface="Segoe UI" panose="020B0502040204020203" pitchFamily="34" charset="0"/>
+                <a:hlinkClick r:id="rId3"/>
+              </a:rPr>
+              <a:t>https://learn.microsoft.com/en-us/shows/exam-readiness-zone</a:t>
+            </a:r>
+            <a:r>
+              <a:rPr lang="en-GB" dirty="0">
+                <a:solidFill>
+                  <a:srgbClr val="333333"/>
+                </a:solidFill>
+                <a:latin typeface="Segoe UI" panose="020B0502040204020203" pitchFamily="34" charset="0"/>
+              </a:rPr>
+              <a:t> </a:t>
+            </a:r>
+            <a:r>
+              <a:rPr lang="en-GB" b="0" i="1" dirty="0">
+                <a:solidFill>
+                  <a:srgbClr val="333333"/>
+                </a:solidFill>
+                <a:effectLst/>
+                <a:latin typeface="Segoe UI" panose="020B0502040204020203" pitchFamily="34" charset="0"/>
+              </a:rPr>
+              <a:t>(MCT ~</a:t>
+            </a:r>
+            <a:r>
+              <a:rPr lang="en-GB" i="1" dirty="0">
+                <a:solidFill>
+                  <a:srgbClr val="333333"/>
+                </a:solidFill>
+                <a:latin typeface="Segoe UI" panose="020B0502040204020203" pitchFamily="34" charset="0"/>
+              </a:rPr>
+              <a:t>!=</a:t>
+            </a:r>
+            <a:r>
+              <a:rPr lang="en-GB" b="0" i="1" dirty="0">
+                <a:solidFill>
+                  <a:srgbClr val="333333"/>
+                </a:solidFill>
+                <a:effectLst/>
+                <a:latin typeface="Segoe UI" panose="020B0502040204020203" pitchFamily="34" charset="0"/>
+              </a:rPr>
+              <a:t> GitHub)</a:t>
+            </a:r>
+          </a:p>
+          <a:p>
+            <a:r>
+              <a:rPr lang="en-GB" b="0" i="0" dirty="0">
+                <a:solidFill>
+                  <a:srgbClr val="333333"/>
+                </a:solidFill>
+                <a:effectLst/>
+                <a:latin typeface="Segoe UI" panose="020B0502040204020203" pitchFamily="34" charset="0"/>
+              </a:rPr>
+              <a:t>GitHub Education</a:t>
+            </a:r>
+            <a:br>
+              <a:rPr lang="en-GB" b="0" i="0" dirty="0">
+                <a:solidFill>
+                  <a:srgbClr val="333333"/>
+                </a:solidFill>
+                <a:effectLst/>
+                <a:latin typeface="Segoe UI" panose="020B0502040204020203" pitchFamily="34" charset="0"/>
+              </a:rPr>
+            </a:br>
+            <a:r>
+              <a:rPr lang="en-GB" b="0" i="0" dirty="0">
+                <a:solidFill>
+                  <a:srgbClr val="333333"/>
+                </a:solidFill>
+                <a:effectLst/>
+                <a:latin typeface="Segoe UI" panose="020B0502040204020203" pitchFamily="34" charset="0"/>
+                <a:hlinkClick r:id="rId4"/>
+              </a:rPr>
+              <a:t>https://education.github.com/experiences/foundations_certificate</a:t>
+            </a:r>
+            <a:endParaRPr lang="en-GB" b="0" i="0" dirty="0">
+              <a:solidFill>
+                <a:srgbClr val="333333"/>
+              </a:solidFill>
+              <a:effectLst/>
+              <a:latin typeface="Segoe UI" panose="020B0502040204020203" pitchFamily="34" charset="0"/>
+            </a:endParaRPr>
+          </a:p>
+          <a:p>
+            <a:r>
+              <a:rPr lang="en-GB" dirty="0">
+                <a:hlinkClick r:id="rId5"/>
+              </a:rPr>
+              <a:t>https://github.com/LadyKerr/github-certification-guide/blob/main/study-guides/gh-foundations.md</a:t>
+            </a:r>
+            <a:endParaRPr lang="en-GB" i="1" dirty="0"/>
+          </a:p>
+          <a:p>
+            <a:pPr lvl="1"/>
+            <a:r>
+              <a:rPr lang="en-GB" b="0" i="1" dirty="0" err="1">
+                <a:solidFill>
+                  <a:srgbClr val="333333"/>
+                </a:solidFill>
+                <a:effectLst/>
+                <a:latin typeface="Segoe UI" panose="020B0502040204020203" pitchFamily="34" charset="0"/>
+              </a:rPr>
+              <a:t>Datacamp</a:t>
+            </a:r>
+            <a:r>
+              <a:rPr lang="en-GB" b="0" i="1" dirty="0">
+                <a:solidFill>
+                  <a:srgbClr val="333333"/>
+                </a:solidFill>
+                <a:effectLst/>
+                <a:latin typeface="Segoe UI" panose="020B0502040204020203" pitchFamily="34" charset="0"/>
+              </a:rPr>
+              <a:t> (free sign-up)</a:t>
+            </a:r>
+          </a:p>
+          <a:p>
+            <a:pPr lvl="1"/>
+            <a:r>
+              <a:rPr lang="en-GB" b="0" i="1" dirty="0">
+                <a:solidFill>
+                  <a:srgbClr val="333333"/>
+                </a:solidFill>
+                <a:effectLst/>
+                <a:latin typeface="Segoe UI" panose="020B0502040204020203" pitchFamily="34" charset="0"/>
+              </a:rPr>
+              <a:t>LinkedIn Learning (free trial – all platforms, Udemy, Pluralsight etc. all have free trials, trial them all and find what works for you and share your experience with your friends and colleagues.)</a:t>
+            </a:r>
+          </a:p>
+          <a:p>
+            <a:pPr lvl="1"/>
+            <a:r>
+              <a:rPr lang="en-GB" i="1" dirty="0">
+                <a:solidFill>
+                  <a:srgbClr val="333333"/>
+                </a:solidFill>
+                <a:latin typeface="Segoe UI" panose="020B0502040204020203" pitchFamily="34" charset="0"/>
+              </a:rPr>
+              <a:t>GitHub Education (if you have a .</a:t>
+            </a:r>
+            <a:r>
+              <a:rPr lang="en-GB" i="1" dirty="0" err="1">
+                <a:solidFill>
+                  <a:srgbClr val="333333"/>
+                </a:solidFill>
+                <a:latin typeface="Segoe UI" panose="020B0502040204020203" pitchFamily="34" charset="0"/>
+              </a:rPr>
+              <a:t>edu</a:t>
+            </a:r>
+            <a:r>
+              <a:rPr lang="en-GB" i="1" dirty="0">
+                <a:solidFill>
+                  <a:srgbClr val="333333"/>
+                </a:solidFill>
+                <a:latin typeface="Segoe UI" panose="020B0502040204020203" pitchFamily="34" charset="0"/>
+              </a:rPr>
+              <a:t> email address, unlocks bonus content on the GitHub Education site)</a:t>
+            </a:r>
+          </a:p>
+          <a:p>
+            <a:r>
+              <a:rPr lang="en-GB" i="1" dirty="0">
+                <a:solidFill>
+                  <a:srgbClr val="333333"/>
+                </a:solidFill>
+                <a:latin typeface="Segoe UI" panose="020B0502040204020203" pitchFamily="34" charset="0"/>
+              </a:rPr>
+              <a:t>3</a:t>
+            </a:r>
+            <a:r>
+              <a:rPr lang="en-GB" i="1" baseline="30000" dirty="0">
+                <a:solidFill>
+                  <a:srgbClr val="333333"/>
+                </a:solidFill>
+                <a:latin typeface="Segoe UI" panose="020B0502040204020203" pitchFamily="34" charset="0"/>
+              </a:rPr>
+              <a:t>rd</a:t>
+            </a:r>
+            <a:r>
+              <a:rPr lang="en-GB" i="1" dirty="0">
+                <a:solidFill>
+                  <a:srgbClr val="333333"/>
+                </a:solidFill>
+                <a:latin typeface="Segoe UI" panose="020B0502040204020203" pitchFamily="34" charset="0"/>
+              </a:rPr>
+              <a:t> party resources e.g.: </a:t>
+            </a:r>
+            <a:r>
+              <a:rPr lang="en-GB" b="0" i="1" dirty="0">
+                <a:solidFill>
+                  <a:srgbClr val="333333"/>
+                </a:solidFill>
+                <a:effectLst/>
+                <a:latin typeface="Segoe UI" panose="020B0502040204020203" pitchFamily="34" charset="0"/>
+                <a:hlinkClick r:id="rId6"/>
+              </a:rPr>
+              <a:t>https://github.com/btkrausen/github</a:t>
+            </a:r>
+            <a:r>
+              <a:rPr lang="en-GB" b="0" i="1">
+                <a:solidFill>
+                  <a:srgbClr val="333333"/>
+                </a:solidFill>
+                <a:effectLst/>
+                <a:latin typeface="Segoe UI" panose="020B0502040204020203" pitchFamily="34" charset="0"/>
+                <a:hlinkClick r:id="rId6"/>
+              </a:rPr>
+              <a:t>_certification</a:t>
+            </a:r>
+            <a:endParaRPr lang="en-GB" i="1" dirty="0">
+              <a:solidFill>
+                <a:srgbClr val="333333"/>
+              </a:solidFill>
+              <a:latin typeface="Segoe UI" panose="020B0502040204020203" pitchFamily="34" charset="0"/>
+            </a:endParaRPr>
+          </a:p>
+          <a:p>
+            <a:r>
+              <a:rPr lang="en-GB" b="0" i="0">
+                <a:solidFill>
+                  <a:srgbClr val="333333"/>
+                </a:solidFill>
+                <a:effectLst/>
+                <a:latin typeface="Segoe UI" panose="020B0502040204020203" pitchFamily="34" charset="0"/>
+              </a:rPr>
+              <a:t>Candidate </a:t>
+            </a:r>
+            <a:r>
+              <a:rPr lang="en-GB" b="0" i="0" dirty="0">
+                <a:solidFill>
+                  <a:srgbClr val="333333"/>
+                </a:solidFill>
+                <a:effectLst/>
+                <a:latin typeface="Segoe UI" panose="020B0502040204020203" pitchFamily="34" charset="0"/>
+              </a:rPr>
+              <a:t>Handbook (logistics)</a:t>
+            </a:r>
+            <a:br>
+              <a:rPr lang="en-GB" b="0" i="0" dirty="0">
+                <a:solidFill>
+                  <a:srgbClr val="333333"/>
+                </a:solidFill>
+                <a:effectLst/>
+                <a:latin typeface="Segoe UI" panose="020B0502040204020203" pitchFamily="34" charset="0"/>
+              </a:rPr>
+            </a:br>
+            <a:r>
+              <a:rPr lang="en-GB" b="0" i="0" dirty="0">
+                <a:solidFill>
+                  <a:srgbClr val="333333"/>
+                </a:solidFill>
+                <a:effectLst/>
+                <a:latin typeface="Segoe UI" panose="020B0502040204020203" pitchFamily="34" charset="0"/>
+                <a:hlinkClick r:id="rId7"/>
+              </a:rPr>
+              <a:t>https://examregistration.github.com/handbook</a:t>
+            </a:r>
+            <a:endParaRPr lang="en-GB" b="0" i="0" dirty="0">
+              <a:solidFill>
+                <a:srgbClr val="333333"/>
+              </a:solidFill>
+              <a:effectLst/>
+              <a:latin typeface="Segoe UI" panose="020B0502040204020203" pitchFamily="34" charset="0"/>
+            </a:endParaRPr>
+          </a:p>
+          <a:p>
+            <a:r>
+              <a:rPr lang="en-GB" dirty="0">
+                <a:solidFill>
+                  <a:srgbClr val="333333"/>
+                </a:solidFill>
+                <a:latin typeface="Segoe UI" panose="020B0502040204020203" pitchFamily="34" charset="0"/>
+              </a:rPr>
+              <a:t>GitHub Docs</a:t>
+            </a:r>
+            <a:br>
+              <a:rPr lang="en-GB" dirty="0">
+                <a:solidFill>
+                  <a:srgbClr val="333333"/>
+                </a:solidFill>
+                <a:latin typeface="Segoe UI" panose="020B0502040204020203" pitchFamily="34" charset="0"/>
+              </a:rPr>
+            </a:br>
+            <a:r>
+              <a:rPr lang="en-GB" b="0" i="0" dirty="0">
+                <a:solidFill>
+                  <a:srgbClr val="333333"/>
+                </a:solidFill>
+                <a:effectLst/>
+                <a:latin typeface="Segoe UI" panose="020B0502040204020203" pitchFamily="34" charset="0"/>
+                <a:hlinkClick r:id="rId8"/>
+              </a:rPr>
+              <a:t>https://docs.github.com/en</a:t>
+            </a:r>
+            <a:endParaRPr lang="en-GB" b="0" i="0" dirty="0">
+              <a:solidFill>
+                <a:srgbClr val="333333"/>
+              </a:solidFill>
+              <a:effectLst/>
+              <a:latin typeface="Segoe UI" panose="020B0502040204020203" pitchFamily="34" charset="0"/>
+            </a:endParaRPr>
           </a:p>
         </p:txBody>
       </p:sp>
@@ -7321,7 +7497,7 @@
           <p:cNvPr id="4" name="Slide Number Placeholder 3">
             <a:extLst>
               <a:ext uri="{FF2B5EF4-FFF2-40B4-BE49-F238E27FC236}">
-                <a16:creationId xmlns:a16="http://schemas.microsoft.com/office/drawing/2014/main" id="{0EBCACDE-C165-44BD-5C05-9CF2E690A14E}"/>
+                <a16:creationId xmlns:a16="http://schemas.microsoft.com/office/drawing/2014/main" id="{5D13E95C-6DCC-79CD-C7CE-6288EF4D2FFE}"/>
               </a:ext>
             </a:extLst>
           </p:cNvPr>
@@ -7340,6 +7516,93 @@
             <a:fld id="{239CC275-0F17-4CFE-B2FE-5727017C3401}" type="slidenum">
               <a:rPr lang="en-AU" smtClean="0"/>
               <a:t>23</a:t>
+            </a:fld>
+            <a:endParaRPr lang="en-AU"/>
+          </a:p>
+        </p:txBody>
+      </p:sp>
+    </p:spTree>
+    <p:extLst>
+      <p:ext uri="{BB962C8B-B14F-4D97-AF65-F5344CB8AC3E}">
+        <p14:creationId xmlns:p14="http://schemas.microsoft.com/office/powerpoint/2010/main" val="2440630559"/>
+      </p:ext>
+    </p:extLst>
+  </p:cSld>
+  <p:clrMapOvr>
+    <a:masterClrMapping/>
+  </p:clrMapOvr>
+</p:sld>
+</file>
+
+<file path=ppt/slides/slide24.xml><?xml version="1.0" encoding="utf-8"?>
+<p:sld xmlns:a="http://schemas.openxmlformats.org/drawingml/2006/main" xmlns:r="http://schemas.openxmlformats.org/officeDocument/2006/relationships" xmlns:p="http://schemas.openxmlformats.org/presentationml/2006/main">
+  <p:cSld>
+    <p:spTree>
+      <p:nvGrpSpPr>
+        <p:cNvPr id="1" name=""/>
+        <p:cNvGrpSpPr/>
+        <p:nvPr/>
+      </p:nvGrpSpPr>
+      <p:grpSpPr>
+        <a:xfrm>
+          <a:off x="0" y="0"/>
+          <a:ext cx="0" cy="0"/>
+          <a:chOff x="0" y="0"/>
+          <a:chExt cx="0" cy="0"/>
+        </a:xfrm>
+      </p:grpSpPr>
+      <p:sp>
+        <p:nvSpPr>
+          <p:cNvPr id="2" name="Title 1">
+            <a:extLst>
+              <a:ext uri="{FF2B5EF4-FFF2-40B4-BE49-F238E27FC236}">
+                <a16:creationId xmlns:a16="http://schemas.microsoft.com/office/drawing/2014/main" id="{346F3512-FEDB-6461-8B37-9A28F7A0121C}"/>
+              </a:ext>
+            </a:extLst>
+          </p:cNvPr>
+          <p:cNvSpPr>
+            <a:spLocks noGrp="1"/>
+          </p:cNvSpPr>
+          <p:nvPr>
+            <p:ph type="title"/>
+          </p:nvPr>
+        </p:nvSpPr>
+        <p:spPr/>
+        <p:txBody>
+          <a:bodyPr/>
+          <a:lstStyle/>
+          <a:p>
+            <a:r>
+              <a:rPr lang="en-AU" dirty="0"/>
+              <a:t>Exam tip [0]</a:t>
+            </a:r>
+          </a:p>
+        </p:txBody>
+      </p:sp>
+      <p:sp>
+        <p:nvSpPr>
+          <p:cNvPr id="4" name="Slide Number Placeholder 3">
+            <a:extLst>
+              <a:ext uri="{FF2B5EF4-FFF2-40B4-BE49-F238E27FC236}">
+                <a16:creationId xmlns:a16="http://schemas.microsoft.com/office/drawing/2014/main" id="{0EBCACDE-C165-44BD-5C05-9CF2E690A14E}"/>
+              </a:ext>
+            </a:extLst>
+          </p:cNvPr>
+          <p:cNvSpPr>
+            <a:spLocks noGrp="1"/>
+          </p:cNvSpPr>
+          <p:nvPr>
+            <p:ph type="sldNum" sz="quarter" idx="12"/>
+          </p:nvPr>
+        </p:nvSpPr>
+        <p:spPr/>
+        <p:txBody>
+          <a:bodyPr/>
+          <a:lstStyle/>
+          <a:p>
+            <a:fld id="{239CC275-0F17-4CFE-B2FE-5727017C3401}" type="slidenum">
+              <a:rPr lang="en-AU" smtClean="0"/>
+              <a:t>24</a:t>
             </a:fld>
             <a:endParaRPr lang="en-AU"/>
           </a:p>
@@ -7405,467 +7668,6 @@
 </p:sld>
 </file>
 
-<file path=ppt/slides/slide24.xml><?xml version="1.0" encoding="utf-8"?>
-<p:sld xmlns:a="http://schemas.openxmlformats.org/drawingml/2006/main" xmlns:r="http://schemas.openxmlformats.org/officeDocument/2006/relationships" xmlns:p="http://schemas.openxmlformats.org/presentationml/2006/main">
-  <p:cSld>
-    <p:spTree>
-      <p:nvGrpSpPr>
-        <p:cNvPr id="1" name=""/>
-        <p:cNvGrpSpPr/>
-        <p:nvPr/>
-      </p:nvGrpSpPr>
-      <p:grpSpPr>
-        <a:xfrm>
-          <a:off x="0" y="0"/>
-          <a:ext cx="0" cy="0"/>
-          <a:chOff x="0" y="0"/>
-          <a:chExt cx="0" cy="0"/>
-        </a:xfrm>
-      </p:grpSpPr>
-      <p:sp>
-        <p:nvSpPr>
-          <p:cNvPr id="2" name="Title 1">
-            <a:extLst>
-              <a:ext uri="{FF2B5EF4-FFF2-40B4-BE49-F238E27FC236}">
-                <a16:creationId xmlns:a16="http://schemas.microsoft.com/office/drawing/2014/main" id="{346F3512-FEDB-6461-8B37-9A28F7A0121C}"/>
-              </a:ext>
-            </a:extLst>
-          </p:cNvPr>
-          <p:cNvSpPr>
-            <a:spLocks noGrp="1"/>
-          </p:cNvSpPr>
-          <p:nvPr>
-            <p:ph type="title"/>
-          </p:nvPr>
-        </p:nvSpPr>
-        <p:spPr/>
-        <p:txBody>
-          <a:bodyPr/>
-          <a:lstStyle/>
-          <a:p>
-            <a:r>
-              <a:rPr lang="en-AU" dirty="0"/>
-              <a:t>Exam tip [1-2]</a:t>
-            </a:r>
-          </a:p>
-        </p:txBody>
-      </p:sp>
-      <p:sp>
-        <p:nvSpPr>
-          <p:cNvPr id="3" name="Content Placeholder 2">
-            <a:extLst>
-              <a:ext uri="{FF2B5EF4-FFF2-40B4-BE49-F238E27FC236}">
-                <a16:creationId xmlns:a16="http://schemas.microsoft.com/office/drawing/2014/main" id="{C77DF50E-28D7-4493-2722-5E3E00C616D0}"/>
-              </a:ext>
-            </a:extLst>
-          </p:cNvPr>
-          <p:cNvSpPr>
-            <a:spLocks noGrp="1"/>
-          </p:cNvSpPr>
-          <p:nvPr>
-            <p:ph idx="1"/>
-          </p:nvPr>
-        </p:nvSpPr>
-        <p:spPr>
-          <a:xfrm>
-            <a:off x="592428" y="1416676"/>
-            <a:ext cx="10761372" cy="5000453"/>
-          </a:xfrm>
-        </p:spPr>
-        <p:txBody>
-          <a:bodyPr>
-            <a:normAutofit fontScale="85000" lnSpcReduction="20000"/>
-          </a:bodyPr>
-          <a:lstStyle/>
-          <a:p>
-            <a:pPr algn="l">
-              <a:buFont typeface="+mj-lt"/>
-              <a:buAutoNum type="arabicPeriod"/>
-            </a:pPr>
-            <a:r>
-              <a:rPr lang="en-GB" b="1" i="0" dirty="0">
-                <a:solidFill>
-                  <a:srgbClr val="333333"/>
-                </a:solidFill>
-                <a:effectLst/>
-                <a:latin typeface="Segoe UI" panose="020B0502040204020203" pitchFamily="34" charset="0"/>
-              </a:rPr>
-              <a:t> Prepare </a:t>
-            </a:r>
-          </a:p>
-          <a:p>
-            <a:pPr lvl="1">
-              <a:buFontTx/>
-              <a:buChar char="-"/>
-            </a:pPr>
-            <a:r>
-              <a:rPr lang="en-GB" dirty="0">
-                <a:solidFill>
-                  <a:srgbClr val="333333"/>
-                </a:solidFill>
-                <a:latin typeface="Segoe UI" panose="020B0502040204020203" pitchFamily="34" charset="0"/>
-              </a:rPr>
-              <a:t>Complete the Microsoft Learn modules, including the </a:t>
-            </a:r>
-            <a:r>
-              <a:rPr lang="en-GB" i="0" dirty="0">
-                <a:solidFill>
-                  <a:srgbClr val="333333"/>
-                </a:solidFill>
-                <a:effectLst/>
-                <a:latin typeface="Segoe UI" panose="020B0502040204020203" pitchFamily="34" charset="0"/>
-              </a:rPr>
-              <a:t>Hands-On Labs.</a:t>
-            </a:r>
-          </a:p>
-          <a:p>
-            <a:pPr lvl="1">
-              <a:buFontTx/>
-              <a:buChar char="-"/>
-            </a:pPr>
-            <a:r>
-              <a:rPr lang="en-GB" dirty="0">
-                <a:solidFill>
-                  <a:srgbClr val="333333"/>
-                </a:solidFill>
-                <a:latin typeface="Segoe UI" panose="020B0502040204020203" pitchFamily="34" charset="0"/>
-              </a:rPr>
-              <a:t>I recommend John Savill’s Technical Training (YouTube, free)</a:t>
-            </a:r>
-          </a:p>
-          <a:p>
-            <a:pPr lvl="1">
-              <a:buFontTx/>
-              <a:buChar char="-"/>
-            </a:pPr>
-            <a:r>
-              <a:rPr lang="en-GB" i="0" dirty="0">
-                <a:solidFill>
-                  <a:srgbClr val="333333"/>
-                </a:solidFill>
-                <a:effectLst/>
-                <a:latin typeface="Segoe UI" panose="020B0502040204020203" pitchFamily="34" charset="0"/>
-              </a:rPr>
-              <a:t>Practice makes progress. Practice tests are a MUST: </a:t>
-            </a:r>
-            <a:r>
-              <a:rPr lang="en-GB" i="0" dirty="0">
-                <a:solidFill>
-                  <a:srgbClr val="333333"/>
-                </a:solidFill>
-                <a:effectLst/>
-                <a:latin typeface="Segoe UI" panose="020B0502040204020203" pitchFamily="34" charset="0"/>
-                <a:hlinkClick r:id="rId2"/>
-              </a:rPr>
-              <a:t>https://ghcertified.com/practice_tests/foundations/</a:t>
-            </a:r>
-            <a:endParaRPr lang="en-GB" i="0" dirty="0">
-              <a:solidFill>
-                <a:srgbClr val="333333"/>
-              </a:solidFill>
-              <a:effectLst/>
-              <a:latin typeface="Segoe UI" panose="020B0502040204020203" pitchFamily="34" charset="0"/>
-            </a:endParaRPr>
-          </a:p>
-          <a:p>
-            <a:pPr marL="457200" lvl="1" indent="0">
-              <a:buNone/>
-            </a:pPr>
-            <a:endParaRPr lang="en-GB" b="1" i="0" dirty="0">
-              <a:solidFill>
-                <a:srgbClr val="333333"/>
-              </a:solidFill>
-              <a:effectLst/>
-              <a:latin typeface="Segoe UI" panose="020B0502040204020203" pitchFamily="34" charset="0"/>
-            </a:endParaRPr>
-          </a:p>
-          <a:p>
-            <a:pPr algn="l">
-              <a:buFont typeface="+mj-lt"/>
-              <a:buAutoNum type="arabicPeriod"/>
-            </a:pPr>
-            <a:r>
-              <a:rPr lang="en-GB" b="1" i="0" dirty="0">
-                <a:solidFill>
-                  <a:srgbClr val="333333"/>
-                </a:solidFill>
-                <a:effectLst/>
-                <a:latin typeface="Segoe UI" panose="020B0502040204020203" pitchFamily="34" charset="0"/>
-              </a:rPr>
-              <a:t> Keep calm and carry on</a:t>
-            </a:r>
-            <a:endParaRPr lang="en-GB" dirty="0">
-              <a:solidFill>
-                <a:srgbClr val="333333"/>
-              </a:solidFill>
-              <a:latin typeface="Segoe UI" panose="020B0502040204020203" pitchFamily="34" charset="0"/>
-            </a:endParaRPr>
-          </a:p>
-          <a:p>
-            <a:pPr marL="457200" lvl="1" indent="0">
-              <a:buNone/>
-            </a:pPr>
-            <a:r>
-              <a:rPr lang="en-GB" i="0" dirty="0">
-                <a:solidFill>
-                  <a:srgbClr val="333333"/>
-                </a:solidFill>
-                <a:effectLst/>
-                <a:latin typeface="Segoe UI" panose="020B0502040204020203" pitchFamily="34" charset="0"/>
-              </a:rPr>
-              <a:t>- 120 minutes to answer 75 questions</a:t>
-            </a:r>
-            <a:r>
-              <a:rPr lang="en-GB" dirty="0">
-                <a:solidFill>
-                  <a:srgbClr val="333333"/>
-                </a:solidFill>
-                <a:latin typeface="Segoe UI" panose="020B0502040204020203" pitchFamily="34" charset="0"/>
-              </a:rPr>
-              <a:t>.</a:t>
-            </a:r>
-          </a:p>
-          <a:p>
-            <a:pPr marL="457200" lvl="1" indent="0">
-              <a:buNone/>
-            </a:pPr>
-            <a:r>
-              <a:rPr lang="en-GB" b="0" i="0" dirty="0">
-                <a:solidFill>
-                  <a:srgbClr val="333333"/>
-                </a:solidFill>
-                <a:effectLst/>
-                <a:latin typeface="Segoe UI" panose="020B0502040204020203" pitchFamily="34" charset="0"/>
-              </a:rPr>
-              <a:t>- Carefully read through each question</a:t>
-            </a:r>
-            <a:r>
-              <a:rPr lang="en-GB" dirty="0">
-                <a:solidFill>
-                  <a:srgbClr val="333333"/>
-                </a:solidFill>
-                <a:latin typeface="Segoe UI" panose="020B0502040204020203" pitchFamily="34" charset="0"/>
-              </a:rPr>
-              <a:t>. </a:t>
-            </a:r>
-            <a:r>
-              <a:rPr lang="en-GB" b="0" i="0" dirty="0">
-                <a:solidFill>
-                  <a:srgbClr val="333333"/>
-                </a:solidFill>
-                <a:effectLst/>
-                <a:latin typeface="Segoe UI" panose="020B0502040204020203" pitchFamily="34" charset="0"/>
-              </a:rPr>
-              <a:t>Weigh up all of the options.</a:t>
-            </a:r>
-          </a:p>
-          <a:p>
-            <a:pPr marL="457200" lvl="1" indent="0">
-              <a:buNone/>
-            </a:pPr>
-            <a:r>
-              <a:rPr lang="en-GB" b="0" i="0" dirty="0">
-                <a:solidFill>
-                  <a:srgbClr val="333333"/>
-                </a:solidFill>
-                <a:effectLst/>
-                <a:latin typeface="Segoe UI" panose="020B0502040204020203" pitchFamily="34" charset="0"/>
-              </a:rPr>
-              <a:t>- Eliminate wrong answers. </a:t>
-            </a:r>
-          </a:p>
-          <a:p>
-            <a:pPr marL="457200" lvl="1" indent="0">
-              <a:buNone/>
-            </a:pPr>
-            <a:r>
-              <a:rPr lang="en-GB" dirty="0">
-                <a:solidFill>
-                  <a:srgbClr val="333333"/>
-                </a:solidFill>
-                <a:latin typeface="Segoe UI" panose="020B0502040204020203" pitchFamily="34" charset="0"/>
-              </a:rPr>
-              <a:t>- Choose the best available answer. </a:t>
-            </a:r>
-          </a:p>
-          <a:p>
-            <a:pPr marL="457200" lvl="1" indent="0">
-              <a:buNone/>
-            </a:pPr>
-            <a:r>
-              <a:rPr lang="en-GB" b="0" i="0" dirty="0">
-                <a:solidFill>
-                  <a:srgbClr val="333333"/>
-                </a:solidFill>
-                <a:effectLst/>
-                <a:latin typeface="Segoe UI" panose="020B0502040204020203" pitchFamily="34" charset="0"/>
-              </a:rPr>
-              <a:t>- If in doubt, </a:t>
-            </a:r>
-            <a:r>
-              <a:rPr lang="en-GB" dirty="0">
-                <a:solidFill>
-                  <a:srgbClr val="333333"/>
-                </a:solidFill>
-                <a:latin typeface="Segoe UI" panose="020B0502040204020203" pitchFamily="34" charset="0"/>
-              </a:rPr>
-              <a:t>t</a:t>
-            </a:r>
-            <a:r>
-              <a:rPr lang="en-GB" b="0" i="0" dirty="0">
-                <a:solidFill>
-                  <a:srgbClr val="333333"/>
-                </a:solidFill>
-                <a:effectLst/>
-                <a:latin typeface="Segoe UI" panose="020B0502040204020203" pitchFamily="34" charset="0"/>
-              </a:rPr>
-              <a:t>rust your gut / professional experience</a:t>
-            </a:r>
-            <a:r>
-              <a:rPr lang="en-GB" dirty="0">
-                <a:solidFill>
-                  <a:srgbClr val="333333"/>
-                </a:solidFill>
-                <a:latin typeface="Segoe UI" panose="020B0502040204020203" pitchFamily="34" charset="0"/>
-              </a:rPr>
-              <a:t> and give your best guess.</a:t>
-            </a:r>
-          </a:p>
-          <a:p>
-            <a:pPr marL="457200" lvl="1" indent="0">
-              <a:buNone/>
-            </a:pPr>
-            <a:r>
-              <a:rPr lang="en-GB" b="0" i="0" dirty="0">
-                <a:solidFill>
-                  <a:srgbClr val="333333"/>
-                </a:solidFill>
-                <a:effectLst/>
-                <a:latin typeface="Segoe UI" panose="020B0502040204020203" pitchFamily="34" charset="0"/>
-              </a:rPr>
-              <a:t>- Answer every question.</a:t>
-            </a:r>
-          </a:p>
-          <a:p>
-            <a:pPr marL="457200" lvl="1" indent="0">
-              <a:buNone/>
-            </a:pPr>
-            <a:r>
-              <a:rPr lang="en-GB" b="0" i="0" dirty="0">
-                <a:solidFill>
-                  <a:srgbClr val="333333"/>
-                </a:solidFill>
-                <a:effectLst/>
-                <a:latin typeface="Segoe UI" panose="020B0502040204020203" pitchFamily="34" charset="0"/>
-              </a:rPr>
-              <a:t>- Mark any questions if unsure, you can review later if there is time left at the end.</a:t>
-            </a:r>
-          </a:p>
-          <a:p>
-            <a:pPr marL="457200" lvl="1" indent="0">
-              <a:buNone/>
-            </a:pPr>
-            <a:r>
-              <a:rPr lang="en-GB" dirty="0">
-                <a:solidFill>
-                  <a:srgbClr val="333333"/>
-                </a:solidFill>
-                <a:latin typeface="Segoe UI" panose="020B0502040204020203" pitchFamily="34" charset="0"/>
-              </a:rPr>
-              <a:t>- Try not to</a:t>
-            </a:r>
-            <a:r>
-              <a:rPr lang="en-GB" b="0" i="0" dirty="0">
-                <a:solidFill>
-                  <a:srgbClr val="333333"/>
-                </a:solidFill>
-                <a:effectLst/>
-                <a:latin typeface="Segoe UI" panose="020B0502040204020203" pitchFamily="34" charset="0"/>
-              </a:rPr>
-              <a:t> second guess yourself. Only change your answer if confident you misread or misunderstood the question first </a:t>
-            </a:r>
-            <a:r>
-              <a:rPr lang="en-GB" dirty="0">
-                <a:solidFill>
-                  <a:srgbClr val="333333"/>
-                </a:solidFill>
-                <a:latin typeface="Segoe UI" panose="020B0502040204020203" pitchFamily="34" charset="0"/>
-              </a:rPr>
-              <a:t>time round</a:t>
-            </a:r>
-            <a:r>
-              <a:rPr lang="en-GB" b="0" i="0" dirty="0">
-                <a:solidFill>
-                  <a:srgbClr val="333333"/>
-                </a:solidFill>
-                <a:effectLst/>
-                <a:latin typeface="Segoe UI" panose="020B0502040204020203" pitchFamily="34" charset="0"/>
-              </a:rPr>
-              <a:t>.</a:t>
-            </a:r>
-          </a:p>
-          <a:p>
-            <a:pPr marL="457200" lvl="1" indent="0">
-              <a:buNone/>
-            </a:pPr>
-            <a:r>
-              <a:rPr lang="en-GB" b="0" i="0" dirty="0">
-                <a:solidFill>
-                  <a:srgbClr val="333333"/>
-                </a:solidFill>
-                <a:effectLst/>
-                <a:latin typeface="Segoe UI" panose="020B0502040204020203" pitchFamily="34" charset="0"/>
-              </a:rPr>
-              <a:t>- Stay calm and focused — there’s no need to rush. </a:t>
-            </a:r>
-          </a:p>
-          <a:p>
-            <a:endParaRPr lang="en-AU" dirty="0"/>
-          </a:p>
-        </p:txBody>
-      </p:sp>
-      <p:sp>
-        <p:nvSpPr>
-          <p:cNvPr id="4" name="Slide Number Placeholder 3">
-            <a:extLst>
-              <a:ext uri="{FF2B5EF4-FFF2-40B4-BE49-F238E27FC236}">
-                <a16:creationId xmlns:a16="http://schemas.microsoft.com/office/drawing/2014/main" id="{0EBCACDE-C165-44BD-5C05-9CF2E690A14E}"/>
-              </a:ext>
-            </a:extLst>
-          </p:cNvPr>
-          <p:cNvSpPr>
-            <a:spLocks noGrp="1"/>
-          </p:cNvSpPr>
-          <p:nvPr>
-            <p:ph type="sldNum" sz="quarter" idx="12"/>
-          </p:nvPr>
-        </p:nvSpPr>
-        <p:spPr/>
-        <p:txBody>
-          <a:bodyPr/>
-          <a:lstStyle/>
-          <a:p>
-            <a:fld id="{239CC275-0F17-4CFE-B2FE-5727017C3401}" type="slidenum">
-              <a:rPr lang="en-AU" smtClean="0"/>
-              <a:t>24</a:t>
-            </a:fld>
-            <a:endParaRPr lang="en-AU"/>
-          </a:p>
-        </p:txBody>
-      </p:sp>
-    </p:spTree>
-    <p:extLst>
-      <p:ext uri="{BB962C8B-B14F-4D97-AF65-F5344CB8AC3E}">
-        <p14:creationId xmlns:p14="http://schemas.microsoft.com/office/powerpoint/2010/main" val="1890162970"/>
-      </p:ext>
-    </p:extLst>
-  </p:cSld>
-  <p:clrMapOvr>
-    <a:masterClrMapping/>
-  </p:clrMapOvr>
-</p:sld>
-</file>
-
 <file path=ppt/slides/slide25.xml><?xml version="1.0" encoding="utf-8"?>
 <p:sld xmlns:a="http://schemas.openxmlformats.org/drawingml/2006/main" xmlns:r="http://schemas.openxmlformats.org/officeDocument/2006/relationships" xmlns:p="http://schemas.openxmlformats.org/presentationml/2006/main">
   <p:cSld>
@@ -7888,6 +7690,467 @@
           <p:cNvPr id="2" name="Title 1">
             <a:extLst>
               <a:ext uri="{FF2B5EF4-FFF2-40B4-BE49-F238E27FC236}">
+                <a16:creationId xmlns:a16="http://schemas.microsoft.com/office/drawing/2014/main" id="{346F3512-FEDB-6461-8B37-9A28F7A0121C}"/>
+              </a:ext>
+            </a:extLst>
+          </p:cNvPr>
+          <p:cNvSpPr>
+            <a:spLocks noGrp="1"/>
+          </p:cNvSpPr>
+          <p:nvPr>
+            <p:ph type="title"/>
+          </p:nvPr>
+        </p:nvSpPr>
+        <p:spPr/>
+        <p:txBody>
+          <a:bodyPr/>
+          <a:lstStyle/>
+          <a:p>
+            <a:r>
+              <a:rPr lang="en-AU" dirty="0"/>
+              <a:t>Exam tip [1-2]</a:t>
+            </a:r>
+          </a:p>
+        </p:txBody>
+      </p:sp>
+      <p:sp>
+        <p:nvSpPr>
+          <p:cNvPr id="3" name="Content Placeholder 2">
+            <a:extLst>
+              <a:ext uri="{FF2B5EF4-FFF2-40B4-BE49-F238E27FC236}">
+                <a16:creationId xmlns:a16="http://schemas.microsoft.com/office/drawing/2014/main" id="{C77DF50E-28D7-4493-2722-5E3E00C616D0}"/>
+              </a:ext>
+            </a:extLst>
+          </p:cNvPr>
+          <p:cNvSpPr>
+            <a:spLocks noGrp="1"/>
+          </p:cNvSpPr>
+          <p:nvPr>
+            <p:ph idx="1"/>
+          </p:nvPr>
+        </p:nvSpPr>
+        <p:spPr>
+          <a:xfrm>
+            <a:off x="592428" y="1416676"/>
+            <a:ext cx="10761372" cy="5000453"/>
+          </a:xfrm>
+        </p:spPr>
+        <p:txBody>
+          <a:bodyPr>
+            <a:normAutofit fontScale="85000" lnSpcReduction="20000"/>
+          </a:bodyPr>
+          <a:lstStyle/>
+          <a:p>
+            <a:pPr algn="l">
+              <a:buFont typeface="+mj-lt"/>
+              <a:buAutoNum type="arabicPeriod"/>
+            </a:pPr>
+            <a:r>
+              <a:rPr lang="en-GB" b="1" i="0" dirty="0">
+                <a:solidFill>
+                  <a:srgbClr val="333333"/>
+                </a:solidFill>
+                <a:effectLst/>
+                <a:latin typeface="Segoe UI" panose="020B0502040204020203" pitchFamily="34" charset="0"/>
+              </a:rPr>
+              <a:t> Prepare </a:t>
+            </a:r>
+          </a:p>
+          <a:p>
+            <a:pPr lvl="1">
+              <a:buFontTx/>
+              <a:buChar char="-"/>
+            </a:pPr>
+            <a:r>
+              <a:rPr lang="en-GB" dirty="0">
+                <a:solidFill>
+                  <a:srgbClr val="333333"/>
+                </a:solidFill>
+                <a:latin typeface="Segoe UI" panose="020B0502040204020203" pitchFamily="34" charset="0"/>
+              </a:rPr>
+              <a:t>Complete the Microsoft Learn modules, including the </a:t>
+            </a:r>
+            <a:r>
+              <a:rPr lang="en-GB" i="0" dirty="0">
+                <a:solidFill>
+                  <a:srgbClr val="333333"/>
+                </a:solidFill>
+                <a:effectLst/>
+                <a:latin typeface="Segoe UI" panose="020B0502040204020203" pitchFamily="34" charset="0"/>
+              </a:rPr>
+              <a:t>Hands-On Labs.</a:t>
+            </a:r>
+          </a:p>
+          <a:p>
+            <a:pPr lvl="1">
+              <a:buFontTx/>
+              <a:buChar char="-"/>
+            </a:pPr>
+            <a:r>
+              <a:rPr lang="en-GB" dirty="0">
+                <a:solidFill>
+                  <a:srgbClr val="333333"/>
+                </a:solidFill>
+                <a:latin typeface="Segoe UI" panose="020B0502040204020203" pitchFamily="34" charset="0"/>
+              </a:rPr>
+              <a:t>I recommend John Savill’s Technical Training (YouTube, free)</a:t>
+            </a:r>
+          </a:p>
+          <a:p>
+            <a:pPr lvl="1">
+              <a:buFontTx/>
+              <a:buChar char="-"/>
+            </a:pPr>
+            <a:r>
+              <a:rPr lang="en-GB" i="0" dirty="0">
+                <a:solidFill>
+                  <a:srgbClr val="333333"/>
+                </a:solidFill>
+                <a:effectLst/>
+                <a:latin typeface="Segoe UI" panose="020B0502040204020203" pitchFamily="34" charset="0"/>
+              </a:rPr>
+              <a:t>Practice makes progress. Practice tests are a MUST: </a:t>
+            </a:r>
+            <a:r>
+              <a:rPr lang="en-GB" i="0" dirty="0">
+                <a:solidFill>
+                  <a:srgbClr val="333333"/>
+                </a:solidFill>
+                <a:effectLst/>
+                <a:latin typeface="Segoe UI" panose="020B0502040204020203" pitchFamily="34" charset="0"/>
+                <a:hlinkClick r:id="rId2"/>
+              </a:rPr>
+              <a:t>https://ghcertified.com/practice_tests/foundations/</a:t>
+            </a:r>
+            <a:endParaRPr lang="en-GB" i="0" dirty="0">
+              <a:solidFill>
+                <a:srgbClr val="333333"/>
+              </a:solidFill>
+              <a:effectLst/>
+              <a:latin typeface="Segoe UI" panose="020B0502040204020203" pitchFamily="34" charset="0"/>
+            </a:endParaRPr>
+          </a:p>
+          <a:p>
+            <a:pPr marL="457200" lvl="1" indent="0">
+              <a:buNone/>
+            </a:pPr>
+            <a:endParaRPr lang="en-GB" b="1" i="0" dirty="0">
+              <a:solidFill>
+                <a:srgbClr val="333333"/>
+              </a:solidFill>
+              <a:effectLst/>
+              <a:latin typeface="Segoe UI" panose="020B0502040204020203" pitchFamily="34" charset="0"/>
+            </a:endParaRPr>
+          </a:p>
+          <a:p>
+            <a:pPr algn="l">
+              <a:buFont typeface="+mj-lt"/>
+              <a:buAutoNum type="arabicPeriod"/>
+            </a:pPr>
+            <a:r>
+              <a:rPr lang="en-GB" b="1" i="0" dirty="0">
+                <a:solidFill>
+                  <a:srgbClr val="333333"/>
+                </a:solidFill>
+                <a:effectLst/>
+                <a:latin typeface="Segoe UI" panose="020B0502040204020203" pitchFamily="34" charset="0"/>
+              </a:rPr>
+              <a:t> Keep calm and carry on</a:t>
+            </a:r>
+            <a:endParaRPr lang="en-GB" dirty="0">
+              <a:solidFill>
+                <a:srgbClr val="333333"/>
+              </a:solidFill>
+              <a:latin typeface="Segoe UI" panose="020B0502040204020203" pitchFamily="34" charset="0"/>
+            </a:endParaRPr>
+          </a:p>
+          <a:p>
+            <a:pPr marL="457200" lvl="1" indent="0">
+              <a:buNone/>
+            </a:pPr>
+            <a:r>
+              <a:rPr lang="en-GB" i="0" dirty="0">
+                <a:solidFill>
+                  <a:srgbClr val="333333"/>
+                </a:solidFill>
+                <a:effectLst/>
+                <a:latin typeface="Segoe UI" panose="020B0502040204020203" pitchFamily="34" charset="0"/>
+              </a:rPr>
+              <a:t>- 120 minutes to answer 75 questions</a:t>
+            </a:r>
+            <a:r>
+              <a:rPr lang="en-GB" dirty="0">
+                <a:solidFill>
+                  <a:srgbClr val="333333"/>
+                </a:solidFill>
+                <a:latin typeface="Segoe UI" panose="020B0502040204020203" pitchFamily="34" charset="0"/>
+              </a:rPr>
+              <a:t>.</a:t>
+            </a:r>
+          </a:p>
+          <a:p>
+            <a:pPr marL="457200" lvl="1" indent="0">
+              <a:buNone/>
+            </a:pPr>
+            <a:r>
+              <a:rPr lang="en-GB" b="0" i="0" dirty="0">
+                <a:solidFill>
+                  <a:srgbClr val="333333"/>
+                </a:solidFill>
+                <a:effectLst/>
+                <a:latin typeface="Segoe UI" panose="020B0502040204020203" pitchFamily="34" charset="0"/>
+              </a:rPr>
+              <a:t>- Carefully read through each question</a:t>
+            </a:r>
+            <a:r>
+              <a:rPr lang="en-GB" dirty="0">
+                <a:solidFill>
+                  <a:srgbClr val="333333"/>
+                </a:solidFill>
+                <a:latin typeface="Segoe UI" panose="020B0502040204020203" pitchFamily="34" charset="0"/>
+              </a:rPr>
+              <a:t>. </a:t>
+            </a:r>
+            <a:r>
+              <a:rPr lang="en-GB" b="0" i="0" dirty="0">
+                <a:solidFill>
+                  <a:srgbClr val="333333"/>
+                </a:solidFill>
+                <a:effectLst/>
+                <a:latin typeface="Segoe UI" panose="020B0502040204020203" pitchFamily="34" charset="0"/>
+              </a:rPr>
+              <a:t>Weigh up all of the options.</a:t>
+            </a:r>
+          </a:p>
+          <a:p>
+            <a:pPr marL="457200" lvl="1" indent="0">
+              <a:buNone/>
+            </a:pPr>
+            <a:r>
+              <a:rPr lang="en-GB" b="0" i="0" dirty="0">
+                <a:solidFill>
+                  <a:srgbClr val="333333"/>
+                </a:solidFill>
+                <a:effectLst/>
+                <a:latin typeface="Segoe UI" panose="020B0502040204020203" pitchFamily="34" charset="0"/>
+              </a:rPr>
+              <a:t>- Eliminate wrong answers. </a:t>
+            </a:r>
+          </a:p>
+          <a:p>
+            <a:pPr marL="457200" lvl="1" indent="0">
+              <a:buNone/>
+            </a:pPr>
+            <a:r>
+              <a:rPr lang="en-GB" dirty="0">
+                <a:solidFill>
+                  <a:srgbClr val="333333"/>
+                </a:solidFill>
+                <a:latin typeface="Segoe UI" panose="020B0502040204020203" pitchFamily="34" charset="0"/>
+              </a:rPr>
+              <a:t>- Choose the best available answer. </a:t>
+            </a:r>
+          </a:p>
+          <a:p>
+            <a:pPr marL="457200" lvl="1" indent="0">
+              <a:buNone/>
+            </a:pPr>
+            <a:r>
+              <a:rPr lang="en-GB" b="0" i="0" dirty="0">
+                <a:solidFill>
+                  <a:srgbClr val="333333"/>
+                </a:solidFill>
+                <a:effectLst/>
+                <a:latin typeface="Segoe UI" panose="020B0502040204020203" pitchFamily="34" charset="0"/>
+              </a:rPr>
+              <a:t>- If in doubt, </a:t>
+            </a:r>
+            <a:r>
+              <a:rPr lang="en-GB" dirty="0">
+                <a:solidFill>
+                  <a:srgbClr val="333333"/>
+                </a:solidFill>
+                <a:latin typeface="Segoe UI" panose="020B0502040204020203" pitchFamily="34" charset="0"/>
+              </a:rPr>
+              <a:t>t</a:t>
+            </a:r>
+            <a:r>
+              <a:rPr lang="en-GB" b="0" i="0" dirty="0">
+                <a:solidFill>
+                  <a:srgbClr val="333333"/>
+                </a:solidFill>
+                <a:effectLst/>
+                <a:latin typeface="Segoe UI" panose="020B0502040204020203" pitchFamily="34" charset="0"/>
+              </a:rPr>
+              <a:t>rust your gut / professional experience</a:t>
+            </a:r>
+            <a:r>
+              <a:rPr lang="en-GB" dirty="0">
+                <a:solidFill>
+                  <a:srgbClr val="333333"/>
+                </a:solidFill>
+                <a:latin typeface="Segoe UI" panose="020B0502040204020203" pitchFamily="34" charset="0"/>
+              </a:rPr>
+              <a:t> and give your best guess.</a:t>
+            </a:r>
+          </a:p>
+          <a:p>
+            <a:pPr marL="457200" lvl="1" indent="0">
+              <a:buNone/>
+            </a:pPr>
+            <a:r>
+              <a:rPr lang="en-GB" b="0" i="0" dirty="0">
+                <a:solidFill>
+                  <a:srgbClr val="333333"/>
+                </a:solidFill>
+                <a:effectLst/>
+                <a:latin typeface="Segoe UI" panose="020B0502040204020203" pitchFamily="34" charset="0"/>
+              </a:rPr>
+              <a:t>- Answer every question.</a:t>
+            </a:r>
+          </a:p>
+          <a:p>
+            <a:pPr marL="457200" lvl="1" indent="0">
+              <a:buNone/>
+            </a:pPr>
+            <a:r>
+              <a:rPr lang="en-GB" b="0" i="0" dirty="0">
+                <a:solidFill>
+                  <a:srgbClr val="333333"/>
+                </a:solidFill>
+                <a:effectLst/>
+                <a:latin typeface="Segoe UI" panose="020B0502040204020203" pitchFamily="34" charset="0"/>
+              </a:rPr>
+              <a:t>- Mark any questions if unsure, you can review later if there is time left at the end.</a:t>
+            </a:r>
+          </a:p>
+          <a:p>
+            <a:pPr marL="457200" lvl="1" indent="0">
+              <a:buNone/>
+            </a:pPr>
+            <a:r>
+              <a:rPr lang="en-GB" dirty="0">
+                <a:solidFill>
+                  <a:srgbClr val="333333"/>
+                </a:solidFill>
+                <a:latin typeface="Segoe UI" panose="020B0502040204020203" pitchFamily="34" charset="0"/>
+              </a:rPr>
+              <a:t>- Try not to</a:t>
+            </a:r>
+            <a:r>
+              <a:rPr lang="en-GB" b="0" i="0" dirty="0">
+                <a:solidFill>
+                  <a:srgbClr val="333333"/>
+                </a:solidFill>
+                <a:effectLst/>
+                <a:latin typeface="Segoe UI" panose="020B0502040204020203" pitchFamily="34" charset="0"/>
+              </a:rPr>
+              <a:t> second guess yourself. Only change your answer if confident you misread or misunderstood the question first </a:t>
+            </a:r>
+            <a:r>
+              <a:rPr lang="en-GB" dirty="0">
+                <a:solidFill>
+                  <a:srgbClr val="333333"/>
+                </a:solidFill>
+                <a:latin typeface="Segoe UI" panose="020B0502040204020203" pitchFamily="34" charset="0"/>
+              </a:rPr>
+              <a:t>time round</a:t>
+            </a:r>
+            <a:r>
+              <a:rPr lang="en-GB" b="0" i="0" dirty="0">
+                <a:solidFill>
+                  <a:srgbClr val="333333"/>
+                </a:solidFill>
+                <a:effectLst/>
+                <a:latin typeface="Segoe UI" panose="020B0502040204020203" pitchFamily="34" charset="0"/>
+              </a:rPr>
+              <a:t>.</a:t>
+            </a:r>
+          </a:p>
+          <a:p>
+            <a:pPr marL="457200" lvl="1" indent="0">
+              <a:buNone/>
+            </a:pPr>
+            <a:r>
+              <a:rPr lang="en-GB" b="0" i="0" dirty="0">
+                <a:solidFill>
+                  <a:srgbClr val="333333"/>
+                </a:solidFill>
+                <a:effectLst/>
+                <a:latin typeface="Segoe UI" panose="020B0502040204020203" pitchFamily="34" charset="0"/>
+              </a:rPr>
+              <a:t>- Stay calm and focused — there’s no need to rush. </a:t>
+            </a:r>
+          </a:p>
+          <a:p>
+            <a:endParaRPr lang="en-AU" dirty="0"/>
+          </a:p>
+        </p:txBody>
+      </p:sp>
+      <p:sp>
+        <p:nvSpPr>
+          <p:cNvPr id="4" name="Slide Number Placeholder 3">
+            <a:extLst>
+              <a:ext uri="{FF2B5EF4-FFF2-40B4-BE49-F238E27FC236}">
+                <a16:creationId xmlns:a16="http://schemas.microsoft.com/office/drawing/2014/main" id="{0EBCACDE-C165-44BD-5C05-9CF2E690A14E}"/>
+              </a:ext>
+            </a:extLst>
+          </p:cNvPr>
+          <p:cNvSpPr>
+            <a:spLocks noGrp="1"/>
+          </p:cNvSpPr>
+          <p:nvPr>
+            <p:ph type="sldNum" sz="quarter" idx="12"/>
+          </p:nvPr>
+        </p:nvSpPr>
+        <p:spPr/>
+        <p:txBody>
+          <a:bodyPr/>
+          <a:lstStyle/>
+          <a:p>
+            <a:fld id="{239CC275-0F17-4CFE-B2FE-5727017C3401}" type="slidenum">
+              <a:rPr lang="en-AU" smtClean="0"/>
+              <a:t>25</a:t>
+            </a:fld>
+            <a:endParaRPr lang="en-AU"/>
+          </a:p>
+        </p:txBody>
+      </p:sp>
+    </p:spTree>
+    <p:extLst>
+      <p:ext uri="{BB962C8B-B14F-4D97-AF65-F5344CB8AC3E}">
+        <p14:creationId xmlns:p14="http://schemas.microsoft.com/office/powerpoint/2010/main" val="1890162970"/>
+      </p:ext>
+    </p:extLst>
+  </p:cSld>
+  <p:clrMapOvr>
+    <a:masterClrMapping/>
+  </p:clrMapOvr>
+</p:sld>
+</file>
+
+<file path=ppt/slides/slide26.xml><?xml version="1.0" encoding="utf-8"?>
+<p:sld xmlns:a="http://schemas.openxmlformats.org/drawingml/2006/main" xmlns:r="http://schemas.openxmlformats.org/officeDocument/2006/relationships" xmlns:p="http://schemas.openxmlformats.org/presentationml/2006/main">
+  <p:cSld>
+    <p:spTree>
+      <p:nvGrpSpPr>
+        <p:cNvPr id="1" name=""/>
+        <p:cNvGrpSpPr/>
+        <p:nvPr/>
+      </p:nvGrpSpPr>
+      <p:grpSpPr>
+        <a:xfrm>
+          <a:off x="0" y="0"/>
+          <a:ext cx="0" cy="0"/>
+          <a:chOff x="0" y="0"/>
+          <a:chExt cx="0" cy="0"/>
+        </a:xfrm>
+      </p:grpSpPr>
+      <p:sp>
+        <p:nvSpPr>
+          <p:cNvPr id="2" name="Title 1">
+            <a:extLst>
+              <a:ext uri="{FF2B5EF4-FFF2-40B4-BE49-F238E27FC236}">
                 <a16:creationId xmlns:a16="http://schemas.microsoft.com/office/drawing/2014/main" id="{82232B9F-F829-E6B4-C6C6-56AFF63E606E}"/>
               </a:ext>
             </a:extLst>
@@ -8078,7 +8341,7 @@
           <a:p>
             <a:fld id="{239CC275-0F17-4CFE-B2FE-5727017C3401}" type="slidenum">
               <a:rPr lang="en-AU" smtClean="0"/>
-              <a:t>25</a:t>
+              <a:t>26</a:t>
             </a:fld>
             <a:endParaRPr lang="en-AU"/>
           </a:p>
@@ -8144,7 +8407,7 @@
 </p:sld>
 </file>
 
-<file path=ppt/slides/slide26.xml><?xml version="1.0" encoding="utf-8"?>
+<file path=ppt/slides/slide27.xml><?xml version="1.0" encoding="utf-8"?>
 <p:sld xmlns:a="http://schemas.openxmlformats.org/drawingml/2006/main" xmlns:r="http://schemas.openxmlformats.org/officeDocument/2006/relationships" xmlns:p="http://schemas.openxmlformats.org/presentationml/2006/main">
   <p:cSld>
     <p:spTree>
@@ -8318,7 +8581,7 @@
           <a:p>
             <a:fld id="{239CC275-0F17-4CFE-B2FE-5727017C3401}" type="slidenum">
               <a:rPr lang="en-AU" smtClean="0"/>
-              <a:t>26</a:t>
+              <a:t>27</a:t>
             </a:fld>
             <a:endParaRPr lang="en-AU"/>
           </a:p>
@@ -8367,7 +8630,7 @@
 </p:sld>
 </file>
 
-<file path=ppt/slides/slide27.xml><?xml version="1.0" encoding="utf-8"?>
+<file path=ppt/slides/slide28.xml><?xml version="1.0" encoding="utf-8"?>
 <p:sld xmlns:a="http://schemas.openxmlformats.org/drawingml/2006/main" xmlns:r="http://schemas.openxmlformats.org/officeDocument/2006/relationships" xmlns:p="http://schemas.openxmlformats.org/presentationml/2006/main">
   <p:cSld>
     <p:spTree>
@@ -8386,10 +8649,111 @@
       </p:grpSpPr>
       <p:sp>
         <p:nvSpPr>
+          <p:cNvPr id="2" name="Title 1">
+            <a:extLst>
+              <a:ext uri="{FF2B5EF4-FFF2-40B4-BE49-F238E27FC236}">
+                <a16:creationId xmlns:a16="http://schemas.microsoft.com/office/drawing/2014/main" id="{4E4A6C61-01A9-C409-6D11-E7DD1925BED9}"/>
+              </a:ext>
+            </a:extLst>
+          </p:cNvPr>
+          <p:cNvSpPr>
+            <a:spLocks noGrp="1"/>
+          </p:cNvSpPr>
+          <p:nvPr>
+            <p:ph type="title"/>
+          </p:nvPr>
+        </p:nvSpPr>
+        <p:spPr/>
+        <p:txBody>
+          <a:bodyPr/>
+          <a:lstStyle/>
+          <a:p>
+            <a:r>
+              <a:rPr lang="en-GB" dirty="0">
+                <a:latin typeface="Roboto" panose="02000000000000000000" pitchFamily="2" charset="0"/>
+              </a:rPr>
+              <a:t>Covey’s 8th habit</a:t>
+            </a:r>
+            <a:endParaRPr lang="en-AU" dirty="0"/>
+          </a:p>
+        </p:txBody>
+      </p:sp>
+      <p:sp>
+        <p:nvSpPr>
+          <p:cNvPr id="3" name="Content Placeholder 2">
+            <a:extLst>
+              <a:ext uri="{FF2B5EF4-FFF2-40B4-BE49-F238E27FC236}">
+                <a16:creationId xmlns:a16="http://schemas.microsoft.com/office/drawing/2014/main" id="{7DF5EA92-89BD-B7B1-A9D4-55DF8EB5A084}"/>
+              </a:ext>
+            </a:extLst>
+          </p:cNvPr>
+          <p:cNvSpPr>
+            <a:spLocks noGrp="1"/>
+          </p:cNvSpPr>
+          <p:nvPr>
+            <p:ph idx="1"/>
+          </p:nvPr>
+        </p:nvSpPr>
+        <p:spPr/>
+        <p:txBody>
+          <a:bodyPr/>
+          <a:lstStyle/>
+          <a:p>
+            <a:r>
+              <a:rPr lang="en-GB" b="1" i="0" u="none" strike="noStrike" dirty="0">
+                <a:effectLst/>
+                <a:latin typeface="Roboto" panose="02000000000000000000" pitchFamily="2" charset="0"/>
+                <a:hlinkClick r:id="rId2"/>
+              </a:rPr>
+              <a:t>find your voice and inspire others to find theirs</a:t>
+            </a:r>
+            <a:r>
+              <a:rPr lang="en-GB" b="0" i="0" u="none" strike="noStrike" dirty="0">
+                <a:effectLst/>
+                <a:latin typeface="Roboto" panose="02000000000000000000" pitchFamily="2" charset="0"/>
+                <a:hlinkClick r:id="rId2"/>
+              </a:rPr>
+              <a:t>. This habit is about leadership and determining your unique contribution to the world. </a:t>
+            </a:r>
+          </a:p>
+          <a:p>
+            <a:r>
+              <a:rPr lang="en-GB" b="0" i="0" u="none" strike="noStrike" dirty="0">
+                <a:effectLst/>
+                <a:latin typeface="Roboto" panose="02000000000000000000" pitchFamily="2" charset="0"/>
+                <a:hlinkClick r:id="rId2"/>
+              </a:rPr>
+              <a:t>According to Covey, great leaders work on themselves first, making sure they’re balanced, well-rounded human beings before they try to influence others. </a:t>
+            </a:r>
+          </a:p>
+          <a:p>
+            <a:r>
+              <a:rPr lang="en-GB" b="0" i="0" u="none" strike="noStrike" dirty="0">
+                <a:effectLst/>
+                <a:latin typeface="Roboto" panose="02000000000000000000" pitchFamily="2" charset="0"/>
+                <a:hlinkClick r:id="rId2"/>
+              </a:rPr>
+              <a:t>The 8th habit is about inspiring others to find their voice and harness their real human potential. It takes profound personal reflection and asking deep questions to yourself to define your purpose and meaning</a:t>
+            </a:r>
+            <a:r>
+              <a:rPr lang="en-GB" b="0" i="0" u="none" strike="noStrike" dirty="0">
+                <a:effectLst/>
+                <a:latin typeface="Roboto" panose="02000000000000000000" pitchFamily="2" charset="0"/>
+              </a:rPr>
+              <a:t>.</a:t>
+            </a:r>
+          </a:p>
+          <a:p>
+            <a:endParaRPr lang="en-AU" dirty="0"/>
+          </a:p>
+        </p:txBody>
+      </p:sp>
+      <p:sp>
+        <p:nvSpPr>
           <p:cNvPr id="4" name="Slide Number Placeholder 3">
             <a:extLst>
               <a:ext uri="{FF2B5EF4-FFF2-40B4-BE49-F238E27FC236}">
-                <a16:creationId xmlns:a16="http://schemas.microsoft.com/office/drawing/2014/main" id="{C37A0015-6DC4-9F60-A806-E261CF64A1B5}"/>
+                <a16:creationId xmlns:a16="http://schemas.microsoft.com/office/drawing/2014/main" id="{56FF86CB-3B2E-986C-CA29-AE09021E571E}"/>
               </a:ext>
             </a:extLst>
           </p:cNvPr>
@@ -8407,7 +8771,66 @@
           <a:p>
             <a:fld id="{239CC275-0F17-4CFE-B2FE-5727017C3401}" type="slidenum">
               <a:rPr lang="en-AU" smtClean="0"/>
-              <a:t>27</a:t>
+              <a:t>28</a:t>
+            </a:fld>
+            <a:endParaRPr lang="en-AU"/>
+          </a:p>
+        </p:txBody>
+      </p:sp>
+    </p:spTree>
+    <p:extLst>
+      <p:ext uri="{BB962C8B-B14F-4D97-AF65-F5344CB8AC3E}">
+        <p14:creationId xmlns:p14="http://schemas.microsoft.com/office/powerpoint/2010/main" val="1837852830"/>
+      </p:ext>
+    </p:extLst>
+  </p:cSld>
+  <p:clrMapOvr>
+    <a:masterClrMapping/>
+  </p:clrMapOvr>
+</p:sld>
+</file>
+
+<file path=ppt/slides/slide29.xml><?xml version="1.0" encoding="utf-8"?>
+<p:sld xmlns:a="http://schemas.openxmlformats.org/drawingml/2006/main" xmlns:r="http://schemas.openxmlformats.org/officeDocument/2006/relationships" xmlns:p="http://schemas.openxmlformats.org/presentationml/2006/main">
+  <p:cSld>
+    <p:spTree>
+      <p:nvGrpSpPr>
+        <p:cNvPr id="1" name=""/>
+        <p:cNvGrpSpPr/>
+        <p:nvPr/>
+      </p:nvGrpSpPr>
+      <p:grpSpPr>
+        <a:xfrm>
+          <a:off x="0" y="0"/>
+          <a:ext cx="0" cy="0"/>
+          <a:chOff x="0" y="0"/>
+          <a:chExt cx="0" cy="0"/>
+        </a:xfrm>
+      </p:grpSpPr>
+      <p:sp>
+        <p:nvSpPr>
+          <p:cNvPr id="4" name="Slide Number Placeholder 3">
+            <a:extLst>
+              <a:ext uri="{FF2B5EF4-FFF2-40B4-BE49-F238E27FC236}">
+                <a16:creationId xmlns:a16="http://schemas.microsoft.com/office/drawing/2014/main" id="{C37A0015-6DC4-9F60-A806-E261CF64A1B5}"/>
+              </a:ext>
+            </a:extLst>
+          </p:cNvPr>
+          <p:cNvSpPr>
+            <a:spLocks noGrp="1"/>
+          </p:cNvSpPr>
+          <p:nvPr>
+            <p:ph type="sldNum" sz="quarter" idx="12"/>
+          </p:nvPr>
+        </p:nvSpPr>
+        <p:spPr/>
+        <p:txBody>
+          <a:bodyPr/>
+          <a:lstStyle/>
+          <a:p>
+            <a:fld id="{239CC275-0F17-4CFE-B2FE-5727017C3401}" type="slidenum">
+              <a:rPr lang="en-AU" smtClean="0"/>
+              <a:t>29</a:t>
             </a:fld>
             <a:endParaRPr lang="en-AU"/>
           </a:p>
